--- a/doc/Mokum Airways.pptx
+++ b/doc/Mokum Airways.pptx
@@ -12,10 +12,12 @@
     <p:sldId id="260" r:id="rId6"/>
     <p:sldId id="262" r:id="rId7"/>
     <p:sldId id="263" r:id="rId8"/>
-    <p:sldId id="268" r:id="rId9"/>
-    <p:sldId id="266" r:id="rId10"/>
-    <p:sldId id="264" r:id="rId11"/>
-    <p:sldId id="267" r:id="rId12"/>
+    <p:sldId id="269" r:id="rId9"/>
+    <p:sldId id="268" r:id="rId10"/>
+    <p:sldId id="266" r:id="rId11"/>
+    <p:sldId id="270" r:id="rId12"/>
+    <p:sldId id="264" r:id="rId13"/>
+    <p:sldId id="267" r:id="rId14"/>
   </p:sldIdLst>
   <p:sldSz cx="12192000" cy="6858000"/>
   <p:notesSz cx="6858000" cy="9144000"/>
@@ -295,7 +297,7 @@
           <a:p>
             <a:fld id="{E94D80B7-DD36-4185-980D-0CF2BC8D5235}" type="datetimeFigureOut">
               <a:rPr lang="nl-NL" smtClean="0"/>
-              <a:t>24-1-2018</a:t>
+              <a:t>26-1-2018</a:t>
             </a:fld>
             <a:endParaRPr lang="nl-NL"/>
           </a:p>
@@ -625,7 +627,7 @@
           <a:p>
             <a:fld id="{E94D80B7-DD36-4185-980D-0CF2BC8D5235}" type="datetimeFigureOut">
               <a:rPr lang="nl-NL" smtClean="0"/>
-              <a:t>24-1-2018</a:t>
+              <a:t>26-1-2018</a:t>
             </a:fld>
             <a:endParaRPr lang="nl-NL"/>
           </a:p>
@@ -805,7 +807,7 @@
           <a:p>
             <a:fld id="{E94D80B7-DD36-4185-980D-0CF2BC8D5235}" type="datetimeFigureOut">
               <a:rPr lang="nl-NL" smtClean="0"/>
-              <a:t>24-1-2018</a:t>
+              <a:t>26-1-2018</a:t>
             </a:fld>
             <a:endParaRPr lang="nl-NL"/>
           </a:p>
@@ -975,7 +977,7 @@
           <a:p>
             <a:fld id="{E94D80B7-DD36-4185-980D-0CF2BC8D5235}" type="datetimeFigureOut">
               <a:rPr lang="nl-NL" smtClean="0"/>
-              <a:t>24-1-2018</a:t>
+              <a:t>26-1-2018</a:t>
             </a:fld>
             <a:endParaRPr lang="nl-NL"/>
           </a:p>
@@ -1252,7 +1254,7 @@
           <a:p>
             <a:fld id="{E94D80B7-DD36-4185-980D-0CF2BC8D5235}" type="datetimeFigureOut">
               <a:rPr lang="nl-NL" smtClean="0"/>
-              <a:t>24-1-2018</a:t>
+              <a:t>26-1-2018</a:t>
             </a:fld>
             <a:endParaRPr lang="nl-NL"/>
           </a:p>
@@ -1646,7 +1648,7 @@
           <a:p>
             <a:fld id="{E94D80B7-DD36-4185-980D-0CF2BC8D5235}" type="datetimeFigureOut">
               <a:rPr lang="nl-NL" smtClean="0"/>
-              <a:t>24-1-2018</a:t>
+              <a:t>26-1-2018</a:t>
             </a:fld>
             <a:endParaRPr lang="nl-NL"/>
           </a:p>
@@ -2123,7 +2125,7 @@
           <a:p>
             <a:fld id="{E94D80B7-DD36-4185-980D-0CF2BC8D5235}" type="datetimeFigureOut">
               <a:rPr lang="nl-NL" smtClean="0"/>
-              <a:t>24-1-2018</a:t>
+              <a:t>26-1-2018</a:t>
             </a:fld>
             <a:endParaRPr lang="nl-NL"/>
           </a:p>
@@ -2241,7 +2243,7 @@
           <a:p>
             <a:fld id="{E94D80B7-DD36-4185-980D-0CF2BC8D5235}" type="datetimeFigureOut">
               <a:rPr lang="nl-NL" smtClean="0"/>
-              <a:t>24-1-2018</a:t>
+              <a:t>26-1-2018</a:t>
             </a:fld>
             <a:endParaRPr lang="nl-NL"/>
           </a:p>
@@ -2336,7 +2338,7 @@
           <a:p>
             <a:fld id="{E94D80B7-DD36-4185-980D-0CF2BC8D5235}" type="datetimeFigureOut">
               <a:rPr lang="nl-NL" smtClean="0"/>
-              <a:t>24-1-2018</a:t>
+              <a:t>26-1-2018</a:t>
             </a:fld>
             <a:endParaRPr lang="nl-NL"/>
           </a:p>
@@ -2682,7 +2684,7 @@
           <a:p>
             <a:fld id="{E94D80B7-DD36-4185-980D-0CF2BC8D5235}" type="datetimeFigureOut">
               <a:rPr lang="nl-NL" smtClean="0"/>
-              <a:t>24-1-2018</a:t>
+              <a:t>26-1-2018</a:t>
             </a:fld>
             <a:endParaRPr lang="nl-NL"/>
           </a:p>
@@ -3070,7 +3072,7 @@
           <a:p>
             <a:fld id="{E94D80B7-DD36-4185-980D-0CF2BC8D5235}" type="datetimeFigureOut">
               <a:rPr lang="nl-NL" smtClean="0"/>
-              <a:t>24-1-2018</a:t>
+              <a:t>26-1-2018</a:t>
             </a:fld>
             <a:endParaRPr lang="nl-NL"/>
           </a:p>
@@ -3348,7 +3350,7 @@
           <a:p>
             <a:fld id="{E94D80B7-DD36-4185-980D-0CF2BC8D5235}" type="datetimeFigureOut">
               <a:rPr lang="nl-NL" smtClean="0"/>
-              <a:t>24-1-2018</a:t>
+              <a:t>26-1-2018</a:t>
             </a:fld>
             <a:endParaRPr lang="nl-NL"/>
           </a:p>
@@ -3797,42 +3799,42 @@
   <p:extLst mod="1">
     <p:ext uri="{27BBF7A9-308A-43DC-89C8-2F10F3537804}">
       <p15:sldGuideLst xmlns:p15="http://schemas.microsoft.com/office/powerpoint/2012/main">
-        <p15:guide id="4294967295" orient="horz" pos="1368">
+        <p15:guide id="1" orient="horz" pos="1368">
           <p15:clr>
             <a:srgbClr val="F26B43"/>
           </p15:clr>
         </p15:guide>
-        <p15:guide id="4294967295" orient="horz" pos="1440">
+        <p15:guide id="2" orient="horz" pos="1440">
           <p15:clr>
             <a:srgbClr val="F26B43"/>
           </p15:clr>
         </p15:guide>
-        <p15:guide id="4294967295" orient="horz" pos="3696">
+        <p15:guide id="3" orient="horz" pos="3696">
           <p15:clr>
             <a:srgbClr val="F26B43"/>
           </p15:clr>
         </p15:guide>
-        <p15:guide id="4294967295" orient="horz" pos="432">
+        <p15:guide id="4" orient="horz" pos="432">
           <p15:clr>
             <a:srgbClr val="F26B43"/>
           </p15:clr>
         </p15:guide>
-        <p15:guide id="4294967295" orient="horz" pos="1512">
+        <p15:guide id="5" orient="horz" pos="1512">
           <p15:clr>
             <a:srgbClr val="F26B43"/>
           </p15:clr>
         </p15:guide>
-        <p15:guide id="4294967295" pos="6912">
+        <p15:guide id="6" pos="6912">
           <p15:clr>
             <a:srgbClr val="F26B43"/>
           </p15:clr>
         </p15:guide>
-        <p15:guide id="4294967295" pos="936">
+        <p15:guide id="7" pos="936">
           <p15:clr>
             <a:srgbClr val="F26B43"/>
           </p15:clr>
         </p15:guide>
-        <p15:guide id="4294967295" pos="864">
+        <p15:guide id="8" pos="864">
           <p15:clr>
             <a:srgbClr val="F26B43"/>
           </p15:clr>
@@ -3934,1630 +3936,6 @@
 </file>
 
 <file path=ppt/slides/slide10.xml><?xml version="1.0" encoding="utf-8"?>
-<p:sld xmlns:a="http://schemas.openxmlformats.org/drawingml/2006/main" xmlns:r="http://schemas.openxmlformats.org/officeDocument/2006/relationships" xmlns:p="http://schemas.openxmlformats.org/presentationml/2006/main">
-  <p:cSld>
-    <p:spTree>
-      <p:nvGrpSpPr>
-        <p:cNvPr id="1" name=""/>
-        <p:cNvGrpSpPr/>
-        <p:nvPr/>
-      </p:nvGrpSpPr>
-      <p:grpSpPr>
-        <a:xfrm>
-          <a:off x="0" y="0"/>
-          <a:ext cx="0" cy="0"/>
-          <a:chOff x="0" y="0"/>
-          <a:chExt cx="0" cy="0"/>
-        </a:xfrm>
-      </p:grpSpPr>
-      <p:sp>
-        <p:nvSpPr>
-          <p:cNvPr id="7" name="Titel 6">
-            <a:extLst>
-              <a:ext uri="{FF2B5EF4-FFF2-40B4-BE49-F238E27FC236}">
-                <a16:creationId xmlns:a16="http://schemas.microsoft.com/office/drawing/2014/main" xmlns="" id="{B023C60A-46E9-4EE8-9C95-36FE1185A60C}"/>
-              </a:ext>
-            </a:extLst>
-          </p:cNvPr>
-          <p:cNvSpPr>
-            <a:spLocks noGrp="1"/>
-          </p:cNvSpPr>
-          <p:nvPr>
-            <p:ph type="title"/>
-          </p:nvPr>
-        </p:nvSpPr>
-        <p:spPr/>
-        <p:txBody>
-          <a:bodyPr/>
-          <a:lstStyle/>
-          <a:p>
-            <a:r>
-              <a:rPr lang="nl-NL" dirty="0" err="1" smtClean="0"/>
-              <a:t>Current</a:t>
-            </a:r>
-            <a:r>
-              <a:rPr lang="nl-NL" dirty="0" smtClean="0"/>
-              <a:t> </a:t>
-            </a:r>
-            <a:r>
-              <a:rPr lang="nl-NL" dirty="0" err="1" smtClean="0"/>
-              <a:t>Results</a:t>
-            </a:r>
-            <a:endParaRPr lang="nl-NL" dirty="0"/>
-          </a:p>
-        </p:txBody>
-      </p:sp>
-      <p:sp>
-        <p:nvSpPr>
-          <p:cNvPr id="8" name="Tijdelijke aanduiding voor inhoud 7">
-            <a:extLst>
-              <a:ext uri="{FF2B5EF4-FFF2-40B4-BE49-F238E27FC236}">
-                <a16:creationId xmlns:a16="http://schemas.microsoft.com/office/drawing/2014/main" xmlns="" id="{3DD13823-E691-4E1C-BFED-03845170C27D}"/>
-              </a:ext>
-            </a:extLst>
-          </p:cNvPr>
-          <p:cNvSpPr>
-            <a:spLocks noGrp="1"/>
-          </p:cNvSpPr>
-          <p:nvPr>
-            <p:ph idx="1"/>
-          </p:nvPr>
-        </p:nvSpPr>
-        <p:spPr/>
-        <p:txBody>
-          <a:bodyPr>
-            <a:normAutofit/>
-          </a:bodyPr>
-          <a:lstStyle/>
-          <a:p>
-            <a:r>
-              <a:rPr lang="nl-NL" sz="2800" dirty="0" smtClean="0"/>
-              <a:t>Random </a:t>
-            </a:r>
-            <a:r>
-              <a:rPr lang="nl-NL" sz="2800" dirty="0" err="1" smtClean="0"/>
-              <a:t>Algorithm</a:t>
-            </a:r>
-            <a:endParaRPr lang="nl-NL" sz="2800" dirty="0" smtClean="0"/>
-          </a:p>
-          <a:p>
-            <a:pPr marL="0" indent="0">
-              <a:buNone/>
-            </a:pPr>
-            <a:r>
-              <a:rPr lang="nl-NL" sz="2800" dirty="0"/>
-              <a:t>	 </a:t>
-            </a:r>
-            <a:r>
-              <a:rPr lang="nl-NL" sz="2800" dirty="0" smtClean="0"/>
-              <a:t>Profit: </a:t>
-            </a:r>
-            <a:r>
-              <a:rPr lang="nl-NL" sz="2800" dirty="0" smtClean="0"/>
-              <a:t>€</a:t>
-            </a:r>
-            <a:r>
-              <a:rPr lang="nl-NL" sz="2800" dirty="0"/>
-              <a:t>8,837,371.00 </a:t>
-            </a:r>
-            <a:endParaRPr lang="nl-NL" sz="2800" dirty="0" smtClean="0"/>
-          </a:p>
-          <a:p>
-            <a:r>
-              <a:rPr lang="nl-NL" sz="2800" dirty="0" smtClean="0"/>
-              <a:t>Hill </a:t>
-            </a:r>
-            <a:r>
-              <a:rPr lang="nl-NL" sz="2800" dirty="0" err="1" smtClean="0"/>
-              <a:t>Climber</a:t>
-            </a:r>
-            <a:r>
-              <a:rPr lang="nl-NL" sz="2800" dirty="0" smtClean="0"/>
-              <a:t> </a:t>
-            </a:r>
-            <a:r>
-              <a:rPr lang="nl-NL" sz="2800" dirty="0" err="1" smtClean="0"/>
-              <a:t>Restart</a:t>
-            </a:r>
-            <a:r>
-              <a:rPr lang="nl-NL" sz="2800" dirty="0" smtClean="0"/>
-              <a:t>: </a:t>
-            </a:r>
-          </a:p>
-          <a:p>
-            <a:pPr marL="0" indent="0">
-              <a:buNone/>
-            </a:pPr>
-            <a:r>
-              <a:rPr lang="nl-NL" sz="2800" dirty="0" smtClean="0"/>
-              <a:t>	Profit: </a:t>
-            </a:r>
-            <a:r>
-              <a:rPr lang="nl-NL" sz="2800" dirty="0" smtClean="0"/>
-              <a:t>€</a:t>
-            </a:r>
-            <a:r>
-              <a:rPr lang="nl-NL" sz="2800" dirty="0"/>
-              <a:t> 11,662,645.00</a:t>
-            </a:r>
-          </a:p>
-          <a:p>
-            <a:r>
-              <a:rPr lang="nl-NL" sz="2800" dirty="0" err="1" smtClean="0"/>
-              <a:t>Simulated</a:t>
-            </a:r>
-            <a:r>
-              <a:rPr lang="nl-NL" sz="2800" dirty="0" smtClean="0"/>
-              <a:t> </a:t>
-            </a:r>
-            <a:r>
-              <a:rPr lang="nl-NL" sz="2800" dirty="0" err="1" smtClean="0"/>
-              <a:t>Annealing</a:t>
-            </a:r>
-            <a:r>
-              <a:rPr lang="nl-NL" sz="2800" dirty="0" smtClean="0"/>
-              <a:t>:</a:t>
-            </a:r>
-          </a:p>
-          <a:p>
-            <a:pPr marL="0" indent="0">
-              <a:buNone/>
-            </a:pPr>
-            <a:r>
-              <a:rPr lang="nl-NL" sz="2800" dirty="0"/>
-              <a:t>	</a:t>
-            </a:r>
-            <a:r>
-              <a:rPr lang="nl-NL" sz="2800" dirty="0" smtClean="0"/>
-              <a:t>Profit: €9,927,128.00</a:t>
-            </a:r>
-            <a:endParaRPr lang="nl-NL" sz="2800" dirty="0"/>
-          </a:p>
-        </p:txBody>
-      </p:sp>
-    </p:spTree>
-    <p:extLst>
-      <p:ext uri="{BB962C8B-B14F-4D97-AF65-F5344CB8AC3E}">
-        <p14:creationId xmlns:p14="http://schemas.microsoft.com/office/powerpoint/2010/main" val="3415795761"/>
-      </p:ext>
-    </p:extLst>
-  </p:cSld>
-  <p:clrMapOvr>
-    <a:masterClrMapping/>
-  </p:clrMapOvr>
-</p:sld>
-</file>
-
-<file path=ppt/slides/slide11.xml><?xml version="1.0" encoding="utf-8"?>
-<p:sld xmlns:a="http://schemas.openxmlformats.org/drawingml/2006/main" xmlns:r="http://schemas.openxmlformats.org/officeDocument/2006/relationships" xmlns:p="http://schemas.openxmlformats.org/presentationml/2006/main">
-  <p:cSld>
-    <p:spTree>
-      <p:nvGrpSpPr>
-        <p:cNvPr id="1" name=""/>
-        <p:cNvGrpSpPr/>
-        <p:nvPr/>
-      </p:nvGrpSpPr>
-      <p:grpSpPr>
-        <a:xfrm>
-          <a:off x="0" y="0"/>
-          <a:ext cx="0" cy="0"/>
-          <a:chOff x="0" y="0"/>
-          <a:chExt cx="0" cy="0"/>
-        </a:xfrm>
-      </p:grpSpPr>
-      <p:sp>
-        <p:nvSpPr>
-          <p:cNvPr id="2" name="Titel 1"/>
-          <p:cNvSpPr>
-            <a:spLocks noGrp="1"/>
-          </p:cNvSpPr>
-          <p:nvPr>
-            <p:ph type="title"/>
-          </p:nvPr>
-        </p:nvSpPr>
-        <p:spPr/>
-        <p:txBody>
-          <a:bodyPr/>
-          <a:lstStyle/>
-          <a:p>
-            <a:r>
-              <a:rPr lang="nl-NL" dirty="0" err="1" smtClean="0"/>
-              <a:t>Current</a:t>
-            </a:r>
-            <a:r>
-              <a:rPr lang="nl-NL" dirty="0" smtClean="0"/>
-              <a:t> </a:t>
-            </a:r>
-            <a:r>
-              <a:rPr lang="nl-NL" dirty="0" smtClean="0"/>
-              <a:t>Status</a:t>
-            </a:r>
-            <a:endParaRPr lang="nl-NL" dirty="0"/>
-          </a:p>
-        </p:txBody>
-      </p:sp>
-      <p:sp>
-        <p:nvSpPr>
-          <p:cNvPr id="3" name="Tijdelijke aanduiding voor inhoud 2"/>
-          <p:cNvSpPr>
-            <a:spLocks noGrp="1"/>
-          </p:cNvSpPr>
-          <p:nvPr>
-            <p:ph idx="1"/>
-          </p:nvPr>
-        </p:nvSpPr>
-        <p:spPr/>
-        <p:txBody>
-          <a:bodyPr/>
-          <a:lstStyle/>
-          <a:p>
-            <a:r>
-              <a:rPr lang="nl-NL" sz="2800" dirty="0" err="1" smtClean="0"/>
-              <a:t>Determine</a:t>
-            </a:r>
-            <a:r>
-              <a:rPr lang="nl-NL" sz="2800" dirty="0" smtClean="0"/>
-              <a:t> </a:t>
-            </a:r>
-            <a:r>
-              <a:rPr lang="nl-NL" sz="2800" dirty="0" err="1" smtClean="0"/>
-              <a:t>temperature</a:t>
-            </a:r>
-            <a:r>
-              <a:rPr lang="nl-NL" sz="2800" dirty="0" smtClean="0"/>
-              <a:t>/</a:t>
-            </a:r>
-            <a:r>
-              <a:rPr lang="nl-NL" sz="2800" dirty="0" err="1" smtClean="0"/>
-              <a:t>cooling</a:t>
-            </a:r>
-            <a:r>
-              <a:rPr lang="nl-NL" sz="2800" dirty="0" smtClean="0"/>
-              <a:t> </a:t>
-            </a:r>
-            <a:r>
-              <a:rPr lang="nl-NL" sz="2800" dirty="0" err="1" smtClean="0"/>
-              <a:t>rate</a:t>
-            </a:r>
-            <a:r>
-              <a:rPr lang="nl-NL" sz="2800" dirty="0" smtClean="0"/>
-              <a:t> </a:t>
-            </a:r>
-            <a:r>
-              <a:rPr lang="nl-NL" sz="2800" dirty="0" err="1" smtClean="0"/>
-              <a:t>for</a:t>
-            </a:r>
-            <a:r>
-              <a:rPr lang="nl-NL" sz="2800" dirty="0" smtClean="0"/>
-              <a:t> </a:t>
-            </a:r>
-            <a:r>
-              <a:rPr lang="nl-NL" sz="2800" dirty="0" err="1" smtClean="0"/>
-              <a:t>simulated</a:t>
-            </a:r>
-            <a:r>
-              <a:rPr lang="nl-NL" sz="2800" dirty="0" smtClean="0"/>
-              <a:t> </a:t>
-            </a:r>
-            <a:r>
-              <a:rPr lang="nl-NL" sz="2800" dirty="0" err="1" smtClean="0"/>
-              <a:t>annealing</a:t>
-            </a:r>
-            <a:endParaRPr lang="nl-NL" sz="2800" dirty="0" smtClean="0"/>
-          </a:p>
-          <a:p>
-            <a:r>
-              <a:rPr lang="nl-NL" sz="2800" dirty="0" err="1" smtClean="0"/>
-              <a:t>Think</a:t>
-            </a:r>
-            <a:r>
-              <a:rPr lang="nl-NL" sz="2800" dirty="0" smtClean="0"/>
-              <a:t> of a research question</a:t>
-            </a:r>
-            <a:endParaRPr lang="nl-NL" sz="2800" dirty="0" smtClean="0"/>
-          </a:p>
-          <a:p>
-            <a:pPr marL="0" indent="0">
-              <a:buNone/>
-            </a:pPr>
-            <a:endParaRPr lang="nl-NL" dirty="0"/>
-          </a:p>
-        </p:txBody>
-      </p:sp>
-    </p:spTree>
-    <p:extLst>
-      <p:ext uri="{BB962C8B-B14F-4D97-AF65-F5344CB8AC3E}">
-        <p14:creationId xmlns:p14="http://schemas.microsoft.com/office/powerpoint/2010/main" val="1719887280"/>
-      </p:ext>
-    </p:extLst>
-  </p:cSld>
-  <p:clrMapOvr>
-    <a:masterClrMapping/>
-  </p:clrMapOvr>
-</p:sld>
-</file>
-
-<file path=ppt/slides/slide2.xml><?xml version="1.0" encoding="utf-8"?>
-<p:sld xmlns:a="http://schemas.openxmlformats.org/drawingml/2006/main" xmlns:r="http://schemas.openxmlformats.org/officeDocument/2006/relationships" xmlns:p="http://schemas.openxmlformats.org/presentationml/2006/main">
-  <p:cSld>
-    <p:spTree>
-      <p:nvGrpSpPr>
-        <p:cNvPr id="1" name=""/>
-        <p:cNvGrpSpPr/>
-        <p:nvPr/>
-      </p:nvGrpSpPr>
-      <p:grpSpPr>
-        <a:xfrm>
-          <a:off x="0" y="0"/>
-          <a:ext cx="0" cy="0"/>
-          <a:chOff x="0" y="0"/>
-          <a:chExt cx="0" cy="0"/>
-        </a:xfrm>
-      </p:grpSpPr>
-      <p:sp>
-        <p:nvSpPr>
-          <p:cNvPr id="2" name="Titel 1"/>
-          <p:cNvSpPr>
-            <a:spLocks noGrp="1"/>
-          </p:cNvSpPr>
-          <p:nvPr>
-            <p:ph type="title"/>
-          </p:nvPr>
-        </p:nvSpPr>
-        <p:spPr/>
-        <p:txBody>
-          <a:bodyPr/>
-          <a:lstStyle/>
-          <a:p>
-            <a:r>
-              <a:rPr lang="nl-NL" dirty="0"/>
-              <a:t>The Case</a:t>
-            </a:r>
-          </a:p>
-        </p:txBody>
-      </p:sp>
-      <p:sp>
-        <p:nvSpPr>
-          <p:cNvPr id="3" name="Tijdelijke aanduiding voor inhoud 2"/>
-          <p:cNvSpPr>
-            <a:spLocks noGrp="1"/>
-          </p:cNvSpPr>
-          <p:nvPr>
-            <p:ph idx="1"/>
-          </p:nvPr>
-        </p:nvSpPr>
-        <p:spPr>
-          <a:xfrm>
-            <a:off x="1371600" y="2002665"/>
-            <a:ext cx="9601200" cy="4114800"/>
-          </a:xfrm>
-        </p:spPr>
-        <p:txBody>
-          <a:bodyPr>
-            <a:noAutofit/>
-          </a:bodyPr>
-          <a:lstStyle/>
-          <a:p>
-            <a:r>
-              <a:rPr lang="en-GB" sz="2400" dirty="0"/>
-              <a:t>6 aircrafts</a:t>
-            </a:r>
-          </a:p>
-          <a:p>
-            <a:r>
-              <a:rPr lang="en-GB" sz="2400" dirty="0"/>
-              <a:t>28 cities</a:t>
-            </a:r>
-          </a:p>
-          <a:p>
-            <a:r>
-              <a:rPr lang="en-GB" sz="2400" dirty="0"/>
-              <a:t>Create one-day flight schedules</a:t>
-            </a:r>
-          </a:p>
-          <a:p>
-            <a:r>
-              <a:rPr lang="en-GB" sz="2400" dirty="0"/>
-              <a:t>20 hour day</a:t>
-            </a:r>
-          </a:p>
-          <a:p>
-            <a:r>
-              <a:rPr lang="en-GB" sz="2400" dirty="0"/>
-              <a:t>B</a:t>
-            </a:r>
-            <a:r>
-              <a:rPr lang="en-GB" sz="2400" dirty="0" smtClean="0"/>
-              <a:t>oarding </a:t>
-            </a:r>
-            <a:r>
-              <a:rPr lang="en-GB" sz="2400" dirty="0"/>
-              <a:t>and refuelling times</a:t>
-            </a:r>
-          </a:p>
-          <a:p>
-            <a:r>
-              <a:rPr lang="en-GB" sz="2400" dirty="0" smtClean="0"/>
-              <a:t>Profit=#passengers</a:t>
-            </a:r>
-            <a:r>
-              <a:rPr lang="en-GB" sz="2400" dirty="0"/>
-              <a:t> </a:t>
-            </a:r>
-            <a:r>
-              <a:rPr lang="en-GB" sz="2400" dirty="0" smtClean="0"/>
-              <a:t>* </a:t>
-            </a:r>
-            <a:r>
-              <a:rPr lang="en-GB" sz="2400" dirty="0" smtClean="0"/>
-              <a:t>#kilometres</a:t>
-            </a:r>
-          </a:p>
-          <a:p>
-            <a:r>
-              <a:rPr lang="en-GB" sz="2400" dirty="0" smtClean="0"/>
-              <a:t>Detours</a:t>
-            </a:r>
-            <a:endParaRPr lang="en-GB" sz="2400" dirty="0"/>
-          </a:p>
-        </p:txBody>
-      </p:sp>
-      <p:pic>
-        <p:nvPicPr>
-          <p:cNvPr id="4" name="Afbeelding 3"/>
-          <p:cNvPicPr>
-            <a:picLocks noChangeAspect="1"/>
-          </p:cNvPicPr>
-          <p:nvPr/>
-        </p:nvPicPr>
-        <p:blipFill>
-          <a:blip r:embed="rId2">
-            <a:extLst>
-              <a:ext uri="{28A0092B-C50C-407E-A947-70E740481C1C}">
-                <a14:useLocalDpi xmlns:a14="http://schemas.microsoft.com/office/drawing/2010/main" val="0"/>
-              </a:ext>
-            </a:extLst>
-          </a:blip>
-          <a:stretch>
-            <a:fillRect/>
-          </a:stretch>
-        </p:blipFill>
-        <p:spPr>
-          <a:xfrm>
-            <a:off x="6882489" y="0"/>
-            <a:ext cx="5309511" cy="5022761"/>
-          </a:xfrm>
-          <a:prstGeom prst="rect">
-            <a:avLst/>
-          </a:prstGeom>
-        </p:spPr>
-      </p:pic>
-    </p:spTree>
-    <p:extLst>
-      <p:ext uri="{BB962C8B-B14F-4D97-AF65-F5344CB8AC3E}">
-        <p14:creationId xmlns:p14="http://schemas.microsoft.com/office/powerpoint/2010/main" val="3848998942"/>
-      </p:ext>
-    </p:extLst>
-  </p:cSld>
-  <p:clrMapOvr>
-    <a:masterClrMapping/>
-  </p:clrMapOvr>
-</p:sld>
-</file>
-
-<file path=ppt/slides/slide3.xml><?xml version="1.0" encoding="utf-8"?>
-<p:sld xmlns:a="http://schemas.openxmlformats.org/drawingml/2006/main" xmlns:r="http://schemas.openxmlformats.org/officeDocument/2006/relationships" xmlns:p="http://schemas.openxmlformats.org/presentationml/2006/main">
-  <p:cSld>
-    <p:spTree>
-      <p:nvGrpSpPr>
-        <p:cNvPr id="1" name=""/>
-        <p:cNvGrpSpPr/>
-        <p:nvPr/>
-      </p:nvGrpSpPr>
-      <p:grpSpPr>
-        <a:xfrm>
-          <a:off x="0" y="0"/>
-          <a:ext cx="0" cy="0"/>
-          <a:chOff x="0" y="0"/>
-          <a:chExt cx="0" cy="0"/>
-        </a:xfrm>
-      </p:grpSpPr>
-      <p:sp>
-        <p:nvSpPr>
-          <p:cNvPr id="2" name="Titel 1"/>
-          <p:cNvSpPr>
-            <a:spLocks noGrp="1"/>
-          </p:cNvSpPr>
-          <p:nvPr>
-            <p:ph type="title"/>
-          </p:nvPr>
-        </p:nvSpPr>
-        <p:spPr/>
-        <p:txBody>
-          <a:bodyPr/>
-          <a:lstStyle/>
-          <a:p>
-            <a:r>
-              <a:rPr lang="nl-NL" dirty="0"/>
-              <a:t>Random Algorithm</a:t>
-            </a:r>
-          </a:p>
-        </p:txBody>
-      </p:sp>
-      <p:sp>
-        <p:nvSpPr>
-          <p:cNvPr id="3" name="Tijdelijke aanduiding voor inhoud 2"/>
-          <p:cNvSpPr>
-            <a:spLocks noGrp="1"/>
-          </p:cNvSpPr>
-          <p:nvPr>
-            <p:ph idx="1"/>
-          </p:nvPr>
-        </p:nvSpPr>
-        <p:spPr/>
-        <p:txBody>
-          <a:bodyPr/>
-          <a:lstStyle/>
-          <a:p>
-            <a:r>
-              <a:rPr lang="en-GB" sz="3200" dirty="0"/>
-              <a:t>Create random </a:t>
-            </a:r>
-            <a:r>
-              <a:rPr lang="en-GB" sz="3200" dirty="0" smtClean="0"/>
-              <a:t>route</a:t>
-            </a:r>
-            <a:endParaRPr lang="en-GB" sz="2800" i="0" dirty="0"/>
-          </a:p>
-          <a:p>
-            <a:pPr lvl="1"/>
-            <a:r>
-              <a:rPr lang="en-GB" sz="2200" i="0" dirty="0" smtClean="0"/>
-              <a:t>Add Amsterdam if not start city</a:t>
-            </a:r>
-          </a:p>
-          <a:p>
-            <a:pPr lvl="1"/>
-            <a:r>
-              <a:rPr lang="en-GB" sz="2200" i="0" dirty="0" smtClean="0"/>
-              <a:t>Add </a:t>
-            </a:r>
-            <a:r>
-              <a:rPr lang="en-GB" sz="2200" i="0" dirty="0"/>
-              <a:t>random city at random index if valid</a:t>
-            </a:r>
-          </a:p>
-          <a:p>
-            <a:pPr lvl="1"/>
-            <a:r>
-              <a:rPr lang="en-GB" sz="2200" i="0" dirty="0"/>
-              <a:t>Add random number of passengers if valid</a:t>
-            </a:r>
-          </a:p>
-          <a:p>
-            <a:pPr lvl="1"/>
-            <a:r>
-              <a:rPr lang="en-GB" sz="2200" i="0" dirty="0"/>
-              <a:t>Stop if no more flying time left </a:t>
-            </a:r>
-          </a:p>
-          <a:p>
-            <a:pPr lvl="1"/>
-            <a:endParaRPr lang="en-GB" dirty="0"/>
-          </a:p>
-          <a:p>
-            <a:r>
-              <a:rPr lang="en-GB" sz="3200" dirty="0"/>
-              <a:t>Store the best route</a:t>
-            </a:r>
-          </a:p>
-          <a:p>
-            <a:endParaRPr lang="en-GB" dirty="0"/>
-          </a:p>
-        </p:txBody>
-      </p:sp>
-    </p:spTree>
-    <p:extLst>
-      <p:ext uri="{BB962C8B-B14F-4D97-AF65-F5344CB8AC3E}">
-        <p14:creationId xmlns:p14="http://schemas.microsoft.com/office/powerpoint/2010/main" val="329869358"/>
-      </p:ext>
-    </p:extLst>
-  </p:cSld>
-  <p:clrMapOvr>
-    <a:masterClrMapping/>
-  </p:clrMapOvr>
-</p:sld>
-</file>
-
-<file path=ppt/slides/slide4.xml><?xml version="1.0" encoding="utf-8"?>
-<p:sld xmlns:a="http://schemas.openxmlformats.org/drawingml/2006/main" xmlns:r="http://schemas.openxmlformats.org/officeDocument/2006/relationships" xmlns:p="http://schemas.openxmlformats.org/presentationml/2006/main">
-  <p:cSld>
-    <p:spTree>
-      <p:nvGrpSpPr>
-        <p:cNvPr id="1" name=""/>
-        <p:cNvGrpSpPr/>
-        <p:nvPr/>
-      </p:nvGrpSpPr>
-      <p:grpSpPr>
-        <a:xfrm>
-          <a:off x="0" y="0"/>
-          <a:ext cx="0" cy="0"/>
-          <a:chOff x="0" y="0"/>
-          <a:chExt cx="0" cy="0"/>
-        </a:xfrm>
-      </p:grpSpPr>
-      <p:sp>
-        <p:nvSpPr>
-          <p:cNvPr id="2" name="Titel 1"/>
-          <p:cNvSpPr>
-            <a:spLocks noGrp="1"/>
-          </p:cNvSpPr>
-          <p:nvPr>
-            <p:ph type="title"/>
-          </p:nvPr>
-        </p:nvSpPr>
-        <p:spPr/>
-        <p:txBody>
-          <a:bodyPr/>
-          <a:lstStyle/>
-          <a:p>
-            <a:r>
-              <a:rPr lang="nl-NL" dirty="0"/>
-              <a:t>Random </a:t>
-            </a:r>
-            <a:r>
-              <a:rPr lang="nl-NL" dirty="0" err="1" smtClean="0"/>
-              <a:t>Algorithm</a:t>
-            </a:r>
-            <a:r>
-              <a:rPr lang="nl-NL" dirty="0" smtClean="0"/>
-              <a:t> </a:t>
-            </a:r>
-            <a:r>
-              <a:rPr lang="nl-NL" dirty="0" err="1" smtClean="0"/>
-              <a:t>Results</a:t>
-            </a:r>
-            <a:endParaRPr lang="nl-NL" dirty="0"/>
-          </a:p>
-        </p:txBody>
-      </p:sp>
-      <p:sp>
-        <p:nvSpPr>
-          <p:cNvPr id="3" name="Tijdelijke aanduiding voor inhoud 2"/>
-          <p:cNvSpPr>
-            <a:spLocks noGrp="1"/>
-          </p:cNvSpPr>
-          <p:nvPr>
-            <p:ph idx="1"/>
-          </p:nvPr>
-        </p:nvSpPr>
-        <p:spPr>
-          <a:xfrm>
-            <a:off x="1371600" y="1893195"/>
-            <a:ext cx="9601200" cy="4566634"/>
-          </a:xfrm>
-        </p:spPr>
-        <p:txBody>
-          <a:bodyPr>
-            <a:normAutofit/>
-          </a:bodyPr>
-          <a:lstStyle/>
-          <a:p>
-            <a:r>
-              <a:rPr lang="nl-NL" sz="2800" dirty="0" smtClean="0"/>
-              <a:t>Profit</a:t>
-            </a:r>
-            <a:r>
-              <a:rPr lang="nl-NL" sz="2800" dirty="0" smtClean="0"/>
-              <a:t>: €</a:t>
-            </a:r>
-            <a:r>
-              <a:rPr lang="nl-NL" sz="2800" dirty="0" smtClean="0"/>
-              <a:t>8,837,371.00</a:t>
-            </a:r>
-          </a:p>
-          <a:p>
-            <a:r>
-              <a:rPr lang="nl-NL" sz="2800" dirty="0"/>
-              <a:t>Schedule: </a:t>
-            </a:r>
-          </a:p>
-          <a:p>
-            <a:pPr marL="0" indent="0">
-              <a:buNone/>
-            </a:pPr>
-            <a:endParaRPr lang="nl-NL" sz="2800" dirty="0">
-              <a:solidFill>
-                <a:srgbClr val="FF0000"/>
-              </a:solidFill>
-            </a:endParaRPr>
-          </a:p>
-          <a:p>
-            <a:pPr marL="0" indent="0">
-              <a:buNone/>
-            </a:pPr>
-            <a:endParaRPr lang="nl-NL" dirty="0"/>
-          </a:p>
-        </p:txBody>
-      </p:sp>
-      <p:pic>
-        <p:nvPicPr>
-          <p:cNvPr id="8" name="Afbeelding 7"/>
-          <p:cNvPicPr>
-            <a:picLocks noChangeAspect="1"/>
-          </p:cNvPicPr>
-          <p:nvPr/>
-        </p:nvPicPr>
-        <p:blipFill>
-          <a:blip r:embed="rId2"/>
-          <a:stretch>
-            <a:fillRect/>
-          </a:stretch>
-        </p:blipFill>
-        <p:spPr>
-          <a:xfrm>
-            <a:off x="73544" y="3230128"/>
-            <a:ext cx="12118456" cy="2397939"/>
-          </a:xfrm>
-          <a:prstGeom prst="rect">
-            <a:avLst/>
-          </a:prstGeom>
-        </p:spPr>
-      </p:pic>
-    </p:spTree>
-    <p:extLst>
-      <p:ext uri="{BB962C8B-B14F-4D97-AF65-F5344CB8AC3E}">
-        <p14:creationId xmlns:p14="http://schemas.microsoft.com/office/powerpoint/2010/main" val="63618746"/>
-      </p:ext>
-    </p:extLst>
-  </p:cSld>
-  <p:clrMapOvr>
-    <a:masterClrMapping/>
-  </p:clrMapOvr>
-</p:sld>
-</file>
-
-<file path=ppt/slides/slide5.xml><?xml version="1.0" encoding="utf-8"?>
-<p:sld xmlns:a="http://schemas.openxmlformats.org/drawingml/2006/main" xmlns:r="http://schemas.openxmlformats.org/officeDocument/2006/relationships" xmlns:p="http://schemas.openxmlformats.org/presentationml/2006/main">
-  <p:cSld>
-    <p:spTree>
-      <p:nvGrpSpPr>
-        <p:cNvPr id="1" name=""/>
-        <p:cNvGrpSpPr/>
-        <p:nvPr/>
-      </p:nvGrpSpPr>
-      <p:grpSpPr>
-        <a:xfrm>
-          <a:off x="0" y="0"/>
-          <a:ext cx="0" cy="0"/>
-          <a:chOff x="0" y="0"/>
-          <a:chExt cx="0" cy="0"/>
-        </a:xfrm>
-      </p:grpSpPr>
-      <p:sp>
-        <p:nvSpPr>
-          <p:cNvPr id="2" name="Titel 1"/>
-          <p:cNvSpPr>
-            <a:spLocks noGrp="1"/>
-          </p:cNvSpPr>
-          <p:nvPr>
-            <p:ph type="title"/>
-          </p:nvPr>
-        </p:nvSpPr>
-        <p:spPr/>
-        <p:txBody>
-          <a:bodyPr/>
-          <a:lstStyle/>
-          <a:p>
-            <a:r>
-              <a:rPr lang="nl-NL" dirty="0"/>
-              <a:t>Hill Climber Algorithm</a:t>
-            </a:r>
-          </a:p>
-        </p:txBody>
-      </p:sp>
-      <p:sp>
-        <p:nvSpPr>
-          <p:cNvPr id="3" name="Tijdelijke aanduiding voor inhoud 2"/>
-          <p:cNvSpPr>
-            <a:spLocks noGrp="1"/>
-          </p:cNvSpPr>
-          <p:nvPr>
-            <p:ph idx="1"/>
-          </p:nvPr>
-        </p:nvSpPr>
-        <p:spPr/>
-        <p:txBody>
-          <a:bodyPr>
-            <a:normAutofit/>
-          </a:bodyPr>
-          <a:lstStyle/>
-          <a:p>
-            <a:r>
-              <a:rPr lang="en-GB" sz="2800" dirty="0"/>
-              <a:t>Hill Climber Restart</a:t>
-            </a:r>
-          </a:p>
-          <a:p>
-            <a:pPr lvl="1"/>
-            <a:r>
-              <a:rPr lang="en-GB" sz="2400" i="0" dirty="0"/>
-              <a:t>Start with </a:t>
-            </a:r>
-            <a:r>
-              <a:rPr lang="en-GB" sz="2400" i="0" dirty="0" smtClean="0"/>
-              <a:t>resulting schedule random algorithm</a:t>
-            </a:r>
-            <a:endParaRPr lang="en-GB" sz="2400" i="0" dirty="0"/>
-          </a:p>
-          <a:p>
-            <a:pPr lvl="1"/>
-            <a:r>
-              <a:rPr lang="en-GB" sz="2400" i="0" dirty="0"/>
-              <a:t>Apply random mutations</a:t>
-            </a:r>
-          </a:p>
-          <a:p>
-            <a:pPr lvl="1"/>
-            <a:r>
-              <a:rPr lang="en-GB" sz="2400" i="0" dirty="0"/>
-              <a:t>Local optimum </a:t>
-            </a:r>
-            <a:r>
-              <a:rPr lang="en-GB" sz="2400" i="0" dirty="0">
-                <a:sym typeface="Wingdings" panose="05000000000000000000" pitchFamily="2" charset="2"/>
-              </a:rPr>
-              <a:t> Restart with new random route</a:t>
-            </a:r>
-            <a:endParaRPr lang="en-GB" sz="2400" i="0" dirty="0"/>
-          </a:p>
-        </p:txBody>
-      </p:sp>
-    </p:spTree>
-    <p:extLst>
-      <p:ext uri="{BB962C8B-B14F-4D97-AF65-F5344CB8AC3E}">
-        <p14:creationId xmlns:p14="http://schemas.microsoft.com/office/powerpoint/2010/main" val="4250612199"/>
-      </p:ext>
-    </p:extLst>
-  </p:cSld>
-  <p:clrMapOvr>
-    <a:masterClrMapping/>
-  </p:clrMapOvr>
-</p:sld>
-</file>
-
-<file path=ppt/slides/slide6.xml><?xml version="1.0" encoding="utf-8"?>
-<p:sld xmlns:a="http://schemas.openxmlformats.org/drawingml/2006/main" xmlns:r="http://schemas.openxmlformats.org/officeDocument/2006/relationships" xmlns:p="http://schemas.openxmlformats.org/presentationml/2006/main">
-  <p:cSld>
-    <p:spTree>
-      <p:nvGrpSpPr>
-        <p:cNvPr id="1" name=""/>
-        <p:cNvGrpSpPr/>
-        <p:nvPr/>
-      </p:nvGrpSpPr>
-      <p:grpSpPr>
-        <a:xfrm>
-          <a:off x="0" y="0"/>
-          <a:ext cx="0" cy="0"/>
-          <a:chOff x="0" y="0"/>
-          <a:chExt cx="0" cy="0"/>
-        </a:xfrm>
-      </p:grpSpPr>
-      <p:sp>
-        <p:nvSpPr>
-          <p:cNvPr id="2" name="Titel 1">
-            <a:extLst>
-              <a:ext uri="{FF2B5EF4-FFF2-40B4-BE49-F238E27FC236}">
-                <a16:creationId xmlns:a16="http://schemas.microsoft.com/office/drawing/2014/main" xmlns="" id="{B8FEBF4A-E504-429A-9363-CF78BC5C184F}"/>
-              </a:ext>
-            </a:extLst>
-          </p:cNvPr>
-          <p:cNvSpPr>
-            <a:spLocks noGrp="1"/>
-          </p:cNvSpPr>
-          <p:nvPr>
-            <p:ph type="title"/>
-          </p:nvPr>
-        </p:nvSpPr>
-        <p:spPr/>
-        <p:txBody>
-          <a:bodyPr/>
-          <a:lstStyle/>
-          <a:p>
-            <a:r>
-              <a:rPr lang="nl-NL" dirty="0" err="1"/>
-              <a:t>Mutations</a:t>
-            </a:r>
-            <a:endParaRPr lang="nl-NL" dirty="0"/>
-          </a:p>
-        </p:txBody>
-      </p:sp>
-      <p:sp>
-        <p:nvSpPr>
-          <p:cNvPr id="3" name="Tijdelijke aanduiding voor inhoud 2">
-            <a:extLst>
-              <a:ext uri="{FF2B5EF4-FFF2-40B4-BE49-F238E27FC236}">
-                <a16:creationId xmlns:a16="http://schemas.microsoft.com/office/drawing/2014/main" xmlns="" id="{EF681013-444B-4FE7-BEBB-69DE5DADA6AC}"/>
-              </a:ext>
-            </a:extLst>
-          </p:cNvPr>
-          <p:cNvSpPr>
-            <a:spLocks noGrp="1"/>
-          </p:cNvSpPr>
-          <p:nvPr>
-            <p:ph idx="1"/>
-          </p:nvPr>
-        </p:nvSpPr>
-        <p:spPr/>
-        <p:txBody>
-          <a:bodyPr/>
-          <a:lstStyle/>
-          <a:p>
-            <a:r>
-              <a:rPr lang="nl-NL" sz="2800" dirty="0" err="1" smtClean="0"/>
-              <a:t>Remove</a:t>
-            </a:r>
-            <a:r>
-              <a:rPr lang="nl-NL" sz="2800" dirty="0" smtClean="0"/>
-              <a:t>/</a:t>
-            </a:r>
-            <a:r>
-              <a:rPr lang="nl-NL" sz="2800" dirty="0" err="1" smtClean="0"/>
-              <a:t>add</a:t>
-            </a:r>
-            <a:r>
-              <a:rPr lang="nl-NL" sz="2800" dirty="0" smtClean="0"/>
-              <a:t> </a:t>
-            </a:r>
-            <a:r>
-              <a:rPr lang="nl-NL" sz="2800" dirty="0" err="1"/>
-              <a:t>city</a:t>
-            </a:r>
-            <a:endParaRPr lang="nl-NL" sz="2800" dirty="0"/>
-          </a:p>
-          <a:p>
-            <a:r>
-              <a:rPr lang="nl-NL" sz="2800" dirty="0" err="1" smtClean="0"/>
-              <a:t>Add</a:t>
-            </a:r>
-            <a:r>
-              <a:rPr lang="nl-NL" sz="2800" dirty="0" smtClean="0"/>
-              <a:t> </a:t>
-            </a:r>
-            <a:r>
-              <a:rPr lang="nl-NL" sz="2800" dirty="0" err="1"/>
-              <a:t>passengers</a:t>
-            </a:r>
-            <a:endParaRPr lang="nl-NL" sz="2800" dirty="0"/>
-          </a:p>
-          <a:p>
-            <a:r>
-              <a:rPr lang="nl-NL" sz="2800" dirty="0"/>
-              <a:t>Swap </a:t>
-            </a:r>
-            <a:r>
-              <a:rPr lang="nl-NL" sz="2800" dirty="0" err="1"/>
-              <a:t>cities</a:t>
-            </a:r>
-            <a:endParaRPr lang="nl-NL" sz="2800" dirty="0"/>
-          </a:p>
-          <a:p>
-            <a:r>
-              <a:rPr lang="nl-NL" sz="2800" dirty="0"/>
-              <a:t>Swap </a:t>
-            </a:r>
-            <a:r>
-              <a:rPr lang="nl-NL" sz="2800" dirty="0" err="1"/>
-              <a:t>detour</a:t>
-            </a:r>
-            <a:endParaRPr lang="nl-NL" sz="2800" dirty="0"/>
-          </a:p>
-          <a:p>
-            <a:endParaRPr lang="nl-NL" dirty="0"/>
-          </a:p>
-        </p:txBody>
-      </p:sp>
-    </p:spTree>
-    <p:extLst>
-      <p:ext uri="{BB962C8B-B14F-4D97-AF65-F5344CB8AC3E}">
-        <p14:creationId xmlns:p14="http://schemas.microsoft.com/office/powerpoint/2010/main" val="2567444771"/>
-      </p:ext>
-    </p:extLst>
-  </p:cSld>
-  <p:clrMapOvr>
-    <a:masterClrMapping/>
-  </p:clrMapOvr>
-</p:sld>
-</file>
-
-<file path=ppt/slides/slide7.xml><?xml version="1.0" encoding="utf-8"?>
-<p:sld xmlns:a="http://schemas.openxmlformats.org/drawingml/2006/main" xmlns:r="http://schemas.openxmlformats.org/officeDocument/2006/relationships" xmlns:p="http://schemas.openxmlformats.org/presentationml/2006/main">
-  <p:cSld>
-    <p:spTree>
-      <p:nvGrpSpPr>
-        <p:cNvPr id="1" name=""/>
-        <p:cNvGrpSpPr/>
-        <p:nvPr/>
-      </p:nvGrpSpPr>
-      <p:grpSpPr>
-        <a:xfrm>
-          <a:off x="0" y="0"/>
-          <a:ext cx="0" cy="0"/>
-          <a:chOff x="0" y="0"/>
-          <a:chExt cx="0" cy="0"/>
-        </a:xfrm>
-      </p:grpSpPr>
-      <p:sp>
-        <p:nvSpPr>
-          <p:cNvPr id="2" name="Titel 1">
-            <a:extLst>
-              <a:ext uri="{FF2B5EF4-FFF2-40B4-BE49-F238E27FC236}">
-                <a16:creationId xmlns:a16="http://schemas.microsoft.com/office/drawing/2014/main" xmlns="" id="{A1BB8794-87D5-46D6-8A62-EC30FC501072}"/>
-              </a:ext>
-            </a:extLst>
-          </p:cNvPr>
-          <p:cNvSpPr>
-            <a:spLocks noGrp="1"/>
-          </p:cNvSpPr>
-          <p:nvPr>
-            <p:ph type="title"/>
-          </p:nvPr>
-        </p:nvSpPr>
-        <p:spPr/>
-        <p:txBody>
-          <a:bodyPr/>
-          <a:lstStyle/>
-          <a:p>
-            <a:r>
-              <a:rPr lang="nl-NL" dirty="0"/>
-              <a:t>Swap </a:t>
-            </a:r>
-            <a:r>
-              <a:rPr lang="nl-NL" dirty="0" err="1"/>
-              <a:t>detour</a:t>
-            </a:r>
-            <a:r>
-              <a:rPr lang="nl-NL" dirty="0"/>
-              <a:t/>
-            </a:r>
-            <a:br>
-              <a:rPr lang="nl-NL" dirty="0"/>
-            </a:br>
-            <a:endParaRPr lang="nl-NL" dirty="0"/>
-          </a:p>
-        </p:txBody>
-      </p:sp>
-      <p:sp>
-        <p:nvSpPr>
-          <p:cNvPr id="13" name="Tijdelijke aanduiding voor tekst 12">
-            <a:extLst>
-              <a:ext uri="{FF2B5EF4-FFF2-40B4-BE49-F238E27FC236}">
-                <a16:creationId xmlns:a16="http://schemas.microsoft.com/office/drawing/2014/main" xmlns="" id="{050EB52E-3964-4D33-B0F0-6FF283B52959}"/>
-              </a:ext>
-            </a:extLst>
-          </p:cNvPr>
-          <p:cNvSpPr>
-            <a:spLocks noGrp="1"/>
-          </p:cNvSpPr>
-          <p:nvPr>
-            <p:ph type="body" idx="1"/>
-          </p:nvPr>
-        </p:nvSpPr>
-        <p:spPr>
-          <a:xfrm>
-            <a:off x="1183258" y="780781"/>
-            <a:ext cx="10757607" cy="5658654"/>
-          </a:xfrm>
-        </p:spPr>
-        <p:txBody>
-          <a:bodyPr/>
-          <a:lstStyle/>
-          <a:p>
-            <a:r>
-              <a:rPr lang="nl-NL" dirty="0" smtClean="0"/>
-              <a:t>Old</a:t>
-            </a:r>
-            <a:r>
-              <a:rPr lang="nl-NL" dirty="0"/>
-              <a:t>:</a:t>
-            </a:r>
-          </a:p>
-          <a:p>
-            <a:r>
-              <a:rPr lang="nl-NL" sz="2200" dirty="0"/>
-              <a:t>MAD </a:t>
-            </a:r>
-            <a:r>
-              <a:rPr lang="nl-NL" sz="2200" dirty="0">
-                <a:sym typeface="Wingdings" panose="05000000000000000000" pitchFamily="2" charset="2"/>
-              </a:rPr>
-              <a:t></a:t>
-            </a:r>
-            <a:r>
-              <a:rPr lang="nl-NL" sz="2200" dirty="0"/>
-              <a:t> ATH  150</a:t>
-            </a:r>
-          </a:p>
-          <a:p>
-            <a:r>
-              <a:rPr lang="nl-NL" sz="2200" dirty="0"/>
-              <a:t>MAD </a:t>
-            </a:r>
-            <a:r>
-              <a:rPr lang="nl-NL" sz="2200" dirty="0">
-                <a:sym typeface="Wingdings" panose="05000000000000000000" pitchFamily="2" charset="2"/>
-              </a:rPr>
-              <a:t> AMS </a:t>
-            </a:r>
-            <a:r>
-              <a:rPr lang="nl-NL" sz="2200" dirty="0" smtClean="0">
-                <a:sym typeface="Wingdings" panose="05000000000000000000" pitchFamily="2" charset="2"/>
-              </a:rPr>
-              <a:t>49</a:t>
-            </a:r>
-            <a:endParaRPr lang="nl-NL" sz="2200" dirty="0">
-              <a:sym typeface="Wingdings" panose="05000000000000000000" pitchFamily="2" charset="2"/>
-            </a:endParaRPr>
-          </a:p>
-          <a:p>
-            <a:r>
-              <a:rPr lang="nl-NL" sz="2200" dirty="0">
-                <a:sym typeface="Wingdings" panose="05000000000000000000" pitchFamily="2" charset="2"/>
-              </a:rPr>
-              <a:t>AMS  ATH </a:t>
-            </a:r>
-            <a:r>
-              <a:rPr lang="nl-NL" sz="2200" dirty="0" smtClean="0">
-                <a:sym typeface="Wingdings" panose="05000000000000000000" pitchFamily="2" charset="2"/>
-              </a:rPr>
-              <a:t>49</a:t>
-            </a:r>
-            <a:endParaRPr lang="nl-NL" sz="2200" dirty="0">
-              <a:sym typeface="Wingdings" panose="05000000000000000000" pitchFamily="2" charset="2"/>
-            </a:endParaRPr>
-          </a:p>
-          <a:p>
-            <a:endParaRPr lang="nl-NL" dirty="0">
-              <a:sym typeface="Wingdings" panose="05000000000000000000" pitchFamily="2" charset="2"/>
-            </a:endParaRPr>
-          </a:p>
-          <a:p>
-            <a:r>
-              <a:rPr lang="nl-NL" dirty="0">
-                <a:sym typeface="Wingdings" panose="05000000000000000000" pitchFamily="2" charset="2"/>
-              </a:rPr>
-              <a:t>New:</a:t>
-            </a:r>
-          </a:p>
-          <a:p>
-            <a:r>
-              <a:rPr lang="nl-NL" sz="2200" dirty="0">
-                <a:sym typeface="Wingdings" panose="05000000000000000000" pitchFamily="2" charset="2"/>
-              </a:rPr>
-              <a:t>MAD  ATH </a:t>
-            </a:r>
-            <a:r>
-              <a:rPr lang="nl-NL" sz="2200" dirty="0" smtClean="0">
-                <a:sym typeface="Wingdings" panose="05000000000000000000" pitchFamily="2" charset="2"/>
-              </a:rPr>
-              <a:t>49</a:t>
-            </a:r>
-            <a:endParaRPr lang="nl-NL" sz="2200" dirty="0">
-              <a:sym typeface="Wingdings" panose="05000000000000000000" pitchFamily="2" charset="2"/>
-            </a:endParaRPr>
-          </a:p>
-          <a:p>
-            <a:r>
-              <a:rPr lang="nl-NL" sz="2200" dirty="0">
-                <a:sym typeface="Wingdings" panose="05000000000000000000" pitchFamily="2" charset="2"/>
-              </a:rPr>
-              <a:t>MAD  AMS 150</a:t>
-            </a:r>
-          </a:p>
-          <a:p>
-            <a:r>
-              <a:rPr lang="nl-NL" sz="2200" dirty="0">
-                <a:sym typeface="Wingdings" panose="05000000000000000000" pitchFamily="2" charset="2"/>
-              </a:rPr>
-              <a:t>AMS  ATH 150</a:t>
-            </a:r>
-          </a:p>
-          <a:p>
-            <a:endParaRPr lang="nl-NL" dirty="0" smtClean="0"/>
-          </a:p>
-          <a:p>
-            <a:r>
-              <a:rPr lang="nl-NL" sz="2400" dirty="0" smtClean="0"/>
-              <a:t>Both cases have maximum </a:t>
-            </a:r>
-            <a:r>
-              <a:rPr lang="nl-NL" sz="2400" dirty="0" err="1" smtClean="0"/>
-              <a:t>number</a:t>
-            </a:r>
-            <a:r>
-              <a:rPr lang="nl-NL" sz="2400" dirty="0" smtClean="0"/>
-              <a:t> of </a:t>
-            </a:r>
-            <a:r>
-              <a:rPr lang="nl-NL" sz="2400" dirty="0" err="1" smtClean="0"/>
-              <a:t>passengers</a:t>
-            </a:r>
-            <a:r>
-              <a:rPr lang="nl-NL" sz="2400" dirty="0" smtClean="0"/>
-              <a:t> on </a:t>
-            </a:r>
-            <a:r>
-              <a:rPr lang="nl-NL" sz="2400" dirty="0" err="1" smtClean="0"/>
-              <a:t>the</a:t>
-            </a:r>
-            <a:r>
-              <a:rPr lang="nl-NL" sz="2400" dirty="0" smtClean="0"/>
-              <a:t> </a:t>
-            </a:r>
-            <a:r>
-              <a:rPr lang="nl-NL" sz="2400" dirty="0" err="1" smtClean="0"/>
-              <a:t>flights</a:t>
-            </a:r>
-            <a:endParaRPr lang="nl-NL" sz="2400" dirty="0" smtClean="0"/>
-          </a:p>
-          <a:p>
-            <a:endParaRPr lang="nl-NL" sz="2400" dirty="0" smtClean="0"/>
-          </a:p>
-          <a:p>
-            <a:r>
-              <a:rPr lang="nl-NL" sz="2400" dirty="0" smtClean="0"/>
-              <a:t>In </a:t>
-            </a:r>
-            <a:r>
-              <a:rPr lang="nl-NL" sz="2400" dirty="0" err="1" smtClean="0"/>
-              <a:t>the</a:t>
-            </a:r>
-            <a:r>
-              <a:rPr lang="nl-NL" sz="2400" dirty="0" smtClean="0"/>
-              <a:t> new case </a:t>
-            </a:r>
-            <a:r>
-              <a:rPr lang="nl-NL" sz="2400" dirty="0" err="1" smtClean="0"/>
-              <a:t>passengers</a:t>
-            </a:r>
-            <a:r>
-              <a:rPr lang="nl-NL" sz="2400" dirty="0" smtClean="0"/>
-              <a:t> </a:t>
-            </a:r>
-            <a:r>
-              <a:rPr lang="nl-NL" sz="2400" dirty="0" err="1" smtClean="0"/>
-              <a:t>pay</a:t>
-            </a:r>
-            <a:r>
-              <a:rPr lang="nl-NL" sz="2400" dirty="0" smtClean="0"/>
-              <a:t> </a:t>
-            </a:r>
-            <a:r>
-              <a:rPr lang="nl-NL" sz="2400" dirty="0" err="1" smtClean="0"/>
-              <a:t>for</a:t>
-            </a:r>
-            <a:r>
-              <a:rPr lang="nl-NL" sz="2400" dirty="0" smtClean="0"/>
-              <a:t> more </a:t>
-            </a:r>
-            <a:r>
-              <a:rPr lang="nl-NL" sz="2400" dirty="0" err="1" smtClean="0"/>
-              <a:t>kilometres</a:t>
-            </a:r>
-            <a:r>
-              <a:rPr lang="nl-NL" sz="2400" dirty="0" smtClean="0"/>
-              <a:t> </a:t>
-            </a:r>
-            <a:r>
-              <a:rPr lang="nl-NL" sz="2400" dirty="0" smtClean="0">
-                <a:sym typeface="Wingdings" panose="05000000000000000000" pitchFamily="2" charset="2"/>
-              </a:rPr>
-              <a:t> </a:t>
-            </a:r>
-            <a:r>
-              <a:rPr lang="nl-NL" sz="2400" dirty="0" err="1" smtClean="0">
-                <a:sym typeface="Wingdings" panose="05000000000000000000" pitchFamily="2" charset="2"/>
-              </a:rPr>
-              <a:t>higher</a:t>
-            </a:r>
-            <a:r>
-              <a:rPr lang="nl-NL" sz="2400" dirty="0" smtClean="0">
-                <a:sym typeface="Wingdings" panose="05000000000000000000" pitchFamily="2" charset="2"/>
-              </a:rPr>
-              <a:t> </a:t>
-            </a:r>
-            <a:r>
-              <a:rPr lang="nl-NL" sz="2400" dirty="0" err="1" smtClean="0">
-                <a:sym typeface="Wingdings" panose="05000000000000000000" pitchFamily="2" charset="2"/>
-              </a:rPr>
-              <a:t>profit</a:t>
-            </a:r>
-            <a:endParaRPr lang="nl-NL" sz="2400" dirty="0"/>
-          </a:p>
-          <a:p>
-            <a:endParaRPr lang="nl-NL" dirty="0"/>
-          </a:p>
-        </p:txBody>
-      </p:sp>
-      <p:pic>
-        <p:nvPicPr>
-          <p:cNvPr id="5" name="Tijdelijke aanduiding voor inhoud 4">
-            <a:extLst>
-              <a:ext uri="{FF2B5EF4-FFF2-40B4-BE49-F238E27FC236}">
-                <a16:creationId xmlns:a16="http://schemas.microsoft.com/office/drawing/2014/main" xmlns="" id="{25CB3DED-B47B-4BE5-83A6-56DF8559F1BB}"/>
-              </a:ext>
-            </a:extLst>
-          </p:cNvPr>
-          <p:cNvPicPr>
-            <a:picLocks noGrp="1" noChangeAspect="1"/>
-          </p:cNvPicPr>
-          <p:nvPr>
-            <p:ph sz="half" idx="2"/>
-          </p:nvPr>
-        </p:nvPicPr>
-        <p:blipFill>
-          <a:blip r:embed="rId2">
-            <a:extLst>
-              <a:ext uri="{28A0092B-C50C-407E-A947-70E740481C1C}">
-                <a14:useLocalDpi xmlns:a14="http://schemas.microsoft.com/office/drawing/2010/main" val="0"/>
-              </a:ext>
-            </a:extLst>
-          </a:blip>
-          <a:stretch>
-            <a:fillRect/>
-          </a:stretch>
-        </p:blipFill>
-        <p:spPr>
-          <a:xfrm>
-            <a:off x="7496881" y="1012602"/>
-            <a:ext cx="4443984" cy="3797356"/>
-          </a:xfrm>
-        </p:spPr>
-      </p:pic>
-      <p:cxnSp>
-        <p:nvCxnSpPr>
-          <p:cNvPr id="9" name="Rechte verbindingslijn met pijl 8">
-            <a:extLst>
-              <a:ext uri="{FF2B5EF4-FFF2-40B4-BE49-F238E27FC236}">
-                <a16:creationId xmlns:a16="http://schemas.microsoft.com/office/drawing/2014/main" xmlns="" id="{1044903C-90BE-48BF-B4A5-30C0A8054CDE}"/>
-              </a:ext>
-            </a:extLst>
-          </p:cNvPr>
-          <p:cNvCxnSpPr>
-            <a:cxnSpLocks/>
-          </p:cNvCxnSpPr>
-          <p:nvPr/>
-        </p:nvCxnSpPr>
-        <p:spPr>
-          <a:xfrm flipV="1">
-            <a:off x="8052096" y="3034822"/>
-            <a:ext cx="715618" cy="1150572"/>
-          </a:xfrm>
-          <a:prstGeom prst="straightConnector1">
-            <a:avLst/>
-          </a:prstGeom>
-          <a:ln>
-            <a:solidFill>
-              <a:srgbClr val="FF0000"/>
-            </a:solidFill>
-            <a:tailEnd type="triangle"/>
-          </a:ln>
-        </p:spPr>
-        <p:style>
-          <a:lnRef idx="2">
-            <a:schemeClr val="accent6"/>
-          </a:lnRef>
-          <a:fillRef idx="0">
-            <a:schemeClr val="accent6"/>
-          </a:fillRef>
-          <a:effectRef idx="1">
-            <a:schemeClr val="accent6"/>
-          </a:effectRef>
-          <a:fontRef idx="minor">
-            <a:schemeClr val="tx1"/>
-          </a:fontRef>
-        </p:style>
-      </p:cxnSp>
-      <p:cxnSp>
-        <p:nvCxnSpPr>
-          <p:cNvPr id="11" name="Rechte verbindingslijn met pijl 10">
-            <a:extLst>
-              <a:ext uri="{FF2B5EF4-FFF2-40B4-BE49-F238E27FC236}">
-                <a16:creationId xmlns:a16="http://schemas.microsoft.com/office/drawing/2014/main" xmlns="" id="{36209837-E837-48DB-B8BC-8DD9828EC418}"/>
-              </a:ext>
-            </a:extLst>
-          </p:cNvPr>
-          <p:cNvCxnSpPr>
-            <a:cxnSpLocks/>
-          </p:cNvCxnSpPr>
-          <p:nvPr/>
-        </p:nvCxnSpPr>
-        <p:spPr>
-          <a:xfrm>
-            <a:off x="8767714" y="3074779"/>
-            <a:ext cx="1445378" cy="1364974"/>
-          </a:xfrm>
-          <a:prstGeom prst="straightConnector1">
-            <a:avLst/>
-          </a:prstGeom>
-          <a:ln>
-            <a:solidFill>
-              <a:srgbClr val="FF0000"/>
-            </a:solidFill>
-            <a:tailEnd type="triangle"/>
-          </a:ln>
-        </p:spPr>
-        <p:style>
-          <a:lnRef idx="2">
-            <a:schemeClr val="accent3"/>
-          </a:lnRef>
-          <a:fillRef idx="0">
-            <a:schemeClr val="accent3"/>
-          </a:fillRef>
-          <a:effectRef idx="1">
-            <a:schemeClr val="accent3"/>
-          </a:effectRef>
-          <a:fontRef idx="minor">
-            <a:schemeClr val="tx1"/>
-          </a:fontRef>
-        </p:style>
-      </p:cxnSp>
-    </p:spTree>
-    <p:extLst>
-      <p:ext uri="{BB962C8B-B14F-4D97-AF65-F5344CB8AC3E}">
-        <p14:creationId xmlns:p14="http://schemas.microsoft.com/office/powerpoint/2010/main" val="4021325677"/>
-      </p:ext>
-    </p:extLst>
-  </p:cSld>
-  <p:clrMapOvr>
-    <a:masterClrMapping/>
-  </p:clrMapOvr>
-</p:sld>
-</file>
-
-<file path=ppt/slides/slide8.xml><?xml version="1.0" encoding="utf-8"?>
-<p:sld xmlns:a="http://schemas.openxmlformats.org/drawingml/2006/main" xmlns:r="http://schemas.openxmlformats.org/officeDocument/2006/relationships" xmlns:p="http://schemas.openxmlformats.org/presentationml/2006/main">
-  <p:cSld>
-    <p:spTree>
-      <p:nvGrpSpPr>
-        <p:cNvPr id="1" name=""/>
-        <p:cNvGrpSpPr/>
-        <p:nvPr/>
-      </p:nvGrpSpPr>
-      <p:grpSpPr>
-        <a:xfrm>
-          <a:off x="0" y="0"/>
-          <a:ext cx="0" cy="0"/>
-          <a:chOff x="0" y="0"/>
-          <a:chExt cx="0" cy="0"/>
-        </a:xfrm>
-      </p:grpSpPr>
-      <p:sp>
-        <p:nvSpPr>
-          <p:cNvPr id="2" name="Titel 1"/>
-          <p:cNvSpPr>
-            <a:spLocks noGrp="1"/>
-          </p:cNvSpPr>
-          <p:nvPr>
-            <p:ph type="title"/>
-          </p:nvPr>
-        </p:nvSpPr>
-        <p:spPr/>
-        <p:txBody>
-          <a:bodyPr/>
-          <a:lstStyle/>
-          <a:p>
-            <a:r>
-              <a:rPr lang="nl-NL" dirty="0" smtClean="0"/>
-              <a:t>Hill </a:t>
-            </a:r>
-            <a:r>
-              <a:rPr lang="nl-NL" dirty="0" err="1" smtClean="0"/>
-              <a:t>Climber</a:t>
-            </a:r>
-            <a:r>
-              <a:rPr lang="nl-NL" dirty="0" smtClean="0"/>
-              <a:t> </a:t>
-            </a:r>
-            <a:r>
-              <a:rPr lang="nl-NL" dirty="0" err="1" smtClean="0"/>
-              <a:t>Restart</a:t>
-            </a:r>
-            <a:r>
-              <a:rPr lang="nl-NL" dirty="0" smtClean="0"/>
-              <a:t> </a:t>
-            </a:r>
-            <a:r>
-              <a:rPr lang="nl-NL" dirty="0" err="1" smtClean="0"/>
-              <a:t>Results</a:t>
-            </a:r>
-            <a:endParaRPr lang="nl-NL" dirty="0"/>
-          </a:p>
-        </p:txBody>
-      </p:sp>
-      <p:sp>
-        <p:nvSpPr>
-          <p:cNvPr id="3" name="Tijdelijke aanduiding voor inhoud 2"/>
-          <p:cNvSpPr>
-            <a:spLocks noGrp="1"/>
-          </p:cNvSpPr>
-          <p:nvPr>
-            <p:ph idx="1"/>
-          </p:nvPr>
-        </p:nvSpPr>
-        <p:spPr/>
-        <p:txBody>
-          <a:bodyPr>
-            <a:normAutofit/>
-          </a:bodyPr>
-          <a:lstStyle/>
-          <a:p>
-            <a:r>
-              <a:rPr lang="nl-NL" sz="2800" dirty="0"/>
-              <a:t>Profit: </a:t>
-            </a:r>
-            <a:endParaRPr lang="nl-NL" sz="2800" dirty="0" smtClean="0"/>
-          </a:p>
-          <a:p>
-            <a:pPr marL="0" indent="0">
-              <a:buNone/>
-            </a:pPr>
-            <a:r>
-              <a:rPr lang="nl-NL" sz="2800" dirty="0"/>
-              <a:t>    €</a:t>
-            </a:r>
-            <a:r>
-              <a:rPr lang="nl-NL" sz="2800" dirty="0" smtClean="0"/>
-              <a:t>11,662,645.00</a:t>
-            </a:r>
-            <a:endParaRPr lang="nl-NL" sz="2800" dirty="0"/>
-          </a:p>
-        </p:txBody>
-      </p:sp>
-      <p:pic>
-        <p:nvPicPr>
-          <p:cNvPr id="6" name="Afbeelding 5"/>
-          <p:cNvPicPr>
-            <a:picLocks noChangeAspect="1"/>
-          </p:cNvPicPr>
-          <p:nvPr/>
-        </p:nvPicPr>
-        <p:blipFill>
-          <a:blip r:embed="rId2">
-            <a:extLst>
-              <a:ext uri="{28A0092B-C50C-407E-A947-70E740481C1C}">
-                <a14:useLocalDpi xmlns:a14="http://schemas.microsoft.com/office/drawing/2010/main" val="0"/>
-              </a:ext>
-            </a:extLst>
-          </a:blip>
-          <a:stretch>
-            <a:fillRect/>
-          </a:stretch>
-        </p:blipFill>
-        <p:spPr>
-          <a:xfrm>
-            <a:off x="4753867" y="1701254"/>
-            <a:ext cx="7241495" cy="4648030"/>
-          </a:xfrm>
-          <a:prstGeom prst="rect">
-            <a:avLst/>
-          </a:prstGeom>
-        </p:spPr>
-      </p:pic>
-    </p:spTree>
-    <p:extLst>
-      <p:ext uri="{BB962C8B-B14F-4D97-AF65-F5344CB8AC3E}">
-        <p14:creationId xmlns:p14="http://schemas.microsoft.com/office/powerpoint/2010/main" val="3446589215"/>
-      </p:ext>
-    </p:extLst>
-  </p:cSld>
-  <p:clrMapOvr>
-    <a:masterClrMapping/>
-  </p:clrMapOvr>
-</p:sld>
-</file>
-
-<file path=ppt/slides/slide9.xml><?xml version="1.0" encoding="utf-8"?>
 <p:sld xmlns:a="http://schemas.openxmlformats.org/drawingml/2006/main" xmlns:r="http://schemas.openxmlformats.org/officeDocument/2006/relationships" xmlns:p="http://schemas.openxmlformats.org/presentationml/2006/main">
   <p:cSld>
     <p:spTree>
@@ -5966,6 +4344,2066 @@
 </p:sld>
 </file>
 
+<file path=ppt/slides/slide11.xml><?xml version="1.0" encoding="utf-8"?>
+<p:sld xmlns:a="http://schemas.openxmlformats.org/drawingml/2006/main" xmlns:r="http://schemas.openxmlformats.org/officeDocument/2006/relationships" xmlns:p="http://schemas.openxmlformats.org/presentationml/2006/main">
+  <p:cSld>
+    <p:spTree>
+      <p:nvGrpSpPr>
+        <p:cNvPr id="1" name=""/>
+        <p:cNvGrpSpPr/>
+        <p:nvPr/>
+      </p:nvGrpSpPr>
+      <p:grpSpPr>
+        <a:xfrm>
+          <a:off x="0" y="0"/>
+          <a:ext cx="0" cy="0"/>
+          <a:chOff x="0" y="0"/>
+          <a:chExt cx="0" cy="0"/>
+        </a:xfrm>
+      </p:grpSpPr>
+      <p:sp>
+        <p:nvSpPr>
+          <p:cNvPr id="2" name="Titel 1"/>
+          <p:cNvSpPr>
+            <a:spLocks noGrp="1"/>
+          </p:cNvSpPr>
+          <p:nvPr>
+            <p:ph type="title"/>
+          </p:nvPr>
+        </p:nvSpPr>
+        <p:spPr/>
+        <p:txBody>
+          <a:bodyPr/>
+          <a:lstStyle/>
+          <a:p>
+            <a:r>
+              <a:rPr lang="nl-NL" dirty="0" err="1" smtClean="0"/>
+              <a:t>Simulated</a:t>
+            </a:r>
+            <a:r>
+              <a:rPr lang="nl-NL" dirty="0" smtClean="0"/>
+              <a:t> </a:t>
+            </a:r>
+            <a:r>
+              <a:rPr lang="nl-NL" dirty="0" err="1" smtClean="0"/>
+              <a:t>Annealing</a:t>
+            </a:r>
+            <a:r>
+              <a:rPr lang="nl-NL" dirty="0" smtClean="0"/>
+              <a:t> </a:t>
+            </a:r>
+            <a:r>
+              <a:rPr lang="nl-NL" dirty="0" err="1" smtClean="0"/>
+              <a:t>Results</a:t>
+            </a:r>
+            <a:endParaRPr lang="nl-NL" dirty="0"/>
+          </a:p>
+        </p:txBody>
+      </p:sp>
+      <p:sp>
+        <p:nvSpPr>
+          <p:cNvPr id="3" name="Tijdelijke aanduiding voor inhoud 2"/>
+          <p:cNvSpPr>
+            <a:spLocks noGrp="1"/>
+          </p:cNvSpPr>
+          <p:nvPr>
+            <p:ph idx="1"/>
+          </p:nvPr>
+        </p:nvSpPr>
+        <p:spPr/>
+        <p:txBody>
+          <a:bodyPr>
+            <a:normAutofit/>
+          </a:bodyPr>
+          <a:lstStyle/>
+          <a:p>
+            <a:r>
+              <a:rPr lang="nl-NL" sz="2800" dirty="0" smtClean="0"/>
+              <a:t>Profit: </a:t>
+            </a:r>
+          </a:p>
+          <a:p>
+            <a:pPr marL="0" indent="0">
+              <a:buNone/>
+            </a:pPr>
+            <a:r>
+              <a:rPr lang="nl-NL" sz="2800" dirty="0"/>
+              <a:t> </a:t>
+            </a:r>
+            <a:r>
+              <a:rPr lang="nl-NL" sz="2800" dirty="0" smtClean="0"/>
+              <a:t>   €11,381,377.00</a:t>
+            </a:r>
+            <a:endParaRPr lang="nl-NL" sz="2800" dirty="0"/>
+          </a:p>
+        </p:txBody>
+      </p:sp>
+      <p:pic>
+        <p:nvPicPr>
+          <p:cNvPr id="4" name="Afbeelding 3"/>
+          <p:cNvPicPr>
+            <a:picLocks noChangeAspect="1"/>
+          </p:cNvPicPr>
+          <p:nvPr/>
+        </p:nvPicPr>
+        <p:blipFill>
+          <a:blip r:embed="rId2">
+            <a:extLst>
+              <a:ext uri="{28A0092B-C50C-407E-A947-70E740481C1C}">
+                <a14:useLocalDpi xmlns:a14="http://schemas.microsoft.com/office/drawing/2010/main" val="0"/>
+              </a:ext>
+            </a:extLst>
+          </a:blip>
+          <a:stretch>
+            <a:fillRect/>
+          </a:stretch>
+        </p:blipFill>
+        <p:spPr>
+          <a:xfrm>
+            <a:off x="4612312" y="2286000"/>
+            <a:ext cx="7168516" cy="4190463"/>
+          </a:xfrm>
+          <a:prstGeom prst="rect">
+            <a:avLst/>
+          </a:prstGeom>
+        </p:spPr>
+      </p:pic>
+    </p:spTree>
+    <p:extLst>
+      <p:ext uri="{BB962C8B-B14F-4D97-AF65-F5344CB8AC3E}">
+        <p14:creationId xmlns:p14="http://schemas.microsoft.com/office/powerpoint/2010/main" val="479704622"/>
+      </p:ext>
+    </p:extLst>
+  </p:cSld>
+  <p:clrMapOvr>
+    <a:masterClrMapping/>
+  </p:clrMapOvr>
+</p:sld>
+</file>
+
+<file path=ppt/slides/slide12.xml><?xml version="1.0" encoding="utf-8"?>
+<p:sld xmlns:a="http://schemas.openxmlformats.org/drawingml/2006/main" xmlns:r="http://schemas.openxmlformats.org/officeDocument/2006/relationships" xmlns:p="http://schemas.openxmlformats.org/presentationml/2006/main">
+  <p:cSld>
+    <p:spTree>
+      <p:nvGrpSpPr>
+        <p:cNvPr id="1" name=""/>
+        <p:cNvGrpSpPr/>
+        <p:nvPr/>
+      </p:nvGrpSpPr>
+      <p:grpSpPr>
+        <a:xfrm>
+          <a:off x="0" y="0"/>
+          <a:ext cx="0" cy="0"/>
+          <a:chOff x="0" y="0"/>
+          <a:chExt cx="0" cy="0"/>
+        </a:xfrm>
+      </p:grpSpPr>
+      <p:sp>
+        <p:nvSpPr>
+          <p:cNvPr id="7" name="Titel 6">
+            <a:extLst>
+              <a:ext uri="{FF2B5EF4-FFF2-40B4-BE49-F238E27FC236}">
+                <a16:creationId xmlns="" xmlns:a16="http://schemas.microsoft.com/office/drawing/2014/main" id="{B023C60A-46E9-4EE8-9C95-36FE1185A60C}"/>
+              </a:ext>
+            </a:extLst>
+          </p:cNvPr>
+          <p:cNvSpPr>
+            <a:spLocks noGrp="1"/>
+          </p:cNvSpPr>
+          <p:nvPr>
+            <p:ph type="title"/>
+          </p:nvPr>
+        </p:nvSpPr>
+        <p:spPr/>
+        <p:txBody>
+          <a:bodyPr/>
+          <a:lstStyle/>
+          <a:p>
+            <a:r>
+              <a:rPr lang="nl-NL" dirty="0" err="1" smtClean="0"/>
+              <a:t>Current</a:t>
+            </a:r>
+            <a:r>
+              <a:rPr lang="nl-NL" dirty="0" smtClean="0"/>
+              <a:t> </a:t>
+            </a:r>
+            <a:r>
+              <a:rPr lang="nl-NL" dirty="0" err="1" smtClean="0"/>
+              <a:t>Results</a:t>
+            </a:r>
+            <a:endParaRPr lang="nl-NL" dirty="0"/>
+          </a:p>
+        </p:txBody>
+      </p:sp>
+      <p:sp>
+        <p:nvSpPr>
+          <p:cNvPr id="8" name="Tijdelijke aanduiding voor inhoud 7">
+            <a:extLst>
+              <a:ext uri="{FF2B5EF4-FFF2-40B4-BE49-F238E27FC236}">
+                <a16:creationId xmlns="" xmlns:a16="http://schemas.microsoft.com/office/drawing/2014/main" id="{3DD13823-E691-4E1C-BFED-03845170C27D}"/>
+              </a:ext>
+            </a:extLst>
+          </p:cNvPr>
+          <p:cNvSpPr>
+            <a:spLocks noGrp="1"/>
+          </p:cNvSpPr>
+          <p:nvPr>
+            <p:ph idx="1"/>
+          </p:nvPr>
+        </p:nvSpPr>
+        <p:spPr/>
+        <p:txBody>
+          <a:bodyPr>
+            <a:normAutofit/>
+          </a:bodyPr>
+          <a:lstStyle/>
+          <a:p>
+            <a:endParaRPr lang="nl-NL" sz="2800" dirty="0"/>
+          </a:p>
+        </p:txBody>
+      </p:sp>
+      <p:graphicFrame>
+        <p:nvGraphicFramePr>
+          <p:cNvPr id="2" name="Tabel 1"/>
+          <p:cNvGraphicFramePr>
+            <a:graphicFrameLocks noGrp="1"/>
+          </p:cNvGraphicFramePr>
+          <p:nvPr>
+            <p:extLst>
+              <p:ext uri="{D42A27DB-BD31-4B8C-83A1-F6EECF244321}">
+                <p14:modId xmlns:p14="http://schemas.microsoft.com/office/powerpoint/2010/main" val="2417490064"/>
+              </p:ext>
+            </p:extLst>
+          </p:nvPr>
+        </p:nvGraphicFramePr>
+        <p:xfrm>
+          <a:off x="1371600" y="2286000"/>
+          <a:ext cx="8128000" cy="2350215"/>
+        </p:xfrm>
+        <a:graphic>
+          <a:graphicData uri="http://schemas.openxmlformats.org/drawingml/2006/table">
+            <a:tbl>
+              <a:tblPr firstRow="1" bandRow="1">
+                <a:tableStyleId>{74C1A8A3-306A-4EB7-A6B1-4F7E0EB9C5D6}</a:tableStyleId>
+              </a:tblPr>
+              <a:tblGrid>
+                <a:gridCol w="4064000"/>
+                <a:gridCol w="4064000"/>
+              </a:tblGrid>
+              <a:tr h="470043">
+                <a:tc>
+                  <a:txBody>
+                    <a:bodyPr/>
+                    <a:lstStyle/>
+                    <a:p>
+                      <a:r>
+                        <a:rPr lang="nl-NL" sz="2400" dirty="0" err="1" smtClean="0"/>
+                        <a:t>Algorithm</a:t>
+                      </a:r>
+                      <a:endParaRPr lang="nl-NL" sz="2400" dirty="0"/>
+                    </a:p>
+                  </a:txBody>
+                  <a:tcPr/>
+                </a:tc>
+                <a:tc>
+                  <a:txBody>
+                    <a:bodyPr/>
+                    <a:lstStyle/>
+                    <a:p>
+                      <a:r>
+                        <a:rPr lang="nl-NL" sz="2400" dirty="0" smtClean="0"/>
+                        <a:t>Profit</a:t>
+                      </a:r>
+                      <a:endParaRPr lang="nl-NL" sz="2400" dirty="0"/>
+                    </a:p>
+                  </a:txBody>
+                  <a:tcPr/>
+                </a:tc>
+              </a:tr>
+              <a:tr h="470043">
+                <a:tc>
+                  <a:txBody>
+                    <a:bodyPr/>
+                    <a:lstStyle/>
+                    <a:p>
+                      <a:r>
+                        <a:rPr lang="nl-NL" sz="2400" dirty="0" smtClean="0"/>
+                        <a:t>Random</a:t>
+                      </a:r>
+                      <a:endParaRPr lang="nl-NL" sz="2400" dirty="0"/>
+                    </a:p>
+                  </a:txBody>
+                  <a:tcPr>
+                    <a:solidFill>
+                      <a:schemeClr val="bg1"/>
+                    </a:solidFill>
+                  </a:tcPr>
+                </a:tc>
+                <a:tc>
+                  <a:txBody>
+                    <a:bodyPr/>
+                    <a:lstStyle/>
+                    <a:p>
+                      <a:r>
+                        <a:rPr lang="nl-NL" sz="2400" dirty="0" smtClean="0"/>
+                        <a:t>€8,837,371.00 </a:t>
+                      </a:r>
+                      <a:endParaRPr lang="nl-NL" sz="2400" dirty="0"/>
+                    </a:p>
+                  </a:txBody>
+                  <a:tcPr>
+                    <a:solidFill>
+                      <a:schemeClr val="bg1"/>
+                    </a:solidFill>
+                  </a:tcPr>
+                </a:tc>
+              </a:tr>
+              <a:tr h="470043">
+                <a:tc>
+                  <a:txBody>
+                    <a:bodyPr/>
+                    <a:lstStyle/>
+                    <a:p>
+                      <a:r>
+                        <a:rPr lang="nl-NL" sz="2400" dirty="0" smtClean="0"/>
+                        <a:t>Hill </a:t>
+                      </a:r>
+                      <a:r>
+                        <a:rPr lang="nl-NL" sz="2400" dirty="0" err="1" smtClean="0"/>
+                        <a:t>Climber</a:t>
+                      </a:r>
+                      <a:endParaRPr lang="nl-NL" sz="2400" dirty="0"/>
+                    </a:p>
+                  </a:txBody>
+                  <a:tcPr>
+                    <a:solidFill>
+                      <a:schemeClr val="bg1"/>
+                    </a:solidFill>
+                  </a:tcPr>
+                </a:tc>
+                <a:tc>
+                  <a:txBody>
+                    <a:bodyPr/>
+                    <a:lstStyle/>
+                    <a:p>
+                      <a:r>
+                        <a:rPr lang="nl-NL" sz="2400" dirty="0" smtClean="0"/>
+                        <a:t>€11,381,637.00</a:t>
+                      </a:r>
+                      <a:endParaRPr lang="nl-NL" sz="2400" dirty="0"/>
+                    </a:p>
+                  </a:txBody>
+                  <a:tcPr>
+                    <a:solidFill>
+                      <a:schemeClr val="bg1"/>
+                    </a:solidFill>
+                  </a:tcPr>
+                </a:tc>
+              </a:tr>
+              <a:tr h="470043">
+                <a:tc>
+                  <a:txBody>
+                    <a:bodyPr/>
+                    <a:lstStyle/>
+                    <a:p>
+                      <a:r>
+                        <a:rPr lang="nl-NL" sz="2400" dirty="0" smtClean="0"/>
+                        <a:t>Hill </a:t>
+                      </a:r>
+                      <a:r>
+                        <a:rPr lang="nl-NL" sz="2400" dirty="0" err="1" smtClean="0"/>
+                        <a:t>Climber</a:t>
+                      </a:r>
+                      <a:r>
+                        <a:rPr lang="nl-NL" sz="2400" dirty="0" smtClean="0"/>
+                        <a:t> </a:t>
+                      </a:r>
+                      <a:r>
+                        <a:rPr lang="nl-NL" sz="2400" dirty="0" err="1" smtClean="0"/>
+                        <a:t>Restart</a:t>
+                      </a:r>
+                      <a:endParaRPr lang="nl-NL" sz="2400" dirty="0"/>
+                    </a:p>
+                  </a:txBody>
+                  <a:tcPr>
+                    <a:solidFill>
+                      <a:schemeClr val="bg1"/>
+                    </a:solidFill>
+                  </a:tcPr>
+                </a:tc>
+                <a:tc>
+                  <a:txBody>
+                    <a:bodyPr/>
+                    <a:lstStyle/>
+                    <a:p>
+                      <a:pPr marL="0" marR="0" lvl="0" indent="0" algn="l" defTabSz="914400" rtl="0" eaLnBrk="1" fontAlgn="auto" latinLnBrk="0" hangingPunct="1">
+                        <a:lnSpc>
+                          <a:spcPct val="100000"/>
+                        </a:lnSpc>
+                        <a:spcBef>
+                          <a:spcPts val="0"/>
+                        </a:spcBef>
+                        <a:spcAft>
+                          <a:spcPts val="0"/>
+                        </a:spcAft>
+                        <a:buClrTx/>
+                        <a:buSzTx/>
+                        <a:buFontTx/>
+                        <a:buNone/>
+                        <a:tabLst/>
+                        <a:defRPr/>
+                      </a:pPr>
+                      <a:r>
+                        <a:rPr lang="nl-NL" sz="2400" dirty="0" smtClean="0"/>
+                        <a:t>€11,662,645.00</a:t>
+                      </a:r>
+                    </a:p>
+                  </a:txBody>
+                  <a:tcPr>
+                    <a:solidFill>
+                      <a:schemeClr val="bg1"/>
+                    </a:solidFill>
+                  </a:tcPr>
+                </a:tc>
+              </a:tr>
+              <a:tr h="470043">
+                <a:tc>
+                  <a:txBody>
+                    <a:bodyPr/>
+                    <a:lstStyle/>
+                    <a:p>
+                      <a:r>
+                        <a:rPr lang="nl-NL" sz="2400" dirty="0" err="1" smtClean="0"/>
+                        <a:t>Simulated</a:t>
+                      </a:r>
+                      <a:r>
+                        <a:rPr lang="nl-NL" sz="2400" dirty="0" smtClean="0"/>
+                        <a:t> </a:t>
+                      </a:r>
+                      <a:r>
+                        <a:rPr lang="nl-NL" sz="2400" dirty="0" err="1" smtClean="0"/>
+                        <a:t>Annealing</a:t>
+                      </a:r>
+                      <a:endParaRPr lang="nl-NL" sz="2400" dirty="0"/>
+                    </a:p>
+                  </a:txBody>
+                  <a:tcPr>
+                    <a:solidFill>
+                      <a:schemeClr val="bg1"/>
+                    </a:solidFill>
+                  </a:tcPr>
+                </a:tc>
+                <a:tc>
+                  <a:txBody>
+                    <a:bodyPr/>
+                    <a:lstStyle/>
+                    <a:p>
+                      <a:r>
+                        <a:rPr lang="nl-NL" sz="2400" dirty="0" smtClean="0"/>
+                        <a:t>€11,381,377.00</a:t>
+                      </a:r>
+                      <a:endParaRPr lang="nl-NL" sz="2400" dirty="0"/>
+                    </a:p>
+                  </a:txBody>
+                  <a:tcPr>
+                    <a:solidFill>
+                      <a:schemeClr val="bg1"/>
+                    </a:solidFill>
+                  </a:tcPr>
+                </a:tc>
+              </a:tr>
+            </a:tbl>
+          </a:graphicData>
+        </a:graphic>
+      </p:graphicFrame>
+    </p:spTree>
+    <p:extLst>
+      <p:ext uri="{BB962C8B-B14F-4D97-AF65-F5344CB8AC3E}">
+        <p14:creationId xmlns:p14="http://schemas.microsoft.com/office/powerpoint/2010/main" val="3415795761"/>
+      </p:ext>
+    </p:extLst>
+  </p:cSld>
+  <p:clrMapOvr>
+    <a:masterClrMapping/>
+  </p:clrMapOvr>
+</p:sld>
+</file>
+
+<file path=ppt/slides/slide13.xml><?xml version="1.0" encoding="utf-8"?>
+<p:sld xmlns:a="http://schemas.openxmlformats.org/drawingml/2006/main" xmlns:r="http://schemas.openxmlformats.org/officeDocument/2006/relationships" xmlns:p="http://schemas.openxmlformats.org/presentationml/2006/main">
+  <p:cSld>
+    <p:spTree>
+      <p:nvGrpSpPr>
+        <p:cNvPr id="1" name=""/>
+        <p:cNvGrpSpPr/>
+        <p:nvPr/>
+      </p:nvGrpSpPr>
+      <p:grpSpPr>
+        <a:xfrm>
+          <a:off x="0" y="0"/>
+          <a:ext cx="0" cy="0"/>
+          <a:chOff x="0" y="0"/>
+          <a:chExt cx="0" cy="0"/>
+        </a:xfrm>
+      </p:grpSpPr>
+      <p:sp>
+        <p:nvSpPr>
+          <p:cNvPr id="2" name="Titel 1"/>
+          <p:cNvSpPr>
+            <a:spLocks noGrp="1"/>
+          </p:cNvSpPr>
+          <p:nvPr>
+            <p:ph type="title"/>
+          </p:nvPr>
+        </p:nvSpPr>
+        <p:spPr/>
+        <p:txBody>
+          <a:bodyPr/>
+          <a:lstStyle/>
+          <a:p>
+            <a:r>
+              <a:rPr lang="nl-NL" dirty="0" err="1" smtClean="0"/>
+              <a:t>Current</a:t>
+            </a:r>
+            <a:r>
+              <a:rPr lang="nl-NL" dirty="0" smtClean="0"/>
+              <a:t> Status</a:t>
+            </a:r>
+            <a:endParaRPr lang="nl-NL" dirty="0"/>
+          </a:p>
+        </p:txBody>
+      </p:sp>
+      <p:sp>
+        <p:nvSpPr>
+          <p:cNvPr id="3" name="Tijdelijke aanduiding voor inhoud 2"/>
+          <p:cNvSpPr>
+            <a:spLocks noGrp="1"/>
+          </p:cNvSpPr>
+          <p:nvPr>
+            <p:ph idx="1"/>
+          </p:nvPr>
+        </p:nvSpPr>
+        <p:spPr/>
+        <p:txBody>
+          <a:bodyPr/>
+          <a:lstStyle/>
+          <a:p>
+            <a:r>
+              <a:rPr lang="nl-NL" sz="2800" dirty="0" smtClean="0"/>
+              <a:t>Parameter </a:t>
+            </a:r>
+            <a:r>
+              <a:rPr lang="nl-NL" sz="2800" dirty="0" err="1" smtClean="0"/>
+              <a:t>tuning</a:t>
+            </a:r>
+            <a:endParaRPr lang="nl-NL" sz="2800" dirty="0" smtClean="0"/>
+          </a:p>
+          <a:p>
+            <a:r>
+              <a:rPr lang="nl-NL" sz="2800" dirty="0" err="1" smtClean="0"/>
+              <a:t>HomeBase</a:t>
+            </a:r>
+            <a:r>
+              <a:rPr lang="nl-NL" sz="2800" dirty="0" smtClean="0"/>
+              <a:t> </a:t>
+            </a:r>
+            <a:r>
+              <a:rPr lang="nl-NL" sz="2800" dirty="0" err="1" smtClean="0"/>
+              <a:t>Determination</a:t>
+            </a:r>
+            <a:endParaRPr lang="nl-NL" sz="2800" dirty="0" smtClean="0"/>
+          </a:p>
+          <a:p>
+            <a:pPr marL="0" indent="0">
+              <a:buNone/>
+            </a:pPr>
+            <a:endParaRPr lang="nl-NL" dirty="0"/>
+          </a:p>
+        </p:txBody>
+      </p:sp>
+    </p:spTree>
+    <p:extLst>
+      <p:ext uri="{BB962C8B-B14F-4D97-AF65-F5344CB8AC3E}">
+        <p14:creationId xmlns:p14="http://schemas.microsoft.com/office/powerpoint/2010/main" val="1719887280"/>
+      </p:ext>
+    </p:extLst>
+  </p:cSld>
+  <p:clrMapOvr>
+    <a:masterClrMapping/>
+  </p:clrMapOvr>
+</p:sld>
+</file>
+
+<file path=ppt/slides/slide2.xml><?xml version="1.0" encoding="utf-8"?>
+<p:sld xmlns:a="http://schemas.openxmlformats.org/drawingml/2006/main" xmlns:r="http://schemas.openxmlformats.org/officeDocument/2006/relationships" xmlns:p="http://schemas.openxmlformats.org/presentationml/2006/main">
+  <p:cSld>
+    <p:spTree>
+      <p:nvGrpSpPr>
+        <p:cNvPr id="1" name=""/>
+        <p:cNvGrpSpPr/>
+        <p:nvPr/>
+      </p:nvGrpSpPr>
+      <p:grpSpPr>
+        <a:xfrm>
+          <a:off x="0" y="0"/>
+          <a:ext cx="0" cy="0"/>
+          <a:chOff x="0" y="0"/>
+          <a:chExt cx="0" cy="0"/>
+        </a:xfrm>
+      </p:grpSpPr>
+      <p:sp>
+        <p:nvSpPr>
+          <p:cNvPr id="2" name="Titel 1"/>
+          <p:cNvSpPr>
+            <a:spLocks noGrp="1"/>
+          </p:cNvSpPr>
+          <p:nvPr>
+            <p:ph type="title"/>
+          </p:nvPr>
+        </p:nvSpPr>
+        <p:spPr/>
+        <p:txBody>
+          <a:bodyPr/>
+          <a:lstStyle/>
+          <a:p>
+            <a:r>
+              <a:rPr lang="nl-NL" dirty="0"/>
+              <a:t>The Case</a:t>
+            </a:r>
+          </a:p>
+        </p:txBody>
+      </p:sp>
+      <p:sp>
+        <p:nvSpPr>
+          <p:cNvPr id="3" name="Tijdelijke aanduiding voor inhoud 2"/>
+          <p:cNvSpPr>
+            <a:spLocks noGrp="1"/>
+          </p:cNvSpPr>
+          <p:nvPr>
+            <p:ph idx="1"/>
+          </p:nvPr>
+        </p:nvSpPr>
+        <p:spPr>
+          <a:xfrm>
+            <a:off x="1371600" y="2002665"/>
+            <a:ext cx="9601200" cy="4114800"/>
+          </a:xfrm>
+        </p:spPr>
+        <p:txBody>
+          <a:bodyPr>
+            <a:noAutofit/>
+          </a:bodyPr>
+          <a:lstStyle/>
+          <a:p>
+            <a:r>
+              <a:rPr lang="en-GB" sz="2400" dirty="0"/>
+              <a:t>6 aircrafts</a:t>
+            </a:r>
+          </a:p>
+          <a:p>
+            <a:r>
+              <a:rPr lang="en-GB" sz="2400" dirty="0"/>
+              <a:t>28 cities</a:t>
+            </a:r>
+          </a:p>
+          <a:p>
+            <a:r>
+              <a:rPr lang="en-GB" sz="2400" dirty="0"/>
+              <a:t>Create one-day flight schedules</a:t>
+            </a:r>
+          </a:p>
+          <a:p>
+            <a:r>
+              <a:rPr lang="en-GB" sz="2400" dirty="0"/>
+              <a:t>20 hour day</a:t>
+            </a:r>
+          </a:p>
+          <a:p>
+            <a:r>
+              <a:rPr lang="en-GB" sz="2400" dirty="0"/>
+              <a:t>B</a:t>
+            </a:r>
+            <a:r>
+              <a:rPr lang="en-GB" sz="2400" dirty="0" smtClean="0"/>
+              <a:t>oarding </a:t>
+            </a:r>
+            <a:r>
+              <a:rPr lang="en-GB" sz="2400" dirty="0"/>
+              <a:t>and refuelling times</a:t>
+            </a:r>
+          </a:p>
+          <a:p>
+            <a:r>
+              <a:rPr lang="en-GB" sz="2400" dirty="0" smtClean="0"/>
+              <a:t>Profit=#passengers</a:t>
+            </a:r>
+            <a:r>
+              <a:rPr lang="en-GB" sz="2400" dirty="0"/>
+              <a:t> </a:t>
+            </a:r>
+            <a:r>
+              <a:rPr lang="en-GB" sz="2400" dirty="0" smtClean="0"/>
+              <a:t>* #kilometres</a:t>
+            </a:r>
+          </a:p>
+          <a:p>
+            <a:r>
+              <a:rPr lang="en-GB" sz="2400" dirty="0" smtClean="0"/>
+              <a:t>Detours</a:t>
+            </a:r>
+            <a:endParaRPr lang="en-GB" sz="2400" dirty="0"/>
+          </a:p>
+        </p:txBody>
+      </p:sp>
+      <p:pic>
+        <p:nvPicPr>
+          <p:cNvPr id="4" name="Afbeelding 3"/>
+          <p:cNvPicPr>
+            <a:picLocks noChangeAspect="1"/>
+          </p:cNvPicPr>
+          <p:nvPr/>
+        </p:nvPicPr>
+        <p:blipFill>
+          <a:blip r:embed="rId2">
+            <a:extLst>
+              <a:ext uri="{28A0092B-C50C-407E-A947-70E740481C1C}">
+                <a14:useLocalDpi xmlns:a14="http://schemas.microsoft.com/office/drawing/2010/main" val="0"/>
+              </a:ext>
+            </a:extLst>
+          </a:blip>
+          <a:stretch>
+            <a:fillRect/>
+          </a:stretch>
+        </p:blipFill>
+        <p:spPr>
+          <a:xfrm>
+            <a:off x="6882489" y="0"/>
+            <a:ext cx="5309511" cy="5022761"/>
+          </a:xfrm>
+          <a:prstGeom prst="rect">
+            <a:avLst/>
+          </a:prstGeom>
+        </p:spPr>
+      </p:pic>
+    </p:spTree>
+    <p:extLst>
+      <p:ext uri="{BB962C8B-B14F-4D97-AF65-F5344CB8AC3E}">
+        <p14:creationId xmlns:p14="http://schemas.microsoft.com/office/powerpoint/2010/main" val="3848998942"/>
+      </p:ext>
+    </p:extLst>
+  </p:cSld>
+  <p:clrMapOvr>
+    <a:masterClrMapping/>
+  </p:clrMapOvr>
+</p:sld>
+</file>
+
+<file path=ppt/slides/slide3.xml><?xml version="1.0" encoding="utf-8"?>
+<p:sld xmlns:a="http://schemas.openxmlformats.org/drawingml/2006/main" xmlns:r="http://schemas.openxmlformats.org/officeDocument/2006/relationships" xmlns:p="http://schemas.openxmlformats.org/presentationml/2006/main">
+  <p:cSld>
+    <p:spTree>
+      <p:nvGrpSpPr>
+        <p:cNvPr id="1" name=""/>
+        <p:cNvGrpSpPr/>
+        <p:nvPr/>
+      </p:nvGrpSpPr>
+      <p:grpSpPr>
+        <a:xfrm>
+          <a:off x="0" y="0"/>
+          <a:ext cx="0" cy="0"/>
+          <a:chOff x="0" y="0"/>
+          <a:chExt cx="0" cy="0"/>
+        </a:xfrm>
+      </p:grpSpPr>
+      <p:sp>
+        <p:nvSpPr>
+          <p:cNvPr id="2" name="Titel 1"/>
+          <p:cNvSpPr>
+            <a:spLocks noGrp="1"/>
+          </p:cNvSpPr>
+          <p:nvPr>
+            <p:ph type="title"/>
+          </p:nvPr>
+        </p:nvSpPr>
+        <p:spPr/>
+        <p:txBody>
+          <a:bodyPr/>
+          <a:lstStyle/>
+          <a:p>
+            <a:r>
+              <a:rPr lang="nl-NL" dirty="0"/>
+              <a:t>Random Algorithm</a:t>
+            </a:r>
+          </a:p>
+        </p:txBody>
+      </p:sp>
+      <p:sp>
+        <p:nvSpPr>
+          <p:cNvPr id="3" name="Tijdelijke aanduiding voor inhoud 2"/>
+          <p:cNvSpPr>
+            <a:spLocks noGrp="1"/>
+          </p:cNvSpPr>
+          <p:nvPr>
+            <p:ph idx="1"/>
+          </p:nvPr>
+        </p:nvSpPr>
+        <p:spPr/>
+        <p:txBody>
+          <a:bodyPr/>
+          <a:lstStyle/>
+          <a:p>
+            <a:r>
+              <a:rPr lang="en-GB" sz="3200" dirty="0"/>
+              <a:t>Create random </a:t>
+            </a:r>
+            <a:r>
+              <a:rPr lang="en-GB" sz="3200" dirty="0" smtClean="0"/>
+              <a:t>route</a:t>
+            </a:r>
+            <a:endParaRPr lang="en-GB" sz="2800" i="0" dirty="0"/>
+          </a:p>
+          <a:p>
+            <a:pPr lvl="1"/>
+            <a:r>
+              <a:rPr lang="en-GB" sz="2200" i="0" dirty="0" smtClean="0"/>
+              <a:t>Add Amsterdam if not start city</a:t>
+            </a:r>
+          </a:p>
+          <a:p>
+            <a:pPr lvl="1"/>
+            <a:r>
+              <a:rPr lang="en-GB" sz="2200" i="0" dirty="0" smtClean="0"/>
+              <a:t>Add </a:t>
+            </a:r>
+            <a:r>
+              <a:rPr lang="en-GB" sz="2200" i="0" dirty="0"/>
+              <a:t>random city at random index if valid</a:t>
+            </a:r>
+          </a:p>
+          <a:p>
+            <a:pPr lvl="1"/>
+            <a:r>
+              <a:rPr lang="en-GB" sz="2200" i="0" dirty="0"/>
+              <a:t>Add random number of passengers if valid</a:t>
+            </a:r>
+          </a:p>
+          <a:p>
+            <a:pPr lvl="1"/>
+            <a:r>
+              <a:rPr lang="en-GB" sz="2200" i="0" dirty="0"/>
+              <a:t>Stop if no more flying time left </a:t>
+            </a:r>
+          </a:p>
+          <a:p>
+            <a:pPr lvl="1"/>
+            <a:endParaRPr lang="en-GB" dirty="0"/>
+          </a:p>
+          <a:p>
+            <a:r>
+              <a:rPr lang="en-GB" sz="3200" dirty="0"/>
+              <a:t>Store the best route</a:t>
+            </a:r>
+          </a:p>
+          <a:p>
+            <a:endParaRPr lang="en-GB" dirty="0"/>
+          </a:p>
+        </p:txBody>
+      </p:sp>
+    </p:spTree>
+    <p:extLst>
+      <p:ext uri="{BB962C8B-B14F-4D97-AF65-F5344CB8AC3E}">
+        <p14:creationId xmlns:p14="http://schemas.microsoft.com/office/powerpoint/2010/main" val="329869358"/>
+      </p:ext>
+    </p:extLst>
+  </p:cSld>
+  <p:clrMapOvr>
+    <a:masterClrMapping/>
+  </p:clrMapOvr>
+</p:sld>
+</file>
+
+<file path=ppt/slides/slide4.xml><?xml version="1.0" encoding="utf-8"?>
+<p:sld xmlns:a="http://schemas.openxmlformats.org/drawingml/2006/main" xmlns:r="http://schemas.openxmlformats.org/officeDocument/2006/relationships" xmlns:p="http://schemas.openxmlformats.org/presentationml/2006/main">
+  <p:cSld>
+    <p:spTree>
+      <p:nvGrpSpPr>
+        <p:cNvPr id="1" name=""/>
+        <p:cNvGrpSpPr/>
+        <p:nvPr/>
+      </p:nvGrpSpPr>
+      <p:grpSpPr>
+        <a:xfrm>
+          <a:off x="0" y="0"/>
+          <a:ext cx="0" cy="0"/>
+          <a:chOff x="0" y="0"/>
+          <a:chExt cx="0" cy="0"/>
+        </a:xfrm>
+      </p:grpSpPr>
+      <p:sp>
+        <p:nvSpPr>
+          <p:cNvPr id="2" name="Titel 1"/>
+          <p:cNvSpPr>
+            <a:spLocks noGrp="1"/>
+          </p:cNvSpPr>
+          <p:nvPr>
+            <p:ph type="title"/>
+          </p:nvPr>
+        </p:nvSpPr>
+        <p:spPr/>
+        <p:txBody>
+          <a:bodyPr/>
+          <a:lstStyle/>
+          <a:p>
+            <a:r>
+              <a:rPr lang="nl-NL" dirty="0"/>
+              <a:t>Random </a:t>
+            </a:r>
+            <a:r>
+              <a:rPr lang="nl-NL" dirty="0" err="1" smtClean="0"/>
+              <a:t>Algorithm</a:t>
+            </a:r>
+            <a:r>
+              <a:rPr lang="nl-NL" dirty="0" smtClean="0"/>
+              <a:t> </a:t>
+            </a:r>
+            <a:r>
+              <a:rPr lang="nl-NL" dirty="0" err="1" smtClean="0"/>
+              <a:t>Results</a:t>
+            </a:r>
+            <a:endParaRPr lang="nl-NL" dirty="0"/>
+          </a:p>
+        </p:txBody>
+      </p:sp>
+      <p:sp>
+        <p:nvSpPr>
+          <p:cNvPr id="3" name="Tijdelijke aanduiding voor inhoud 2"/>
+          <p:cNvSpPr>
+            <a:spLocks noGrp="1"/>
+          </p:cNvSpPr>
+          <p:nvPr>
+            <p:ph idx="1"/>
+          </p:nvPr>
+        </p:nvSpPr>
+        <p:spPr>
+          <a:xfrm>
+            <a:off x="1371600" y="1893195"/>
+            <a:ext cx="9601200" cy="4566634"/>
+          </a:xfrm>
+        </p:spPr>
+        <p:txBody>
+          <a:bodyPr>
+            <a:normAutofit/>
+          </a:bodyPr>
+          <a:lstStyle/>
+          <a:p>
+            <a:r>
+              <a:rPr lang="nl-NL" sz="2800" dirty="0" smtClean="0"/>
+              <a:t>Profit: €8,837,371.00</a:t>
+            </a:r>
+          </a:p>
+          <a:p>
+            <a:r>
+              <a:rPr lang="nl-NL" sz="2800" dirty="0"/>
+              <a:t>Schedule: </a:t>
+            </a:r>
+          </a:p>
+          <a:p>
+            <a:pPr marL="0" indent="0">
+              <a:buNone/>
+            </a:pPr>
+            <a:endParaRPr lang="nl-NL" sz="2800" dirty="0">
+              <a:solidFill>
+                <a:srgbClr val="FF0000"/>
+              </a:solidFill>
+            </a:endParaRPr>
+          </a:p>
+          <a:p>
+            <a:pPr marL="0" indent="0">
+              <a:buNone/>
+            </a:pPr>
+            <a:endParaRPr lang="nl-NL" dirty="0"/>
+          </a:p>
+        </p:txBody>
+      </p:sp>
+      <p:pic>
+        <p:nvPicPr>
+          <p:cNvPr id="8" name="Afbeelding 7"/>
+          <p:cNvPicPr>
+            <a:picLocks noChangeAspect="1"/>
+          </p:cNvPicPr>
+          <p:nvPr/>
+        </p:nvPicPr>
+        <p:blipFill>
+          <a:blip r:embed="rId2"/>
+          <a:stretch>
+            <a:fillRect/>
+          </a:stretch>
+        </p:blipFill>
+        <p:spPr>
+          <a:xfrm>
+            <a:off x="824248" y="3469247"/>
+            <a:ext cx="11367752" cy="2249393"/>
+          </a:xfrm>
+          <a:prstGeom prst="rect">
+            <a:avLst/>
+          </a:prstGeom>
+        </p:spPr>
+      </p:pic>
+    </p:spTree>
+    <p:extLst>
+      <p:ext uri="{BB962C8B-B14F-4D97-AF65-F5344CB8AC3E}">
+        <p14:creationId xmlns:p14="http://schemas.microsoft.com/office/powerpoint/2010/main" val="63618746"/>
+      </p:ext>
+    </p:extLst>
+  </p:cSld>
+  <p:clrMapOvr>
+    <a:masterClrMapping/>
+  </p:clrMapOvr>
+</p:sld>
+</file>
+
+<file path=ppt/slides/slide5.xml><?xml version="1.0" encoding="utf-8"?>
+<p:sld xmlns:a="http://schemas.openxmlformats.org/drawingml/2006/main" xmlns:r="http://schemas.openxmlformats.org/officeDocument/2006/relationships" xmlns:p="http://schemas.openxmlformats.org/presentationml/2006/main">
+  <p:cSld>
+    <p:spTree>
+      <p:nvGrpSpPr>
+        <p:cNvPr id="1" name=""/>
+        <p:cNvGrpSpPr/>
+        <p:nvPr/>
+      </p:nvGrpSpPr>
+      <p:grpSpPr>
+        <a:xfrm>
+          <a:off x="0" y="0"/>
+          <a:ext cx="0" cy="0"/>
+          <a:chOff x="0" y="0"/>
+          <a:chExt cx="0" cy="0"/>
+        </a:xfrm>
+      </p:grpSpPr>
+      <p:sp>
+        <p:nvSpPr>
+          <p:cNvPr id="2" name="Titel 1"/>
+          <p:cNvSpPr>
+            <a:spLocks noGrp="1"/>
+          </p:cNvSpPr>
+          <p:nvPr>
+            <p:ph type="title"/>
+          </p:nvPr>
+        </p:nvSpPr>
+        <p:spPr/>
+        <p:txBody>
+          <a:bodyPr/>
+          <a:lstStyle/>
+          <a:p>
+            <a:r>
+              <a:rPr lang="nl-NL" dirty="0"/>
+              <a:t>Hill Climber Algorithm</a:t>
+            </a:r>
+          </a:p>
+        </p:txBody>
+      </p:sp>
+      <p:sp>
+        <p:nvSpPr>
+          <p:cNvPr id="3" name="Tijdelijke aanduiding voor inhoud 2"/>
+          <p:cNvSpPr>
+            <a:spLocks noGrp="1"/>
+          </p:cNvSpPr>
+          <p:nvPr>
+            <p:ph idx="1"/>
+          </p:nvPr>
+        </p:nvSpPr>
+        <p:spPr/>
+        <p:txBody>
+          <a:bodyPr>
+            <a:normAutofit/>
+          </a:bodyPr>
+          <a:lstStyle/>
+          <a:p>
+            <a:r>
+              <a:rPr lang="en-GB" sz="2800" dirty="0" smtClean="0"/>
+              <a:t>Hil</a:t>
+            </a:r>
+            <a:r>
+              <a:rPr lang="en-GB" sz="2800" dirty="0" smtClean="0"/>
+              <a:t>l Climber</a:t>
+            </a:r>
+          </a:p>
+          <a:p>
+            <a:pPr lvl="1"/>
+            <a:r>
+              <a:rPr lang="en-GB" sz="2400" i="0" dirty="0"/>
+              <a:t>Start with resulting schedule random algorithm</a:t>
+            </a:r>
+          </a:p>
+          <a:p>
+            <a:pPr lvl="1"/>
+            <a:r>
+              <a:rPr lang="en-GB" sz="2400" i="0" dirty="0"/>
+              <a:t>Apply random </a:t>
+            </a:r>
+            <a:r>
+              <a:rPr lang="en-GB" sz="2400" i="0" dirty="0" smtClean="0"/>
+              <a:t>mutations</a:t>
+            </a:r>
+          </a:p>
+          <a:p>
+            <a:pPr lvl="1"/>
+            <a:r>
+              <a:rPr lang="en-GB" sz="2400" i="0" dirty="0" smtClean="0"/>
+              <a:t>Stop if no improvement for 1000 iterations</a:t>
+            </a:r>
+            <a:endParaRPr lang="en-GB" sz="2400" i="0" dirty="0"/>
+          </a:p>
+          <a:p>
+            <a:pPr marL="0" indent="0">
+              <a:buNone/>
+            </a:pPr>
+            <a:endParaRPr lang="en-GB" sz="2800" dirty="0" smtClean="0"/>
+          </a:p>
+          <a:p>
+            <a:r>
+              <a:rPr lang="en-GB" sz="2800" dirty="0" smtClean="0"/>
+              <a:t>Hill </a:t>
+            </a:r>
+            <a:r>
+              <a:rPr lang="en-GB" sz="2800" dirty="0"/>
+              <a:t>Climber Restart</a:t>
+            </a:r>
+          </a:p>
+          <a:p>
+            <a:pPr lvl="1"/>
+            <a:r>
+              <a:rPr lang="en-GB" sz="2400" i="0" dirty="0" smtClean="0"/>
+              <a:t>Local </a:t>
+            </a:r>
+            <a:r>
+              <a:rPr lang="en-GB" sz="2400" i="0" dirty="0"/>
+              <a:t>optimum </a:t>
+            </a:r>
+            <a:r>
+              <a:rPr lang="en-GB" sz="2400" i="0" dirty="0">
+                <a:sym typeface="Wingdings" panose="05000000000000000000" pitchFamily="2" charset="2"/>
+              </a:rPr>
+              <a:t> Restart with new random route</a:t>
+            </a:r>
+            <a:endParaRPr lang="en-GB" sz="2400" i="0" dirty="0"/>
+          </a:p>
+        </p:txBody>
+      </p:sp>
+    </p:spTree>
+    <p:extLst>
+      <p:ext uri="{BB962C8B-B14F-4D97-AF65-F5344CB8AC3E}">
+        <p14:creationId xmlns:p14="http://schemas.microsoft.com/office/powerpoint/2010/main" val="4250612199"/>
+      </p:ext>
+    </p:extLst>
+  </p:cSld>
+  <p:clrMapOvr>
+    <a:masterClrMapping/>
+  </p:clrMapOvr>
+</p:sld>
+</file>
+
+<file path=ppt/slides/slide6.xml><?xml version="1.0" encoding="utf-8"?>
+<p:sld xmlns:a="http://schemas.openxmlformats.org/drawingml/2006/main" xmlns:r="http://schemas.openxmlformats.org/officeDocument/2006/relationships" xmlns:p="http://schemas.openxmlformats.org/presentationml/2006/main">
+  <p:cSld>
+    <p:spTree>
+      <p:nvGrpSpPr>
+        <p:cNvPr id="1" name=""/>
+        <p:cNvGrpSpPr/>
+        <p:nvPr/>
+      </p:nvGrpSpPr>
+      <p:grpSpPr>
+        <a:xfrm>
+          <a:off x="0" y="0"/>
+          <a:ext cx="0" cy="0"/>
+          <a:chOff x="0" y="0"/>
+          <a:chExt cx="0" cy="0"/>
+        </a:xfrm>
+      </p:grpSpPr>
+      <p:sp>
+        <p:nvSpPr>
+          <p:cNvPr id="2" name="Titel 1">
+            <a:extLst>
+              <a:ext uri="{FF2B5EF4-FFF2-40B4-BE49-F238E27FC236}">
+                <a16:creationId xmlns="" xmlns:a16="http://schemas.microsoft.com/office/drawing/2014/main" id="{B8FEBF4A-E504-429A-9363-CF78BC5C184F}"/>
+              </a:ext>
+            </a:extLst>
+          </p:cNvPr>
+          <p:cNvSpPr>
+            <a:spLocks noGrp="1"/>
+          </p:cNvSpPr>
+          <p:nvPr>
+            <p:ph type="title"/>
+          </p:nvPr>
+        </p:nvSpPr>
+        <p:spPr/>
+        <p:txBody>
+          <a:bodyPr/>
+          <a:lstStyle/>
+          <a:p>
+            <a:r>
+              <a:rPr lang="nl-NL" dirty="0" err="1"/>
+              <a:t>Mutations</a:t>
+            </a:r>
+            <a:endParaRPr lang="nl-NL" dirty="0"/>
+          </a:p>
+        </p:txBody>
+      </p:sp>
+      <p:sp>
+        <p:nvSpPr>
+          <p:cNvPr id="3" name="Tijdelijke aanduiding voor inhoud 2">
+            <a:extLst>
+              <a:ext uri="{FF2B5EF4-FFF2-40B4-BE49-F238E27FC236}">
+                <a16:creationId xmlns="" xmlns:a16="http://schemas.microsoft.com/office/drawing/2014/main" id="{EF681013-444B-4FE7-BEBB-69DE5DADA6AC}"/>
+              </a:ext>
+            </a:extLst>
+          </p:cNvPr>
+          <p:cNvSpPr>
+            <a:spLocks noGrp="1"/>
+          </p:cNvSpPr>
+          <p:nvPr>
+            <p:ph idx="1"/>
+          </p:nvPr>
+        </p:nvSpPr>
+        <p:spPr/>
+        <p:txBody>
+          <a:bodyPr/>
+          <a:lstStyle/>
+          <a:p>
+            <a:r>
+              <a:rPr lang="nl-NL" sz="2800" dirty="0" err="1" smtClean="0"/>
+              <a:t>Remove</a:t>
+            </a:r>
+            <a:r>
+              <a:rPr lang="nl-NL" sz="2800" dirty="0" smtClean="0"/>
+              <a:t>/</a:t>
+            </a:r>
+            <a:r>
+              <a:rPr lang="nl-NL" sz="2800" dirty="0" err="1" smtClean="0"/>
+              <a:t>add</a:t>
+            </a:r>
+            <a:r>
+              <a:rPr lang="nl-NL" sz="2800" dirty="0" smtClean="0"/>
+              <a:t> </a:t>
+            </a:r>
+            <a:r>
+              <a:rPr lang="nl-NL" sz="2800" dirty="0" err="1"/>
+              <a:t>city</a:t>
+            </a:r>
+            <a:endParaRPr lang="nl-NL" sz="2800" dirty="0"/>
+          </a:p>
+          <a:p>
+            <a:r>
+              <a:rPr lang="nl-NL" sz="2800" dirty="0" err="1" smtClean="0"/>
+              <a:t>Add</a:t>
+            </a:r>
+            <a:r>
+              <a:rPr lang="nl-NL" sz="2800" dirty="0" smtClean="0"/>
+              <a:t> </a:t>
+            </a:r>
+            <a:r>
+              <a:rPr lang="nl-NL" sz="2800" dirty="0" err="1"/>
+              <a:t>passengers</a:t>
+            </a:r>
+            <a:endParaRPr lang="nl-NL" sz="2800" dirty="0"/>
+          </a:p>
+          <a:p>
+            <a:r>
+              <a:rPr lang="nl-NL" sz="2800" dirty="0"/>
+              <a:t>Swap </a:t>
+            </a:r>
+            <a:r>
+              <a:rPr lang="nl-NL" sz="2800" dirty="0" err="1"/>
+              <a:t>cities</a:t>
+            </a:r>
+            <a:endParaRPr lang="nl-NL" sz="2800" dirty="0"/>
+          </a:p>
+          <a:p>
+            <a:r>
+              <a:rPr lang="nl-NL" sz="2800" dirty="0"/>
+              <a:t>Swap </a:t>
+            </a:r>
+            <a:r>
+              <a:rPr lang="nl-NL" sz="2800" dirty="0" err="1"/>
+              <a:t>detour</a:t>
+            </a:r>
+            <a:endParaRPr lang="nl-NL" sz="2800" dirty="0"/>
+          </a:p>
+          <a:p>
+            <a:endParaRPr lang="nl-NL" dirty="0"/>
+          </a:p>
+        </p:txBody>
+      </p:sp>
+    </p:spTree>
+    <p:extLst>
+      <p:ext uri="{BB962C8B-B14F-4D97-AF65-F5344CB8AC3E}">
+        <p14:creationId xmlns:p14="http://schemas.microsoft.com/office/powerpoint/2010/main" val="2567444771"/>
+      </p:ext>
+    </p:extLst>
+  </p:cSld>
+  <p:clrMapOvr>
+    <a:masterClrMapping/>
+  </p:clrMapOvr>
+</p:sld>
+</file>
+
+<file path=ppt/slides/slide7.xml><?xml version="1.0" encoding="utf-8"?>
+<p:sld xmlns:a="http://schemas.openxmlformats.org/drawingml/2006/main" xmlns:r="http://schemas.openxmlformats.org/officeDocument/2006/relationships" xmlns:p="http://schemas.openxmlformats.org/presentationml/2006/main">
+  <p:cSld>
+    <p:spTree>
+      <p:nvGrpSpPr>
+        <p:cNvPr id="1" name=""/>
+        <p:cNvGrpSpPr/>
+        <p:nvPr/>
+      </p:nvGrpSpPr>
+      <p:grpSpPr>
+        <a:xfrm>
+          <a:off x="0" y="0"/>
+          <a:ext cx="0" cy="0"/>
+          <a:chOff x="0" y="0"/>
+          <a:chExt cx="0" cy="0"/>
+        </a:xfrm>
+      </p:grpSpPr>
+      <p:sp>
+        <p:nvSpPr>
+          <p:cNvPr id="2" name="Titel 1">
+            <a:extLst>
+              <a:ext uri="{FF2B5EF4-FFF2-40B4-BE49-F238E27FC236}">
+                <a16:creationId xmlns="" xmlns:a16="http://schemas.microsoft.com/office/drawing/2014/main" id="{A1BB8794-87D5-46D6-8A62-EC30FC501072}"/>
+              </a:ext>
+            </a:extLst>
+          </p:cNvPr>
+          <p:cNvSpPr>
+            <a:spLocks noGrp="1"/>
+          </p:cNvSpPr>
+          <p:nvPr>
+            <p:ph type="title"/>
+          </p:nvPr>
+        </p:nvSpPr>
+        <p:spPr/>
+        <p:txBody>
+          <a:bodyPr/>
+          <a:lstStyle/>
+          <a:p>
+            <a:r>
+              <a:rPr lang="nl-NL" dirty="0"/>
+              <a:t>Swap </a:t>
+            </a:r>
+            <a:r>
+              <a:rPr lang="nl-NL" dirty="0" err="1"/>
+              <a:t>detour</a:t>
+            </a:r>
+            <a:r>
+              <a:rPr lang="nl-NL" dirty="0"/>
+              <a:t/>
+            </a:r>
+            <a:br>
+              <a:rPr lang="nl-NL" dirty="0"/>
+            </a:br>
+            <a:endParaRPr lang="nl-NL" dirty="0"/>
+          </a:p>
+        </p:txBody>
+      </p:sp>
+      <p:sp>
+        <p:nvSpPr>
+          <p:cNvPr id="13" name="Tijdelijke aanduiding voor tekst 12">
+            <a:extLst>
+              <a:ext uri="{FF2B5EF4-FFF2-40B4-BE49-F238E27FC236}">
+                <a16:creationId xmlns="" xmlns:a16="http://schemas.microsoft.com/office/drawing/2014/main" id="{050EB52E-3964-4D33-B0F0-6FF283B52959}"/>
+              </a:ext>
+            </a:extLst>
+          </p:cNvPr>
+          <p:cNvSpPr>
+            <a:spLocks noGrp="1"/>
+          </p:cNvSpPr>
+          <p:nvPr>
+            <p:ph type="body" idx="1"/>
+          </p:nvPr>
+        </p:nvSpPr>
+        <p:spPr>
+          <a:xfrm>
+            <a:off x="1183258" y="780781"/>
+            <a:ext cx="10757607" cy="5658654"/>
+          </a:xfrm>
+        </p:spPr>
+        <p:txBody>
+          <a:bodyPr/>
+          <a:lstStyle/>
+          <a:p>
+            <a:r>
+              <a:rPr lang="nl-NL" dirty="0" smtClean="0"/>
+              <a:t>Old</a:t>
+            </a:r>
+            <a:r>
+              <a:rPr lang="nl-NL" dirty="0"/>
+              <a:t>:</a:t>
+            </a:r>
+          </a:p>
+          <a:p>
+            <a:r>
+              <a:rPr lang="nl-NL" sz="2200" dirty="0"/>
+              <a:t>MAD </a:t>
+            </a:r>
+            <a:r>
+              <a:rPr lang="nl-NL" sz="2200" dirty="0">
+                <a:sym typeface="Wingdings" panose="05000000000000000000" pitchFamily="2" charset="2"/>
+              </a:rPr>
+              <a:t></a:t>
+            </a:r>
+            <a:r>
+              <a:rPr lang="nl-NL" sz="2200" dirty="0"/>
+              <a:t> ATH  150</a:t>
+            </a:r>
+          </a:p>
+          <a:p>
+            <a:r>
+              <a:rPr lang="nl-NL" sz="2200" dirty="0"/>
+              <a:t>MAD </a:t>
+            </a:r>
+            <a:r>
+              <a:rPr lang="nl-NL" sz="2200" dirty="0">
+                <a:sym typeface="Wingdings" panose="05000000000000000000" pitchFamily="2" charset="2"/>
+              </a:rPr>
+              <a:t> AMS </a:t>
+            </a:r>
+            <a:r>
+              <a:rPr lang="nl-NL" sz="2200" dirty="0" smtClean="0">
+                <a:sym typeface="Wingdings" panose="05000000000000000000" pitchFamily="2" charset="2"/>
+              </a:rPr>
+              <a:t>49</a:t>
+            </a:r>
+            <a:endParaRPr lang="nl-NL" sz="2200" dirty="0">
+              <a:sym typeface="Wingdings" panose="05000000000000000000" pitchFamily="2" charset="2"/>
+            </a:endParaRPr>
+          </a:p>
+          <a:p>
+            <a:r>
+              <a:rPr lang="nl-NL" sz="2200" dirty="0">
+                <a:sym typeface="Wingdings" panose="05000000000000000000" pitchFamily="2" charset="2"/>
+              </a:rPr>
+              <a:t>AMS  ATH </a:t>
+            </a:r>
+            <a:r>
+              <a:rPr lang="nl-NL" sz="2200" dirty="0" smtClean="0">
+                <a:sym typeface="Wingdings" panose="05000000000000000000" pitchFamily="2" charset="2"/>
+              </a:rPr>
+              <a:t>49</a:t>
+            </a:r>
+            <a:endParaRPr lang="nl-NL" sz="2200" dirty="0">
+              <a:sym typeface="Wingdings" panose="05000000000000000000" pitchFamily="2" charset="2"/>
+            </a:endParaRPr>
+          </a:p>
+          <a:p>
+            <a:endParaRPr lang="nl-NL" dirty="0">
+              <a:sym typeface="Wingdings" panose="05000000000000000000" pitchFamily="2" charset="2"/>
+            </a:endParaRPr>
+          </a:p>
+          <a:p>
+            <a:r>
+              <a:rPr lang="nl-NL" dirty="0">
+                <a:sym typeface="Wingdings" panose="05000000000000000000" pitchFamily="2" charset="2"/>
+              </a:rPr>
+              <a:t>New:</a:t>
+            </a:r>
+          </a:p>
+          <a:p>
+            <a:r>
+              <a:rPr lang="nl-NL" sz="2200" dirty="0">
+                <a:sym typeface="Wingdings" panose="05000000000000000000" pitchFamily="2" charset="2"/>
+              </a:rPr>
+              <a:t>MAD  ATH </a:t>
+            </a:r>
+            <a:r>
+              <a:rPr lang="nl-NL" sz="2200" dirty="0" smtClean="0">
+                <a:sym typeface="Wingdings" panose="05000000000000000000" pitchFamily="2" charset="2"/>
+              </a:rPr>
+              <a:t>49</a:t>
+            </a:r>
+            <a:endParaRPr lang="nl-NL" sz="2200" dirty="0">
+              <a:sym typeface="Wingdings" panose="05000000000000000000" pitchFamily="2" charset="2"/>
+            </a:endParaRPr>
+          </a:p>
+          <a:p>
+            <a:r>
+              <a:rPr lang="nl-NL" sz="2200" dirty="0">
+                <a:sym typeface="Wingdings" panose="05000000000000000000" pitchFamily="2" charset="2"/>
+              </a:rPr>
+              <a:t>MAD  AMS 150</a:t>
+            </a:r>
+          </a:p>
+          <a:p>
+            <a:r>
+              <a:rPr lang="nl-NL" sz="2200" dirty="0">
+                <a:sym typeface="Wingdings" panose="05000000000000000000" pitchFamily="2" charset="2"/>
+              </a:rPr>
+              <a:t>AMS  ATH 150</a:t>
+            </a:r>
+          </a:p>
+          <a:p>
+            <a:endParaRPr lang="nl-NL" dirty="0" smtClean="0"/>
+          </a:p>
+          <a:p>
+            <a:r>
+              <a:rPr lang="nl-NL" sz="2400" dirty="0" smtClean="0"/>
+              <a:t>Both cases have maximum </a:t>
+            </a:r>
+            <a:r>
+              <a:rPr lang="nl-NL" sz="2400" dirty="0" err="1" smtClean="0"/>
+              <a:t>number</a:t>
+            </a:r>
+            <a:r>
+              <a:rPr lang="nl-NL" sz="2400" dirty="0" smtClean="0"/>
+              <a:t> of </a:t>
+            </a:r>
+            <a:r>
+              <a:rPr lang="nl-NL" sz="2400" dirty="0" err="1" smtClean="0"/>
+              <a:t>passengers</a:t>
+            </a:r>
+            <a:r>
+              <a:rPr lang="nl-NL" sz="2400" dirty="0" smtClean="0"/>
+              <a:t> on </a:t>
+            </a:r>
+            <a:r>
+              <a:rPr lang="nl-NL" sz="2400" dirty="0" err="1" smtClean="0"/>
+              <a:t>the</a:t>
+            </a:r>
+            <a:r>
+              <a:rPr lang="nl-NL" sz="2400" dirty="0" smtClean="0"/>
+              <a:t> </a:t>
+            </a:r>
+            <a:r>
+              <a:rPr lang="nl-NL" sz="2400" dirty="0" err="1" smtClean="0"/>
+              <a:t>flights</a:t>
+            </a:r>
+            <a:endParaRPr lang="nl-NL" sz="2400" dirty="0" smtClean="0"/>
+          </a:p>
+          <a:p>
+            <a:endParaRPr lang="nl-NL" sz="2400" dirty="0" smtClean="0"/>
+          </a:p>
+          <a:p>
+            <a:r>
+              <a:rPr lang="nl-NL" sz="2400" dirty="0" smtClean="0"/>
+              <a:t>In </a:t>
+            </a:r>
+            <a:r>
+              <a:rPr lang="nl-NL" sz="2400" dirty="0" err="1" smtClean="0"/>
+              <a:t>the</a:t>
+            </a:r>
+            <a:r>
+              <a:rPr lang="nl-NL" sz="2400" dirty="0" smtClean="0"/>
+              <a:t> new case </a:t>
+            </a:r>
+            <a:r>
+              <a:rPr lang="nl-NL" sz="2400" dirty="0" err="1" smtClean="0"/>
+              <a:t>passengers</a:t>
+            </a:r>
+            <a:r>
+              <a:rPr lang="nl-NL" sz="2400" dirty="0" smtClean="0"/>
+              <a:t> </a:t>
+            </a:r>
+            <a:r>
+              <a:rPr lang="nl-NL" sz="2400" dirty="0" err="1" smtClean="0"/>
+              <a:t>pay</a:t>
+            </a:r>
+            <a:r>
+              <a:rPr lang="nl-NL" sz="2400" dirty="0" smtClean="0"/>
+              <a:t> </a:t>
+            </a:r>
+            <a:r>
+              <a:rPr lang="nl-NL" sz="2400" dirty="0" err="1" smtClean="0"/>
+              <a:t>for</a:t>
+            </a:r>
+            <a:r>
+              <a:rPr lang="nl-NL" sz="2400" dirty="0" smtClean="0"/>
+              <a:t> more </a:t>
+            </a:r>
+            <a:r>
+              <a:rPr lang="nl-NL" sz="2400" dirty="0" err="1" smtClean="0"/>
+              <a:t>kilometres</a:t>
+            </a:r>
+            <a:r>
+              <a:rPr lang="nl-NL" sz="2400" dirty="0" smtClean="0"/>
+              <a:t> </a:t>
+            </a:r>
+            <a:r>
+              <a:rPr lang="nl-NL" sz="2400" dirty="0" smtClean="0">
+                <a:sym typeface="Wingdings" panose="05000000000000000000" pitchFamily="2" charset="2"/>
+              </a:rPr>
+              <a:t> </a:t>
+            </a:r>
+            <a:r>
+              <a:rPr lang="nl-NL" sz="2400" dirty="0" err="1" smtClean="0">
+                <a:sym typeface="Wingdings" panose="05000000000000000000" pitchFamily="2" charset="2"/>
+              </a:rPr>
+              <a:t>higher</a:t>
+            </a:r>
+            <a:r>
+              <a:rPr lang="nl-NL" sz="2400" dirty="0" smtClean="0">
+                <a:sym typeface="Wingdings" panose="05000000000000000000" pitchFamily="2" charset="2"/>
+              </a:rPr>
+              <a:t> </a:t>
+            </a:r>
+            <a:r>
+              <a:rPr lang="nl-NL" sz="2400" dirty="0" err="1" smtClean="0">
+                <a:sym typeface="Wingdings" panose="05000000000000000000" pitchFamily="2" charset="2"/>
+              </a:rPr>
+              <a:t>profit</a:t>
+            </a:r>
+            <a:endParaRPr lang="nl-NL" sz="2400" dirty="0"/>
+          </a:p>
+          <a:p>
+            <a:endParaRPr lang="nl-NL" dirty="0"/>
+          </a:p>
+        </p:txBody>
+      </p:sp>
+      <p:pic>
+        <p:nvPicPr>
+          <p:cNvPr id="5" name="Tijdelijke aanduiding voor inhoud 4">
+            <a:extLst>
+              <a:ext uri="{FF2B5EF4-FFF2-40B4-BE49-F238E27FC236}">
+                <a16:creationId xmlns="" xmlns:a16="http://schemas.microsoft.com/office/drawing/2014/main" id="{25CB3DED-B47B-4BE5-83A6-56DF8559F1BB}"/>
+              </a:ext>
+            </a:extLst>
+          </p:cNvPr>
+          <p:cNvPicPr>
+            <a:picLocks noGrp="1" noChangeAspect="1"/>
+          </p:cNvPicPr>
+          <p:nvPr>
+            <p:ph sz="half" idx="2"/>
+          </p:nvPr>
+        </p:nvPicPr>
+        <p:blipFill>
+          <a:blip r:embed="rId2">
+            <a:extLst>
+              <a:ext uri="{28A0092B-C50C-407E-A947-70E740481C1C}">
+                <a14:useLocalDpi xmlns:a14="http://schemas.microsoft.com/office/drawing/2010/main" val="0"/>
+              </a:ext>
+            </a:extLst>
+          </a:blip>
+          <a:stretch>
+            <a:fillRect/>
+          </a:stretch>
+        </p:blipFill>
+        <p:spPr>
+          <a:xfrm>
+            <a:off x="7496881" y="1012602"/>
+            <a:ext cx="4443984" cy="3797356"/>
+          </a:xfrm>
+        </p:spPr>
+      </p:pic>
+      <p:cxnSp>
+        <p:nvCxnSpPr>
+          <p:cNvPr id="9" name="Rechte verbindingslijn met pijl 8">
+            <a:extLst>
+              <a:ext uri="{FF2B5EF4-FFF2-40B4-BE49-F238E27FC236}">
+                <a16:creationId xmlns="" xmlns:a16="http://schemas.microsoft.com/office/drawing/2014/main" id="{1044903C-90BE-48BF-B4A5-30C0A8054CDE}"/>
+              </a:ext>
+            </a:extLst>
+          </p:cNvPr>
+          <p:cNvCxnSpPr>
+            <a:cxnSpLocks/>
+          </p:cNvCxnSpPr>
+          <p:nvPr/>
+        </p:nvCxnSpPr>
+        <p:spPr>
+          <a:xfrm flipV="1">
+            <a:off x="8052096" y="3034822"/>
+            <a:ext cx="715618" cy="1150572"/>
+          </a:xfrm>
+          <a:prstGeom prst="straightConnector1">
+            <a:avLst/>
+          </a:prstGeom>
+          <a:ln>
+            <a:solidFill>
+              <a:srgbClr val="FF0000"/>
+            </a:solidFill>
+            <a:tailEnd type="triangle"/>
+          </a:ln>
+        </p:spPr>
+        <p:style>
+          <a:lnRef idx="2">
+            <a:schemeClr val="accent6"/>
+          </a:lnRef>
+          <a:fillRef idx="0">
+            <a:schemeClr val="accent6"/>
+          </a:fillRef>
+          <a:effectRef idx="1">
+            <a:schemeClr val="accent6"/>
+          </a:effectRef>
+          <a:fontRef idx="minor">
+            <a:schemeClr val="tx1"/>
+          </a:fontRef>
+        </p:style>
+      </p:cxnSp>
+      <p:cxnSp>
+        <p:nvCxnSpPr>
+          <p:cNvPr id="11" name="Rechte verbindingslijn met pijl 10">
+            <a:extLst>
+              <a:ext uri="{FF2B5EF4-FFF2-40B4-BE49-F238E27FC236}">
+                <a16:creationId xmlns="" xmlns:a16="http://schemas.microsoft.com/office/drawing/2014/main" id="{36209837-E837-48DB-B8BC-8DD9828EC418}"/>
+              </a:ext>
+            </a:extLst>
+          </p:cNvPr>
+          <p:cNvCxnSpPr>
+            <a:cxnSpLocks/>
+          </p:cNvCxnSpPr>
+          <p:nvPr/>
+        </p:nvCxnSpPr>
+        <p:spPr>
+          <a:xfrm>
+            <a:off x="8767714" y="3074779"/>
+            <a:ext cx="1445378" cy="1364974"/>
+          </a:xfrm>
+          <a:prstGeom prst="straightConnector1">
+            <a:avLst/>
+          </a:prstGeom>
+          <a:ln>
+            <a:solidFill>
+              <a:srgbClr val="FF0000"/>
+            </a:solidFill>
+            <a:tailEnd type="triangle"/>
+          </a:ln>
+        </p:spPr>
+        <p:style>
+          <a:lnRef idx="2">
+            <a:schemeClr val="accent3"/>
+          </a:lnRef>
+          <a:fillRef idx="0">
+            <a:schemeClr val="accent3"/>
+          </a:fillRef>
+          <a:effectRef idx="1">
+            <a:schemeClr val="accent3"/>
+          </a:effectRef>
+          <a:fontRef idx="minor">
+            <a:schemeClr val="tx1"/>
+          </a:fontRef>
+        </p:style>
+      </p:cxnSp>
+    </p:spTree>
+    <p:extLst>
+      <p:ext uri="{BB962C8B-B14F-4D97-AF65-F5344CB8AC3E}">
+        <p14:creationId xmlns:p14="http://schemas.microsoft.com/office/powerpoint/2010/main" val="4021325677"/>
+      </p:ext>
+    </p:extLst>
+  </p:cSld>
+  <p:clrMapOvr>
+    <a:masterClrMapping/>
+  </p:clrMapOvr>
+</p:sld>
+</file>
+
+<file path=ppt/slides/slide8.xml><?xml version="1.0" encoding="utf-8"?>
+<p:sld xmlns:a="http://schemas.openxmlformats.org/drawingml/2006/main" xmlns:r="http://schemas.openxmlformats.org/officeDocument/2006/relationships" xmlns:p="http://schemas.openxmlformats.org/presentationml/2006/main">
+  <p:cSld>
+    <p:spTree>
+      <p:nvGrpSpPr>
+        <p:cNvPr id="1" name=""/>
+        <p:cNvGrpSpPr/>
+        <p:nvPr/>
+      </p:nvGrpSpPr>
+      <p:grpSpPr>
+        <a:xfrm>
+          <a:off x="0" y="0"/>
+          <a:ext cx="0" cy="0"/>
+          <a:chOff x="0" y="0"/>
+          <a:chExt cx="0" cy="0"/>
+        </a:xfrm>
+      </p:grpSpPr>
+      <p:sp>
+        <p:nvSpPr>
+          <p:cNvPr id="2" name="Titel 1"/>
+          <p:cNvSpPr>
+            <a:spLocks noGrp="1"/>
+          </p:cNvSpPr>
+          <p:nvPr>
+            <p:ph type="title"/>
+          </p:nvPr>
+        </p:nvSpPr>
+        <p:spPr/>
+        <p:txBody>
+          <a:bodyPr/>
+          <a:lstStyle/>
+          <a:p>
+            <a:r>
+              <a:rPr lang="nl-NL" dirty="0" smtClean="0"/>
+              <a:t>Hill </a:t>
+            </a:r>
+            <a:r>
+              <a:rPr lang="nl-NL" dirty="0" err="1" smtClean="0"/>
+              <a:t>Climber</a:t>
+            </a:r>
+            <a:r>
+              <a:rPr lang="nl-NL" dirty="0" smtClean="0"/>
+              <a:t> </a:t>
+            </a:r>
+            <a:r>
+              <a:rPr lang="nl-NL" dirty="0" err="1" smtClean="0"/>
+              <a:t>Results</a:t>
+            </a:r>
+            <a:endParaRPr lang="nl-NL" dirty="0"/>
+          </a:p>
+        </p:txBody>
+      </p:sp>
+      <p:sp>
+        <p:nvSpPr>
+          <p:cNvPr id="3" name="Tijdelijke aanduiding voor tekst 2"/>
+          <p:cNvSpPr>
+            <a:spLocks noGrp="1"/>
+          </p:cNvSpPr>
+          <p:nvPr>
+            <p:ph type="body" idx="1"/>
+          </p:nvPr>
+        </p:nvSpPr>
+        <p:spPr/>
+        <p:txBody>
+          <a:bodyPr/>
+          <a:lstStyle/>
+          <a:p>
+            <a:pPr marL="457200" indent="-457200">
+              <a:buFont typeface="Wingdings" panose="05000000000000000000" pitchFamily="2" charset="2"/>
+              <a:buChar char="§"/>
+            </a:pPr>
+            <a:r>
+              <a:rPr lang="nl-NL" dirty="0" smtClean="0"/>
+              <a:t>Profit: </a:t>
+            </a:r>
+          </a:p>
+          <a:p>
+            <a:r>
+              <a:rPr lang="nl-NL" dirty="0" smtClean="0"/>
+              <a:t>     €11,381,637.00</a:t>
+            </a:r>
+            <a:endParaRPr lang="nl-NL" dirty="0"/>
+          </a:p>
+        </p:txBody>
+      </p:sp>
+      <p:pic>
+        <p:nvPicPr>
+          <p:cNvPr id="12" name="Tijdelijke aanduiding voor inhoud 11"/>
+          <p:cNvPicPr>
+            <a:picLocks noGrp="1" noChangeAspect="1"/>
+          </p:cNvPicPr>
+          <p:nvPr>
+            <p:ph sz="half" idx="2"/>
+          </p:nvPr>
+        </p:nvPicPr>
+        <p:blipFill>
+          <a:blip r:embed="rId2">
+            <a:extLst>
+              <a:ext uri="{28A0092B-C50C-407E-A947-70E740481C1C}">
+                <a14:useLocalDpi xmlns:a14="http://schemas.microsoft.com/office/drawing/2010/main" val="0"/>
+              </a:ext>
+            </a:extLst>
+          </a:blip>
+          <a:stretch>
+            <a:fillRect/>
+          </a:stretch>
+        </p:blipFill>
+        <p:spPr>
+          <a:xfrm>
+            <a:off x="4757534" y="2171700"/>
+            <a:ext cx="7103061" cy="4141631"/>
+          </a:xfrm>
+        </p:spPr>
+      </p:pic>
+    </p:spTree>
+    <p:extLst>
+      <p:ext uri="{BB962C8B-B14F-4D97-AF65-F5344CB8AC3E}">
+        <p14:creationId xmlns:p14="http://schemas.microsoft.com/office/powerpoint/2010/main" val="750110924"/>
+      </p:ext>
+    </p:extLst>
+  </p:cSld>
+  <p:clrMapOvr>
+    <a:masterClrMapping/>
+  </p:clrMapOvr>
+</p:sld>
+</file>
+
+<file path=ppt/slides/slide9.xml><?xml version="1.0" encoding="utf-8"?>
+<p:sld xmlns:a="http://schemas.openxmlformats.org/drawingml/2006/main" xmlns:r="http://schemas.openxmlformats.org/officeDocument/2006/relationships" xmlns:p="http://schemas.openxmlformats.org/presentationml/2006/main">
+  <p:cSld>
+    <p:spTree>
+      <p:nvGrpSpPr>
+        <p:cNvPr id="1" name=""/>
+        <p:cNvGrpSpPr/>
+        <p:nvPr/>
+      </p:nvGrpSpPr>
+      <p:grpSpPr>
+        <a:xfrm>
+          <a:off x="0" y="0"/>
+          <a:ext cx="0" cy="0"/>
+          <a:chOff x="0" y="0"/>
+          <a:chExt cx="0" cy="0"/>
+        </a:xfrm>
+      </p:grpSpPr>
+      <p:sp>
+        <p:nvSpPr>
+          <p:cNvPr id="2" name="Titel 1"/>
+          <p:cNvSpPr>
+            <a:spLocks noGrp="1"/>
+          </p:cNvSpPr>
+          <p:nvPr>
+            <p:ph type="title"/>
+          </p:nvPr>
+        </p:nvSpPr>
+        <p:spPr/>
+        <p:txBody>
+          <a:bodyPr/>
+          <a:lstStyle/>
+          <a:p>
+            <a:r>
+              <a:rPr lang="nl-NL" dirty="0" smtClean="0"/>
+              <a:t>Hill </a:t>
+            </a:r>
+            <a:r>
+              <a:rPr lang="nl-NL" dirty="0" err="1" smtClean="0"/>
+              <a:t>Climber</a:t>
+            </a:r>
+            <a:r>
+              <a:rPr lang="nl-NL" dirty="0" smtClean="0"/>
+              <a:t> </a:t>
+            </a:r>
+            <a:r>
+              <a:rPr lang="nl-NL" dirty="0" err="1" smtClean="0"/>
+              <a:t>Restart</a:t>
+            </a:r>
+            <a:r>
+              <a:rPr lang="nl-NL" dirty="0" smtClean="0"/>
+              <a:t> </a:t>
+            </a:r>
+            <a:r>
+              <a:rPr lang="nl-NL" dirty="0" err="1" smtClean="0"/>
+              <a:t>Results</a:t>
+            </a:r>
+            <a:endParaRPr lang="nl-NL" dirty="0"/>
+          </a:p>
+        </p:txBody>
+      </p:sp>
+      <p:sp>
+        <p:nvSpPr>
+          <p:cNvPr id="3" name="Tijdelijke aanduiding voor inhoud 2"/>
+          <p:cNvSpPr>
+            <a:spLocks noGrp="1"/>
+          </p:cNvSpPr>
+          <p:nvPr>
+            <p:ph idx="1"/>
+          </p:nvPr>
+        </p:nvSpPr>
+        <p:spPr/>
+        <p:txBody>
+          <a:bodyPr>
+            <a:normAutofit/>
+          </a:bodyPr>
+          <a:lstStyle/>
+          <a:p>
+            <a:r>
+              <a:rPr lang="nl-NL" sz="2800" dirty="0"/>
+              <a:t>Profit: </a:t>
+            </a:r>
+            <a:endParaRPr lang="nl-NL" sz="2800" dirty="0" smtClean="0"/>
+          </a:p>
+          <a:p>
+            <a:pPr marL="0" indent="0">
+              <a:buNone/>
+            </a:pPr>
+            <a:r>
+              <a:rPr lang="nl-NL" sz="2800" dirty="0"/>
+              <a:t>    €</a:t>
+            </a:r>
+            <a:r>
+              <a:rPr lang="nl-NL" sz="2800" dirty="0" smtClean="0"/>
+              <a:t>11,662,645.00</a:t>
+            </a:r>
+            <a:endParaRPr lang="nl-NL" sz="2800" dirty="0"/>
+          </a:p>
+        </p:txBody>
+      </p:sp>
+      <p:pic>
+        <p:nvPicPr>
+          <p:cNvPr id="4" name="Afbeelding 3"/>
+          <p:cNvPicPr>
+            <a:picLocks noChangeAspect="1"/>
+          </p:cNvPicPr>
+          <p:nvPr/>
+        </p:nvPicPr>
+        <p:blipFill>
+          <a:blip r:embed="rId2">
+            <a:extLst>
+              <a:ext uri="{28A0092B-C50C-407E-A947-70E740481C1C}">
+                <a14:useLocalDpi xmlns:a14="http://schemas.microsoft.com/office/drawing/2010/main" val="0"/>
+              </a:ext>
+            </a:extLst>
+          </a:blip>
+          <a:stretch>
+            <a:fillRect/>
+          </a:stretch>
+        </p:blipFill>
+        <p:spPr>
+          <a:xfrm>
+            <a:off x="4663828" y="1913854"/>
+            <a:ext cx="7071670" cy="4133850"/>
+          </a:xfrm>
+          <a:prstGeom prst="rect">
+            <a:avLst/>
+          </a:prstGeom>
+        </p:spPr>
+      </p:pic>
+      <p:cxnSp>
+        <p:nvCxnSpPr>
+          <p:cNvPr id="7" name="Rechte verbindingslijn met pijl 6">
+            <a:extLst>
+              <a:ext uri="{FF2B5EF4-FFF2-40B4-BE49-F238E27FC236}">
+                <a16:creationId xmlns="" xmlns:a16="http://schemas.microsoft.com/office/drawing/2014/main" id="{36209837-E837-48DB-B8BC-8DD9828EC418}"/>
+              </a:ext>
+            </a:extLst>
+          </p:cNvPr>
+          <p:cNvCxnSpPr>
+            <a:cxnSpLocks/>
+          </p:cNvCxnSpPr>
+          <p:nvPr/>
+        </p:nvCxnSpPr>
+        <p:spPr>
+          <a:xfrm flipH="1" flipV="1">
+            <a:off x="7083379" y="2883309"/>
+            <a:ext cx="734096" cy="1558"/>
+          </a:xfrm>
+          <a:prstGeom prst="straightConnector1">
+            <a:avLst/>
+          </a:prstGeom>
+          <a:ln>
+            <a:solidFill>
+              <a:srgbClr val="FF0000"/>
+            </a:solidFill>
+            <a:tailEnd type="triangle"/>
+          </a:ln>
+        </p:spPr>
+        <p:style>
+          <a:lnRef idx="2">
+            <a:schemeClr val="accent3"/>
+          </a:lnRef>
+          <a:fillRef idx="0">
+            <a:schemeClr val="accent3"/>
+          </a:fillRef>
+          <a:effectRef idx="1">
+            <a:schemeClr val="accent3"/>
+          </a:effectRef>
+          <a:fontRef idx="minor">
+            <a:schemeClr val="tx1"/>
+          </a:fontRef>
+        </p:style>
+      </p:cxnSp>
+    </p:spTree>
+    <p:extLst>
+      <p:ext uri="{BB962C8B-B14F-4D97-AF65-F5344CB8AC3E}">
+        <p14:creationId xmlns:p14="http://schemas.microsoft.com/office/powerpoint/2010/main" val="3446589215"/>
+      </p:ext>
+    </p:extLst>
+  </p:cSld>
+  <p:clrMapOvr>
+    <a:masterClrMapping/>
+  </p:clrMapOvr>
+</p:sld>
+</file>
+
 <file path=ppt/theme/theme1.xml><?xml version="1.0" encoding="utf-8"?>
 <a:theme xmlns:a="http://schemas.openxmlformats.org/drawingml/2006/main" name="Crop">
   <a:themeElements>

--- a/doc/Mokum Airways.pptx
+++ b/doc/Mokum Airways.pptx
@@ -4440,7 +4440,7 @@
       </p:sp>
       <p:pic>
         <p:nvPicPr>
-          <p:cNvPr id="4" name="Afbeelding 3"/>
+          <p:cNvPr id="5" name="Afbeelding 4"/>
           <p:cNvPicPr>
             <a:picLocks noChangeAspect="1"/>
           </p:cNvPicPr>
@@ -4460,8 +4460,8 @@
         </p:blipFill>
         <p:spPr>
           <a:xfrm>
-            <a:off x="4612312" y="2286000"/>
-            <a:ext cx="7168516" cy="4190463"/>
+            <a:off x="4406251" y="2435449"/>
+            <a:ext cx="7565544" cy="4422551"/>
           </a:xfrm>
           <a:prstGeom prst="rect">
             <a:avLst/>
@@ -6178,13 +6178,11 @@
       </p:sp>
       <p:pic>
         <p:nvPicPr>
-          <p:cNvPr id="12" name="Tijdelijke aanduiding voor inhoud 11"/>
+          <p:cNvPr id="15" name="Afbeelding 14"/>
           <p:cNvPicPr>
-            <a:picLocks noGrp="1" noChangeAspect="1"/>
+            <a:picLocks noChangeAspect="1"/>
           </p:cNvPicPr>
-          <p:nvPr>
-            <p:ph sz="half" idx="2"/>
-          </p:nvPr>
+          <p:nvPr/>
         </p:nvPicPr>
         <p:blipFill>
           <a:blip r:embed="rId2">
@@ -6200,9 +6198,12 @@
         </p:blipFill>
         <p:spPr>
           <a:xfrm>
-            <a:off x="4757534" y="2171700"/>
-            <a:ext cx="7103061" cy="4141631"/>
+            <a:off x="4700386" y="2340864"/>
+            <a:ext cx="7367118" cy="4295596"/>
           </a:xfrm>
+          <a:prstGeom prst="rect">
+            <a:avLst/>
+          </a:prstGeom>
         </p:spPr>
       </p:pic>
     </p:spTree>
@@ -6319,7 +6320,7 @@
       </p:sp>
       <p:pic>
         <p:nvPicPr>
-          <p:cNvPr id="4" name="Afbeelding 3"/>
+          <p:cNvPr id="11" name="Afbeelding 10"/>
           <p:cNvPicPr>
             <a:picLocks noChangeAspect="1"/>
           </p:cNvPicPr>
@@ -6339,8 +6340,8 @@
         </p:blipFill>
         <p:spPr>
           <a:xfrm>
-            <a:off x="4663828" y="1913854"/>
-            <a:ext cx="7071670" cy="4133850"/>
+            <a:off x="4625191" y="2171700"/>
+            <a:ext cx="7301166" cy="4268005"/>
           </a:xfrm>
           <a:prstGeom prst="rect">
             <a:avLst/>
@@ -6363,7 +6364,7 @@
         </p:nvCxnSpPr>
         <p:spPr>
           <a:xfrm flipH="1" flipV="1">
-            <a:off x="7083379" y="2883309"/>
+            <a:off x="7070500" y="3192402"/>
             <a:ext cx="734096" cy="1558"/>
           </a:xfrm>
           <a:prstGeom prst="straightConnector1">

--- a/doc/Mokum Airways.pptx
+++ b/doc/Mokum Airways.pptx
@@ -2,18 +2,18 @@
 <file path=ppt/presentation.xml><?xml version="1.0" encoding="utf-8"?>
 <p:presentation xmlns:a="http://schemas.openxmlformats.org/drawingml/2006/main" xmlns:r="http://schemas.openxmlformats.org/officeDocument/2006/relationships" xmlns:p="http://schemas.openxmlformats.org/presentationml/2006/main" saveSubsetFonts="1">
   <p:sldMasterIdLst>
-    <p:sldMasterId id="2147483718" r:id="rId1"/>
+    <p:sldMasterId id="2147483730" r:id="rId1"/>
   </p:sldMasterIdLst>
   <p:sldIdLst>
     <p:sldId id="256" r:id="rId2"/>
-    <p:sldId id="257" r:id="rId3"/>
-    <p:sldId id="261" r:id="rId4"/>
-    <p:sldId id="259" r:id="rId5"/>
-    <p:sldId id="260" r:id="rId6"/>
-    <p:sldId id="262" r:id="rId7"/>
-    <p:sldId id="263" r:id="rId8"/>
-    <p:sldId id="269" r:id="rId9"/>
-    <p:sldId id="268" r:id="rId10"/>
+    <p:sldId id="272" r:id="rId3"/>
+    <p:sldId id="257" r:id="rId4"/>
+    <p:sldId id="261" r:id="rId5"/>
+    <p:sldId id="259" r:id="rId6"/>
+    <p:sldId id="260" r:id="rId7"/>
+    <p:sldId id="262" r:id="rId8"/>
+    <p:sldId id="268" r:id="rId9"/>
+    <p:sldId id="271" r:id="rId10"/>
     <p:sldId id="266" r:id="rId11"/>
     <p:sldId id="270" r:id="rId12"/>
     <p:sldId id="264" r:id="rId13"/>
@@ -129,16 +129,8 @@
 </file>
 
 <file path=ppt/slideLayouts/slideLayout1.xml><?xml version="1.0" encoding="utf-8"?>
-<p:sldLayout xmlns:a="http://schemas.openxmlformats.org/drawingml/2006/main" xmlns:r="http://schemas.openxmlformats.org/officeDocument/2006/relationships" xmlns:p="http://schemas.openxmlformats.org/presentationml/2006/main" showMasterSp="0" type="title" preserve="1">
+<p:sldLayout xmlns:a="http://schemas.openxmlformats.org/drawingml/2006/main" xmlns:r="http://schemas.openxmlformats.org/officeDocument/2006/relationships" xmlns:p="http://schemas.openxmlformats.org/presentationml/2006/main" type="title" preserve="1">
   <p:cSld name="Titeldia">
-    <p:bg>
-      <p:bgPr>
-        <a:solidFill>
-          <a:schemeClr val="bg2"/>
-        </a:solidFill>
-        <a:effectLst/>
-      </p:bgPr>
-    </p:bg>
     <p:spTree>
       <p:nvGrpSpPr>
         <p:cNvPr id="1" name=""/>
@@ -155,7 +147,13 @@
       </p:grpSpPr>
       <p:sp>
         <p:nvSpPr>
-          <p:cNvPr id="2" name="Title 1"/>
+          <p:cNvPr id="2" name="Titel 1">
+            <a:extLst>
+              <a:ext uri="{FF2B5EF4-FFF2-40B4-BE49-F238E27FC236}">
+                <a16:creationId xmlns:a16="http://schemas.microsoft.com/office/drawing/2014/main" id="{05F964F1-EBC8-4442-9EA4-887BD7FA37EB}"/>
+              </a:ext>
+            </a:extLst>
+          </p:cNvPr>
           <p:cNvSpPr>
             <a:spLocks noGrp="1"/>
           </p:cNvSpPr>
@@ -165,35 +163,34 @@
         </p:nvSpPr>
         <p:spPr>
           <a:xfrm>
-            <a:off x="1915128" y="1788454"/>
-            <a:ext cx="8361229" cy="2098226"/>
+            <a:off x="1524000" y="1122363"/>
+            <a:ext cx="9144000" cy="2387600"/>
           </a:xfrm>
         </p:spPr>
         <p:txBody>
-          <a:bodyPr anchor="b">
-            <a:noAutofit/>
-          </a:bodyPr>
+          <a:bodyPr anchor="b"/>
           <a:lstStyle>
             <a:lvl1pPr algn="ctr">
-              <a:defRPr sz="7200" cap="all" baseline="0">
-                <a:solidFill>
-                  <a:schemeClr val="tx2"/>
-                </a:solidFill>
-              </a:defRPr>
+              <a:defRPr sz="6000"/>
             </a:lvl1pPr>
           </a:lstStyle>
           <a:p>
             <a:r>
-              <a:rPr lang="nl-NL" smtClean="0"/>
-              <a:t>Klik om de stijl te bewerken</a:t>
-            </a:r>
-            <a:endParaRPr lang="en-US" dirty="0"/>
-          </a:p>
-        </p:txBody>
-      </p:sp>
-      <p:sp>
-        <p:nvSpPr>
-          <p:cNvPr id="3" name="Subtitle 2"/>
+              <a:rPr lang="nl-NL"/>
+              <a:t>Klik om stijl te bewerken</a:t>
+            </a:r>
+          </a:p>
+        </p:txBody>
+      </p:sp>
+      <p:sp>
+        <p:nvSpPr>
+          <p:cNvPr id="3" name="Ondertitel 2">
+            <a:extLst>
+              <a:ext uri="{FF2B5EF4-FFF2-40B4-BE49-F238E27FC236}">
+                <a16:creationId xmlns:a16="http://schemas.microsoft.com/office/drawing/2014/main" id="{54598769-B07B-48F8-BE18-760B24293C5F}"/>
+              </a:ext>
+            </a:extLst>
+          </p:cNvPr>
           <p:cNvSpPr>
             <a:spLocks noGrp="1"/>
           </p:cNvSpPr>
@@ -203,27 +200,16 @@
         </p:nvSpPr>
         <p:spPr>
           <a:xfrm>
-            <a:off x="2679906" y="3956279"/>
-            <a:ext cx="6831673" cy="1086237"/>
+            <a:off x="1524000" y="3602038"/>
+            <a:ext cx="9144000" cy="1655762"/>
           </a:xfrm>
         </p:spPr>
         <p:txBody>
-          <a:bodyPr>
-            <a:normAutofit/>
-          </a:bodyPr>
+          <a:bodyPr/>
           <a:lstStyle>
             <a:lvl1pPr marL="0" indent="0" algn="ctr">
-              <a:lnSpc>
-                <a:spcPct val="112000"/>
-              </a:lnSpc>
-              <a:spcBef>
-                <a:spcPts val="0"/>
-              </a:spcBef>
-              <a:spcAft>
-                <a:spcPts val="0"/>
-              </a:spcAft>
-              <a:buNone/>
-              <a:defRPr sz="2300"/>
+              <a:buNone/>
+              <a:defRPr sz="2400"/>
             </a:lvl1pPr>
             <a:lvl2pPr marL="457200" indent="0" algn="ctr">
               <a:buNone/>
@@ -260,16 +246,21 @@
           </a:lstStyle>
           <a:p>
             <a:r>
-              <a:rPr lang="nl-NL" smtClean="0"/>
-              <a:t>Klik om de ondertitelstijl van het model te bewerken</a:t>
-            </a:r>
-            <a:endParaRPr lang="en-US" dirty="0"/>
-          </a:p>
-        </p:txBody>
-      </p:sp>
-      <p:sp>
-        <p:nvSpPr>
-          <p:cNvPr id="4" name="Date Placeholder 3"/>
+              <a:rPr lang="nl-NL"/>
+              <a:t>Klikken om de ondertitelstijl van het model te bewerken</a:t>
+            </a:r>
+          </a:p>
+        </p:txBody>
+      </p:sp>
+      <p:sp>
+        <p:nvSpPr>
+          <p:cNvPr id="4" name="Tijdelijke aanduiding voor datum 3">
+            <a:extLst>
+              <a:ext uri="{FF2B5EF4-FFF2-40B4-BE49-F238E27FC236}">
+                <a16:creationId xmlns:a16="http://schemas.microsoft.com/office/drawing/2014/main" id="{67A4DE54-30FF-44F9-A45A-3E7893268559}"/>
+              </a:ext>
+            </a:extLst>
+          </p:cNvPr>
           <p:cNvSpPr>
             <a:spLocks noGrp="1"/>
           </p:cNvSpPr>
@@ -277,23 +268,10 @@
             <p:ph type="dt" sz="half" idx="10"/>
           </p:nvPr>
         </p:nvSpPr>
-        <p:spPr>
-          <a:xfrm>
-            <a:off x="752858" y="6453386"/>
-            <a:ext cx="1607944" cy="404614"/>
-          </a:xfrm>
-        </p:spPr>
-        <p:txBody>
-          <a:bodyPr/>
-          <a:lstStyle>
-            <a:lvl1pPr>
-              <a:defRPr baseline="0">
-                <a:solidFill>
-                  <a:schemeClr val="tx2"/>
-                </a:solidFill>
-              </a:defRPr>
-            </a:lvl1pPr>
-          </a:lstStyle>
+        <p:spPr/>
+        <p:txBody>
+          <a:bodyPr/>
+          <a:lstStyle/>
           <a:p>
             <a:fld id="{E94D80B7-DD36-4185-980D-0CF2BC8D5235}" type="datetimeFigureOut">
               <a:rPr lang="nl-NL" smtClean="0"/>
@@ -305,7 +283,13 @@
       </p:sp>
       <p:sp>
         <p:nvSpPr>
-          <p:cNvPr id="5" name="Footer Placeholder 4"/>
+          <p:cNvPr id="5" name="Tijdelijke aanduiding voor voettekst 4">
+            <a:extLst>
+              <a:ext uri="{FF2B5EF4-FFF2-40B4-BE49-F238E27FC236}">
+                <a16:creationId xmlns:a16="http://schemas.microsoft.com/office/drawing/2014/main" id="{79503B09-2B3A-46B0-8301-23A91538CC76}"/>
+              </a:ext>
+            </a:extLst>
+          </p:cNvPr>
           <p:cNvSpPr>
             <a:spLocks noGrp="1"/>
           </p:cNvSpPr>
@@ -313,23 +297,10 @@
             <p:ph type="ftr" sz="quarter" idx="11"/>
           </p:nvPr>
         </p:nvSpPr>
-        <p:spPr>
-          <a:xfrm>
-            <a:off x="2584054" y="6453386"/>
-            <a:ext cx="7023377" cy="404614"/>
-          </a:xfrm>
-        </p:spPr>
-        <p:txBody>
-          <a:bodyPr/>
-          <a:lstStyle>
-            <a:lvl1pPr algn="ctr">
-              <a:defRPr baseline="0">
-                <a:solidFill>
-                  <a:schemeClr val="tx2"/>
-                </a:solidFill>
-              </a:defRPr>
-            </a:lvl1pPr>
-          </a:lstStyle>
+        <p:spPr/>
+        <p:txBody>
+          <a:bodyPr/>
+          <a:lstStyle/>
           <a:p>
             <a:endParaRPr lang="nl-NL"/>
           </a:p>
@@ -337,7 +308,13 @@
       </p:sp>
       <p:sp>
         <p:nvSpPr>
-          <p:cNvPr id="6" name="Slide Number Placeholder 5"/>
+          <p:cNvPr id="6" name="Tijdelijke aanduiding voor dianummer 5">
+            <a:extLst>
+              <a:ext uri="{FF2B5EF4-FFF2-40B4-BE49-F238E27FC236}">
+                <a16:creationId xmlns:a16="http://schemas.microsoft.com/office/drawing/2014/main" id="{1212056F-FEBB-4694-9677-3B9C4864FE3A}"/>
+              </a:ext>
+            </a:extLst>
+          </p:cNvPr>
           <p:cNvSpPr>
             <a:spLocks noGrp="1"/>
           </p:cNvSpPr>
@@ -345,23 +322,10 @@
             <p:ph type="sldNum" sz="quarter" idx="12"/>
           </p:nvPr>
         </p:nvSpPr>
-        <p:spPr>
-          <a:xfrm>
-            <a:off x="9830683" y="6453386"/>
-            <a:ext cx="1596292" cy="404614"/>
-          </a:xfrm>
-        </p:spPr>
-        <p:txBody>
-          <a:bodyPr/>
-          <a:lstStyle>
-            <a:lvl1pPr>
-              <a:defRPr baseline="0">
-                <a:solidFill>
-                  <a:schemeClr val="tx2"/>
-                </a:solidFill>
-              </a:defRPr>
-            </a:lvl1pPr>
-          </a:lstStyle>
+        <p:spPr/>
+        <p:txBody>
+          <a:bodyPr/>
+          <a:lstStyle/>
           <a:p>
             <a:fld id="{57714807-5A50-4735-9DE7-3C247E9548A1}" type="slidenum">
               <a:rPr lang="nl-NL" smtClean="0"/>
@@ -371,144 +335,15 @@
           </a:p>
         </p:txBody>
       </p:sp>
-      <p:grpSp>
-        <p:nvGrpSpPr>
-          <p:cNvPr id="7" name="Group 6"/>
-          <p:cNvGrpSpPr/>
-          <p:nvPr/>
-        </p:nvGrpSpPr>
-        <p:grpSpPr>
-          <a:xfrm>
-            <a:off x="752858" y="744469"/>
-            <a:ext cx="10674117" cy="5349671"/>
-            <a:chOff x="752858" y="744469"/>
-            <a:chExt cx="10674117" cy="5349671"/>
-          </a:xfrm>
-        </p:grpSpPr>
-        <p:sp>
-          <p:nvSpPr>
-            <p:cNvPr id="11" name="Freeform 6"/>
-            <p:cNvSpPr/>
-            <p:nvPr/>
-          </p:nvSpPr>
-          <p:spPr bwMode="auto">
-            <a:xfrm>
-              <a:off x="8151962" y="1685652"/>
-              <a:ext cx="3275013" cy="4408488"/>
-            </a:xfrm>
-            <a:custGeom>
-              <a:avLst/>
-              <a:gdLst/>
-              <a:ahLst/>
-              <a:cxnLst/>
-              <a:rect l="l" t="t" r="r" b="b"/>
-              <a:pathLst>
-                <a:path w="10000" h="10000">
-                  <a:moveTo>
-                    <a:pt x="8761" y="0"/>
-                  </a:moveTo>
-                  <a:lnTo>
-                    <a:pt x="10000" y="0"/>
-                  </a:lnTo>
-                  <a:lnTo>
-                    <a:pt x="10000" y="10000"/>
-                  </a:lnTo>
-                  <a:lnTo>
-                    <a:pt x="0" y="10000"/>
-                  </a:lnTo>
-                  <a:lnTo>
-                    <a:pt x="0" y="9126"/>
-                  </a:lnTo>
-                  <a:lnTo>
-                    <a:pt x="8761" y="9127"/>
-                  </a:lnTo>
-                  <a:lnTo>
-                    <a:pt x="8761" y="0"/>
-                  </a:lnTo>
-                  <a:close/>
-                </a:path>
-              </a:pathLst>
-            </a:custGeom>
-            <a:solidFill>
-              <a:schemeClr val="tx2"/>
-            </a:solidFill>
-            <a:ln w="0">
-              <a:noFill/>
-              <a:prstDash val="solid"/>
-              <a:round/>
-              <a:headEnd/>
-              <a:tailEnd/>
-            </a:ln>
-          </p:spPr>
-        </p:sp>
-        <p:sp>
-          <p:nvSpPr>
-            <p:cNvPr id="14" name="Freeform 6"/>
-            <p:cNvSpPr/>
-            <p:nvPr/>
-          </p:nvSpPr>
-          <p:spPr bwMode="auto">
-            <a:xfrm flipH="1" flipV="1">
-              <a:off x="752858" y="744469"/>
-              <a:ext cx="3275668" cy="4408488"/>
-            </a:xfrm>
-            <a:custGeom>
-              <a:avLst/>
-              <a:gdLst/>
-              <a:ahLst/>
-              <a:cxnLst/>
-              <a:rect l="l" t="t" r="r" b="b"/>
-              <a:pathLst>
-                <a:path w="10002" h="10000">
-                  <a:moveTo>
-                    <a:pt x="8763" y="0"/>
-                  </a:moveTo>
-                  <a:lnTo>
-                    <a:pt x="10002" y="0"/>
-                  </a:lnTo>
-                  <a:lnTo>
-                    <a:pt x="10002" y="10000"/>
-                  </a:lnTo>
-                  <a:lnTo>
-                    <a:pt x="2" y="10000"/>
-                  </a:lnTo>
-                  <a:cubicBezTo>
-                    <a:pt x="-2" y="9698"/>
-                    <a:pt x="4" y="9427"/>
-                    <a:pt x="0" y="9125"/>
-                  </a:cubicBezTo>
-                  <a:lnTo>
-                    <a:pt x="8763" y="9128"/>
-                  </a:lnTo>
-                  <a:lnTo>
-                    <a:pt x="8763" y="0"/>
-                  </a:lnTo>
-                  <a:close/>
-                </a:path>
-              </a:pathLst>
-            </a:custGeom>
-            <a:solidFill>
-              <a:schemeClr val="tx2"/>
-            </a:solidFill>
-            <a:ln w="0">
-              <a:noFill/>
-              <a:prstDash val="solid"/>
-              <a:round/>
-              <a:headEnd/>
-              <a:tailEnd/>
-            </a:ln>
-          </p:spPr>
-        </p:sp>
-      </p:grpSp>
     </p:spTree>
     <p:extLst>
       <p:ext uri="{BB962C8B-B14F-4D97-AF65-F5344CB8AC3E}">
-        <p14:creationId xmlns:p14="http://schemas.microsoft.com/office/powerpoint/2010/main" val="1175515983"/>
+        <p14:creationId xmlns:p14="http://schemas.microsoft.com/office/powerpoint/2010/main" val="579877290"/>
       </p:ext>
     </p:extLst>
   </p:cSld>
   <p:clrMapOvr>
-    <a:overrideClrMapping bg1="lt1" tx1="dk1" bg2="lt2" tx2="dk2" accent1="accent1" accent2="accent2" accent3="accent3" accent4="accent4" accent5="accent5" accent6="accent6" hlink="hlink" folHlink="folHlink"/>
+    <a:masterClrMapping/>
   </p:clrMapOvr>
 </p:sldLayout>
 </file>
@@ -532,7 +367,13 @@
       </p:grpSpPr>
       <p:sp>
         <p:nvSpPr>
-          <p:cNvPr id="2" name="Title 1"/>
+          <p:cNvPr id="2" name="Titel 1">
+            <a:extLst>
+              <a:ext uri="{FF2B5EF4-FFF2-40B4-BE49-F238E27FC236}">
+                <a16:creationId xmlns:a16="http://schemas.microsoft.com/office/drawing/2014/main" id="{01644DB8-C197-44D2-9DDC-67FF1596B661}"/>
+              </a:ext>
+            </a:extLst>
+          </p:cNvPr>
           <p:cNvSpPr>
             <a:spLocks noGrp="1"/>
           </p:cNvSpPr>
@@ -546,16 +387,21 @@
           <a:lstStyle/>
           <a:p>
             <a:r>
-              <a:rPr lang="nl-NL" smtClean="0"/>
-              <a:t>Klik om de stijl te bewerken</a:t>
-            </a:r>
-            <a:endParaRPr lang="en-US" dirty="0"/>
-          </a:p>
-        </p:txBody>
-      </p:sp>
-      <p:sp>
-        <p:nvSpPr>
-          <p:cNvPr id="3" name="Vertical Text Placeholder 2"/>
+              <a:rPr lang="nl-NL"/>
+              <a:t>Klik om stijl te bewerken</a:t>
+            </a:r>
+          </a:p>
+        </p:txBody>
+      </p:sp>
+      <p:sp>
+        <p:nvSpPr>
+          <p:cNvPr id="3" name="Tijdelijke aanduiding voor verticale tekst 2">
+            <a:extLst>
+              <a:ext uri="{FF2B5EF4-FFF2-40B4-BE49-F238E27FC236}">
+                <a16:creationId xmlns:a16="http://schemas.microsoft.com/office/drawing/2014/main" id="{5CBFC203-E73A-4980-9E15-422640888C19}"/>
+              </a:ext>
+            </a:extLst>
+          </p:cNvPr>
           <p:cNvSpPr>
             <a:spLocks noGrp="1"/>
           </p:cNvSpPr>
@@ -563,56 +409,56 @@
             <p:ph type="body" orient="vert" idx="1"/>
           </p:nvPr>
         </p:nvSpPr>
-        <p:spPr>
-          <a:xfrm>
-            <a:off x="1371600" y="2295525"/>
-            <a:ext cx="9601200" cy="3571875"/>
-          </a:xfrm>
-        </p:spPr>
+        <p:spPr/>
         <p:txBody>
           <a:bodyPr vert="eaVert"/>
           <a:lstStyle/>
           <a:p>
             <a:pPr lvl="0"/>
             <a:r>
-              <a:rPr lang="nl-NL" smtClean="0"/>
-              <a:t>Klik om de modelstijlen te bewerken</a:t>
+              <a:rPr lang="nl-NL"/>
+              <a:t>Tekststijl van het model bewerken</a:t>
             </a:r>
           </a:p>
           <a:p>
             <a:pPr lvl="1"/>
             <a:r>
-              <a:rPr lang="nl-NL" smtClean="0"/>
+              <a:rPr lang="nl-NL"/>
               <a:t>Tweede niveau</a:t>
             </a:r>
           </a:p>
           <a:p>
             <a:pPr lvl="2"/>
             <a:r>
-              <a:rPr lang="nl-NL" smtClean="0"/>
+              <a:rPr lang="nl-NL"/>
               <a:t>Derde niveau</a:t>
             </a:r>
           </a:p>
           <a:p>
             <a:pPr lvl="3"/>
             <a:r>
-              <a:rPr lang="nl-NL" smtClean="0"/>
+              <a:rPr lang="nl-NL"/>
               <a:t>Vierde niveau</a:t>
             </a:r>
           </a:p>
           <a:p>
             <a:pPr lvl="4"/>
             <a:r>
-              <a:rPr lang="nl-NL" smtClean="0"/>
+              <a:rPr lang="nl-NL"/>
               <a:t>Vijfde niveau</a:t>
             </a:r>
-            <a:endParaRPr lang="en-US" dirty="0"/>
-          </a:p>
-        </p:txBody>
-      </p:sp>
-      <p:sp>
-        <p:nvSpPr>
-          <p:cNvPr id="4" name="Date Placeholder 3"/>
+          </a:p>
+        </p:txBody>
+      </p:sp>
+      <p:sp>
+        <p:nvSpPr>
+          <p:cNvPr id="4" name="Tijdelijke aanduiding voor datum 3">
+            <a:extLst>
+              <a:ext uri="{FF2B5EF4-FFF2-40B4-BE49-F238E27FC236}">
+                <a16:creationId xmlns:a16="http://schemas.microsoft.com/office/drawing/2014/main" id="{FE926299-B912-4A20-B51B-B87030CE12CF}"/>
+              </a:ext>
+            </a:extLst>
+          </p:cNvPr>
           <p:cNvSpPr>
             <a:spLocks noGrp="1"/>
           </p:cNvSpPr>
@@ -635,7 +481,13 @@
       </p:sp>
       <p:sp>
         <p:nvSpPr>
-          <p:cNvPr id="5" name="Footer Placeholder 4"/>
+          <p:cNvPr id="5" name="Tijdelijke aanduiding voor voettekst 4">
+            <a:extLst>
+              <a:ext uri="{FF2B5EF4-FFF2-40B4-BE49-F238E27FC236}">
+                <a16:creationId xmlns:a16="http://schemas.microsoft.com/office/drawing/2014/main" id="{48F447EF-F1A3-435B-B83A-67DD2905E581}"/>
+              </a:ext>
+            </a:extLst>
+          </p:cNvPr>
           <p:cNvSpPr>
             <a:spLocks noGrp="1"/>
           </p:cNvSpPr>
@@ -654,7 +506,13 @@
       </p:sp>
       <p:sp>
         <p:nvSpPr>
-          <p:cNvPr id="6" name="Slide Number Placeholder 5"/>
+          <p:cNvPr id="6" name="Tijdelijke aanduiding voor dianummer 5">
+            <a:extLst>
+              <a:ext uri="{FF2B5EF4-FFF2-40B4-BE49-F238E27FC236}">
+                <a16:creationId xmlns:a16="http://schemas.microsoft.com/office/drawing/2014/main" id="{024CEA85-3752-47C0-A9C6-D596C1483FD1}"/>
+              </a:ext>
+            </a:extLst>
+          </p:cNvPr>
           <p:cNvSpPr>
             <a:spLocks noGrp="1"/>
           </p:cNvSpPr>
@@ -678,7 +536,7 @@
     </p:spTree>
     <p:extLst>
       <p:ext uri="{BB962C8B-B14F-4D97-AF65-F5344CB8AC3E}">
-        <p14:creationId xmlns:p14="http://schemas.microsoft.com/office/powerpoint/2010/main" val="3964388748"/>
+        <p14:creationId xmlns:p14="http://schemas.microsoft.com/office/powerpoint/2010/main" val="3257704919"/>
       </p:ext>
     </p:extLst>
   </p:cSld>
@@ -707,7 +565,13 @@
       </p:grpSpPr>
       <p:sp>
         <p:nvSpPr>
-          <p:cNvPr id="2" name="Vertical Title 1"/>
+          <p:cNvPr id="2" name="Verticale titel 1">
+            <a:extLst>
+              <a:ext uri="{FF2B5EF4-FFF2-40B4-BE49-F238E27FC236}">
+                <a16:creationId xmlns:a16="http://schemas.microsoft.com/office/drawing/2014/main" id="{5A140904-8ABE-4617-8A16-FB036CA90CE5}"/>
+              </a:ext>
+            </a:extLst>
+          </p:cNvPr>
           <p:cNvSpPr>
             <a:spLocks noGrp="1"/>
           </p:cNvSpPr>
@@ -717,8 +581,8 @@
         </p:nvSpPr>
         <p:spPr>
           <a:xfrm>
-            <a:off x="9596561" y="624156"/>
-            <a:ext cx="1565766" cy="5243244"/>
+            <a:off x="8724900" y="365125"/>
+            <a:ext cx="2628900" cy="5811838"/>
           </a:xfrm>
         </p:spPr>
         <p:txBody>
@@ -726,16 +590,21 @@
           <a:lstStyle/>
           <a:p>
             <a:r>
-              <a:rPr lang="nl-NL" smtClean="0"/>
-              <a:t>Klik om de stijl te bewerken</a:t>
-            </a:r>
-            <a:endParaRPr lang="en-US" dirty="0"/>
-          </a:p>
-        </p:txBody>
-      </p:sp>
-      <p:sp>
-        <p:nvSpPr>
-          <p:cNvPr id="3" name="Vertical Text Placeholder 2"/>
+              <a:rPr lang="nl-NL"/>
+              <a:t>Klik om stijl te bewerken</a:t>
+            </a:r>
+          </a:p>
+        </p:txBody>
+      </p:sp>
+      <p:sp>
+        <p:nvSpPr>
+          <p:cNvPr id="3" name="Tijdelijke aanduiding voor verticale tekst 2">
+            <a:extLst>
+              <a:ext uri="{FF2B5EF4-FFF2-40B4-BE49-F238E27FC236}">
+                <a16:creationId xmlns:a16="http://schemas.microsoft.com/office/drawing/2014/main" id="{392D5508-C17C-40FF-A4A0-8F67BD7E8429}"/>
+              </a:ext>
+            </a:extLst>
+          </p:cNvPr>
           <p:cNvSpPr>
             <a:spLocks noGrp="1"/>
           </p:cNvSpPr>
@@ -745,8 +614,8 @@
         </p:nvSpPr>
         <p:spPr>
           <a:xfrm>
-            <a:off x="1371600" y="624156"/>
-            <a:ext cx="8179641" cy="5243244"/>
+            <a:off x="838200" y="365125"/>
+            <a:ext cx="7734300" cy="5811838"/>
           </a:xfrm>
         </p:spPr>
         <p:txBody>
@@ -755,44 +624,49 @@
           <a:p>
             <a:pPr lvl="0"/>
             <a:r>
-              <a:rPr lang="nl-NL" smtClean="0"/>
-              <a:t>Klik om de modelstijlen te bewerken</a:t>
+              <a:rPr lang="nl-NL"/>
+              <a:t>Tekststijl van het model bewerken</a:t>
             </a:r>
           </a:p>
           <a:p>
             <a:pPr lvl="1"/>
             <a:r>
-              <a:rPr lang="nl-NL" smtClean="0"/>
+              <a:rPr lang="nl-NL"/>
               <a:t>Tweede niveau</a:t>
             </a:r>
           </a:p>
           <a:p>
             <a:pPr lvl="2"/>
             <a:r>
-              <a:rPr lang="nl-NL" smtClean="0"/>
+              <a:rPr lang="nl-NL"/>
               <a:t>Derde niveau</a:t>
             </a:r>
           </a:p>
           <a:p>
             <a:pPr lvl="3"/>
             <a:r>
-              <a:rPr lang="nl-NL" smtClean="0"/>
+              <a:rPr lang="nl-NL"/>
               <a:t>Vierde niveau</a:t>
             </a:r>
           </a:p>
           <a:p>
             <a:pPr lvl="4"/>
             <a:r>
-              <a:rPr lang="nl-NL" smtClean="0"/>
+              <a:rPr lang="nl-NL"/>
               <a:t>Vijfde niveau</a:t>
             </a:r>
-            <a:endParaRPr lang="en-US" dirty="0"/>
-          </a:p>
-        </p:txBody>
-      </p:sp>
-      <p:sp>
-        <p:nvSpPr>
-          <p:cNvPr id="4" name="Date Placeholder 3"/>
+          </a:p>
+        </p:txBody>
+      </p:sp>
+      <p:sp>
+        <p:nvSpPr>
+          <p:cNvPr id="4" name="Tijdelijke aanduiding voor datum 3">
+            <a:extLst>
+              <a:ext uri="{FF2B5EF4-FFF2-40B4-BE49-F238E27FC236}">
+                <a16:creationId xmlns:a16="http://schemas.microsoft.com/office/drawing/2014/main" id="{A6EF6E04-F34C-4782-A8EB-927E8C97F7E4}"/>
+              </a:ext>
+            </a:extLst>
+          </p:cNvPr>
           <p:cNvSpPr>
             <a:spLocks noGrp="1"/>
           </p:cNvSpPr>
@@ -815,7 +689,13 @@
       </p:sp>
       <p:sp>
         <p:nvSpPr>
-          <p:cNvPr id="5" name="Footer Placeholder 4"/>
+          <p:cNvPr id="5" name="Tijdelijke aanduiding voor voettekst 4">
+            <a:extLst>
+              <a:ext uri="{FF2B5EF4-FFF2-40B4-BE49-F238E27FC236}">
+                <a16:creationId xmlns:a16="http://schemas.microsoft.com/office/drawing/2014/main" id="{59258803-5E21-4AF7-B4F0-CCC849ABE486}"/>
+              </a:ext>
+            </a:extLst>
+          </p:cNvPr>
           <p:cNvSpPr>
             <a:spLocks noGrp="1"/>
           </p:cNvSpPr>
@@ -834,7 +714,13 @@
       </p:sp>
       <p:sp>
         <p:nvSpPr>
-          <p:cNvPr id="6" name="Slide Number Placeholder 5"/>
+          <p:cNvPr id="6" name="Tijdelijke aanduiding voor dianummer 5">
+            <a:extLst>
+              <a:ext uri="{FF2B5EF4-FFF2-40B4-BE49-F238E27FC236}">
+                <a16:creationId xmlns:a16="http://schemas.microsoft.com/office/drawing/2014/main" id="{FB2EF123-7F38-4B01-9BD0-A14F2DEF2FDB}"/>
+              </a:ext>
+            </a:extLst>
+          </p:cNvPr>
           <p:cNvSpPr>
             <a:spLocks noGrp="1"/>
           </p:cNvSpPr>
@@ -858,7 +744,7 @@
     </p:spTree>
     <p:extLst>
       <p:ext uri="{BB962C8B-B14F-4D97-AF65-F5344CB8AC3E}">
-        <p14:creationId xmlns:p14="http://schemas.microsoft.com/office/powerpoint/2010/main" val="2345261951"/>
+        <p14:creationId xmlns:p14="http://schemas.microsoft.com/office/powerpoint/2010/main" val="1994754472"/>
       </p:ext>
     </p:extLst>
   </p:cSld>
@@ -887,7 +773,13 @@
       </p:grpSpPr>
       <p:sp>
         <p:nvSpPr>
-          <p:cNvPr id="2" name="Title 1"/>
+          <p:cNvPr id="2" name="Titel 1">
+            <a:extLst>
+              <a:ext uri="{FF2B5EF4-FFF2-40B4-BE49-F238E27FC236}">
+                <a16:creationId xmlns:a16="http://schemas.microsoft.com/office/drawing/2014/main" id="{63F33AA3-3038-4FB4-9DFD-D0BB96FCF206}"/>
+              </a:ext>
+            </a:extLst>
+          </p:cNvPr>
           <p:cNvSpPr>
             <a:spLocks noGrp="1"/>
           </p:cNvSpPr>
@@ -901,16 +793,21 @@
           <a:lstStyle/>
           <a:p>
             <a:r>
-              <a:rPr lang="nl-NL" smtClean="0"/>
-              <a:t>Klik om de stijl te bewerken</a:t>
-            </a:r>
-            <a:endParaRPr lang="en-US" dirty="0"/>
-          </a:p>
-        </p:txBody>
-      </p:sp>
-      <p:sp>
-        <p:nvSpPr>
-          <p:cNvPr id="3" name="Content Placeholder 2"/>
+              <a:rPr lang="nl-NL"/>
+              <a:t>Klik om stijl te bewerken</a:t>
+            </a:r>
+          </a:p>
+        </p:txBody>
+      </p:sp>
+      <p:sp>
+        <p:nvSpPr>
+          <p:cNvPr id="3" name="Tijdelijke aanduiding voor inhoud 2">
+            <a:extLst>
+              <a:ext uri="{FF2B5EF4-FFF2-40B4-BE49-F238E27FC236}">
+                <a16:creationId xmlns:a16="http://schemas.microsoft.com/office/drawing/2014/main" id="{80D4D25F-7D92-4B6A-83F0-B37868232528}"/>
+              </a:ext>
+            </a:extLst>
+          </p:cNvPr>
           <p:cNvSpPr>
             <a:spLocks noGrp="1"/>
           </p:cNvSpPr>
@@ -925,44 +822,49 @@
           <a:p>
             <a:pPr lvl="0"/>
             <a:r>
-              <a:rPr lang="nl-NL" smtClean="0"/>
-              <a:t>Klik om de modelstijlen te bewerken</a:t>
+              <a:rPr lang="nl-NL"/>
+              <a:t>Tekststijl van het model bewerken</a:t>
             </a:r>
           </a:p>
           <a:p>
             <a:pPr lvl="1"/>
             <a:r>
-              <a:rPr lang="nl-NL" smtClean="0"/>
+              <a:rPr lang="nl-NL"/>
               <a:t>Tweede niveau</a:t>
             </a:r>
           </a:p>
           <a:p>
             <a:pPr lvl="2"/>
             <a:r>
-              <a:rPr lang="nl-NL" smtClean="0"/>
+              <a:rPr lang="nl-NL"/>
               <a:t>Derde niveau</a:t>
             </a:r>
           </a:p>
           <a:p>
             <a:pPr lvl="3"/>
             <a:r>
-              <a:rPr lang="nl-NL" smtClean="0"/>
+              <a:rPr lang="nl-NL"/>
               <a:t>Vierde niveau</a:t>
             </a:r>
           </a:p>
           <a:p>
             <a:pPr lvl="4"/>
             <a:r>
-              <a:rPr lang="nl-NL" smtClean="0"/>
+              <a:rPr lang="nl-NL"/>
               <a:t>Vijfde niveau</a:t>
             </a:r>
-            <a:endParaRPr lang="en-US" dirty="0"/>
-          </a:p>
-        </p:txBody>
-      </p:sp>
-      <p:sp>
-        <p:nvSpPr>
-          <p:cNvPr id="4" name="Date Placeholder 3"/>
+          </a:p>
+        </p:txBody>
+      </p:sp>
+      <p:sp>
+        <p:nvSpPr>
+          <p:cNvPr id="4" name="Tijdelijke aanduiding voor datum 3">
+            <a:extLst>
+              <a:ext uri="{FF2B5EF4-FFF2-40B4-BE49-F238E27FC236}">
+                <a16:creationId xmlns:a16="http://schemas.microsoft.com/office/drawing/2014/main" id="{45CBDB51-8901-4330-A2E4-D40A70BC01DF}"/>
+              </a:ext>
+            </a:extLst>
+          </p:cNvPr>
           <p:cNvSpPr>
             <a:spLocks noGrp="1"/>
           </p:cNvSpPr>
@@ -985,7 +887,13 @@
       </p:sp>
       <p:sp>
         <p:nvSpPr>
-          <p:cNvPr id="5" name="Footer Placeholder 4"/>
+          <p:cNvPr id="5" name="Tijdelijke aanduiding voor voettekst 4">
+            <a:extLst>
+              <a:ext uri="{FF2B5EF4-FFF2-40B4-BE49-F238E27FC236}">
+                <a16:creationId xmlns:a16="http://schemas.microsoft.com/office/drawing/2014/main" id="{495AB21A-24A6-4EAF-BE31-888BC107D74A}"/>
+              </a:ext>
+            </a:extLst>
+          </p:cNvPr>
           <p:cNvSpPr>
             <a:spLocks noGrp="1"/>
           </p:cNvSpPr>
@@ -1004,7 +912,13 @@
       </p:sp>
       <p:sp>
         <p:nvSpPr>
-          <p:cNvPr id="6" name="Slide Number Placeholder 5"/>
+          <p:cNvPr id="6" name="Tijdelijke aanduiding voor dianummer 5">
+            <a:extLst>
+              <a:ext uri="{FF2B5EF4-FFF2-40B4-BE49-F238E27FC236}">
+                <a16:creationId xmlns:a16="http://schemas.microsoft.com/office/drawing/2014/main" id="{A3A65FB6-DF80-46AE-88F4-84FC925C6157}"/>
+              </a:ext>
+            </a:extLst>
+          </p:cNvPr>
           <p:cNvSpPr>
             <a:spLocks noGrp="1"/>
           </p:cNvSpPr>
@@ -1028,7 +942,7 @@
     </p:spTree>
     <p:extLst>
       <p:ext uri="{BB962C8B-B14F-4D97-AF65-F5344CB8AC3E}">
-        <p14:creationId xmlns:p14="http://schemas.microsoft.com/office/powerpoint/2010/main" val="3131960080"/>
+        <p14:creationId xmlns:p14="http://schemas.microsoft.com/office/powerpoint/2010/main" val="1875324206"/>
       </p:ext>
     </p:extLst>
   </p:cSld>
@@ -1039,13 +953,8 @@
 </file>
 
 <file path=ppt/slideLayouts/slideLayout3.xml><?xml version="1.0" encoding="utf-8"?>
-<p:sldLayout xmlns:a="http://schemas.openxmlformats.org/drawingml/2006/main" xmlns:r="http://schemas.openxmlformats.org/officeDocument/2006/relationships" xmlns:p="http://schemas.openxmlformats.org/presentationml/2006/main" showMasterSp="0" type="secHead" preserve="1">
+<p:sldLayout xmlns:a="http://schemas.openxmlformats.org/drawingml/2006/main" xmlns:r="http://schemas.openxmlformats.org/officeDocument/2006/relationships" xmlns:p="http://schemas.openxmlformats.org/presentationml/2006/main" type="secHead" preserve="1">
   <p:cSld name="Sectiekop">
-    <p:bg>
-      <p:bgRef idx="1001">
-        <a:schemeClr val="bg2"/>
-      </p:bgRef>
-    </p:bg>
     <p:spTree>
       <p:nvGrpSpPr>
         <p:cNvPr id="1" name=""/>
@@ -1062,7 +971,13 @@
       </p:grpSpPr>
       <p:sp>
         <p:nvSpPr>
-          <p:cNvPr id="2" name="Title 1"/>
+          <p:cNvPr id="2" name="Titel 1">
+            <a:extLst>
+              <a:ext uri="{FF2B5EF4-FFF2-40B4-BE49-F238E27FC236}">
+                <a16:creationId xmlns:a16="http://schemas.microsoft.com/office/drawing/2014/main" id="{C458692B-C787-4AC6-A8C3-C8D1B82C9B26}"/>
+              </a:ext>
+            </a:extLst>
+          </p:cNvPr>
           <p:cNvSpPr>
             <a:spLocks noGrp="1"/>
           </p:cNvSpPr>
@@ -1072,35 +987,34 @@
         </p:nvSpPr>
         <p:spPr>
           <a:xfrm>
-            <a:off x="765025" y="1301360"/>
-            <a:ext cx="9612971" cy="2852737"/>
+            <a:off x="831850" y="1709738"/>
+            <a:ext cx="10515600" cy="2852737"/>
           </a:xfrm>
         </p:spPr>
         <p:txBody>
-          <a:bodyPr anchor="b">
-            <a:normAutofit/>
-          </a:bodyPr>
+          <a:bodyPr anchor="b"/>
           <a:lstStyle>
-            <a:lvl1pPr algn="r">
-              <a:defRPr sz="7200" cap="all" baseline="0">
-                <a:solidFill>
-                  <a:schemeClr val="tx2"/>
-                </a:solidFill>
-              </a:defRPr>
+            <a:lvl1pPr>
+              <a:defRPr sz="6000"/>
             </a:lvl1pPr>
           </a:lstStyle>
           <a:p>
             <a:r>
-              <a:rPr lang="nl-NL" smtClean="0"/>
-              <a:t>Klik om de stijl te bewerken</a:t>
-            </a:r>
-            <a:endParaRPr lang="en-US" dirty="0"/>
-          </a:p>
-        </p:txBody>
-      </p:sp>
-      <p:sp>
-        <p:nvSpPr>
-          <p:cNvPr id="3" name="Text Placeholder 2"/>
+              <a:rPr lang="nl-NL"/>
+              <a:t>Klik om stijl te bewerken</a:t>
+            </a:r>
+          </a:p>
+        </p:txBody>
+      </p:sp>
+      <p:sp>
+        <p:nvSpPr>
+          <p:cNvPr id="3" name="Tijdelijke aanduiding voor tekst 2">
+            <a:extLst>
+              <a:ext uri="{FF2B5EF4-FFF2-40B4-BE49-F238E27FC236}">
+                <a16:creationId xmlns:a16="http://schemas.microsoft.com/office/drawing/2014/main" id="{D9919913-05BC-44E8-94FA-ED8B9920C573}"/>
+              </a:ext>
+            </a:extLst>
+          </p:cNvPr>
           <p:cNvSpPr>
             <a:spLocks noGrp="1"/>
           </p:cNvSpPr>
@@ -1110,27 +1024,20 @@
         </p:nvSpPr>
         <p:spPr>
           <a:xfrm>
-            <a:off x="765025" y="4216328"/>
-            <a:ext cx="9612971" cy="1143324"/>
+            <a:off x="831850" y="4589463"/>
+            <a:ext cx="10515600" cy="1500187"/>
           </a:xfrm>
         </p:spPr>
         <p:txBody>
           <a:bodyPr/>
           <a:lstStyle>
-            <a:lvl1pPr marL="0" indent="0" algn="r">
-              <a:lnSpc>
-                <a:spcPct val="112000"/>
-              </a:lnSpc>
-              <a:spcBef>
-                <a:spcPts val="0"/>
-              </a:spcBef>
-              <a:spcAft>
-                <a:spcPts val="0"/>
-              </a:spcAft>
+            <a:lvl1pPr marL="0" indent="0">
               <a:buNone/>
               <a:defRPr sz="2400">
                 <a:solidFill>
-                  <a:schemeClr val="tx2"/>
+                  <a:schemeClr val="tx1">
+                    <a:tint val="75000"/>
+                  </a:schemeClr>
                 </a:solidFill>
               </a:defRPr>
             </a:lvl1pPr>
@@ -1218,15 +1125,21 @@
           <a:p>
             <a:pPr lvl="0"/>
             <a:r>
-              <a:rPr lang="nl-NL" smtClean="0"/>
-              <a:t>Klik om de modelstijlen te bewerken</a:t>
-            </a:r>
-          </a:p>
-        </p:txBody>
-      </p:sp>
-      <p:sp>
-        <p:nvSpPr>
-          <p:cNvPr id="4" name="Date Placeholder 3"/>
+              <a:rPr lang="nl-NL"/>
+              <a:t>Tekststijl van het model bewerken</a:t>
+            </a:r>
+          </a:p>
+        </p:txBody>
+      </p:sp>
+      <p:sp>
+        <p:nvSpPr>
+          <p:cNvPr id="4" name="Tijdelijke aanduiding voor datum 3">
+            <a:extLst>
+              <a:ext uri="{FF2B5EF4-FFF2-40B4-BE49-F238E27FC236}">
+                <a16:creationId xmlns:a16="http://schemas.microsoft.com/office/drawing/2014/main" id="{C1FED322-F974-46B7-B815-3D79DA63DD92}"/>
+              </a:ext>
+            </a:extLst>
+          </p:cNvPr>
           <p:cNvSpPr>
             <a:spLocks noGrp="1"/>
           </p:cNvSpPr>
@@ -1234,23 +1147,10 @@
             <p:ph type="dt" sz="half" idx="10"/>
           </p:nvPr>
         </p:nvSpPr>
-        <p:spPr>
-          <a:xfrm>
-            <a:off x="738908" y="6453386"/>
-            <a:ext cx="1622409" cy="404614"/>
-          </a:xfrm>
-        </p:spPr>
-        <p:txBody>
-          <a:bodyPr/>
-          <a:lstStyle>
-            <a:lvl1pPr>
-              <a:defRPr>
-                <a:solidFill>
-                  <a:schemeClr val="tx2"/>
-                </a:solidFill>
-              </a:defRPr>
-            </a:lvl1pPr>
-          </a:lstStyle>
+        <p:spPr/>
+        <p:txBody>
+          <a:bodyPr/>
+          <a:lstStyle/>
           <a:p>
             <a:fld id="{E94D80B7-DD36-4185-980D-0CF2BC8D5235}" type="datetimeFigureOut">
               <a:rPr lang="nl-NL" smtClean="0"/>
@@ -1262,7 +1162,13 @@
       </p:sp>
       <p:sp>
         <p:nvSpPr>
-          <p:cNvPr id="5" name="Footer Placeholder 4"/>
+          <p:cNvPr id="5" name="Tijdelijke aanduiding voor voettekst 4">
+            <a:extLst>
+              <a:ext uri="{FF2B5EF4-FFF2-40B4-BE49-F238E27FC236}">
+                <a16:creationId xmlns:a16="http://schemas.microsoft.com/office/drawing/2014/main" id="{2178E9C4-55FA-4A11-8780-C0193AE9F225}"/>
+              </a:ext>
+            </a:extLst>
+          </p:cNvPr>
           <p:cNvSpPr>
             <a:spLocks noGrp="1"/>
           </p:cNvSpPr>
@@ -1270,23 +1176,10 @@
             <p:ph type="ftr" sz="quarter" idx="11"/>
           </p:nvPr>
         </p:nvSpPr>
-        <p:spPr>
-          <a:xfrm>
-            <a:off x="2584312" y="6453386"/>
-            <a:ext cx="7023377" cy="404614"/>
-          </a:xfrm>
-        </p:spPr>
-        <p:txBody>
-          <a:bodyPr/>
-          <a:lstStyle>
-            <a:lvl1pPr algn="ctr">
-              <a:defRPr>
-                <a:solidFill>
-                  <a:schemeClr val="tx2"/>
-                </a:solidFill>
-              </a:defRPr>
-            </a:lvl1pPr>
-          </a:lstStyle>
+        <p:spPr/>
+        <p:txBody>
+          <a:bodyPr/>
+          <a:lstStyle/>
           <a:p>
             <a:endParaRPr lang="nl-NL"/>
           </a:p>
@@ -1294,7 +1187,13 @@
       </p:sp>
       <p:sp>
         <p:nvSpPr>
-          <p:cNvPr id="6" name="Slide Number Placeholder 5"/>
+          <p:cNvPr id="6" name="Tijdelijke aanduiding voor dianummer 5">
+            <a:extLst>
+              <a:ext uri="{FF2B5EF4-FFF2-40B4-BE49-F238E27FC236}">
+                <a16:creationId xmlns:a16="http://schemas.microsoft.com/office/drawing/2014/main" id="{91D636A6-1C1B-45D4-A3C2-B290F659FA09}"/>
+              </a:ext>
+            </a:extLst>
+          </p:cNvPr>
           <p:cNvSpPr>
             <a:spLocks noGrp="1"/>
           </p:cNvSpPr>
@@ -1302,23 +1201,10 @@
             <p:ph type="sldNum" sz="quarter" idx="12"/>
           </p:nvPr>
         </p:nvSpPr>
-        <p:spPr>
-          <a:xfrm>
-            <a:off x="9830683" y="6453386"/>
-            <a:ext cx="1596292" cy="404614"/>
-          </a:xfrm>
-        </p:spPr>
-        <p:txBody>
-          <a:bodyPr/>
-          <a:lstStyle>
-            <a:lvl1pPr>
-              <a:defRPr>
-                <a:solidFill>
-                  <a:schemeClr val="tx2"/>
-                </a:solidFill>
-              </a:defRPr>
-            </a:lvl1pPr>
-          </a:lstStyle>
+        <p:spPr/>
+        <p:txBody>
+          <a:bodyPr/>
+          <a:lstStyle/>
           <a:p>
             <a:fld id="{57714807-5A50-4735-9DE7-3C247E9548A1}" type="slidenum">
               <a:rPr lang="nl-NL" smtClean="0"/>
@@ -1328,71 +1214,15 @@
           </a:p>
         </p:txBody>
       </p:sp>
-      <p:sp>
-        <p:nvSpPr>
-          <p:cNvPr id="7" name="Freeform 6" title="Crop Mark"/>
-          <p:cNvSpPr/>
-          <p:nvPr/>
-        </p:nvSpPr>
-        <p:spPr bwMode="auto">
-          <a:xfrm>
-            <a:off x="8151962" y="1685652"/>
-            <a:ext cx="3275013" cy="4408488"/>
-          </a:xfrm>
-          <a:custGeom>
-            <a:avLst/>
-            <a:gdLst/>
-            <a:ahLst/>
-            <a:cxnLst/>
-            <a:rect l="0" t="0" r="r" b="b"/>
-            <a:pathLst>
-              <a:path w="4125" h="5554">
-                <a:moveTo>
-                  <a:pt x="3614" y="0"/>
-                </a:moveTo>
-                <a:lnTo>
-                  <a:pt x="4125" y="0"/>
-                </a:lnTo>
-                <a:lnTo>
-                  <a:pt x="4125" y="5554"/>
-                </a:lnTo>
-                <a:lnTo>
-                  <a:pt x="0" y="5554"/>
-                </a:lnTo>
-                <a:lnTo>
-                  <a:pt x="0" y="5074"/>
-                </a:lnTo>
-                <a:lnTo>
-                  <a:pt x="3614" y="5074"/>
-                </a:lnTo>
-                <a:lnTo>
-                  <a:pt x="3614" y="0"/>
-                </a:lnTo>
-                <a:close/>
-              </a:path>
-            </a:pathLst>
-          </a:custGeom>
-          <a:solidFill>
-            <a:schemeClr val="tx2"/>
-          </a:solidFill>
-          <a:ln w="0">
-            <a:noFill/>
-            <a:prstDash val="solid"/>
-            <a:round/>
-            <a:headEnd/>
-            <a:tailEnd/>
-          </a:ln>
-        </p:spPr>
-      </p:sp>
     </p:spTree>
     <p:extLst>
       <p:ext uri="{BB962C8B-B14F-4D97-AF65-F5344CB8AC3E}">
-        <p14:creationId xmlns:p14="http://schemas.microsoft.com/office/powerpoint/2010/main" val="1594575823"/>
+        <p14:creationId xmlns:p14="http://schemas.microsoft.com/office/powerpoint/2010/main" val="3790194601"/>
       </p:ext>
     </p:extLst>
   </p:cSld>
   <p:clrMapOvr>
-    <a:overrideClrMapping bg1="dk1" tx1="lt1" bg2="dk2" tx2="lt2" accent1="accent1" accent2="accent2" accent3="accent3" accent4="accent4" accent5="accent5" accent6="accent6" hlink="hlink" folHlink="folHlink"/>
+    <a:masterClrMapping/>
   </p:clrMapOvr>
 </p:sldLayout>
 </file>
@@ -1416,7 +1246,13 @@
       </p:grpSpPr>
       <p:sp>
         <p:nvSpPr>
-          <p:cNvPr id="2" name="Title 1"/>
+          <p:cNvPr id="2" name="Titel 1">
+            <a:extLst>
+              <a:ext uri="{FF2B5EF4-FFF2-40B4-BE49-F238E27FC236}">
+                <a16:creationId xmlns:a16="http://schemas.microsoft.com/office/drawing/2014/main" id="{9307EEDA-DDEB-442D-976E-BD538986CC3A}"/>
+              </a:ext>
+            </a:extLst>
+          </p:cNvPr>
           <p:cNvSpPr>
             <a:spLocks noGrp="1"/>
           </p:cNvSpPr>
@@ -1427,27 +1263,24 @@
         <p:spPr/>
         <p:txBody>
           <a:bodyPr/>
-          <a:lstStyle>
-            <a:lvl1pPr>
-              <a:defRPr>
-                <a:solidFill>
-                  <a:schemeClr val="tx2"/>
-                </a:solidFill>
-              </a:defRPr>
-            </a:lvl1pPr>
-          </a:lstStyle>
-          <a:p>
-            <a:r>
-              <a:rPr lang="nl-NL" smtClean="0"/>
-              <a:t>Klik om de stijl te bewerken</a:t>
-            </a:r>
-            <a:endParaRPr lang="en-US" dirty="0"/>
-          </a:p>
-        </p:txBody>
-      </p:sp>
-      <p:sp>
-        <p:nvSpPr>
-          <p:cNvPr id="3" name="Content Placeholder 2"/>
+          <a:lstStyle/>
+          <a:p>
+            <a:r>
+              <a:rPr lang="nl-NL"/>
+              <a:t>Klik om stijl te bewerken</a:t>
+            </a:r>
+          </a:p>
+        </p:txBody>
+      </p:sp>
+      <p:sp>
+        <p:nvSpPr>
+          <p:cNvPr id="3" name="Tijdelijke aanduiding voor inhoud 2">
+            <a:extLst>
+              <a:ext uri="{FF2B5EF4-FFF2-40B4-BE49-F238E27FC236}">
+                <a16:creationId xmlns:a16="http://schemas.microsoft.com/office/drawing/2014/main" id="{CA69008F-2BA8-4323-B70D-E4527642C134}"/>
+              </a:ext>
+            </a:extLst>
+          </p:cNvPr>
           <p:cNvSpPr>
             <a:spLocks noGrp="1"/>
           </p:cNvSpPr>
@@ -1457,90 +1290,59 @@
         </p:nvSpPr>
         <p:spPr>
           <a:xfrm>
-            <a:off x="1371600" y="2285999"/>
-            <a:ext cx="4447786" cy="3581401"/>
+            <a:off x="838200" y="1825625"/>
+            <a:ext cx="5181600" cy="4351338"/>
           </a:xfrm>
         </p:spPr>
         <p:txBody>
           <a:bodyPr/>
-          <a:lstStyle>
-            <a:lvl1pPr>
-              <a:defRPr baseline="0">
-                <a:solidFill>
-                  <a:schemeClr val="tx2"/>
-                </a:solidFill>
-              </a:defRPr>
-            </a:lvl1pPr>
-            <a:lvl2pPr>
-              <a:defRPr baseline="0">
-                <a:solidFill>
-                  <a:schemeClr val="tx2"/>
-                </a:solidFill>
-              </a:defRPr>
-            </a:lvl2pPr>
-            <a:lvl3pPr>
-              <a:defRPr baseline="0">
-                <a:solidFill>
-                  <a:schemeClr val="tx2"/>
-                </a:solidFill>
-              </a:defRPr>
-            </a:lvl3pPr>
-            <a:lvl4pPr>
-              <a:defRPr baseline="0">
-                <a:solidFill>
-                  <a:schemeClr val="tx2"/>
-                </a:solidFill>
-              </a:defRPr>
-            </a:lvl4pPr>
-            <a:lvl5pPr>
-              <a:defRPr baseline="0">
-                <a:solidFill>
-                  <a:schemeClr val="tx2"/>
-                </a:solidFill>
-              </a:defRPr>
-            </a:lvl5pPr>
-          </a:lstStyle>
+          <a:lstStyle/>
           <a:p>
             <a:pPr lvl="0"/>
             <a:r>
-              <a:rPr lang="nl-NL" smtClean="0"/>
-              <a:t>Klik om de modelstijlen te bewerken</a:t>
+              <a:rPr lang="nl-NL"/>
+              <a:t>Tekststijl van het model bewerken</a:t>
             </a:r>
           </a:p>
           <a:p>
             <a:pPr lvl="1"/>
             <a:r>
-              <a:rPr lang="nl-NL" smtClean="0"/>
+              <a:rPr lang="nl-NL"/>
               <a:t>Tweede niveau</a:t>
             </a:r>
           </a:p>
           <a:p>
             <a:pPr lvl="2"/>
             <a:r>
-              <a:rPr lang="nl-NL" smtClean="0"/>
+              <a:rPr lang="nl-NL"/>
               <a:t>Derde niveau</a:t>
             </a:r>
           </a:p>
           <a:p>
             <a:pPr lvl="3"/>
             <a:r>
-              <a:rPr lang="nl-NL" smtClean="0"/>
+              <a:rPr lang="nl-NL"/>
               <a:t>Vierde niveau</a:t>
             </a:r>
           </a:p>
           <a:p>
             <a:pPr lvl="4"/>
             <a:r>
-              <a:rPr lang="nl-NL" smtClean="0"/>
+              <a:rPr lang="nl-NL"/>
               <a:t>Vijfde niveau</a:t>
             </a:r>
-            <a:endParaRPr lang="en-US" dirty="0"/>
-          </a:p>
-        </p:txBody>
-      </p:sp>
-      <p:sp>
-        <p:nvSpPr>
-          <p:cNvPr id="4" name="Content Placeholder 3"/>
+          </a:p>
+        </p:txBody>
+      </p:sp>
+      <p:sp>
+        <p:nvSpPr>
+          <p:cNvPr id="4" name="Tijdelijke aanduiding voor inhoud 3">
+            <a:extLst>
+              <a:ext uri="{FF2B5EF4-FFF2-40B4-BE49-F238E27FC236}">
+                <a16:creationId xmlns:a16="http://schemas.microsoft.com/office/drawing/2014/main" id="{41714459-09E9-4399-B508-310A4FEB0D35}"/>
+              </a:ext>
+            </a:extLst>
+          </p:cNvPr>
           <p:cNvSpPr>
             <a:spLocks noGrp="1"/>
           </p:cNvSpPr>
@@ -1550,90 +1352,59 @@
         </p:nvSpPr>
         <p:spPr>
           <a:xfrm>
-            <a:off x="6525403" y="2285999"/>
-            <a:ext cx="4447786" cy="3581401"/>
+            <a:off x="6172200" y="1825625"/>
+            <a:ext cx="5181600" cy="4351338"/>
           </a:xfrm>
         </p:spPr>
         <p:txBody>
           <a:bodyPr/>
-          <a:lstStyle>
-            <a:lvl1pPr>
-              <a:defRPr>
-                <a:solidFill>
-                  <a:schemeClr val="tx2"/>
-                </a:solidFill>
-              </a:defRPr>
-            </a:lvl1pPr>
-            <a:lvl2pPr>
-              <a:defRPr>
-                <a:solidFill>
-                  <a:schemeClr val="tx2"/>
-                </a:solidFill>
-              </a:defRPr>
-            </a:lvl2pPr>
-            <a:lvl3pPr>
-              <a:defRPr>
-                <a:solidFill>
-                  <a:schemeClr val="tx2"/>
-                </a:solidFill>
-              </a:defRPr>
-            </a:lvl3pPr>
-            <a:lvl4pPr>
-              <a:defRPr>
-                <a:solidFill>
-                  <a:schemeClr val="tx2"/>
-                </a:solidFill>
-              </a:defRPr>
-            </a:lvl4pPr>
-            <a:lvl5pPr>
-              <a:defRPr>
-                <a:solidFill>
-                  <a:schemeClr val="tx2"/>
-                </a:solidFill>
-              </a:defRPr>
-            </a:lvl5pPr>
-          </a:lstStyle>
+          <a:lstStyle/>
           <a:p>
             <a:pPr lvl="0"/>
             <a:r>
-              <a:rPr lang="nl-NL" smtClean="0"/>
-              <a:t>Klik om de modelstijlen te bewerken</a:t>
+              <a:rPr lang="nl-NL"/>
+              <a:t>Tekststijl van het model bewerken</a:t>
             </a:r>
           </a:p>
           <a:p>
             <a:pPr lvl="1"/>
             <a:r>
-              <a:rPr lang="nl-NL" smtClean="0"/>
+              <a:rPr lang="nl-NL"/>
               <a:t>Tweede niveau</a:t>
             </a:r>
           </a:p>
           <a:p>
             <a:pPr lvl="2"/>
             <a:r>
-              <a:rPr lang="nl-NL" smtClean="0"/>
+              <a:rPr lang="nl-NL"/>
               <a:t>Derde niveau</a:t>
             </a:r>
           </a:p>
           <a:p>
             <a:pPr lvl="3"/>
             <a:r>
-              <a:rPr lang="nl-NL" smtClean="0"/>
+              <a:rPr lang="nl-NL"/>
               <a:t>Vierde niveau</a:t>
             </a:r>
           </a:p>
           <a:p>
             <a:pPr lvl="4"/>
             <a:r>
-              <a:rPr lang="nl-NL" smtClean="0"/>
+              <a:rPr lang="nl-NL"/>
               <a:t>Vijfde niveau</a:t>
             </a:r>
-            <a:endParaRPr lang="en-US" dirty="0"/>
-          </a:p>
-        </p:txBody>
-      </p:sp>
-      <p:sp>
-        <p:nvSpPr>
-          <p:cNvPr id="5" name="Date Placeholder 4"/>
+          </a:p>
+        </p:txBody>
+      </p:sp>
+      <p:sp>
+        <p:nvSpPr>
+          <p:cNvPr id="5" name="Tijdelijke aanduiding voor datum 4">
+            <a:extLst>
+              <a:ext uri="{FF2B5EF4-FFF2-40B4-BE49-F238E27FC236}">
+                <a16:creationId xmlns:a16="http://schemas.microsoft.com/office/drawing/2014/main" id="{FBD59E1F-3E81-4DAC-99F7-9E50B6960715}"/>
+              </a:ext>
+            </a:extLst>
+          </p:cNvPr>
           <p:cNvSpPr>
             <a:spLocks noGrp="1"/>
           </p:cNvSpPr>
@@ -1656,7 +1427,13 @@
       </p:sp>
       <p:sp>
         <p:nvSpPr>
-          <p:cNvPr id="6" name="Footer Placeholder 5"/>
+          <p:cNvPr id="6" name="Tijdelijke aanduiding voor voettekst 5">
+            <a:extLst>
+              <a:ext uri="{FF2B5EF4-FFF2-40B4-BE49-F238E27FC236}">
+                <a16:creationId xmlns:a16="http://schemas.microsoft.com/office/drawing/2014/main" id="{B78F2970-27B8-4D3A-91D4-3810519D43DC}"/>
+              </a:ext>
+            </a:extLst>
+          </p:cNvPr>
           <p:cNvSpPr>
             <a:spLocks noGrp="1"/>
           </p:cNvSpPr>
@@ -1675,7 +1452,13 @@
       </p:sp>
       <p:sp>
         <p:nvSpPr>
-          <p:cNvPr id="7" name="Slide Number Placeholder 6"/>
+          <p:cNvPr id="7" name="Tijdelijke aanduiding voor dianummer 6">
+            <a:extLst>
+              <a:ext uri="{FF2B5EF4-FFF2-40B4-BE49-F238E27FC236}">
+                <a16:creationId xmlns:a16="http://schemas.microsoft.com/office/drawing/2014/main" id="{A940C578-411C-485B-9022-9F143DE3554B}"/>
+              </a:ext>
+            </a:extLst>
+          </p:cNvPr>
           <p:cNvSpPr>
             <a:spLocks noGrp="1"/>
           </p:cNvSpPr>
@@ -1699,7 +1482,7 @@
     </p:spTree>
     <p:extLst>
       <p:ext uri="{BB962C8B-B14F-4D97-AF65-F5344CB8AC3E}">
-        <p14:creationId xmlns:p14="http://schemas.microsoft.com/office/powerpoint/2010/main" val="1609507142"/>
+        <p14:creationId xmlns:p14="http://schemas.microsoft.com/office/powerpoint/2010/main" val="4159273365"/>
       </p:ext>
     </p:extLst>
   </p:cSld>
@@ -1728,7 +1511,13 @@
       </p:grpSpPr>
       <p:sp>
         <p:nvSpPr>
-          <p:cNvPr id="2" name="Title 1"/>
+          <p:cNvPr id="2" name="Titel 1">
+            <a:extLst>
+              <a:ext uri="{FF2B5EF4-FFF2-40B4-BE49-F238E27FC236}">
+                <a16:creationId xmlns:a16="http://schemas.microsoft.com/office/drawing/2014/main" id="{2A98A8AC-352B-4873-860D-909A6F86CA70}"/>
+              </a:ext>
+            </a:extLst>
+          </p:cNvPr>
           <p:cNvSpPr>
             <a:spLocks noGrp="1"/>
           </p:cNvSpPr>
@@ -1738,33 +1527,30 @@
         </p:nvSpPr>
         <p:spPr>
           <a:xfrm>
-            <a:off x="1371600" y="685800"/>
-            <a:ext cx="9601200" cy="1485900"/>
+            <a:off x="839788" y="365125"/>
+            <a:ext cx="10515600" cy="1325563"/>
           </a:xfrm>
         </p:spPr>
         <p:txBody>
           <a:bodyPr/>
-          <a:lstStyle>
-            <a:lvl1pPr>
-              <a:defRPr>
-                <a:solidFill>
-                  <a:schemeClr val="tx2"/>
-                </a:solidFill>
-              </a:defRPr>
-            </a:lvl1pPr>
-          </a:lstStyle>
-          <a:p>
-            <a:r>
-              <a:rPr lang="nl-NL" smtClean="0"/>
-              <a:t>Klik om de stijl te bewerken</a:t>
-            </a:r>
-            <a:endParaRPr lang="en-US" dirty="0"/>
-          </a:p>
-        </p:txBody>
-      </p:sp>
-      <p:sp>
-        <p:nvSpPr>
-          <p:cNvPr id="3" name="Text Placeholder 2"/>
+          <a:lstStyle/>
+          <a:p>
+            <a:r>
+              <a:rPr lang="nl-NL"/>
+              <a:t>Klik om stijl te bewerken</a:t>
+            </a:r>
+          </a:p>
+        </p:txBody>
+      </p:sp>
+      <p:sp>
+        <p:nvSpPr>
+          <p:cNvPr id="3" name="Tijdelijke aanduiding voor tekst 2">
+            <a:extLst>
+              <a:ext uri="{FF2B5EF4-FFF2-40B4-BE49-F238E27FC236}">
+                <a16:creationId xmlns:a16="http://schemas.microsoft.com/office/drawing/2014/main" id="{CD0BFC8A-6D8D-45C3-B135-6BEE13571B4A}"/>
+              </a:ext>
+            </a:extLst>
+          </p:cNvPr>
           <p:cNvSpPr>
             <a:spLocks noGrp="1"/>
           </p:cNvSpPr>
@@ -1774,31 +1560,16 @@
         </p:nvSpPr>
         <p:spPr>
           <a:xfrm>
-            <a:off x="1371600" y="2340864"/>
-            <a:ext cx="4443984" cy="823912"/>
+            <a:off x="839788" y="1681163"/>
+            <a:ext cx="5157787" cy="823912"/>
           </a:xfrm>
         </p:spPr>
         <p:txBody>
-          <a:bodyPr anchor="b">
-            <a:noAutofit/>
-          </a:bodyPr>
+          <a:bodyPr anchor="b"/>
           <a:lstStyle>
             <a:lvl1pPr marL="0" indent="0">
-              <a:lnSpc>
-                <a:spcPct val="84000"/>
-              </a:lnSpc>
-              <a:spcBef>
-                <a:spcPts val="0"/>
-              </a:spcBef>
-              <a:spcAft>
-                <a:spcPts val="0"/>
-              </a:spcAft>
-              <a:buNone/>
-              <a:defRPr sz="3000" b="0" baseline="0">
-                <a:solidFill>
-                  <a:schemeClr val="tx2"/>
-                </a:solidFill>
-              </a:defRPr>
+              <a:buNone/>
+              <a:defRPr sz="2400" b="1"/>
             </a:lvl1pPr>
             <a:lvl2pPr marL="457200" indent="0">
               <a:buNone/>
@@ -1836,15 +1607,21 @@
           <a:p>
             <a:pPr lvl="0"/>
             <a:r>
-              <a:rPr lang="nl-NL" smtClean="0"/>
-              <a:t>Klik om de modelstijlen te bewerken</a:t>
-            </a:r>
-          </a:p>
-        </p:txBody>
-      </p:sp>
-      <p:sp>
-        <p:nvSpPr>
-          <p:cNvPr id="4" name="Content Placeholder 3"/>
+              <a:rPr lang="nl-NL"/>
+              <a:t>Tekststijl van het model bewerken</a:t>
+            </a:r>
+          </a:p>
+        </p:txBody>
+      </p:sp>
+      <p:sp>
+        <p:nvSpPr>
+          <p:cNvPr id="4" name="Tijdelijke aanduiding voor inhoud 3">
+            <a:extLst>
+              <a:ext uri="{FF2B5EF4-FFF2-40B4-BE49-F238E27FC236}">
+                <a16:creationId xmlns:a16="http://schemas.microsoft.com/office/drawing/2014/main" id="{BC53C667-1EFA-4E94-8F29-F3767ABF1F3B}"/>
+              </a:ext>
+            </a:extLst>
+          </p:cNvPr>
           <p:cNvSpPr>
             <a:spLocks noGrp="1"/>
           </p:cNvSpPr>
@@ -1854,90 +1631,59 @@
         </p:nvSpPr>
         <p:spPr>
           <a:xfrm>
-            <a:off x="1371600" y="3305207"/>
-            <a:ext cx="4443984" cy="2562193"/>
+            <a:off x="839788" y="2505075"/>
+            <a:ext cx="5157787" cy="3684588"/>
           </a:xfrm>
         </p:spPr>
         <p:txBody>
           <a:bodyPr/>
-          <a:lstStyle>
-            <a:lvl1pPr>
-              <a:defRPr baseline="0">
-                <a:solidFill>
-                  <a:schemeClr val="tx2"/>
-                </a:solidFill>
-              </a:defRPr>
-            </a:lvl1pPr>
-            <a:lvl2pPr>
-              <a:defRPr baseline="0">
-                <a:solidFill>
-                  <a:schemeClr val="tx2"/>
-                </a:solidFill>
-              </a:defRPr>
-            </a:lvl2pPr>
-            <a:lvl3pPr>
-              <a:defRPr baseline="0">
-                <a:solidFill>
-                  <a:schemeClr val="tx2"/>
-                </a:solidFill>
-              </a:defRPr>
-            </a:lvl3pPr>
-            <a:lvl4pPr>
-              <a:defRPr baseline="0">
-                <a:solidFill>
-                  <a:schemeClr val="tx2"/>
-                </a:solidFill>
-              </a:defRPr>
-            </a:lvl4pPr>
-            <a:lvl5pPr>
-              <a:defRPr baseline="0">
-                <a:solidFill>
-                  <a:schemeClr val="tx2"/>
-                </a:solidFill>
-              </a:defRPr>
-            </a:lvl5pPr>
-          </a:lstStyle>
+          <a:lstStyle/>
           <a:p>
             <a:pPr lvl="0"/>
             <a:r>
-              <a:rPr lang="nl-NL" smtClean="0"/>
-              <a:t>Klik om de modelstijlen te bewerken</a:t>
+              <a:rPr lang="nl-NL"/>
+              <a:t>Tekststijl van het model bewerken</a:t>
             </a:r>
           </a:p>
           <a:p>
             <a:pPr lvl="1"/>
             <a:r>
-              <a:rPr lang="nl-NL" smtClean="0"/>
+              <a:rPr lang="nl-NL"/>
               <a:t>Tweede niveau</a:t>
             </a:r>
           </a:p>
           <a:p>
             <a:pPr lvl="2"/>
             <a:r>
-              <a:rPr lang="nl-NL" smtClean="0"/>
+              <a:rPr lang="nl-NL"/>
               <a:t>Derde niveau</a:t>
             </a:r>
           </a:p>
           <a:p>
             <a:pPr lvl="3"/>
             <a:r>
-              <a:rPr lang="nl-NL" smtClean="0"/>
+              <a:rPr lang="nl-NL"/>
               <a:t>Vierde niveau</a:t>
             </a:r>
           </a:p>
           <a:p>
             <a:pPr lvl="4"/>
             <a:r>
-              <a:rPr lang="nl-NL" smtClean="0"/>
+              <a:rPr lang="nl-NL"/>
               <a:t>Vijfde niveau</a:t>
             </a:r>
-            <a:endParaRPr lang="en-US" dirty="0"/>
-          </a:p>
-        </p:txBody>
-      </p:sp>
-      <p:sp>
-        <p:nvSpPr>
-          <p:cNvPr id="5" name="Text Placeholder 4"/>
+          </a:p>
+        </p:txBody>
+      </p:sp>
+      <p:sp>
+        <p:nvSpPr>
+          <p:cNvPr id="5" name="Tijdelijke aanduiding voor tekst 4">
+            <a:extLst>
+              <a:ext uri="{FF2B5EF4-FFF2-40B4-BE49-F238E27FC236}">
+                <a16:creationId xmlns:a16="http://schemas.microsoft.com/office/drawing/2014/main" id="{4FC777CA-6F1D-4238-90B5-28F25757F021}"/>
+              </a:ext>
+            </a:extLst>
+          </p:cNvPr>
           <p:cNvSpPr>
             <a:spLocks noGrp="1"/>
           </p:cNvSpPr>
@@ -1947,31 +1693,16 @@
         </p:nvSpPr>
         <p:spPr>
           <a:xfrm>
-            <a:off x="6525014" y="2340864"/>
-            <a:ext cx="4443984" cy="823912"/>
+            <a:off x="6172200" y="1681163"/>
+            <a:ext cx="5183188" cy="823912"/>
           </a:xfrm>
         </p:spPr>
         <p:txBody>
-          <a:bodyPr anchor="b">
-            <a:noAutofit/>
-          </a:bodyPr>
+          <a:bodyPr anchor="b"/>
           <a:lstStyle>
             <a:lvl1pPr marL="0" indent="0">
-              <a:lnSpc>
-                <a:spcPct val="84000"/>
-              </a:lnSpc>
-              <a:spcBef>
-                <a:spcPts val="0"/>
-              </a:spcBef>
-              <a:spcAft>
-                <a:spcPts val="0"/>
-              </a:spcAft>
-              <a:buNone/>
-              <a:defRPr sz="3000" b="0" baseline="0">
-                <a:solidFill>
-                  <a:schemeClr val="tx2"/>
-                </a:solidFill>
-              </a:defRPr>
+              <a:buNone/>
+              <a:defRPr sz="2400" b="1"/>
             </a:lvl1pPr>
             <a:lvl2pPr marL="457200" indent="0">
               <a:buNone/>
@@ -2009,15 +1740,21 @@
           <a:p>
             <a:pPr lvl="0"/>
             <a:r>
-              <a:rPr lang="nl-NL" smtClean="0"/>
-              <a:t>Klik om de modelstijlen te bewerken</a:t>
-            </a:r>
-          </a:p>
-        </p:txBody>
-      </p:sp>
-      <p:sp>
-        <p:nvSpPr>
-          <p:cNvPr id="6" name="Content Placeholder 5"/>
+              <a:rPr lang="nl-NL"/>
+              <a:t>Tekststijl van het model bewerken</a:t>
+            </a:r>
+          </a:p>
+        </p:txBody>
+      </p:sp>
+      <p:sp>
+        <p:nvSpPr>
+          <p:cNvPr id="6" name="Tijdelijke aanduiding voor inhoud 5">
+            <a:extLst>
+              <a:ext uri="{FF2B5EF4-FFF2-40B4-BE49-F238E27FC236}">
+                <a16:creationId xmlns:a16="http://schemas.microsoft.com/office/drawing/2014/main" id="{06313709-3D72-4C1D-BF97-1C0BD27C0C4C}"/>
+              </a:ext>
+            </a:extLst>
+          </p:cNvPr>
           <p:cNvSpPr>
             <a:spLocks noGrp="1"/>
           </p:cNvSpPr>
@@ -2027,90 +1764,59 @@
         </p:nvSpPr>
         <p:spPr>
           <a:xfrm>
-            <a:off x="6525014" y="3305207"/>
-            <a:ext cx="4443984" cy="2562193"/>
+            <a:off x="6172200" y="2505075"/>
+            <a:ext cx="5183188" cy="3684588"/>
           </a:xfrm>
         </p:spPr>
         <p:txBody>
           <a:bodyPr/>
-          <a:lstStyle>
-            <a:lvl1pPr>
-              <a:defRPr baseline="0">
-                <a:solidFill>
-                  <a:schemeClr val="tx2"/>
-                </a:solidFill>
-              </a:defRPr>
-            </a:lvl1pPr>
-            <a:lvl2pPr>
-              <a:defRPr baseline="0">
-                <a:solidFill>
-                  <a:schemeClr val="tx2"/>
-                </a:solidFill>
-              </a:defRPr>
-            </a:lvl2pPr>
-            <a:lvl3pPr>
-              <a:defRPr baseline="0">
-                <a:solidFill>
-                  <a:schemeClr val="tx2"/>
-                </a:solidFill>
-              </a:defRPr>
-            </a:lvl3pPr>
-            <a:lvl4pPr>
-              <a:defRPr baseline="0">
-                <a:solidFill>
-                  <a:schemeClr val="tx2"/>
-                </a:solidFill>
-              </a:defRPr>
-            </a:lvl4pPr>
-            <a:lvl5pPr>
-              <a:defRPr baseline="0">
-                <a:solidFill>
-                  <a:schemeClr val="tx2"/>
-                </a:solidFill>
-              </a:defRPr>
-            </a:lvl5pPr>
-          </a:lstStyle>
+          <a:lstStyle/>
           <a:p>
             <a:pPr lvl="0"/>
             <a:r>
-              <a:rPr lang="nl-NL" smtClean="0"/>
-              <a:t>Klik om de modelstijlen te bewerken</a:t>
+              <a:rPr lang="nl-NL"/>
+              <a:t>Tekststijl van het model bewerken</a:t>
             </a:r>
           </a:p>
           <a:p>
             <a:pPr lvl="1"/>
             <a:r>
-              <a:rPr lang="nl-NL" smtClean="0"/>
+              <a:rPr lang="nl-NL"/>
               <a:t>Tweede niveau</a:t>
             </a:r>
           </a:p>
           <a:p>
             <a:pPr lvl="2"/>
             <a:r>
-              <a:rPr lang="nl-NL" smtClean="0"/>
+              <a:rPr lang="nl-NL"/>
               <a:t>Derde niveau</a:t>
             </a:r>
           </a:p>
           <a:p>
             <a:pPr lvl="3"/>
             <a:r>
-              <a:rPr lang="nl-NL" smtClean="0"/>
+              <a:rPr lang="nl-NL"/>
               <a:t>Vierde niveau</a:t>
             </a:r>
           </a:p>
           <a:p>
             <a:pPr lvl="4"/>
             <a:r>
-              <a:rPr lang="nl-NL" smtClean="0"/>
+              <a:rPr lang="nl-NL"/>
               <a:t>Vijfde niveau</a:t>
             </a:r>
-            <a:endParaRPr lang="en-US" dirty="0"/>
-          </a:p>
-        </p:txBody>
-      </p:sp>
-      <p:sp>
-        <p:nvSpPr>
-          <p:cNvPr id="7" name="Date Placeholder 6"/>
+          </a:p>
+        </p:txBody>
+      </p:sp>
+      <p:sp>
+        <p:nvSpPr>
+          <p:cNvPr id="7" name="Tijdelijke aanduiding voor datum 6">
+            <a:extLst>
+              <a:ext uri="{FF2B5EF4-FFF2-40B4-BE49-F238E27FC236}">
+                <a16:creationId xmlns:a16="http://schemas.microsoft.com/office/drawing/2014/main" id="{36705B71-0C2D-474A-B7F0-7C36D84E2C0F}"/>
+              </a:ext>
+            </a:extLst>
+          </p:cNvPr>
           <p:cNvSpPr>
             <a:spLocks noGrp="1"/>
           </p:cNvSpPr>
@@ -2133,7 +1839,13 @@
       </p:sp>
       <p:sp>
         <p:nvSpPr>
-          <p:cNvPr id="8" name="Footer Placeholder 7"/>
+          <p:cNvPr id="8" name="Tijdelijke aanduiding voor voettekst 7">
+            <a:extLst>
+              <a:ext uri="{FF2B5EF4-FFF2-40B4-BE49-F238E27FC236}">
+                <a16:creationId xmlns:a16="http://schemas.microsoft.com/office/drawing/2014/main" id="{891DDA48-45BC-4745-B684-AADAE0BC4952}"/>
+              </a:ext>
+            </a:extLst>
+          </p:cNvPr>
           <p:cNvSpPr>
             <a:spLocks noGrp="1"/>
           </p:cNvSpPr>
@@ -2152,7 +1864,13 @@
       </p:sp>
       <p:sp>
         <p:nvSpPr>
-          <p:cNvPr id="9" name="Slide Number Placeholder 8"/>
+          <p:cNvPr id="9" name="Tijdelijke aanduiding voor dianummer 8">
+            <a:extLst>
+              <a:ext uri="{FF2B5EF4-FFF2-40B4-BE49-F238E27FC236}">
+                <a16:creationId xmlns:a16="http://schemas.microsoft.com/office/drawing/2014/main" id="{FDEBC271-AFB3-4094-B3E9-FC1FA385CF3B}"/>
+              </a:ext>
+            </a:extLst>
+          </p:cNvPr>
           <p:cNvSpPr>
             <a:spLocks noGrp="1"/>
           </p:cNvSpPr>
@@ -2176,7 +1894,7 @@
     </p:spTree>
     <p:extLst>
       <p:ext uri="{BB962C8B-B14F-4D97-AF65-F5344CB8AC3E}">
-        <p14:creationId xmlns:p14="http://schemas.microsoft.com/office/powerpoint/2010/main" val="2145276894"/>
+        <p14:creationId xmlns:p14="http://schemas.microsoft.com/office/powerpoint/2010/main" val="129980178"/>
       </p:ext>
     </p:extLst>
   </p:cSld>
@@ -2205,7 +1923,13 @@
       </p:grpSpPr>
       <p:sp>
         <p:nvSpPr>
-          <p:cNvPr id="2" name="Title 1"/>
+          <p:cNvPr id="2" name="Titel 1">
+            <a:extLst>
+              <a:ext uri="{FF2B5EF4-FFF2-40B4-BE49-F238E27FC236}">
+                <a16:creationId xmlns:a16="http://schemas.microsoft.com/office/drawing/2014/main" id="{5666155E-E491-4F42-A85B-890467301D33}"/>
+              </a:ext>
+            </a:extLst>
+          </p:cNvPr>
           <p:cNvSpPr>
             <a:spLocks noGrp="1"/>
           </p:cNvSpPr>
@@ -2219,16 +1943,21 @@
           <a:lstStyle/>
           <a:p>
             <a:r>
-              <a:rPr lang="nl-NL" smtClean="0"/>
-              <a:t>Klik om de stijl te bewerken</a:t>
-            </a:r>
-            <a:endParaRPr lang="en-US" dirty="0"/>
-          </a:p>
-        </p:txBody>
-      </p:sp>
-      <p:sp>
-        <p:nvSpPr>
-          <p:cNvPr id="3" name="Date Placeholder 2"/>
+              <a:rPr lang="nl-NL"/>
+              <a:t>Klik om stijl te bewerken</a:t>
+            </a:r>
+          </a:p>
+        </p:txBody>
+      </p:sp>
+      <p:sp>
+        <p:nvSpPr>
+          <p:cNvPr id="3" name="Tijdelijke aanduiding voor datum 2">
+            <a:extLst>
+              <a:ext uri="{FF2B5EF4-FFF2-40B4-BE49-F238E27FC236}">
+                <a16:creationId xmlns:a16="http://schemas.microsoft.com/office/drawing/2014/main" id="{6A28AE96-02FC-4EC3-B230-610216E7671B}"/>
+              </a:ext>
+            </a:extLst>
+          </p:cNvPr>
           <p:cNvSpPr>
             <a:spLocks noGrp="1"/>
           </p:cNvSpPr>
@@ -2251,7 +1980,13 @@
       </p:sp>
       <p:sp>
         <p:nvSpPr>
-          <p:cNvPr id="4" name="Footer Placeholder 3"/>
+          <p:cNvPr id="4" name="Tijdelijke aanduiding voor voettekst 3">
+            <a:extLst>
+              <a:ext uri="{FF2B5EF4-FFF2-40B4-BE49-F238E27FC236}">
+                <a16:creationId xmlns:a16="http://schemas.microsoft.com/office/drawing/2014/main" id="{C131662E-24A6-45AB-8BC4-7CE4D6CAF2A4}"/>
+              </a:ext>
+            </a:extLst>
+          </p:cNvPr>
           <p:cNvSpPr>
             <a:spLocks noGrp="1"/>
           </p:cNvSpPr>
@@ -2270,7 +2005,13 @@
       </p:sp>
       <p:sp>
         <p:nvSpPr>
-          <p:cNvPr id="5" name="Slide Number Placeholder 4"/>
+          <p:cNvPr id="5" name="Tijdelijke aanduiding voor dianummer 4">
+            <a:extLst>
+              <a:ext uri="{FF2B5EF4-FFF2-40B4-BE49-F238E27FC236}">
+                <a16:creationId xmlns:a16="http://schemas.microsoft.com/office/drawing/2014/main" id="{86B353FD-474B-455D-9B3F-FDB16F12A7E4}"/>
+              </a:ext>
+            </a:extLst>
+          </p:cNvPr>
           <p:cNvSpPr>
             <a:spLocks noGrp="1"/>
           </p:cNvSpPr>
@@ -2294,7 +2035,7 @@
     </p:spTree>
     <p:extLst>
       <p:ext uri="{BB962C8B-B14F-4D97-AF65-F5344CB8AC3E}">
-        <p14:creationId xmlns:p14="http://schemas.microsoft.com/office/powerpoint/2010/main" val="1317726661"/>
+        <p14:creationId xmlns:p14="http://schemas.microsoft.com/office/powerpoint/2010/main" val="4066351794"/>
       </p:ext>
     </p:extLst>
   </p:cSld>
@@ -2323,7 +2064,13 @@
       </p:grpSpPr>
       <p:sp>
         <p:nvSpPr>
-          <p:cNvPr id="2" name="Date Placeholder 1"/>
+          <p:cNvPr id="2" name="Tijdelijke aanduiding voor datum 1">
+            <a:extLst>
+              <a:ext uri="{FF2B5EF4-FFF2-40B4-BE49-F238E27FC236}">
+                <a16:creationId xmlns:a16="http://schemas.microsoft.com/office/drawing/2014/main" id="{7EC4EDA1-DB50-4CBA-9092-6484713FBD8F}"/>
+              </a:ext>
+            </a:extLst>
+          </p:cNvPr>
           <p:cNvSpPr>
             <a:spLocks noGrp="1"/>
           </p:cNvSpPr>
@@ -2346,7 +2093,13 @@
       </p:sp>
       <p:sp>
         <p:nvSpPr>
-          <p:cNvPr id="3" name="Footer Placeholder 2"/>
+          <p:cNvPr id="3" name="Tijdelijke aanduiding voor voettekst 2">
+            <a:extLst>
+              <a:ext uri="{FF2B5EF4-FFF2-40B4-BE49-F238E27FC236}">
+                <a16:creationId xmlns:a16="http://schemas.microsoft.com/office/drawing/2014/main" id="{3E9780CC-7979-4D88-B856-2CA61D3365C8}"/>
+              </a:ext>
+            </a:extLst>
+          </p:cNvPr>
           <p:cNvSpPr>
             <a:spLocks noGrp="1"/>
           </p:cNvSpPr>
@@ -2365,7 +2118,13 @@
       </p:sp>
       <p:sp>
         <p:nvSpPr>
-          <p:cNvPr id="4" name="Slide Number Placeholder 3"/>
+          <p:cNvPr id="4" name="Tijdelijke aanduiding voor dianummer 3">
+            <a:extLst>
+              <a:ext uri="{FF2B5EF4-FFF2-40B4-BE49-F238E27FC236}">
+                <a16:creationId xmlns:a16="http://schemas.microsoft.com/office/drawing/2014/main" id="{B1A82F28-E28D-411A-B09E-B805E575E9F5}"/>
+              </a:ext>
+            </a:extLst>
+          </p:cNvPr>
           <p:cNvSpPr>
             <a:spLocks noGrp="1"/>
           </p:cNvSpPr>
@@ -2389,7 +2148,7 @@
     </p:spTree>
     <p:extLst>
       <p:ext uri="{BB962C8B-B14F-4D97-AF65-F5344CB8AC3E}">
-        <p14:creationId xmlns:p14="http://schemas.microsoft.com/office/powerpoint/2010/main" val="3466004844"/>
+        <p14:creationId xmlns:p14="http://schemas.microsoft.com/office/powerpoint/2010/main" val="2632897974"/>
       </p:ext>
     </p:extLst>
   </p:cSld>
@@ -2400,7 +2159,7 @@
 </file>
 
 <file path=ppt/slideLayouts/slideLayout8.xml><?xml version="1.0" encoding="utf-8"?>
-<p:sldLayout xmlns:a="http://schemas.openxmlformats.org/drawingml/2006/main" xmlns:r="http://schemas.openxmlformats.org/officeDocument/2006/relationships" xmlns:p="http://schemas.openxmlformats.org/presentationml/2006/main" showMasterSp="0" type="objTx" preserve="1">
+<p:sldLayout xmlns:a="http://schemas.openxmlformats.org/drawingml/2006/main" xmlns:r="http://schemas.openxmlformats.org/officeDocument/2006/relationships" xmlns:p="http://schemas.openxmlformats.org/presentationml/2006/main" type="objTx" preserve="1">
   <p:cSld name="Inhoud met bijschrift">
     <p:spTree>
       <p:nvGrpSpPr>
@@ -2418,197 +2177,157 @@
       </p:grpSpPr>
       <p:sp>
         <p:nvSpPr>
-          <p:cNvPr id="8" name="Rectangle 7" title="Background Shape"/>
-          <p:cNvSpPr/>
-          <p:nvPr/>
+          <p:cNvPr id="2" name="Titel 1">
+            <a:extLst>
+              <a:ext uri="{FF2B5EF4-FFF2-40B4-BE49-F238E27FC236}">
+                <a16:creationId xmlns:a16="http://schemas.microsoft.com/office/drawing/2014/main" id="{B9D3A193-D21E-4EED-BB2D-A4D68D92E0C9}"/>
+              </a:ext>
+            </a:extLst>
+          </p:cNvPr>
+          <p:cNvSpPr>
+            <a:spLocks noGrp="1"/>
+          </p:cNvSpPr>
+          <p:nvPr>
+            <p:ph type="title"/>
+          </p:nvPr>
         </p:nvSpPr>
         <p:spPr>
           <a:xfrm>
-            <a:off x="0" y="376"/>
-            <a:ext cx="5303520" cy="6857624"/>
+            <a:off x="839788" y="457200"/>
+            <a:ext cx="3932237" cy="1600200"/>
           </a:xfrm>
-          <a:prstGeom prst="rect">
-            <a:avLst/>
-          </a:prstGeom>
-          <a:solidFill>
-            <a:schemeClr val="accent1"/>
-          </a:solidFill>
-          <a:ln>
-            <a:noFill/>
-          </a:ln>
         </p:spPr>
-        <p:style>
-          <a:lnRef idx="2">
-            <a:schemeClr val="accent1">
-              <a:shade val="50000"/>
-            </a:schemeClr>
-          </a:lnRef>
-          <a:fillRef idx="1">
-            <a:schemeClr val="accent1"/>
-          </a:fillRef>
-          <a:effectRef idx="0">
-            <a:schemeClr val="accent1"/>
-          </a:effectRef>
-          <a:fontRef idx="minor">
-            <a:schemeClr val="lt1"/>
-          </a:fontRef>
-        </p:style>
-      </p:sp>
-      <p:sp>
-        <p:nvSpPr>
-          <p:cNvPr id="2" name="Title 1"/>
-          <p:cNvSpPr>
-            <a:spLocks noGrp="1"/>
-          </p:cNvSpPr>
-          <p:nvPr>
-            <p:ph type="title"/>
+        <p:txBody>
+          <a:bodyPr anchor="b"/>
+          <a:lstStyle>
+            <a:lvl1pPr>
+              <a:defRPr sz="3200"/>
+            </a:lvl1pPr>
+          </a:lstStyle>
+          <a:p>
+            <a:r>
+              <a:rPr lang="nl-NL"/>
+              <a:t>Klik om stijl te bewerken</a:t>
+            </a:r>
+          </a:p>
+        </p:txBody>
+      </p:sp>
+      <p:sp>
+        <p:nvSpPr>
+          <p:cNvPr id="3" name="Tijdelijke aanduiding voor inhoud 2">
+            <a:extLst>
+              <a:ext uri="{FF2B5EF4-FFF2-40B4-BE49-F238E27FC236}">
+                <a16:creationId xmlns:a16="http://schemas.microsoft.com/office/drawing/2014/main" id="{65512ADE-4E7B-4335-AD94-3A3DDD3EEDA5}"/>
+              </a:ext>
+            </a:extLst>
+          </p:cNvPr>
+          <p:cNvSpPr>
+            <a:spLocks noGrp="1"/>
+          </p:cNvSpPr>
+          <p:nvPr>
+            <p:ph idx="1"/>
           </p:nvPr>
         </p:nvSpPr>
         <p:spPr>
           <a:xfrm>
-            <a:off x="723900" y="685800"/>
-            <a:ext cx="3855720" cy="2157884"/>
+            <a:off x="5183188" y="987425"/>
+            <a:ext cx="6172200" cy="4873625"/>
           </a:xfrm>
         </p:spPr>
         <p:txBody>
-          <a:bodyPr anchor="t">
-            <a:noAutofit/>
-          </a:bodyPr>
+          <a:bodyPr/>
           <a:lstStyle>
             <a:lvl1pPr>
-              <a:lnSpc>
-                <a:spcPct val="84000"/>
-              </a:lnSpc>
-              <a:defRPr sz="4800" baseline="0">
-                <a:solidFill>
-                  <a:schemeClr val="tx2"/>
-                </a:solidFill>
-              </a:defRPr>
+              <a:defRPr sz="3200"/>
             </a:lvl1pPr>
+            <a:lvl2pPr>
+              <a:defRPr sz="2800"/>
+            </a:lvl2pPr>
+            <a:lvl3pPr>
+              <a:defRPr sz="2400"/>
+            </a:lvl3pPr>
+            <a:lvl4pPr>
+              <a:defRPr sz="2000"/>
+            </a:lvl4pPr>
+            <a:lvl5pPr>
+              <a:defRPr sz="2000"/>
+            </a:lvl5pPr>
+            <a:lvl6pPr>
+              <a:defRPr sz="2000"/>
+            </a:lvl6pPr>
+            <a:lvl7pPr>
+              <a:defRPr sz="2000"/>
+            </a:lvl7pPr>
+            <a:lvl8pPr>
+              <a:defRPr sz="2000"/>
+            </a:lvl8pPr>
+            <a:lvl9pPr>
+              <a:defRPr sz="2000"/>
+            </a:lvl9pPr>
           </a:lstStyle>
           <a:p>
-            <a:r>
-              <a:rPr lang="nl-NL" smtClean="0"/>
-              <a:t>Klik om de stijl te bewerken</a:t>
-            </a:r>
-            <a:endParaRPr lang="en-US" dirty="0"/>
-          </a:p>
-        </p:txBody>
-      </p:sp>
-      <p:sp>
-        <p:nvSpPr>
-          <p:cNvPr id="3" name="Content Placeholder 2"/>
-          <p:cNvSpPr>
-            <a:spLocks noGrp="1"/>
-          </p:cNvSpPr>
-          <p:nvPr>
-            <p:ph idx="1"/>
+            <a:pPr lvl="0"/>
+            <a:r>
+              <a:rPr lang="nl-NL"/>
+              <a:t>Tekststijl van het model bewerken</a:t>
+            </a:r>
+          </a:p>
+          <a:p>
+            <a:pPr lvl="1"/>
+            <a:r>
+              <a:rPr lang="nl-NL"/>
+              <a:t>Tweede niveau</a:t>
+            </a:r>
+          </a:p>
+          <a:p>
+            <a:pPr lvl="2"/>
+            <a:r>
+              <a:rPr lang="nl-NL"/>
+              <a:t>Derde niveau</a:t>
+            </a:r>
+          </a:p>
+          <a:p>
+            <a:pPr lvl="3"/>
+            <a:r>
+              <a:rPr lang="nl-NL"/>
+              <a:t>Vierde niveau</a:t>
+            </a:r>
+          </a:p>
+          <a:p>
+            <a:pPr lvl="4"/>
+            <a:r>
+              <a:rPr lang="nl-NL"/>
+              <a:t>Vijfde niveau</a:t>
+            </a:r>
+          </a:p>
+        </p:txBody>
+      </p:sp>
+      <p:sp>
+        <p:nvSpPr>
+          <p:cNvPr id="4" name="Tijdelijke aanduiding voor tekst 3">
+            <a:extLst>
+              <a:ext uri="{FF2B5EF4-FFF2-40B4-BE49-F238E27FC236}">
+                <a16:creationId xmlns:a16="http://schemas.microsoft.com/office/drawing/2014/main" id="{923207BF-85CD-4637-9F1E-E3E91B32EE03}"/>
+              </a:ext>
+            </a:extLst>
+          </p:cNvPr>
+          <p:cNvSpPr>
+            <a:spLocks noGrp="1"/>
+          </p:cNvSpPr>
+          <p:nvPr>
+            <p:ph type="body" sz="half" idx="2"/>
           </p:nvPr>
         </p:nvSpPr>
         <p:spPr>
           <a:xfrm>
-            <a:off x="6256020" y="685801"/>
-            <a:ext cx="5212080" cy="5175250"/>
+            <a:off x="839788" y="2057400"/>
+            <a:ext cx="3932237" cy="3811588"/>
           </a:xfrm>
         </p:spPr>
         <p:txBody>
           <a:bodyPr/>
           <a:lstStyle>
-            <a:lvl1pPr>
-              <a:defRPr sz="2000"/>
-            </a:lvl1pPr>
-            <a:lvl2pPr>
-              <a:defRPr sz="2000"/>
-            </a:lvl2pPr>
-            <a:lvl3pPr>
-              <a:defRPr sz="1800"/>
-            </a:lvl3pPr>
-            <a:lvl4pPr>
-              <a:defRPr sz="1800"/>
-            </a:lvl4pPr>
-            <a:lvl5pPr>
-              <a:defRPr sz="1600"/>
-            </a:lvl5pPr>
-            <a:lvl6pPr>
-              <a:defRPr sz="1600"/>
-            </a:lvl6pPr>
-            <a:lvl7pPr>
-              <a:defRPr sz="1600"/>
-            </a:lvl7pPr>
-            <a:lvl8pPr>
-              <a:defRPr sz="1600"/>
-            </a:lvl8pPr>
-            <a:lvl9pPr>
-              <a:defRPr sz="1600"/>
-            </a:lvl9pPr>
-          </a:lstStyle>
-          <a:p>
-            <a:pPr lvl="0"/>
-            <a:r>
-              <a:rPr lang="nl-NL" smtClean="0"/>
-              <a:t>Klik om de modelstijlen te bewerken</a:t>
-            </a:r>
-          </a:p>
-          <a:p>
-            <a:pPr lvl="1"/>
-            <a:r>
-              <a:rPr lang="nl-NL" smtClean="0"/>
-              <a:t>Tweede niveau</a:t>
-            </a:r>
-          </a:p>
-          <a:p>
-            <a:pPr lvl="2"/>
-            <a:r>
-              <a:rPr lang="nl-NL" smtClean="0"/>
-              <a:t>Derde niveau</a:t>
-            </a:r>
-          </a:p>
-          <a:p>
-            <a:pPr lvl="3"/>
-            <a:r>
-              <a:rPr lang="nl-NL" smtClean="0"/>
-              <a:t>Vierde niveau</a:t>
-            </a:r>
-          </a:p>
-          <a:p>
-            <a:pPr lvl="4"/>
-            <a:r>
-              <a:rPr lang="nl-NL" smtClean="0"/>
-              <a:t>Vijfde niveau</a:t>
-            </a:r>
-            <a:endParaRPr lang="en-US" dirty="0"/>
-          </a:p>
-        </p:txBody>
-      </p:sp>
-      <p:sp>
-        <p:nvSpPr>
-          <p:cNvPr id="4" name="Text Placeholder 3"/>
-          <p:cNvSpPr>
-            <a:spLocks noGrp="1"/>
-          </p:cNvSpPr>
-          <p:nvPr>
-            <p:ph type="body" sz="half" idx="2"/>
-          </p:nvPr>
-        </p:nvSpPr>
-        <p:spPr>
-          <a:xfrm>
-            <a:off x="723900" y="2856344"/>
-            <a:ext cx="3855720" cy="3011056"/>
-          </a:xfrm>
-        </p:spPr>
-        <p:txBody>
-          <a:bodyPr/>
-          <a:lstStyle>
             <a:lvl1pPr marL="0" indent="0">
-              <a:lnSpc>
-                <a:spcPct val="113000"/>
-              </a:lnSpc>
-              <a:spcBef>
-                <a:spcPts val="0"/>
-              </a:spcBef>
-              <a:spcAft>
-                <a:spcPts val="1500"/>
-              </a:spcAft>
               <a:buNone/>
               <a:defRPr sz="1600"/>
             </a:lvl1pPr>
@@ -2648,15 +2367,21 @@
           <a:p>
             <a:pPr lvl="0"/>
             <a:r>
-              <a:rPr lang="nl-NL" smtClean="0"/>
-              <a:t>Klik om de modelstijlen te bewerken</a:t>
-            </a:r>
-          </a:p>
-        </p:txBody>
-      </p:sp>
-      <p:sp>
-        <p:nvSpPr>
-          <p:cNvPr id="5" name="Date Placeholder 4"/>
+              <a:rPr lang="nl-NL"/>
+              <a:t>Tekststijl van het model bewerken</a:t>
+            </a:r>
+          </a:p>
+        </p:txBody>
+      </p:sp>
+      <p:sp>
+        <p:nvSpPr>
+          <p:cNvPr id="5" name="Tijdelijke aanduiding voor datum 4">
+            <a:extLst>
+              <a:ext uri="{FF2B5EF4-FFF2-40B4-BE49-F238E27FC236}">
+                <a16:creationId xmlns:a16="http://schemas.microsoft.com/office/drawing/2014/main" id="{12E31A7C-E6C8-45DE-B770-4790F268C171}"/>
+              </a:ext>
+            </a:extLst>
+          </p:cNvPr>
           <p:cNvSpPr>
             <a:spLocks noGrp="1"/>
           </p:cNvSpPr>
@@ -2664,23 +2389,10 @@
             <p:ph type="dt" sz="half" idx="10"/>
           </p:nvPr>
         </p:nvSpPr>
-        <p:spPr>
-          <a:xfrm>
-            <a:off x="723900" y="6453386"/>
-            <a:ext cx="1204572" cy="404614"/>
-          </a:xfrm>
-        </p:spPr>
-        <p:txBody>
-          <a:bodyPr/>
-          <a:lstStyle>
-            <a:lvl1pPr>
-              <a:defRPr>
-                <a:solidFill>
-                  <a:schemeClr val="tx2"/>
-                </a:solidFill>
-              </a:defRPr>
-            </a:lvl1pPr>
-          </a:lstStyle>
+        <p:spPr/>
+        <p:txBody>
+          <a:bodyPr/>
+          <a:lstStyle/>
           <a:p>
             <a:fld id="{E94D80B7-DD36-4185-980D-0CF2BC8D5235}" type="datetimeFigureOut">
               <a:rPr lang="nl-NL" smtClean="0"/>
@@ -2692,7 +2404,13 @@
       </p:sp>
       <p:sp>
         <p:nvSpPr>
-          <p:cNvPr id="6" name="Footer Placeholder 5"/>
+          <p:cNvPr id="6" name="Tijdelijke aanduiding voor voettekst 5">
+            <a:extLst>
+              <a:ext uri="{FF2B5EF4-FFF2-40B4-BE49-F238E27FC236}">
+                <a16:creationId xmlns:a16="http://schemas.microsoft.com/office/drawing/2014/main" id="{190E9E0B-A540-4776-96C0-9DD363358054}"/>
+              </a:ext>
+            </a:extLst>
+          </p:cNvPr>
           <p:cNvSpPr>
             <a:spLocks noGrp="1"/>
           </p:cNvSpPr>
@@ -2700,23 +2418,10 @@
             <p:ph type="ftr" sz="quarter" idx="11"/>
           </p:nvPr>
         </p:nvSpPr>
-        <p:spPr>
-          <a:xfrm>
-            <a:off x="2205945" y="6453386"/>
-            <a:ext cx="2373675" cy="404614"/>
-          </a:xfrm>
-        </p:spPr>
-        <p:txBody>
-          <a:bodyPr/>
-          <a:lstStyle>
-            <a:lvl1pPr>
-              <a:defRPr>
-                <a:solidFill>
-                  <a:schemeClr val="tx2"/>
-                </a:solidFill>
-              </a:defRPr>
-            </a:lvl1pPr>
-          </a:lstStyle>
+        <p:spPr/>
+        <p:txBody>
+          <a:bodyPr/>
+          <a:lstStyle/>
           <a:p>
             <a:endParaRPr lang="nl-NL"/>
           </a:p>
@@ -2724,7 +2429,13 @@
       </p:sp>
       <p:sp>
         <p:nvSpPr>
-          <p:cNvPr id="7" name="Slide Number Placeholder 6"/>
+          <p:cNvPr id="7" name="Tijdelijke aanduiding voor dianummer 6">
+            <a:extLst>
+              <a:ext uri="{FF2B5EF4-FFF2-40B4-BE49-F238E27FC236}">
+                <a16:creationId xmlns:a16="http://schemas.microsoft.com/office/drawing/2014/main" id="{9FF726EA-E35D-4838-9411-59FF246BDDFC}"/>
+              </a:ext>
+            </a:extLst>
+          </p:cNvPr>
           <p:cNvSpPr>
             <a:spLocks noGrp="1"/>
           </p:cNvSpPr>
@@ -2732,23 +2443,10 @@
             <p:ph type="sldNum" sz="quarter" idx="12"/>
           </p:nvPr>
         </p:nvSpPr>
-        <p:spPr>
-          <a:xfrm>
-            <a:off x="9883140" y="6453386"/>
-            <a:ext cx="1596292" cy="404614"/>
-          </a:xfrm>
-        </p:spPr>
-        <p:txBody>
-          <a:bodyPr/>
-          <a:lstStyle>
-            <a:lvl1pPr>
-              <a:defRPr>
-                <a:solidFill>
-                  <a:schemeClr val="tx2"/>
-                </a:solidFill>
-              </a:defRPr>
-            </a:lvl1pPr>
-          </a:lstStyle>
+        <p:spPr/>
+        <p:txBody>
+          <a:bodyPr/>
+          <a:lstStyle/>
           <a:p>
             <a:fld id="{57714807-5A50-4735-9DE7-3C247E9548A1}" type="slidenum">
               <a:rPr lang="nl-NL" smtClean="0"/>
@@ -2758,48 +2456,10 @@
           </a:p>
         </p:txBody>
       </p:sp>
-      <p:sp>
-        <p:nvSpPr>
-          <p:cNvPr id="9" name="Rectangle 8" title="Divider Bar"/>
-          <p:cNvSpPr/>
-          <p:nvPr/>
-        </p:nvSpPr>
-        <p:spPr>
-          <a:xfrm>
-            <a:off x="5303520" y="376"/>
-            <a:ext cx="228600" cy="6858000"/>
-          </a:xfrm>
-          <a:prstGeom prst="rect">
-            <a:avLst/>
-          </a:prstGeom>
-          <a:solidFill>
-            <a:schemeClr val="tx2"/>
-          </a:solidFill>
-          <a:ln>
-            <a:noFill/>
-          </a:ln>
-        </p:spPr>
-        <p:style>
-          <a:lnRef idx="2">
-            <a:schemeClr val="accent1">
-              <a:shade val="50000"/>
-            </a:schemeClr>
-          </a:lnRef>
-          <a:fillRef idx="1">
-            <a:schemeClr val="accent1"/>
-          </a:fillRef>
-          <a:effectRef idx="0">
-            <a:schemeClr val="accent1"/>
-          </a:effectRef>
-          <a:fontRef idx="minor">
-            <a:schemeClr val="lt1"/>
-          </a:fontRef>
-        </p:style>
-      </p:sp>
     </p:spTree>
     <p:extLst>
       <p:ext uri="{BB962C8B-B14F-4D97-AF65-F5344CB8AC3E}">
-        <p14:creationId xmlns:p14="http://schemas.microsoft.com/office/powerpoint/2010/main" val="636236920"/>
+        <p14:creationId xmlns:p14="http://schemas.microsoft.com/office/powerpoint/2010/main" val="4154509516"/>
       </p:ext>
     </p:extLst>
   </p:cSld>
@@ -2810,7 +2470,7 @@
 </file>
 
 <file path=ppt/slideLayouts/slideLayout9.xml><?xml version="1.0" encoding="utf-8"?>
-<p:sldLayout xmlns:a="http://schemas.openxmlformats.org/drawingml/2006/main" xmlns:r="http://schemas.openxmlformats.org/officeDocument/2006/relationships" xmlns:p="http://schemas.openxmlformats.org/presentationml/2006/main" showMasterSp="0" type="picTx" preserve="1">
+<p:sldLayout xmlns:a="http://schemas.openxmlformats.org/drawingml/2006/main" xmlns:r="http://schemas.openxmlformats.org/officeDocument/2006/relationships" xmlns:p="http://schemas.openxmlformats.org/presentationml/2006/main" type="picTx" preserve="1">
   <p:cSld name="Afbeelding met bijschrift">
     <p:spTree>
       <p:nvGrpSpPr>
@@ -2828,111 +2488,77 @@
       </p:grpSpPr>
       <p:sp>
         <p:nvSpPr>
-          <p:cNvPr id="8" name="Rectangle 7" title="Background Shape"/>
-          <p:cNvSpPr/>
-          <p:nvPr/>
+          <p:cNvPr id="2" name="Titel 1">
+            <a:extLst>
+              <a:ext uri="{FF2B5EF4-FFF2-40B4-BE49-F238E27FC236}">
+                <a16:creationId xmlns:a16="http://schemas.microsoft.com/office/drawing/2014/main" id="{A735A7FD-3F58-48FF-97CF-F8ED006343FA}"/>
+              </a:ext>
+            </a:extLst>
+          </p:cNvPr>
+          <p:cNvSpPr>
+            <a:spLocks noGrp="1"/>
+          </p:cNvSpPr>
+          <p:nvPr>
+            <p:ph type="title"/>
+          </p:nvPr>
         </p:nvSpPr>
         <p:spPr>
           <a:xfrm>
-            <a:off x="0" y="376"/>
-            <a:ext cx="5303520" cy="6857624"/>
+            <a:off x="839788" y="457200"/>
+            <a:ext cx="3932237" cy="1600200"/>
           </a:xfrm>
-          <a:prstGeom prst="rect">
-            <a:avLst/>
-          </a:prstGeom>
-          <a:solidFill>
-            <a:schemeClr val="accent1"/>
-          </a:solidFill>
-          <a:ln>
-            <a:noFill/>
-          </a:ln>
         </p:spPr>
-        <p:style>
-          <a:lnRef idx="2">
-            <a:schemeClr val="accent1">
-              <a:shade val="50000"/>
-            </a:schemeClr>
-          </a:lnRef>
-          <a:fillRef idx="1">
-            <a:schemeClr val="accent1"/>
-          </a:fillRef>
-          <a:effectRef idx="0">
-            <a:schemeClr val="accent1"/>
-          </a:effectRef>
-          <a:fontRef idx="minor">
-            <a:schemeClr val="lt1"/>
-          </a:fontRef>
-        </p:style>
-      </p:sp>
-      <p:sp>
-        <p:nvSpPr>
-          <p:cNvPr id="2" name="Title 1"/>
-          <p:cNvSpPr>
-            <a:spLocks noGrp="1"/>
-          </p:cNvSpPr>
-          <p:nvPr>
-            <p:ph type="title"/>
+        <p:txBody>
+          <a:bodyPr anchor="b"/>
+          <a:lstStyle>
+            <a:lvl1pPr>
+              <a:defRPr sz="3200"/>
+            </a:lvl1pPr>
+          </a:lstStyle>
+          <a:p>
+            <a:r>
+              <a:rPr lang="nl-NL"/>
+              <a:t>Klik om stijl te bewerken</a:t>
+            </a:r>
+          </a:p>
+        </p:txBody>
+      </p:sp>
+      <p:sp>
+        <p:nvSpPr>
+          <p:cNvPr id="3" name="Tijdelijke aanduiding voor afbeelding 2">
+            <a:extLst>
+              <a:ext uri="{FF2B5EF4-FFF2-40B4-BE49-F238E27FC236}">
+                <a16:creationId xmlns:a16="http://schemas.microsoft.com/office/drawing/2014/main" id="{5E92A0C7-2EE0-4FA9-B6D5-53E636B2871A}"/>
+              </a:ext>
+            </a:extLst>
+          </p:cNvPr>
+          <p:cNvSpPr>
+            <a:spLocks noGrp="1"/>
+          </p:cNvSpPr>
+          <p:nvPr>
+            <p:ph type="pic" idx="1"/>
           </p:nvPr>
         </p:nvSpPr>
         <p:spPr>
           <a:xfrm>
-            <a:off x="723900" y="685800"/>
-            <a:ext cx="3855720" cy="2157884"/>
+            <a:off x="5183188" y="987425"/>
+            <a:ext cx="6172200" cy="4873625"/>
           </a:xfrm>
         </p:spPr>
         <p:txBody>
-          <a:bodyPr anchor="t">
-            <a:normAutofit/>
-          </a:bodyPr>
-          <a:lstStyle>
-            <a:lvl1pPr>
-              <a:lnSpc>
-                <a:spcPct val="84000"/>
-              </a:lnSpc>
-              <a:defRPr sz="4800" baseline="0"/>
-            </a:lvl1pPr>
-          </a:lstStyle>
-          <a:p>
-            <a:r>
-              <a:rPr lang="nl-NL" smtClean="0"/>
-              <a:t>Klik om de stijl te bewerken</a:t>
-            </a:r>
-            <a:endParaRPr lang="en-US" dirty="0"/>
-          </a:p>
-        </p:txBody>
-      </p:sp>
-      <p:sp>
-        <p:nvSpPr>
-          <p:cNvPr id="3" name="Picture Placeholder 2"/>
-          <p:cNvSpPr>
-            <a:spLocks noGrp="1" noChangeAspect="1"/>
-          </p:cNvSpPr>
-          <p:nvPr>
-            <p:ph type="pic" idx="1"/>
-          </p:nvPr>
-        </p:nvSpPr>
-        <p:spPr>
-          <a:xfrm>
-            <a:off x="5532120" y="0"/>
-            <a:ext cx="6659880" cy="6857999"/>
-          </a:xfrm>
-        </p:spPr>
-        <p:txBody>
-          <a:bodyPr anchor="t">
-            <a:normAutofit/>
-          </a:bodyPr>
+          <a:bodyPr/>
           <a:lstStyle>
             <a:lvl1pPr marL="0" indent="0">
               <a:buNone/>
-              <a:defRPr sz="2000"/>
+              <a:defRPr sz="3200"/>
             </a:lvl1pPr>
             <a:lvl2pPr marL="457200" indent="0">
               <a:buNone/>
-              <a:defRPr sz="2000"/>
+              <a:defRPr sz="2800"/>
             </a:lvl2pPr>
             <a:lvl3pPr marL="914400" indent="0">
               <a:buNone/>
-              <a:defRPr sz="2000"/>
+              <a:defRPr sz="2400"/>
             </a:lvl3pPr>
             <a:lvl4pPr marL="1371600" indent="0">
               <a:buNone/>
@@ -2960,17 +2586,19 @@
             </a:lvl9pPr>
           </a:lstStyle>
           <a:p>
-            <a:r>
-              <a:rPr lang="nl-NL" smtClean="0"/>
-              <a:t>Klik op het pictogram als u een afbeelding wilt toevoegen</a:t>
-            </a:r>
-            <a:endParaRPr lang="en-US" dirty="0"/>
-          </a:p>
-        </p:txBody>
-      </p:sp>
-      <p:sp>
-        <p:nvSpPr>
-          <p:cNvPr id="4" name="Text Placeholder 3"/>
+            <a:endParaRPr lang="nl-NL"/>
+          </a:p>
+        </p:txBody>
+      </p:sp>
+      <p:sp>
+        <p:nvSpPr>
+          <p:cNvPr id="4" name="Tijdelijke aanduiding voor tekst 3">
+            <a:extLst>
+              <a:ext uri="{FF2B5EF4-FFF2-40B4-BE49-F238E27FC236}">
+                <a16:creationId xmlns:a16="http://schemas.microsoft.com/office/drawing/2014/main" id="{254004B9-938C-4E09-8C05-0D0147C5CD7C}"/>
+              </a:ext>
+            </a:extLst>
+          </p:cNvPr>
           <p:cNvSpPr>
             <a:spLocks noGrp="1"/>
           </p:cNvSpPr>
@@ -2980,23 +2608,14 @@
         </p:nvSpPr>
         <p:spPr>
           <a:xfrm>
-            <a:off x="723900" y="2855968"/>
-            <a:ext cx="3855720" cy="3011432"/>
+            <a:off x="839788" y="2057400"/>
+            <a:ext cx="3932237" cy="3811588"/>
           </a:xfrm>
         </p:spPr>
         <p:txBody>
           <a:bodyPr/>
           <a:lstStyle>
             <a:lvl1pPr marL="0" indent="0">
-              <a:lnSpc>
-                <a:spcPct val="113000"/>
-              </a:lnSpc>
-              <a:spcBef>
-                <a:spcPts val="0"/>
-              </a:spcBef>
-              <a:spcAft>
-                <a:spcPts val="1500"/>
-              </a:spcAft>
               <a:buNone/>
               <a:defRPr sz="1600"/>
             </a:lvl1pPr>
@@ -3036,15 +2655,21 @@
           <a:p>
             <a:pPr lvl="0"/>
             <a:r>
-              <a:rPr lang="nl-NL" smtClean="0"/>
-              <a:t>Klik om de modelstijlen te bewerken</a:t>
-            </a:r>
-          </a:p>
-        </p:txBody>
-      </p:sp>
-      <p:sp>
-        <p:nvSpPr>
-          <p:cNvPr id="5" name="Date Placeholder 4"/>
+              <a:rPr lang="nl-NL"/>
+              <a:t>Tekststijl van het model bewerken</a:t>
+            </a:r>
+          </a:p>
+        </p:txBody>
+      </p:sp>
+      <p:sp>
+        <p:nvSpPr>
+          <p:cNvPr id="5" name="Tijdelijke aanduiding voor datum 4">
+            <a:extLst>
+              <a:ext uri="{FF2B5EF4-FFF2-40B4-BE49-F238E27FC236}">
+                <a16:creationId xmlns:a16="http://schemas.microsoft.com/office/drawing/2014/main" id="{30F7C24D-D293-4408-90BF-847C5C94AAE7}"/>
+              </a:ext>
+            </a:extLst>
+          </p:cNvPr>
           <p:cNvSpPr>
             <a:spLocks noGrp="1"/>
           </p:cNvSpPr>
@@ -3052,23 +2677,10 @@
             <p:ph type="dt" sz="half" idx="10"/>
           </p:nvPr>
         </p:nvSpPr>
-        <p:spPr>
-          <a:xfrm>
-            <a:off x="723900" y="6453386"/>
-            <a:ext cx="1204572" cy="404614"/>
-          </a:xfrm>
-        </p:spPr>
-        <p:txBody>
-          <a:bodyPr/>
-          <a:lstStyle>
-            <a:lvl1pPr>
-              <a:defRPr>
-                <a:solidFill>
-                  <a:schemeClr val="tx2"/>
-                </a:solidFill>
-              </a:defRPr>
-            </a:lvl1pPr>
-          </a:lstStyle>
+        <p:spPr/>
+        <p:txBody>
+          <a:bodyPr/>
+          <a:lstStyle/>
           <a:p>
             <a:fld id="{E94D80B7-DD36-4185-980D-0CF2BC8D5235}" type="datetimeFigureOut">
               <a:rPr lang="nl-NL" smtClean="0"/>
@@ -3080,7 +2692,13 @@
       </p:sp>
       <p:sp>
         <p:nvSpPr>
-          <p:cNvPr id="6" name="Footer Placeholder 5"/>
+          <p:cNvPr id="6" name="Tijdelijke aanduiding voor voettekst 5">
+            <a:extLst>
+              <a:ext uri="{FF2B5EF4-FFF2-40B4-BE49-F238E27FC236}">
+                <a16:creationId xmlns:a16="http://schemas.microsoft.com/office/drawing/2014/main" id="{10534BD9-6FCF-4355-8143-AAA087C1D081}"/>
+              </a:ext>
+            </a:extLst>
+          </p:cNvPr>
           <p:cNvSpPr>
             <a:spLocks noGrp="1"/>
           </p:cNvSpPr>
@@ -3088,23 +2706,10 @@
             <p:ph type="ftr" sz="quarter" idx="11"/>
           </p:nvPr>
         </p:nvSpPr>
-        <p:spPr>
-          <a:xfrm>
-            <a:off x="2205945" y="6453386"/>
-            <a:ext cx="2373675" cy="404614"/>
-          </a:xfrm>
-        </p:spPr>
-        <p:txBody>
-          <a:bodyPr/>
-          <a:lstStyle>
-            <a:lvl1pPr>
-              <a:defRPr>
-                <a:solidFill>
-                  <a:schemeClr val="tx2"/>
-                </a:solidFill>
-              </a:defRPr>
-            </a:lvl1pPr>
-          </a:lstStyle>
+        <p:spPr/>
+        <p:txBody>
+          <a:bodyPr/>
+          <a:lstStyle/>
           <a:p>
             <a:endParaRPr lang="nl-NL"/>
           </a:p>
@@ -3112,7 +2717,13 @@
       </p:sp>
       <p:sp>
         <p:nvSpPr>
-          <p:cNvPr id="7" name="Slide Number Placeholder 6"/>
+          <p:cNvPr id="7" name="Tijdelijke aanduiding voor dianummer 6">
+            <a:extLst>
+              <a:ext uri="{FF2B5EF4-FFF2-40B4-BE49-F238E27FC236}">
+                <a16:creationId xmlns:a16="http://schemas.microsoft.com/office/drawing/2014/main" id="{25686F93-A717-4402-9BA4-4E1BF24D3006}"/>
+              </a:ext>
+            </a:extLst>
+          </p:cNvPr>
           <p:cNvSpPr>
             <a:spLocks noGrp="1"/>
           </p:cNvSpPr>
@@ -3120,23 +2731,10 @@
             <p:ph type="sldNum" sz="quarter" idx="12"/>
           </p:nvPr>
         </p:nvSpPr>
-        <p:spPr>
-          <a:xfrm>
-            <a:off x="9883140" y="6453386"/>
-            <a:ext cx="1596292" cy="404614"/>
-          </a:xfrm>
-        </p:spPr>
-        <p:txBody>
-          <a:bodyPr/>
-          <a:lstStyle>
-            <a:lvl1pPr>
-              <a:defRPr>
-                <a:solidFill>
-                  <a:schemeClr val="tx2"/>
-                </a:solidFill>
-              </a:defRPr>
-            </a:lvl1pPr>
-          </a:lstStyle>
+        <p:spPr/>
+        <p:txBody>
+          <a:bodyPr/>
+          <a:lstStyle/>
           <a:p>
             <a:fld id="{57714807-5A50-4735-9DE7-3C247E9548A1}" type="slidenum">
               <a:rPr lang="nl-NL" smtClean="0"/>
@@ -3146,48 +2744,10 @@
           </a:p>
         </p:txBody>
       </p:sp>
-      <p:sp>
-        <p:nvSpPr>
-          <p:cNvPr id="9" name="Rectangle 8" title="Divider Bar"/>
-          <p:cNvSpPr/>
-          <p:nvPr/>
-        </p:nvSpPr>
-        <p:spPr>
-          <a:xfrm>
-            <a:off x="5303520" y="376"/>
-            <a:ext cx="228600" cy="6858000"/>
-          </a:xfrm>
-          <a:prstGeom prst="rect">
-            <a:avLst/>
-          </a:prstGeom>
-          <a:solidFill>
-            <a:schemeClr val="tx2"/>
-          </a:solidFill>
-          <a:ln>
-            <a:noFill/>
-          </a:ln>
-        </p:spPr>
-        <p:style>
-          <a:lnRef idx="2">
-            <a:schemeClr val="accent1">
-              <a:shade val="50000"/>
-            </a:schemeClr>
-          </a:lnRef>
-          <a:fillRef idx="1">
-            <a:schemeClr val="accent1"/>
-          </a:fillRef>
-          <a:effectRef idx="0">
-            <a:schemeClr val="accent1"/>
-          </a:effectRef>
-          <a:fontRef idx="minor">
-            <a:schemeClr val="lt1"/>
-          </a:fontRef>
-        </p:style>
-      </p:sp>
     </p:spTree>
     <p:extLst>
       <p:ext uri="{BB962C8B-B14F-4D97-AF65-F5344CB8AC3E}">
-        <p14:creationId xmlns:p14="http://schemas.microsoft.com/office/powerpoint/2010/main" val="1645684386"/>
+        <p14:creationId xmlns:p14="http://schemas.microsoft.com/office/powerpoint/2010/main" val="2581458257"/>
       </p:ext>
     </p:extLst>
   </p:cSld>
@@ -3201,12 +2761,9 @@
 <p:sldMaster xmlns:a="http://schemas.openxmlformats.org/drawingml/2006/main" xmlns:r="http://schemas.openxmlformats.org/officeDocument/2006/relationships" xmlns:p="http://schemas.openxmlformats.org/presentationml/2006/main">
   <p:cSld>
     <p:bg>
-      <p:bgPr>
-        <a:solidFill>
-          <a:schemeClr val="bg2"/>
-        </a:solidFill>
-        <a:effectLst/>
-      </p:bgPr>
+      <p:bgRef idx="1001">
+        <a:schemeClr val="bg1"/>
+      </p:bgRef>
     </p:bg>
     <p:spTree>
       <p:nvGrpSpPr>
@@ -3224,7 +2781,13 @@
       </p:grpSpPr>
       <p:sp>
         <p:nvSpPr>
-          <p:cNvPr id="2" name="Title Placeholder 1"/>
+          <p:cNvPr id="2" name="Tijdelijke aanduiding voor titel 1">
+            <a:extLst>
+              <a:ext uri="{FF2B5EF4-FFF2-40B4-BE49-F238E27FC236}">
+                <a16:creationId xmlns:a16="http://schemas.microsoft.com/office/drawing/2014/main" id="{14A8E6A0-1CEC-453E-9F8B-39BF366FD93C}"/>
+              </a:ext>
+            </a:extLst>
+          </p:cNvPr>
           <p:cNvSpPr>
             <a:spLocks noGrp="1"/>
           </p:cNvSpPr>
@@ -3234,30 +2797,35 @@
         </p:nvSpPr>
         <p:spPr>
           <a:xfrm>
-            <a:off x="1371600" y="685800"/>
-            <a:ext cx="9601200" cy="1485900"/>
+            <a:off x="838200" y="365125"/>
+            <a:ext cx="10515600" cy="1325563"/>
           </a:xfrm>
           <a:prstGeom prst="rect">
             <a:avLst/>
           </a:prstGeom>
         </p:spPr>
         <p:txBody>
-          <a:bodyPr vert="horz" lIns="91440" tIns="45720" rIns="91440" bIns="45720" rtlCol="0" anchor="t">
+          <a:bodyPr vert="horz" lIns="91440" tIns="45720" rIns="91440" bIns="45720" rtlCol="0" anchor="ctr">
             <a:normAutofit/>
           </a:bodyPr>
           <a:lstStyle/>
           <a:p>
             <a:r>
-              <a:rPr lang="nl-NL" smtClean="0"/>
-              <a:t>Klik om de stijl te bewerken</a:t>
-            </a:r>
-            <a:endParaRPr lang="en-US" dirty="0"/>
-          </a:p>
-        </p:txBody>
-      </p:sp>
-      <p:sp>
-        <p:nvSpPr>
-          <p:cNvPr id="3" name="Text Placeholder 2"/>
+              <a:rPr lang="nl-NL"/>
+              <a:t>Klik om stijl te bewerken</a:t>
+            </a:r>
+          </a:p>
+        </p:txBody>
+      </p:sp>
+      <p:sp>
+        <p:nvSpPr>
+          <p:cNvPr id="3" name="Tijdelijke aanduiding voor tekst 2">
+            <a:extLst>
+              <a:ext uri="{FF2B5EF4-FFF2-40B4-BE49-F238E27FC236}">
+                <a16:creationId xmlns:a16="http://schemas.microsoft.com/office/drawing/2014/main" id="{A9386A17-55A4-4259-BECA-D7551885FE15}"/>
+              </a:ext>
+            </a:extLst>
+          </p:cNvPr>
           <p:cNvSpPr>
             <a:spLocks noGrp="1"/>
           </p:cNvSpPr>
@@ -3267,8 +2835,8 @@
         </p:nvSpPr>
         <p:spPr>
           <a:xfrm>
-            <a:off x="1371600" y="2286000"/>
-            <a:ext cx="9601200" cy="3581400"/>
+            <a:off x="838200" y="1825625"/>
+            <a:ext cx="10515600" cy="4351338"/>
           </a:xfrm>
           <a:prstGeom prst="rect">
             <a:avLst/>
@@ -3282,44 +2850,49 @@
           <a:p>
             <a:pPr lvl="0"/>
             <a:r>
-              <a:rPr lang="nl-NL" smtClean="0"/>
-              <a:t>Klik om de modelstijlen te bewerken</a:t>
+              <a:rPr lang="nl-NL"/>
+              <a:t>Tekststijl van het model bewerken</a:t>
             </a:r>
           </a:p>
           <a:p>
             <a:pPr lvl="1"/>
             <a:r>
-              <a:rPr lang="nl-NL" smtClean="0"/>
+              <a:rPr lang="nl-NL"/>
               <a:t>Tweede niveau</a:t>
             </a:r>
           </a:p>
           <a:p>
             <a:pPr lvl="2"/>
             <a:r>
-              <a:rPr lang="nl-NL" smtClean="0"/>
+              <a:rPr lang="nl-NL"/>
               <a:t>Derde niveau</a:t>
             </a:r>
           </a:p>
           <a:p>
             <a:pPr lvl="3"/>
             <a:r>
-              <a:rPr lang="nl-NL" smtClean="0"/>
+              <a:rPr lang="nl-NL"/>
               <a:t>Vierde niveau</a:t>
             </a:r>
           </a:p>
           <a:p>
             <a:pPr lvl="4"/>
             <a:r>
-              <a:rPr lang="nl-NL" smtClean="0"/>
+              <a:rPr lang="nl-NL"/>
               <a:t>Vijfde niveau</a:t>
             </a:r>
-            <a:endParaRPr lang="en-US" dirty="0"/>
-          </a:p>
-        </p:txBody>
-      </p:sp>
-      <p:sp>
-        <p:nvSpPr>
-          <p:cNvPr id="4" name="Date Placeholder 3"/>
+          </a:p>
+        </p:txBody>
+      </p:sp>
+      <p:sp>
+        <p:nvSpPr>
+          <p:cNvPr id="4" name="Tijdelijke aanduiding voor datum 3">
+            <a:extLst>
+              <a:ext uri="{FF2B5EF4-FFF2-40B4-BE49-F238E27FC236}">
+                <a16:creationId xmlns:a16="http://schemas.microsoft.com/office/drawing/2014/main" id="{FFD0E300-651D-4185-BD21-276569586223}"/>
+              </a:ext>
+            </a:extLst>
+          </p:cNvPr>
           <p:cNvSpPr>
             <a:spLocks noGrp="1"/>
           </p:cNvSpPr>
@@ -3329,8 +2902,8 @@
         </p:nvSpPr>
         <p:spPr>
           <a:xfrm>
-            <a:off x="1390650" y="6453386"/>
-            <a:ext cx="1204572" cy="404614"/>
+            <a:off x="838200" y="6356350"/>
+            <a:ext cx="2743200" cy="365125"/>
           </a:xfrm>
           <a:prstGeom prst="rect">
             <a:avLst/>
@@ -3340,9 +2913,11 @@
           <a:bodyPr vert="horz" lIns="91440" tIns="45720" rIns="91440" bIns="45720" rtlCol="0" anchor="ctr"/>
           <a:lstStyle>
             <a:lvl1pPr algn="l">
-              <a:defRPr sz="1200" baseline="0">
+              <a:defRPr sz="1200">
                 <a:solidFill>
-                  <a:schemeClr val="tx2"/>
+                  <a:schemeClr val="tx1">
+                    <a:tint val="75000"/>
+                  </a:schemeClr>
                 </a:solidFill>
               </a:defRPr>
             </a:lvl1pPr>
@@ -3358,7 +2933,13 @@
       </p:sp>
       <p:sp>
         <p:nvSpPr>
-          <p:cNvPr id="5" name="Footer Placeholder 4"/>
+          <p:cNvPr id="5" name="Tijdelijke aanduiding voor voettekst 4">
+            <a:extLst>
+              <a:ext uri="{FF2B5EF4-FFF2-40B4-BE49-F238E27FC236}">
+                <a16:creationId xmlns:a16="http://schemas.microsoft.com/office/drawing/2014/main" id="{ACD2C206-AD0A-4A1E-A401-5B16B7C59080}"/>
+              </a:ext>
+            </a:extLst>
+          </p:cNvPr>
           <p:cNvSpPr>
             <a:spLocks noGrp="1"/>
           </p:cNvSpPr>
@@ -3368,8 +2949,8 @@
         </p:nvSpPr>
         <p:spPr>
           <a:xfrm>
-            <a:off x="2893564" y="6453386"/>
-            <a:ext cx="6280830" cy="404614"/>
+            <a:off x="4038600" y="6356350"/>
+            <a:ext cx="4114800" cy="365125"/>
           </a:xfrm>
           <a:prstGeom prst="rect">
             <a:avLst/>
@@ -3378,10 +2959,12 @@
         <p:txBody>
           <a:bodyPr vert="horz" lIns="91440" tIns="45720" rIns="91440" bIns="45720" rtlCol="0" anchor="ctr"/>
           <a:lstStyle>
-            <a:lvl1pPr algn="l">
-              <a:defRPr sz="1200" baseline="0">
+            <a:lvl1pPr algn="ctr">
+              <a:defRPr sz="1200">
                 <a:solidFill>
-                  <a:schemeClr val="tx2"/>
+                  <a:schemeClr val="tx1">
+                    <a:tint val="75000"/>
+                  </a:schemeClr>
                 </a:solidFill>
               </a:defRPr>
             </a:lvl1pPr>
@@ -3393,7 +2976,13 @@
       </p:sp>
       <p:sp>
         <p:nvSpPr>
-          <p:cNvPr id="6" name="Slide Number Placeholder 5"/>
+          <p:cNvPr id="6" name="Tijdelijke aanduiding voor dianummer 5">
+            <a:extLst>
+              <a:ext uri="{FF2B5EF4-FFF2-40B4-BE49-F238E27FC236}">
+                <a16:creationId xmlns:a16="http://schemas.microsoft.com/office/drawing/2014/main" id="{87D45FB4-7E28-45B8-9A2F-821DD5350D09}"/>
+              </a:ext>
+            </a:extLst>
+          </p:cNvPr>
           <p:cNvSpPr>
             <a:spLocks noGrp="1"/>
           </p:cNvSpPr>
@@ -3403,8 +2992,8 @@
         </p:nvSpPr>
         <p:spPr>
           <a:xfrm>
-            <a:off x="9472736" y="6453386"/>
-            <a:ext cx="1596292" cy="404614"/>
+            <a:off x="8610600" y="6356350"/>
+            <a:ext cx="2743200" cy="365125"/>
           </a:xfrm>
           <a:prstGeom prst="rect">
             <a:avLst/>
@@ -3414,9 +3003,11 @@
           <a:bodyPr vert="horz" lIns="91440" tIns="45720" rIns="91440" bIns="45720" rtlCol="0" anchor="ctr"/>
           <a:lstStyle>
             <a:lvl1pPr algn="r">
-              <a:defRPr sz="1200" baseline="0">
+              <a:defRPr sz="1200">
                 <a:solidFill>
-                  <a:schemeClr val="tx2"/>
+                  <a:schemeClr val="tx1">
+                    <a:tint val="75000"/>
+                  </a:schemeClr>
                 </a:solidFill>
               </a:defRPr>
             </a:lvl1pPr>
@@ -3430,78 +3021,40 @@
           </a:p>
         </p:txBody>
       </p:sp>
-      <p:sp>
-        <p:nvSpPr>
-          <p:cNvPr id="9" name="Rectangle 8" title="Side bar"/>
-          <p:cNvSpPr/>
-          <p:nvPr/>
-        </p:nvSpPr>
-        <p:spPr>
-          <a:xfrm>
-            <a:off x="478095" y="376"/>
-            <a:ext cx="228600" cy="6858000"/>
-          </a:xfrm>
-          <a:prstGeom prst="rect">
-            <a:avLst/>
-          </a:prstGeom>
-          <a:solidFill>
-            <a:schemeClr val="tx2"/>
-          </a:solidFill>
-          <a:ln>
-            <a:noFill/>
-          </a:ln>
-        </p:spPr>
-        <p:style>
-          <a:lnRef idx="2">
-            <a:schemeClr val="accent1">
-              <a:shade val="50000"/>
-            </a:schemeClr>
-          </a:lnRef>
-          <a:fillRef idx="1">
-            <a:schemeClr val="accent1"/>
-          </a:fillRef>
-          <a:effectRef idx="0">
-            <a:schemeClr val="accent1"/>
-          </a:effectRef>
-          <a:fontRef idx="minor">
-            <a:schemeClr val="lt1"/>
-          </a:fontRef>
-        </p:style>
-      </p:sp>
     </p:spTree>
     <p:extLst>
       <p:ext uri="{BB962C8B-B14F-4D97-AF65-F5344CB8AC3E}">
-        <p14:creationId xmlns:p14="http://schemas.microsoft.com/office/powerpoint/2010/main" val="1435604424"/>
+        <p14:creationId xmlns:p14="http://schemas.microsoft.com/office/powerpoint/2010/main" val="1627768972"/>
       </p:ext>
     </p:extLst>
   </p:cSld>
   <p:clrMap bg1="lt1" tx1="dk1" bg2="lt2" tx2="dk2" accent1="accent1" accent2="accent2" accent3="accent3" accent4="accent4" accent5="accent5" accent6="accent6" hlink="hlink" folHlink="folHlink"/>
   <p:sldLayoutIdLst>
-    <p:sldLayoutId id="2147483719" r:id="rId1"/>
-    <p:sldLayoutId id="2147483720" r:id="rId2"/>
-    <p:sldLayoutId id="2147483721" r:id="rId3"/>
-    <p:sldLayoutId id="2147483722" r:id="rId4"/>
-    <p:sldLayoutId id="2147483723" r:id="rId5"/>
-    <p:sldLayoutId id="2147483724" r:id="rId6"/>
-    <p:sldLayoutId id="2147483725" r:id="rId7"/>
-    <p:sldLayoutId id="2147483726" r:id="rId8"/>
-    <p:sldLayoutId id="2147483727" r:id="rId9"/>
-    <p:sldLayoutId id="2147483728" r:id="rId10"/>
-    <p:sldLayoutId id="2147483729" r:id="rId11"/>
+    <p:sldLayoutId id="2147483731" r:id="rId1"/>
+    <p:sldLayoutId id="2147483732" r:id="rId2"/>
+    <p:sldLayoutId id="2147483733" r:id="rId3"/>
+    <p:sldLayoutId id="2147483734" r:id="rId4"/>
+    <p:sldLayoutId id="2147483735" r:id="rId5"/>
+    <p:sldLayoutId id="2147483736" r:id="rId6"/>
+    <p:sldLayoutId id="2147483737" r:id="rId7"/>
+    <p:sldLayoutId id="2147483738" r:id="rId8"/>
+    <p:sldLayoutId id="2147483739" r:id="rId9"/>
+    <p:sldLayoutId id="2147483740" r:id="rId10"/>
+    <p:sldLayoutId id="2147483741" r:id="rId11"/>
   </p:sldLayoutIdLst>
   <p:txStyles>
     <p:titleStyle>
       <a:lvl1pPr algn="l" defTabSz="914400" rtl="0" eaLnBrk="1" latinLnBrk="0" hangingPunct="1">
         <a:lnSpc>
-          <a:spcPct val="89000"/>
+          <a:spcPct val="90000"/>
         </a:lnSpc>
         <a:spcBef>
           <a:spcPct val="0"/>
         </a:spcBef>
         <a:buNone/>
-        <a:defRPr sz="4400" kern="1200" baseline="0">
+        <a:defRPr sz="4400" kern="1200">
           <a:solidFill>
-            <a:schemeClr val="tx2"/>
+            <a:schemeClr val="tx1"/>
           </a:solidFill>
           <a:latin typeface="+mj-lt"/>
           <a:ea typeface="+mj-ea"/>
@@ -3510,189 +3063,162 @@
       </a:lvl1pPr>
     </p:titleStyle>
     <p:bodyStyle>
-      <a:lvl1pPr marL="384048" indent="-384048" algn="l" defTabSz="914400" rtl="0" eaLnBrk="1" latinLnBrk="0" hangingPunct="1">
+      <a:lvl1pPr marL="228600" indent="-228600" algn="l" defTabSz="914400" rtl="0" eaLnBrk="1" latinLnBrk="0" hangingPunct="1">
         <a:lnSpc>
-          <a:spcPct val="94000"/>
+          <a:spcPct val="90000"/>
         </a:lnSpc>
         <a:spcBef>
           <a:spcPts val="1000"/>
         </a:spcBef>
-        <a:spcAft>
-          <a:spcPts val="200"/>
-        </a:spcAft>
-        <a:buFont typeface="Franklin Gothic Book" panose="020B0503020102020204" pitchFamily="34" charset="0"/>
-        <a:buChar char="■"/>
-        <a:defRPr sz="2000" kern="1200" baseline="0">
+        <a:buFont typeface="Arial" panose="020B0604020202020204" pitchFamily="34" charset="0"/>
+        <a:buChar char="•"/>
+        <a:defRPr sz="2800" kern="1200">
           <a:solidFill>
-            <a:schemeClr val="tx2"/>
+            <a:schemeClr val="tx1"/>
           </a:solidFill>
           <a:latin typeface="+mn-lt"/>
           <a:ea typeface="+mn-ea"/>
           <a:cs typeface="+mn-cs"/>
         </a:defRPr>
       </a:lvl1pPr>
-      <a:lvl2pPr marL="914400" indent="-384048" algn="l" defTabSz="914400" rtl="0" eaLnBrk="1" latinLnBrk="0" hangingPunct="1">
+      <a:lvl2pPr marL="685800" indent="-228600" algn="l" defTabSz="914400" rtl="0" eaLnBrk="1" latinLnBrk="0" hangingPunct="1">
         <a:lnSpc>
-          <a:spcPct val="94000"/>
+          <a:spcPct val="90000"/>
         </a:lnSpc>
         <a:spcBef>
           <a:spcPts val="500"/>
         </a:spcBef>
-        <a:spcAft>
-          <a:spcPts val="200"/>
-        </a:spcAft>
-        <a:buFont typeface="Franklin Gothic Book" panose="020B0503020102020204" pitchFamily="34" charset="0"/>
-        <a:buChar char="–"/>
-        <a:defRPr sz="2000" i="1" kern="1200" baseline="0">
+        <a:buFont typeface="Arial" panose="020B0604020202020204" pitchFamily="34" charset="0"/>
+        <a:buChar char="•"/>
+        <a:defRPr sz="2400" kern="1200">
           <a:solidFill>
-            <a:schemeClr val="tx2"/>
+            <a:schemeClr val="tx1"/>
           </a:solidFill>
           <a:latin typeface="+mn-lt"/>
           <a:ea typeface="+mn-ea"/>
           <a:cs typeface="+mn-cs"/>
         </a:defRPr>
       </a:lvl2pPr>
-      <a:lvl3pPr marL="1371600" indent="-384048" algn="l" defTabSz="914400" rtl="0" eaLnBrk="1" latinLnBrk="0" hangingPunct="1">
+      <a:lvl3pPr marL="1143000" indent="-228600" algn="l" defTabSz="914400" rtl="0" eaLnBrk="1" latinLnBrk="0" hangingPunct="1">
         <a:lnSpc>
-          <a:spcPct val="94000"/>
+          <a:spcPct val="90000"/>
         </a:lnSpc>
         <a:spcBef>
           <a:spcPts val="500"/>
         </a:spcBef>
-        <a:spcAft>
-          <a:spcPts val="200"/>
-        </a:spcAft>
-        <a:buFont typeface="Franklin Gothic Book" panose="020B0503020102020204" pitchFamily="34" charset="0"/>
-        <a:buChar char="■"/>
-        <a:defRPr sz="1800" kern="1200" baseline="0">
+        <a:buFont typeface="Arial" panose="020B0604020202020204" pitchFamily="34" charset="0"/>
+        <a:buChar char="•"/>
+        <a:defRPr sz="2000" kern="1200">
           <a:solidFill>
-            <a:schemeClr val="tx2"/>
+            <a:schemeClr val="tx1"/>
           </a:solidFill>
           <a:latin typeface="+mn-lt"/>
           <a:ea typeface="+mn-ea"/>
           <a:cs typeface="+mn-cs"/>
         </a:defRPr>
       </a:lvl3pPr>
-      <a:lvl4pPr marL="1828800" indent="-384048" algn="l" defTabSz="914400" rtl="0" eaLnBrk="1" latinLnBrk="0" hangingPunct="1">
+      <a:lvl4pPr marL="1600200" indent="-228600" algn="l" defTabSz="914400" rtl="0" eaLnBrk="1" latinLnBrk="0" hangingPunct="1">
         <a:lnSpc>
-          <a:spcPct val="94000"/>
+          <a:spcPct val="90000"/>
         </a:lnSpc>
         <a:spcBef>
           <a:spcPts val="500"/>
         </a:spcBef>
-        <a:spcAft>
-          <a:spcPts val="200"/>
-        </a:spcAft>
-        <a:buFont typeface="Franklin Gothic Book" panose="020B0503020102020204" pitchFamily="34" charset="0"/>
-        <a:buChar char="–"/>
-        <a:defRPr sz="1800" i="1" kern="1200" baseline="0">
+        <a:buFont typeface="Arial" panose="020B0604020202020204" pitchFamily="34" charset="0"/>
+        <a:buChar char="•"/>
+        <a:defRPr sz="1800" kern="1200">
           <a:solidFill>
-            <a:schemeClr val="tx2"/>
+            <a:schemeClr val="tx1"/>
           </a:solidFill>
           <a:latin typeface="+mn-lt"/>
           <a:ea typeface="+mn-ea"/>
           <a:cs typeface="+mn-cs"/>
         </a:defRPr>
       </a:lvl4pPr>
-      <a:lvl5pPr marL="2286000" indent="-384048" algn="l" defTabSz="914400" rtl="0" eaLnBrk="1" latinLnBrk="0" hangingPunct="1">
+      <a:lvl5pPr marL="2057400" indent="-228600" algn="l" defTabSz="914400" rtl="0" eaLnBrk="1" latinLnBrk="0" hangingPunct="1">
         <a:lnSpc>
-          <a:spcPct val="94000"/>
+          <a:spcPct val="90000"/>
         </a:lnSpc>
         <a:spcBef>
           <a:spcPts val="500"/>
         </a:spcBef>
-        <a:spcAft>
-          <a:spcPts val="200"/>
-        </a:spcAft>
-        <a:buFont typeface="Franklin Gothic Book" panose="020B0503020102020204" pitchFamily="34" charset="0"/>
-        <a:buChar char="■"/>
-        <a:defRPr sz="1600" kern="1200" baseline="0">
+        <a:buFont typeface="Arial" panose="020B0604020202020204" pitchFamily="34" charset="0"/>
+        <a:buChar char="•"/>
+        <a:defRPr sz="1800" kern="1200">
           <a:solidFill>
-            <a:schemeClr val="tx2"/>
+            <a:schemeClr val="tx1"/>
           </a:solidFill>
           <a:latin typeface="+mn-lt"/>
           <a:ea typeface="+mn-ea"/>
           <a:cs typeface="+mn-cs"/>
         </a:defRPr>
       </a:lvl5pPr>
-      <a:lvl6pPr marL="2743200" indent="-384048" algn="l" defTabSz="914400" rtl="0" eaLnBrk="1" latinLnBrk="0" hangingPunct="1">
+      <a:lvl6pPr marL="2514600" indent="-228600" algn="l" defTabSz="914400" rtl="0" eaLnBrk="1" latinLnBrk="0" hangingPunct="1">
         <a:lnSpc>
-          <a:spcPct val="94000"/>
+          <a:spcPct val="90000"/>
         </a:lnSpc>
         <a:spcBef>
           <a:spcPts val="500"/>
         </a:spcBef>
-        <a:spcAft>
-          <a:spcPts val="200"/>
-        </a:spcAft>
-        <a:buFont typeface="Franklin Gothic Book" panose="020B0503020102020204" pitchFamily="34" charset="0"/>
-        <a:buChar char="–"/>
-        <a:defRPr sz="1600" i="1" kern="1200" baseline="0">
+        <a:buFont typeface="Arial" panose="020B0604020202020204" pitchFamily="34" charset="0"/>
+        <a:buChar char="•"/>
+        <a:defRPr sz="1800" kern="1200">
           <a:solidFill>
-            <a:schemeClr val="tx2"/>
+            <a:schemeClr val="tx1"/>
           </a:solidFill>
           <a:latin typeface="+mn-lt"/>
           <a:ea typeface="+mn-ea"/>
           <a:cs typeface="+mn-cs"/>
         </a:defRPr>
       </a:lvl6pPr>
-      <a:lvl7pPr marL="3200400" indent="-384048" algn="l" defTabSz="914400" rtl="0" eaLnBrk="1" latinLnBrk="0" hangingPunct="1">
+      <a:lvl7pPr marL="2971800" indent="-228600" algn="l" defTabSz="914400" rtl="0" eaLnBrk="1" latinLnBrk="0" hangingPunct="1">
         <a:lnSpc>
-          <a:spcPct val="94000"/>
+          <a:spcPct val="90000"/>
         </a:lnSpc>
         <a:spcBef>
           <a:spcPts val="500"/>
         </a:spcBef>
-        <a:spcAft>
-          <a:spcPts val="200"/>
-        </a:spcAft>
-        <a:buFont typeface="Franklin Gothic Book" panose="020B0503020102020204" pitchFamily="34" charset="0"/>
-        <a:buChar char="■"/>
-        <a:defRPr sz="1400" kern="1200" baseline="0">
+        <a:buFont typeface="Arial" panose="020B0604020202020204" pitchFamily="34" charset="0"/>
+        <a:buChar char="•"/>
+        <a:defRPr sz="1800" kern="1200">
           <a:solidFill>
-            <a:schemeClr val="tx2"/>
+            <a:schemeClr val="tx1"/>
           </a:solidFill>
           <a:latin typeface="+mn-lt"/>
           <a:ea typeface="+mn-ea"/>
           <a:cs typeface="+mn-cs"/>
         </a:defRPr>
       </a:lvl7pPr>
-      <a:lvl8pPr marL="3657600" indent="-384048" algn="l" defTabSz="914400" rtl="0" eaLnBrk="1" latinLnBrk="0" hangingPunct="1">
+      <a:lvl8pPr marL="3429000" indent="-228600" algn="l" defTabSz="914400" rtl="0" eaLnBrk="1" latinLnBrk="0" hangingPunct="1">
         <a:lnSpc>
-          <a:spcPct val="94000"/>
+          <a:spcPct val="90000"/>
         </a:lnSpc>
         <a:spcBef>
           <a:spcPts val="500"/>
         </a:spcBef>
-        <a:spcAft>
-          <a:spcPts val="200"/>
-        </a:spcAft>
-        <a:buFont typeface="Franklin Gothic Book" panose="020B0503020102020204" pitchFamily="34" charset="0"/>
-        <a:buChar char="–"/>
-        <a:defRPr sz="1400" i="1" kern="1200" baseline="0">
+        <a:buFont typeface="Arial" panose="020B0604020202020204" pitchFamily="34" charset="0"/>
+        <a:buChar char="•"/>
+        <a:defRPr sz="1800" kern="1200">
           <a:solidFill>
-            <a:schemeClr val="tx2"/>
+            <a:schemeClr val="tx1"/>
           </a:solidFill>
           <a:latin typeface="+mn-lt"/>
           <a:ea typeface="+mn-ea"/>
           <a:cs typeface="+mn-cs"/>
         </a:defRPr>
       </a:lvl8pPr>
-      <a:lvl9pPr marL="4114800" indent="-384048" algn="l" defTabSz="914400" rtl="0" eaLnBrk="1" latinLnBrk="0" hangingPunct="1">
+      <a:lvl9pPr marL="3886200" indent="-228600" algn="l" defTabSz="914400" rtl="0" eaLnBrk="1" latinLnBrk="0" hangingPunct="1">
         <a:lnSpc>
-          <a:spcPct val="94000"/>
+          <a:spcPct val="90000"/>
         </a:lnSpc>
         <a:spcBef>
           <a:spcPts val="500"/>
         </a:spcBef>
-        <a:spcAft>
-          <a:spcPts val="200"/>
-        </a:spcAft>
-        <a:buFont typeface="Franklin Gothic Book" panose="020B0503020102020204" pitchFamily="34" charset="0"/>
-        <a:buChar char="■"/>
-        <a:defRPr sz="1400" kern="1200" baseline="0">
+        <a:buFont typeface="Arial" panose="020B0604020202020204" pitchFamily="34" charset="0"/>
+        <a:buChar char="•"/>
+        <a:defRPr sz="1800" kern="1200">
           <a:solidFill>
-            <a:schemeClr val="tx2"/>
+            <a:schemeClr val="tx1"/>
           </a:solidFill>
           <a:latin typeface="+mn-lt"/>
           <a:ea typeface="+mn-ea"/>
@@ -3702,7 +3228,7 @@
     </p:bodyStyle>
     <p:otherStyle>
       <a:defPPr>
-        <a:defRPr lang="en-US"/>
+        <a:defRPr lang="nl-NL"/>
       </a:defPPr>
       <a:lvl1pPr marL="0" algn="l" defTabSz="914400" rtl="0" eaLnBrk="1" latinLnBrk="0" hangingPunct="1">
         <a:defRPr sz="1800" kern="1200">
@@ -3796,50 +3322,9 @@
       </a:lvl9pPr>
     </p:otherStyle>
   </p:txStyles>
-  <p:extLst mod="1">
+  <p:extLst>
     <p:ext uri="{27BBF7A9-308A-43DC-89C8-2F10F3537804}">
-      <p15:sldGuideLst xmlns:p15="http://schemas.microsoft.com/office/powerpoint/2012/main">
-        <p15:guide id="1" orient="horz" pos="1368">
-          <p15:clr>
-            <a:srgbClr val="F26B43"/>
-          </p15:clr>
-        </p15:guide>
-        <p15:guide id="2" orient="horz" pos="1440">
-          <p15:clr>
-            <a:srgbClr val="F26B43"/>
-          </p15:clr>
-        </p15:guide>
-        <p15:guide id="3" orient="horz" pos="3696">
-          <p15:clr>
-            <a:srgbClr val="F26B43"/>
-          </p15:clr>
-        </p15:guide>
-        <p15:guide id="4" orient="horz" pos="432">
-          <p15:clr>
-            <a:srgbClr val="F26B43"/>
-          </p15:clr>
-        </p15:guide>
-        <p15:guide id="5" orient="horz" pos="1512">
-          <p15:clr>
-            <a:srgbClr val="F26B43"/>
-          </p15:clr>
-        </p15:guide>
-        <p15:guide id="6" pos="6912">
-          <p15:clr>
-            <a:srgbClr val="F26B43"/>
-          </p15:clr>
-        </p15:guide>
-        <p15:guide id="7" pos="936">
-          <p15:clr>
-            <a:srgbClr val="F26B43"/>
-          </p15:clr>
-        </p15:guide>
-        <p15:guide id="8" pos="864">
-          <p15:clr>
-            <a:srgbClr val="F26B43"/>
-          </p15:clr>
-        </p15:guide>
-      </p15:sldGuideLst>
+      <p15:sldGuideLst xmlns:p15="http://schemas.microsoft.com/office/powerpoint/2012/main"/>
     </p:ext>
   </p:extLst>
 </p:sldMaster>
@@ -3902,7 +3387,7 @@
         </p:spPr>
         <p:txBody>
           <a:bodyPr>
-            <a:normAutofit lnSpcReduction="10000"/>
+            <a:normAutofit fontScale="92500" lnSpcReduction="10000"/>
           </a:bodyPr>
           <a:lstStyle/>
           <a:p>
@@ -4005,7 +3490,7 @@
                   <a:buChar char="§"/>
                 </a:pPr>
                 <a:r>
-                  <a:rPr lang="nl-NL" sz="2800" dirty="0" smtClean="0"/>
+                  <a:rPr lang="nl-NL" sz="2800" dirty="0"/>
                   <a:t>Start </a:t>
                 </a:r>
                 <a:r>
@@ -4017,24 +3502,20 @@
                   <a:t> </a:t>
                 </a:r>
                 <a:r>
-                  <a:rPr lang="nl-NL" sz="2800" dirty="0" err="1" smtClean="0"/>
+                  <a:rPr lang="nl-NL" sz="2800" dirty="0" err="1"/>
                   <a:t>resulting</a:t>
                 </a:r>
                 <a:r>
-                  <a:rPr lang="nl-NL" sz="2800" dirty="0" smtClean="0"/>
+                  <a:rPr lang="nl-NL" sz="2800" dirty="0"/>
                   <a:t> </a:t>
                 </a:r>
                 <a:r>
-                  <a:rPr lang="nl-NL" sz="2800" dirty="0" err="1" smtClean="0"/>
+                  <a:rPr lang="nl-NL" sz="2800" dirty="0" err="1"/>
                   <a:t>schedule</a:t>
                 </a:r>
                 <a:r>
-                  <a:rPr lang="nl-NL" sz="2800" dirty="0" smtClean="0"/>
-                  <a:t> </a:t>
-                </a:r>
-                <a:r>
                   <a:rPr lang="nl-NL" sz="2800" dirty="0"/>
-                  <a:t>random </a:t>
+                  <a:t> random </a:t>
                 </a:r>
                 <a:r>
                   <a:rPr lang="nl-NL" sz="2800" dirty="0" err="1"/>
@@ -4091,10 +3572,10 @@
                   <a:t> </a:t>
                 </a:r>
                 <a:r>
-                  <a:rPr lang="nl-NL" sz="2800" dirty="0" err="1" smtClean="0"/>
+                  <a:rPr lang="nl-NL" sz="2800" dirty="0" err="1"/>
                   <a:t>states</a:t>
                 </a:r>
-                <a:endParaRPr lang="nl-NL" sz="2800" dirty="0" smtClean="0"/>
+                <a:endParaRPr lang="nl-NL" sz="2800" dirty="0"/>
               </a:p>
               <a:p>
                 <a:pPr lvl="1" indent="-457200">
@@ -4240,7 +3721,7 @@
                     </m:sSup>
                   </m:oMath>
                 </a14:m>
-                <a:endParaRPr lang="nl-NL" sz="2800" dirty="0" smtClean="0"/>
+                <a:endParaRPr lang="nl-NL" sz="2800" dirty="0"/>
               </a:p>
               <a:p>
                 <a:pPr marL="457200" indent="-457200">
@@ -4248,39 +3729,39 @@
                   <a:buChar char="§"/>
                 </a:pPr>
                 <a:r>
-                  <a:rPr lang="nl-NL" sz="2800" dirty="0" err="1" smtClean="0"/>
+                  <a:rPr lang="nl-NL" sz="2800" dirty="0" err="1"/>
                   <a:t>Decrease</a:t>
                 </a:r>
                 <a:r>
-                  <a:rPr lang="nl-NL" sz="2800" dirty="0" smtClean="0"/>
+                  <a:rPr lang="nl-NL" sz="2800" dirty="0"/>
                   <a:t> </a:t>
                 </a:r>
                 <a:r>
-                  <a:rPr lang="nl-NL" sz="2800" dirty="0" err="1" smtClean="0"/>
+                  <a:rPr lang="nl-NL" sz="2800" dirty="0" err="1"/>
                   <a:t>probability</a:t>
                 </a:r>
                 <a:r>
-                  <a:rPr lang="nl-NL" sz="2800" dirty="0" smtClean="0"/>
+                  <a:rPr lang="nl-NL" sz="2800" dirty="0"/>
                   <a:t> </a:t>
                 </a:r>
                 <a:r>
-                  <a:rPr lang="nl-NL" sz="2800" dirty="0" err="1" smtClean="0"/>
+                  <a:rPr lang="nl-NL" sz="2800" dirty="0" err="1"/>
                   <a:t>after</a:t>
                 </a:r>
                 <a:r>
-                  <a:rPr lang="nl-NL" sz="2800" dirty="0" smtClean="0"/>
+                  <a:rPr lang="nl-NL" sz="2800" dirty="0"/>
                   <a:t> </a:t>
                 </a:r>
                 <a:r>
-                  <a:rPr lang="nl-NL" sz="2800" dirty="0" err="1" smtClean="0"/>
+                  <a:rPr lang="nl-NL" sz="2800" dirty="0" err="1"/>
                   <a:t>each</a:t>
                 </a:r>
                 <a:r>
-                  <a:rPr lang="nl-NL" sz="2800" dirty="0" smtClean="0"/>
+                  <a:rPr lang="nl-NL" sz="2800" dirty="0"/>
                   <a:t> </a:t>
                 </a:r>
                 <a:r>
-                  <a:rPr lang="nl-NL" sz="2800" dirty="0" err="1" smtClean="0"/>
+                  <a:rPr lang="nl-NL" sz="2800" dirty="0" err="1"/>
                   <a:t>mutation</a:t>
                 </a:r>
                 <a:endParaRPr lang="nl-NL" sz="2800" dirty="0"/>
@@ -4290,7 +3771,7 @@
                   <a:buFont typeface="Wingdings" panose="05000000000000000000" pitchFamily="2" charset="2"/>
                   <a:buChar char="§"/>
                 </a:pPr>
-                <a:endParaRPr lang="nl-NL" b="1" i="0" dirty="0" smtClean="0">
+                <a:endParaRPr lang="nl-NL" b="1" i="0" dirty="0">
                   <a:sym typeface="Wingdings" panose="05000000000000000000" pitchFamily="2" charset="2"/>
                 </a:endParaRPr>
               </a:p>
@@ -4377,23 +3858,23 @@
           <a:lstStyle/>
           <a:p>
             <a:r>
-              <a:rPr lang="nl-NL" dirty="0" err="1" smtClean="0"/>
+              <a:rPr lang="nl-NL" dirty="0" err="1"/>
               <a:t>Simulated</a:t>
             </a:r>
             <a:r>
-              <a:rPr lang="nl-NL" dirty="0" smtClean="0"/>
+              <a:rPr lang="nl-NL" dirty="0"/>
               <a:t> </a:t>
             </a:r>
             <a:r>
-              <a:rPr lang="nl-NL" dirty="0" err="1" smtClean="0"/>
+              <a:rPr lang="nl-NL" dirty="0" err="1"/>
               <a:t>Annealing</a:t>
             </a:r>
             <a:r>
-              <a:rPr lang="nl-NL" dirty="0" smtClean="0"/>
+              <a:rPr lang="nl-NL" dirty="0"/>
               <a:t> </a:t>
             </a:r>
             <a:r>
-              <a:rPr lang="nl-NL" dirty="0" err="1" smtClean="0"/>
+              <a:rPr lang="nl-NL" dirty="0" err="1"/>
               <a:t>Results</a:t>
             </a:r>
             <a:endParaRPr lang="nl-NL" dirty="0"/>
@@ -4418,7 +3899,7 @@
           <a:lstStyle/>
           <a:p>
             <a:r>
-              <a:rPr lang="nl-NL" sz="2800" dirty="0" smtClean="0"/>
+              <a:rPr lang="nl-NL" sz="2800" dirty="0"/>
               <a:t>Profit: </a:t>
             </a:r>
           </a:p>
@@ -4428,13 +3909,8 @@
             </a:pPr>
             <a:r>
               <a:rPr lang="nl-NL" sz="2800" dirty="0"/>
-              <a:t> </a:t>
-            </a:r>
-            <a:r>
-              <a:rPr lang="nl-NL" sz="2800" dirty="0" smtClean="0"/>
-              <a:t>   €11,381,377.00</a:t>
-            </a:r>
-            <a:endParaRPr lang="nl-NL" sz="2800" dirty="0"/>
+              <a:t>    €11,381,377.00</a:t>
+            </a:r>
           </a:p>
         </p:txBody>
       </p:sp>
@@ -4503,7 +3979,7 @@
           <p:cNvPr id="7" name="Titel 6">
             <a:extLst>
               <a:ext uri="{FF2B5EF4-FFF2-40B4-BE49-F238E27FC236}">
-                <a16:creationId xmlns="" xmlns:a16="http://schemas.microsoft.com/office/drawing/2014/main" id="{B023C60A-46E9-4EE8-9C95-36FE1185A60C}"/>
+                <a16:creationId xmlns:a16="http://schemas.microsoft.com/office/drawing/2014/main" id="{B023C60A-46E9-4EE8-9C95-36FE1185A60C}"/>
               </a:ext>
             </a:extLst>
           </p:cNvPr>
@@ -4520,15 +3996,15 @@
           <a:lstStyle/>
           <a:p>
             <a:r>
-              <a:rPr lang="nl-NL" dirty="0" err="1" smtClean="0"/>
+              <a:rPr lang="nl-NL" dirty="0" err="1"/>
               <a:t>Current</a:t>
             </a:r>
             <a:r>
-              <a:rPr lang="nl-NL" dirty="0" smtClean="0"/>
+              <a:rPr lang="nl-NL" dirty="0"/>
               <a:t> </a:t>
             </a:r>
             <a:r>
-              <a:rPr lang="nl-NL" dirty="0" err="1" smtClean="0"/>
+              <a:rPr lang="nl-NL" dirty="0" err="1"/>
               <a:t>Results</a:t>
             </a:r>
             <a:endParaRPr lang="nl-NL" dirty="0"/>
@@ -4540,7 +4016,7 @@
           <p:cNvPr id="8" name="Tijdelijke aanduiding voor inhoud 7">
             <a:extLst>
               <a:ext uri="{FF2B5EF4-FFF2-40B4-BE49-F238E27FC236}">
-                <a16:creationId xmlns="" xmlns:a16="http://schemas.microsoft.com/office/drawing/2014/main" id="{3DD13823-E691-4E1C-BFED-03845170C27D}"/>
+                <a16:creationId xmlns:a16="http://schemas.microsoft.com/office/drawing/2014/main" id="{3DD13823-E691-4E1C-BFED-03845170C27D}"/>
               </a:ext>
             </a:extLst>
           </p:cNvPr>
@@ -4587,8 +4063,20 @@
                 <a:tableStyleId>{74C1A8A3-306A-4EB7-A6B1-4F7E0EB9C5D6}</a:tableStyleId>
               </a:tblPr>
               <a:tblGrid>
-                <a:gridCol w="4064000"/>
-                <a:gridCol w="4064000"/>
+                <a:gridCol w="4064000">
+                  <a:extLst>
+                    <a:ext uri="{9D8B030D-6E8A-4147-A177-3AD203B41FA5}">
+                      <a16:colId xmlns:a16="http://schemas.microsoft.com/office/drawing/2014/main" val="20000"/>
+                    </a:ext>
+                  </a:extLst>
+                </a:gridCol>
+                <a:gridCol w="4064000">
+                  <a:extLst>
+                    <a:ext uri="{9D8B030D-6E8A-4147-A177-3AD203B41FA5}">
+                      <a16:colId xmlns:a16="http://schemas.microsoft.com/office/drawing/2014/main" val="20001"/>
+                    </a:ext>
+                  </a:extLst>
+                </a:gridCol>
               </a:tblGrid>
               <a:tr h="470043">
                 <a:tc>
@@ -4597,7 +4085,7 @@
                     <a:lstStyle/>
                     <a:p>
                       <a:r>
-                        <a:rPr lang="nl-NL" sz="2400" dirty="0" err="1" smtClean="0"/>
+                        <a:rPr lang="nl-NL" sz="2400" dirty="0" err="1"/>
                         <a:t>Algorithm</a:t>
                       </a:r>
                       <a:endParaRPr lang="nl-NL" sz="2400" dirty="0"/>
@@ -4611,14 +4099,18 @@
                     <a:lstStyle/>
                     <a:p>
                       <a:r>
-                        <a:rPr lang="nl-NL" sz="2400" dirty="0" smtClean="0"/>
+                        <a:rPr lang="nl-NL" sz="2400" dirty="0"/>
                         <a:t>Profit</a:t>
                       </a:r>
-                      <a:endParaRPr lang="nl-NL" sz="2400" dirty="0"/>
                     </a:p>
                   </a:txBody>
                   <a:tcPr/>
                 </a:tc>
+                <a:extLst>
+                  <a:ext uri="{0D108BD9-81ED-4DB2-BD59-A6C34878D82A}">
+                    <a16:rowId xmlns:a16="http://schemas.microsoft.com/office/drawing/2014/main" val="10000"/>
+                  </a:ext>
+                </a:extLst>
               </a:tr>
               <a:tr h="470043">
                 <a:tc>
@@ -4627,10 +4119,9 @@
                     <a:lstStyle/>
                     <a:p>
                       <a:r>
-                        <a:rPr lang="nl-NL" sz="2400" dirty="0" smtClean="0"/>
+                        <a:rPr lang="nl-NL" sz="2400" dirty="0"/>
                         <a:t>Random</a:t>
                       </a:r>
-                      <a:endParaRPr lang="nl-NL" sz="2400" dirty="0"/>
                     </a:p>
                   </a:txBody>
                   <a:tcPr>
@@ -4645,10 +4136,9 @@
                     <a:lstStyle/>
                     <a:p>
                       <a:r>
-                        <a:rPr lang="nl-NL" sz="2400" dirty="0" smtClean="0"/>
+                        <a:rPr lang="nl-NL" sz="2400" dirty="0"/>
                         <a:t>€8,837,371.00 </a:t>
                       </a:r>
-                      <a:endParaRPr lang="nl-NL" sz="2400" dirty="0"/>
                     </a:p>
                   </a:txBody>
                   <a:tcPr>
@@ -4657,6 +4147,11 @@
                     </a:solidFill>
                   </a:tcPr>
                 </a:tc>
+                <a:extLst>
+                  <a:ext uri="{0D108BD9-81ED-4DB2-BD59-A6C34878D82A}">
+                    <a16:rowId xmlns:a16="http://schemas.microsoft.com/office/drawing/2014/main" val="10001"/>
+                  </a:ext>
+                </a:extLst>
               </a:tr>
               <a:tr h="470043">
                 <a:tc>
@@ -4665,11 +4160,11 @@
                     <a:lstStyle/>
                     <a:p>
                       <a:r>
-                        <a:rPr lang="nl-NL" sz="2400" dirty="0" smtClean="0"/>
+                        <a:rPr lang="nl-NL" sz="2400" dirty="0"/>
                         <a:t>Hill </a:t>
                       </a:r>
                       <a:r>
-                        <a:rPr lang="nl-NL" sz="2400" dirty="0" err="1" smtClean="0"/>
+                        <a:rPr lang="nl-NL" sz="2400" dirty="0" err="1"/>
                         <a:t>Climber</a:t>
                       </a:r>
                       <a:endParaRPr lang="nl-NL" sz="2400" dirty="0"/>
@@ -4687,10 +4182,9 @@
                     <a:lstStyle/>
                     <a:p>
                       <a:r>
-                        <a:rPr lang="nl-NL" sz="2400" dirty="0" smtClean="0"/>
+                        <a:rPr lang="nl-NL" sz="2400" dirty="0"/>
                         <a:t>€11,381,637.00</a:t>
                       </a:r>
-                      <a:endParaRPr lang="nl-NL" sz="2400" dirty="0"/>
                     </a:p>
                   </a:txBody>
                   <a:tcPr>
@@ -4699,6 +4193,11 @@
                     </a:solidFill>
                   </a:tcPr>
                 </a:tc>
+                <a:extLst>
+                  <a:ext uri="{0D108BD9-81ED-4DB2-BD59-A6C34878D82A}">
+                    <a16:rowId xmlns:a16="http://schemas.microsoft.com/office/drawing/2014/main" val="10002"/>
+                  </a:ext>
+                </a:extLst>
               </a:tr>
               <a:tr h="470043">
                 <a:tc>
@@ -4707,19 +4206,19 @@
                     <a:lstStyle/>
                     <a:p>
                       <a:r>
-                        <a:rPr lang="nl-NL" sz="2400" dirty="0" smtClean="0"/>
+                        <a:rPr lang="nl-NL" sz="2400" dirty="0"/>
                         <a:t>Hill </a:t>
                       </a:r>
                       <a:r>
-                        <a:rPr lang="nl-NL" sz="2400" dirty="0" err="1" smtClean="0"/>
+                        <a:rPr lang="nl-NL" sz="2400" dirty="0" err="1"/>
                         <a:t>Climber</a:t>
                       </a:r>
                       <a:r>
-                        <a:rPr lang="nl-NL" sz="2400" dirty="0" smtClean="0"/>
+                        <a:rPr lang="nl-NL" sz="2400" dirty="0"/>
                         <a:t> </a:t>
                       </a:r>
                       <a:r>
-                        <a:rPr lang="nl-NL" sz="2400" dirty="0" err="1" smtClean="0"/>
+                        <a:rPr lang="nl-NL" sz="2400" dirty="0" err="1"/>
                         <a:t>Restart</a:t>
                       </a:r>
                       <a:endParaRPr lang="nl-NL" sz="2400" dirty="0"/>
@@ -4754,7 +4253,7 @@
                         <a:defRPr/>
                       </a:pPr>
                       <a:r>
-                        <a:rPr lang="nl-NL" sz="2400" dirty="0" smtClean="0"/>
+                        <a:rPr lang="nl-NL" sz="2400" dirty="0"/>
                         <a:t>€11,662,645.00</a:t>
                       </a:r>
                     </a:p>
@@ -4765,6 +4264,11 @@
                     </a:solidFill>
                   </a:tcPr>
                 </a:tc>
+                <a:extLst>
+                  <a:ext uri="{0D108BD9-81ED-4DB2-BD59-A6C34878D82A}">
+                    <a16:rowId xmlns:a16="http://schemas.microsoft.com/office/drawing/2014/main" val="10003"/>
+                  </a:ext>
+                </a:extLst>
               </a:tr>
               <a:tr h="470043">
                 <a:tc>
@@ -4773,15 +4277,15 @@
                     <a:lstStyle/>
                     <a:p>
                       <a:r>
-                        <a:rPr lang="nl-NL" sz="2400" dirty="0" err="1" smtClean="0"/>
+                        <a:rPr lang="nl-NL" sz="2400" dirty="0" err="1"/>
                         <a:t>Simulated</a:t>
                       </a:r>
                       <a:r>
-                        <a:rPr lang="nl-NL" sz="2400" dirty="0" smtClean="0"/>
+                        <a:rPr lang="nl-NL" sz="2400" dirty="0"/>
                         <a:t> </a:t>
                       </a:r>
                       <a:r>
-                        <a:rPr lang="nl-NL" sz="2400" dirty="0" err="1" smtClean="0"/>
+                        <a:rPr lang="nl-NL" sz="2400" dirty="0" err="1"/>
                         <a:t>Annealing</a:t>
                       </a:r>
                       <a:endParaRPr lang="nl-NL" sz="2400" dirty="0"/>
@@ -4799,10 +4303,9 @@
                     <a:lstStyle/>
                     <a:p>
                       <a:r>
-                        <a:rPr lang="nl-NL" sz="2400" dirty="0" smtClean="0"/>
+                        <a:rPr lang="nl-NL" sz="2400" dirty="0"/>
                         <a:t>€11,381,377.00</a:t>
                       </a:r>
-                      <a:endParaRPr lang="nl-NL" sz="2400" dirty="0"/>
                     </a:p>
                   </a:txBody>
                   <a:tcPr>
@@ -4811,6 +4314,11 @@
                     </a:solidFill>
                   </a:tcPr>
                 </a:tc>
+                <a:extLst>
+                  <a:ext uri="{0D108BD9-81ED-4DB2-BD59-A6C34878D82A}">
+                    <a16:rowId xmlns:a16="http://schemas.microsoft.com/office/drawing/2014/main" val="10004"/>
+                  </a:ext>
+                </a:extLst>
               </a:tr>
             </a:tbl>
           </a:graphicData>
@@ -4862,14 +4370,13 @@
           <a:lstStyle/>
           <a:p>
             <a:r>
-              <a:rPr lang="nl-NL" dirty="0" err="1" smtClean="0"/>
+              <a:rPr lang="nl-NL" dirty="0" err="1"/>
               <a:t>Current</a:t>
             </a:r>
             <a:r>
-              <a:rPr lang="nl-NL" dirty="0" smtClean="0"/>
+              <a:rPr lang="nl-NL" dirty="0"/>
               <a:t> Status</a:t>
             </a:r>
-            <a:endParaRPr lang="nl-NL" dirty="0"/>
           </a:p>
         </p:txBody>
       </p:sp>
@@ -4889,29 +4396,29 @@
           <a:lstStyle/>
           <a:p>
             <a:r>
-              <a:rPr lang="nl-NL" sz="2800" dirty="0" smtClean="0"/>
+              <a:rPr lang="nl-NL" sz="2800" dirty="0"/>
               <a:t>Parameter </a:t>
             </a:r>
             <a:r>
-              <a:rPr lang="nl-NL" sz="2800" dirty="0" err="1" smtClean="0"/>
+              <a:rPr lang="nl-NL" sz="2800" dirty="0" err="1"/>
               <a:t>tuning</a:t>
             </a:r>
-            <a:endParaRPr lang="nl-NL" sz="2800" dirty="0" smtClean="0"/>
-          </a:p>
-          <a:p>
-            <a:r>
-              <a:rPr lang="nl-NL" sz="2800" dirty="0" err="1" smtClean="0"/>
+            <a:endParaRPr lang="nl-NL" sz="2800" dirty="0"/>
+          </a:p>
+          <a:p>
+            <a:r>
+              <a:rPr lang="nl-NL" sz="2800" dirty="0" err="1"/>
               <a:t>HomeBase</a:t>
             </a:r>
             <a:r>
-              <a:rPr lang="nl-NL" sz="2800" dirty="0" smtClean="0"/>
+              <a:rPr lang="nl-NL" sz="2800" dirty="0"/>
               <a:t> </a:t>
             </a:r>
             <a:r>
-              <a:rPr lang="nl-NL" sz="2800" dirty="0" err="1" smtClean="0"/>
+              <a:rPr lang="nl-NL" sz="2800" dirty="0" err="1"/>
               <a:t>Determination</a:t>
             </a:r>
-            <a:endParaRPr lang="nl-NL" sz="2800" dirty="0" smtClean="0"/>
+            <a:endParaRPr lang="nl-NL" sz="2800" dirty="0"/>
           </a:p>
           <a:p>
             <a:pPr marL="0" indent="0">
@@ -4953,7 +4460,13 @@
       </p:grpSpPr>
       <p:sp>
         <p:nvSpPr>
-          <p:cNvPr id="2" name="Titel 1"/>
+          <p:cNvPr id="2" name="Titel 1">
+            <a:extLst>
+              <a:ext uri="{FF2B5EF4-FFF2-40B4-BE49-F238E27FC236}">
+                <a16:creationId xmlns:a16="http://schemas.microsoft.com/office/drawing/2014/main" id="{63E77419-9053-4311-BF58-D655E8A8FD26}"/>
+              </a:ext>
+            </a:extLst>
+          </p:cNvPr>
           <p:cNvSpPr>
             <a:spLocks noGrp="1"/>
           </p:cNvSpPr>
@@ -4968,14 +4481,20 @@
           <a:p>
             <a:r>
               <a:rPr lang="nl-NL" dirty="0"/>
-              <a:t>The Case</a:t>
-            </a:r>
-          </a:p>
-        </p:txBody>
-      </p:sp>
-      <p:sp>
-        <p:nvSpPr>
-          <p:cNvPr id="3" name="Tijdelijke aanduiding voor inhoud 2"/>
+              <a:t>Content</a:t>
+            </a:r>
+          </a:p>
+        </p:txBody>
+      </p:sp>
+      <p:sp>
+        <p:nvSpPr>
+          <p:cNvPr id="3" name="Tijdelijke aanduiding voor inhoud 2">
+            <a:extLst>
+              <a:ext uri="{FF2B5EF4-FFF2-40B4-BE49-F238E27FC236}">
+                <a16:creationId xmlns:a16="http://schemas.microsoft.com/office/drawing/2014/main" id="{367126E9-1F00-4CEB-8800-C7A58FAFB824}"/>
+              </a:ext>
+            </a:extLst>
+          </p:cNvPr>
           <p:cNvSpPr>
             <a:spLocks noGrp="1"/>
           </p:cNvSpPr>
@@ -4983,112 +4502,84 @@
             <p:ph idx="1"/>
           </p:nvPr>
         </p:nvSpPr>
-        <p:spPr>
-          <a:xfrm>
-            <a:off x="1371600" y="2002665"/>
-            <a:ext cx="9601200" cy="4114800"/>
-          </a:xfrm>
-        </p:spPr>
-        <p:txBody>
-          <a:bodyPr>
-            <a:noAutofit/>
-          </a:bodyPr>
-          <a:lstStyle/>
-          <a:p>
-            <a:r>
-              <a:rPr lang="en-GB" sz="2400" dirty="0"/>
-              <a:t>6 aircrafts</a:t>
-            </a:r>
-          </a:p>
-          <a:p>
-            <a:r>
-              <a:rPr lang="en-GB" sz="2400" dirty="0"/>
-              <a:t>28 cities</a:t>
-            </a:r>
-          </a:p>
-          <a:p>
-            <a:r>
-              <a:rPr lang="en-GB" sz="2400" dirty="0"/>
-              <a:t>Create one-day flight schedules</a:t>
-            </a:r>
-          </a:p>
-          <a:p>
-            <a:r>
-              <a:rPr lang="en-GB" sz="2400" dirty="0"/>
-              <a:t>20 hour day</a:t>
-            </a:r>
-          </a:p>
-          <a:p>
-            <a:r>
-              <a:rPr lang="en-GB" sz="2400" dirty="0"/>
-              <a:t>B</a:t>
-            </a:r>
-            <a:r>
-              <a:rPr lang="en-GB" sz="2400" dirty="0" smtClean="0"/>
-              <a:t>oarding </a:t>
-            </a:r>
-            <a:r>
-              <a:rPr lang="en-GB" sz="2400" dirty="0"/>
-              <a:t>and refuelling times</a:t>
-            </a:r>
-          </a:p>
-          <a:p>
-            <a:r>
-              <a:rPr lang="en-GB" sz="2400" dirty="0" smtClean="0"/>
-              <a:t>Profit=#passengers</a:t>
-            </a:r>
-            <a:r>
-              <a:rPr lang="en-GB" sz="2400" dirty="0"/>
+        <p:spPr/>
+        <p:txBody>
+          <a:bodyPr/>
+          <a:lstStyle/>
+          <a:p>
+            <a:r>
+              <a:rPr lang="nl-NL" dirty="0"/>
+              <a:t>Case</a:t>
+            </a:r>
+          </a:p>
+          <a:p>
+            <a:r>
+              <a:rPr lang="nl-NL" dirty="0"/>
+              <a:t>Random </a:t>
+            </a:r>
+            <a:r>
+              <a:rPr lang="nl-NL" dirty="0" err="1"/>
+              <a:t>Algorithm</a:t>
+            </a:r>
+            <a:endParaRPr lang="nl-NL" dirty="0"/>
+          </a:p>
+          <a:p>
+            <a:r>
+              <a:rPr lang="nl-NL" dirty="0"/>
+              <a:t>Hill </a:t>
+            </a:r>
+            <a:r>
+              <a:rPr lang="nl-NL" dirty="0" err="1"/>
+              <a:t>Climber</a:t>
+            </a:r>
+            <a:r>
+              <a:rPr lang="nl-NL" dirty="0"/>
               <a:t> </a:t>
             </a:r>
             <a:r>
-              <a:rPr lang="en-GB" sz="2400" dirty="0" smtClean="0"/>
-              <a:t>* #kilometres</a:t>
-            </a:r>
-          </a:p>
-          <a:p>
-            <a:r>
-              <a:rPr lang="en-GB" sz="2400" dirty="0" smtClean="0"/>
-              <a:t>Detours</a:t>
-            </a:r>
-            <a:endParaRPr lang="en-GB" sz="2400" dirty="0"/>
-          </a:p>
-        </p:txBody>
-      </p:sp>
-      <p:pic>
-        <p:nvPicPr>
-          <p:cNvPr id="4" name="Afbeelding 3"/>
-          <p:cNvPicPr>
-            <a:picLocks noChangeAspect="1"/>
-          </p:cNvPicPr>
-          <p:nvPr/>
-        </p:nvPicPr>
-        <p:blipFill>
-          <a:blip r:embed="rId2">
-            <a:extLst>
-              <a:ext uri="{28A0092B-C50C-407E-A947-70E740481C1C}">
-                <a14:useLocalDpi xmlns:a14="http://schemas.microsoft.com/office/drawing/2010/main" val="0"/>
-              </a:ext>
-            </a:extLst>
-          </a:blip>
-          <a:stretch>
-            <a:fillRect/>
-          </a:stretch>
-        </p:blipFill>
-        <p:spPr>
-          <a:xfrm>
-            <a:off x="6882489" y="0"/>
-            <a:ext cx="5309511" cy="5022761"/>
-          </a:xfrm>
-          <a:prstGeom prst="rect">
-            <a:avLst/>
-          </a:prstGeom>
-        </p:spPr>
-      </p:pic>
+              <a:rPr lang="nl-NL" dirty="0" err="1"/>
+              <a:t>Algorithm</a:t>
+            </a:r>
+            <a:endParaRPr lang="nl-NL" dirty="0"/>
+          </a:p>
+          <a:p>
+            <a:r>
+              <a:rPr lang="nl-NL" dirty="0" err="1"/>
+              <a:t>Simulated</a:t>
+            </a:r>
+            <a:r>
+              <a:rPr lang="nl-NL" dirty="0"/>
+              <a:t> </a:t>
+            </a:r>
+            <a:r>
+              <a:rPr lang="nl-NL" dirty="0" err="1"/>
+              <a:t>Annealing</a:t>
+            </a:r>
+            <a:endParaRPr lang="nl-NL" dirty="0"/>
+          </a:p>
+          <a:p>
+            <a:r>
+              <a:rPr lang="nl-NL" dirty="0" err="1"/>
+              <a:t>Results</a:t>
+            </a:r>
+            <a:endParaRPr lang="nl-NL" dirty="0"/>
+          </a:p>
+          <a:p>
+            <a:r>
+              <a:rPr lang="nl-NL" dirty="0" err="1"/>
+              <a:t>To</a:t>
+            </a:r>
+            <a:r>
+              <a:rPr lang="nl-NL" dirty="0"/>
+              <a:t> do</a:t>
+            </a:r>
+          </a:p>
+        </p:txBody>
+      </p:sp>
     </p:spTree>
     <p:extLst>
       <p:ext uri="{BB962C8B-B14F-4D97-AF65-F5344CB8AC3E}">
-        <p14:creationId xmlns:p14="http://schemas.microsoft.com/office/powerpoint/2010/main" val="3848998942"/>
+        <p14:creationId xmlns:p14="http://schemas.microsoft.com/office/powerpoint/2010/main" val="2374561642"/>
       </p:ext>
     </p:extLst>
   </p:cSld>
@@ -5132,7 +4623,7 @@
           <a:p>
             <a:r>
               <a:rPr lang="nl-NL" dirty="0"/>
-              <a:t>Random Algorithm</a:t>
+              <a:t>The Case</a:t>
             </a:r>
           </a:p>
         </p:txBody>
@@ -5147,72 +4638,95 @@
             <p:ph idx="1"/>
           </p:nvPr>
         </p:nvSpPr>
-        <p:spPr/>
-        <p:txBody>
-          <a:bodyPr/>
-          <a:lstStyle/>
-          <a:p>
-            <a:r>
-              <a:rPr lang="en-GB" sz="3200" dirty="0"/>
-              <a:t>Create random </a:t>
-            </a:r>
-            <a:r>
-              <a:rPr lang="en-GB" sz="3200" dirty="0" smtClean="0"/>
-              <a:t>route</a:t>
-            </a:r>
-            <a:endParaRPr lang="en-GB" sz="2800" i="0" dirty="0"/>
-          </a:p>
-          <a:p>
-            <a:pPr lvl="1"/>
-            <a:r>
-              <a:rPr lang="en-GB" sz="2200" i="0" dirty="0" smtClean="0"/>
-              <a:t>Add Amsterdam if not start city</a:t>
-            </a:r>
-          </a:p>
-          <a:p>
-            <a:pPr lvl="1"/>
-            <a:r>
-              <a:rPr lang="en-GB" sz="2200" i="0" dirty="0" smtClean="0"/>
-              <a:t>Add </a:t>
-            </a:r>
-            <a:r>
-              <a:rPr lang="en-GB" sz="2200" i="0" dirty="0"/>
-              <a:t>random city at random index if valid</a:t>
-            </a:r>
-          </a:p>
-          <a:p>
-            <a:pPr lvl="1"/>
-            <a:r>
-              <a:rPr lang="en-GB" sz="2200" i="0" dirty="0"/>
-              <a:t>Add random number of passengers if valid</a:t>
-            </a:r>
-          </a:p>
-          <a:p>
-            <a:pPr lvl="1"/>
-            <a:r>
-              <a:rPr lang="en-GB" sz="2200" i="0" dirty="0"/>
-              <a:t>Stop if no more flying time left </a:t>
-            </a:r>
-          </a:p>
-          <a:p>
-            <a:pPr lvl="1"/>
-            <a:endParaRPr lang="en-GB" dirty="0"/>
-          </a:p>
-          <a:p>
-            <a:r>
-              <a:rPr lang="en-GB" sz="3200" dirty="0"/>
-              <a:t>Store the best route</a:t>
-            </a:r>
-          </a:p>
-          <a:p>
-            <a:endParaRPr lang="en-GB" dirty="0"/>
-          </a:p>
-        </p:txBody>
-      </p:sp>
+        <p:spPr>
+          <a:xfrm>
+            <a:off x="1371600" y="2002665"/>
+            <a:ext cx="9601200" cy="4114800"/>
+          </a:xfrm>
+        </p:spPr>
+        <p:txBody>
+          <a:bodyPr>
+            <a:noAutofit/>
+          </a:bodyPr>
+          <a:lstStyle/>
+          <a:p>
+            <a:r>
+              <a:rPr lang="en-GB" sz="2400" dirty="0"/>
+              <a:t>6 aircrafts</a:t>
+            </a:r>
+          </a:p>
+          <a:p>
+            <a:r>
+              <a:rPr lang="en-GB" sz="2400" dirty="0"/>
+              <a:t>28 cities</a:t>
+            </a:r>
+          </a:p>
+          <a:p>
+            <a:r>
+              <a:rPr lang="en-GB" sz="2400" dirty="0"/>
+              <a:t>Create one-day flight schedules</a:t>
+            </a:r>
+          </a:p>
+          <a:p>
+            <a:r>
+              <a:rPr lang="en-GB" sz="2400" dirty="0"/>
+              <a:t>20 hour day</a:t>
+            </a:r>
+          </a:p>
+          <a:p>
+            <a:r>
+              <a:rPr lang="en-GB" sz="2400" dirty="0"/>
+              <a:t>Boarding and refuelling times</a:t>
+            </a:r>
+          </a:p>
+          <a:p>
+            <a:r>
+              <a:rPr lang="en-GB" sz="2400" dirty="0"/>
+              <a:t>Profit=#passengers * #kilometres</a:t>
+            </a:r>
+          </a:p>
+          <a:p>
+            <a:r>
+              <a:rPr lang="en-GB" sz="2400" dirty="0"/>
+              <a:t>Detours</a:t>
+            </a:r>
+          </a:p>
+        </p:txBody>
+      </p:sp>
+      <p:pic>
+        <p:nvPicPr>
+          <p:cNvPr id="4" name="Afbeelding 3"/>
+          <p:cNvPicPr>
+            <a:picLocks noChangeAspect="1"/>
+          </p:cNvPicPr>
+          <p:nvPr/>
+        </p:nvPicPr>
+        <p:blipFill>
+          <a:blip r:embed="rId2">
+            <a:extLst>
+              <a:ext uri="{28A0092B-C50C-407E-A947-70E740481C1C}">
+                <a14:useLocalDpi xmlns:a14="http://schemas.microsoft.com/office/drawing/2010/main" val="0"/>
+              </a:ext>
+            </a:extLst>
+          </a:blip>
+          <a:stretch>
+            <a:fillRect/>
+          </a:stretch>
+        </p:blipFill>
+        <p:spPr>
+          <a:xfrm>
+            <a:off x="6882490" y="1020275"/>
+            <a:ext cx="4230988" cy="4002486"/>
+          </a:xfrm>
+          <a:prstGeom prst="rect">
+            <a:avLst/>
+          </a:prstGeom>
+        </p:spPr>
+      </p:pic>
     </p:spTree>
     <p:extLst>
       <p:ext uri="{BB962C8B-B14F-4D97-AF65-F5344CB8AC3E}">
-        <p14:creationId xmlns:p14="http://schemas.microsoft.com/office/powerpoint/2010/main" val="329869358"/>
+        <p14:creationId xmlns:p14="http://schemas.microsoft.com/office/powerpoint/2010/main" val="3848998942"/>
       </p:ext>
     </p:extLst>
   </p:cSld>
@@ -5249,110 +4763,91 @@
             <p:ph type="title"/>
           </p:nvPr>
         </p:nvSpPr>
-        <p:spPr/>
-        <p:txBody>
-          <a:bodyPr/>
-          <a:lstStyle/>
-          <a:p>
-            <a:r>
-              <a:rPr lang="nl-NL" dirty="0"/>
-              <a:t>Random </a:t>
-            </a:r>
-            <a:r>
-              <a:rPr lang="nl-NL" dirty="0" err="1" smtClean="0"/>
-              <a:t>Algorithm</a:t>
-            </a:r>
-            <a:r>
-              <a:rPr lang="nl-NL" dirty="0" smtClean="0"/>
-              <a:t> </a:t>
-            </a:r>
-            <a:r>
-              <a:rPr lang="nl-NL" dirty="0" err="1" smtClean="0"/>
-              <a:t>Results</a:t>
-            </a:r>
-            <a:endParaRPr lang="nl-NL" dirty="0"/>
-          </a:p>
-        </p:txBody>
-      </p:sp>
-      <p:sp>
-        <p:nvSpPr>
-          <p:cNvPr id="3" name="Tijdelijke aanduiding voor inhoud 2"/>
-          <p:cNvSpPr>
-            <a:spLocks noGrp="1"/>
-          </p:cNvSpPr>
-          <p:nvPr>
-            <p:ph idx="1"/>
-          </p:nvPr>
-        </p:nvSpPr>
         <p:spPr>
           <a:xfrm>
-            <a:off x="1371600" y="1893195"/>
-            <a:ext cx="9601200" cy="4566634"/>
+            <a:off x="838200" y="351873"/>
+            <a:ext cx="10515600" cy="1325563"/>
           </a:xfrm>
         </p:spPr>
         <p:txBody>
-          <a:bodyPr>
-            <a:normAutofit/>
-          </a:bodyPr>
-          <a:lstStyle/>
-          <a:p>
-            <a:r>
-              <a:rPr lang="nl-NL" sz="2800" dirty="0" smtClean="0"/>
-              <a:t>Profit: €8,837,371.00</a:t>
-            </a:r>
-          </a:p>
-          <a:p>
-            <a:r>
-              <a:rPr lang="nl-NL" sz="2800" dirty="0"/>
-              <a:t>Schedule: </a:t>
-            </a:r>
-          </a:p>
-          <a:p>
-            <a:pPr marL="0" indent="0">
-              <a:buNone/>
-            </a:pPr>
-            <a:endParaRPr lang="nl-NL" sz="2800" dirty="0">
-              <a:solidFill>
-                <a:srgbClr val="FF0000"/>
-              </a:solidFill>
-            </a:endParaRPr>
-          </a:p>
-          <a:p>
-            <a:pPr marL="0" indent="0">
-              <a:buNone/>
-            </a:pPr>
-            <a:endParaRPr lang="nl-NL" dirty="0"/>
-          </a:p>
-        </p:txBody>
-      </p:sp>
-      <p:pic>
-        <p:nvPicPr>
-          <p:cNvPr id="8" name="Afbeelding 7"/>
-          <p:cNvPicPr>
-            <a:picLocks noChangeAspect="1"/>
-          </p:cNvPicPr>
-          <p:nvPr/>
-        </p:nvPicPr>
-        <p:blipFill>
-          <a:blip r:embed="rId2"/>
-          <a:stretch>
-            <a:fillRect/>
-          </a:stretch>
-        </p:blipFill>
-        <p:spPr>
-          <a:xfrm>
-            <a:off x="824248" y="3469247"/>
-            <a:ext cx="11367752" cy="2249393"/>
-          </a:xfrm>
-          <a:prstGeom prst="rect">
-            <a:avLst/>
-          </a:prstGeom>
-        </p:spPr>
-      </p:pic>
+          <a:bodyPr/>
+          <a:lstStyle/>
+          <a:p>
+            <a:r>
+              <a:rPr lang="nl-NL" dirty="0"/>
+              <a:t>Random Algorithm</a:t>
+            </a:r>
+          </a:p>
+        </p:txBody>
+      </p:sp>
+      <p:sp>
+        <p:nvSpPr>
+          <p:cNvPr id="3" name="Tijdelijke aanduiding voor inhoud 2"/>
+          <p:cNvSpPr>
+            <a:spLocks noGrp="1"/>
+          </p:cNvSpPr>
+          <p:nvPr>
+            <p:ph idx="1"/>
+          </p:nvPr>
+        </p:nvSpPr>
+        <p:spPr/>
+        <p:txBody>
+          <a:bodyPr/>
+          <a:lstStyle/>
+          <a:p>
+            <a:r>
+              <a:rPr lang="en-GB" sz="3200" dirty="0"/>
+              <a:t>Constructive algorithm</a:t>
+            </a:r>
+            <a:endParaRPr lang="en-GB" sz="2800" i="0" dirty="0"/>
+          </a:p>
+          <a:p>
+            <a:pPr lvl="1"/>
+            <a:r>
+              <a:rPr lang="en-GB" sz="2200" i="0" dirty="0"/>
+              <a:t>Add Amsterdam if not start city</a:t>
+            </a:r>
+          </a:p>
+          <a:p>
+            <a:pPr lvl="1"/>
+            <a:r>
+              <a:rPr lang="en-GB" sz="2200" i="0" dirty="0"/>
+              <a:t>Add random city at random index if valid</a:t>
+            </a:r>
+          </a:p>
+          <a:p>
+            <a:pPr lvl="1"/>
+            <a:r>
+              <a:rPr lang="en-GB" sz="2200" i="0" dirty="0"/>
+              <a:t>Add random number of passengers if valid</a:t>
+            </a:r>
+          </a:p>
+          <a:p>
+            <a:pPr lvl="1"/>
+            <a:r>
+              <a:rPr lang="en-GB" sz="2200" i="0" dirty="0"/>
+              <a:t>Stop if no more flying time left </a:t>
+            </a:r>
+          </a:p>
+          <a:p>
+            <a:pPr lvl="1"/>
+            <a:endParaRPr lang="en-GB" dirty="0"/>
+          </a:p>
+          <a:p>
+            <a:r>
+              <a:rPr lang="en-GB" sz="3200" dirty="0"/>
+              <a:t>Store the best route</a:t>
+            </a:r>
+          </a:p>
+          <a:p>
+            <a:endParaRPr lang="en-GB" dirty="0"/>
+          </a:p>
+        </p:txBody>
+      </p:sp>
     </p:spTree>
     <p:extLst>
       <p:ext uri="{BB962C8B-B14F-4D97-AF65-F5344CB8AC3E}">
-        <p14:creationId xmlns:p14="http://schemas.microsoft.com/office/powerpoint/2010/main" val="63618746"/>
+        <p14:creationId xmlns:p14="http://schemas.microsoft.com/office/powerpoint/2010/main" val="329869358"/>
       </p:ext>
     </p:extLst>
   </p:cSld>
@@ -5396,8 +4891,21 @@
           <a:p>
             <a:r>
               <a:rPr lang="nl-NL" dirty="0"/>
-              <a:t>Hill Climber Algorithm</a:t>
-            </a:r>
+              <a:t>Random </a:t>
+            </a:r>
+            <a:r>
+              <a:rPr lang="nl-NL" dirty="0" err="1"/>
+              <a:t>Algorithm</a:t>
+            </a:r>
+            <a:r>
+              <a:rPr lang="nl-NL" dirty="0"/>
+              <a:t> </a:t>
+            </a:r>
+            <a:r>
+              <a:rPr lang="nl-NL" dirty="0" err="1"/>
+              <a:t>Results</a:t>
+            </a:r>
+            <a:endParaRPr lang="nl-NL" dirty="0"/>
           </a:p>
         </p:txBody>
       </p:sp>
@@ -5411,7 +4919,12 @@
             <p:ph idx="1"/>
           </p:nvPr>
         </p:nvSpPr>
-        <p:spPr/>
+        <p:spPr>
+          <a:xfrm>
+            <a:off x="1371600" y="1893195"/>
+            <a:ext cx="9601200" cy="4566634"/>
+          </a:xfrm>
+        </p:spPr>
         <p:txBody>
           <a:bodyPr>
             <a:normAutofit/>
@@ -5419,80 +4932,62 @@
           <a:lstStyle/>
           <a:p>
             <a:r>
-              <a:rPr lang="en-GB" sz="2800" dirty="0" smtClean="0"/>
-              <a:t>Hil</a:t>
-            </a:r>
-            <a:r>
-              <a:rPr lang="en-GB" sz="2800" dirty="0" smtClean="0"/>
-              <a:t>l Climber</a:t>
-            </a:r>
-          </a:p>
-          <a:p>
-            <a:pPr lvl="1"/>
-            <a:r>
-              <a:rPr lang="en-GB" sz="2400" i="0" dirty="0"/>
-              <a:t>Start with resulting schedule random algorithm</a:t>
-            </a:r>
-          </a:p>
-          <a:p>
-            <a:pPr lvl="1"/>
-            <a:r>
-              <a:rPr lang="en-GB" sz="2400" i="0" dirty="0"/>
-              <a:t>Apply random </a:t>
-            </a:r>
-            <a:r>
-              <a:rPr lang="en-GB" sz="2400" i="0" dirty="0" smtClean="0"/>
-              <a:t>mutations</a:t>
-            </a:r>
-          </a:p>
-          <a:p>
-            <a:pPr lvl="1"/>
-            <a:r>
-              <a:rPr lang="en-GB" sz="2400" i="0" dirty="0" smtClean="0"/>
-              <a:t>Stop if no improvement for 1000 iterations</a:t>
-            </a:r>
-            <a:endParaRPr lang="en-GB" sz="2400" i="0" dirty="0"/>
+              <a:rPr lang="nl-NL" sz="2800" dirty="0"/>
+              <a:t>Profit: €8,837,371.00</a:t>
+            </a:r>
+          </a:p>
+          <a:p>
+            <a:r>
+              <a:rPr lang="nl-NL" sz="2800" dirty="0"/>
+              <a:t>Schedule: </a:t>
+            </a:r>
           </a:p>
           <a:p>
             <a:pPr marL="0" indent="0">
               <a:buNone/>
             </a:pPr>
-            <a:endParaRPr lang="en-GB" sz="2800" dirty="0" smtClean="0"/>
-          </a:p>
-          <a:p>
-            <a:r>
-              <a:rPr lang="en-GB" sz="2800" dirty="0" smtClean="0"/>
-              <a:t>Hill </a:t>
-            </a:r>
-            <a:r>
-              <a:rPr lang="en-GB" sz="2800" dirty="0"/>
-              <a:t>Climber Restart</a:t>
-            </a:r>
-          </a:p>
-          <a:p>
-            <a:pPr lvl="1"/>
-            <a:r>
-              <a:rPr lang="en-GB" sz="2400" i="0" dirty="0" smtClean="0"/>
-              <a:t>Local </a:t>
-            </a:r>
-            <a:r>
-              <a:rPr lang="en-GB" sz="2400" i="0" dirty="0"/>
-              <a:t>optimum </a:t>
-            </a:r>
-            <a:r>
-              <a:rPr lang="en-GB" sz="2400" i="0" dirty="0">
-                <a:sym typeface="Wingdings" panose="05000000000000000000" pitchFamily="2" charset="2"/>
-              </a:rPr>
-              <a:t> Restart with new random route</a:t>
-            </a:r>
-            <a:endParaRPr lang="en-GB" sz="2400" i="0" dirty="0"/>
-          </a:p>
-        </p:txBody>
-      </p:sp>
+            <a:endParaRPr lang="nl-NL" sz="2800" dirty="0">
+              <a:solidFill>
+                <a:srgbClr val="FF0000"/>
+              </a:solidFill>
+            </a:endParaRPr>
+          </a:p>
+          <a:p>
+            <a:pPr marL="0" indent="0">
+              <a:buNone/>
+            </a:pPr>
+            <a:endParaRPr lang="nl-NL" dirty="0"/>
+          </a:p>
+        </p:txBody>
+      </p:sp>
+      <p:pic>
+        <p:nvPicPr>
+          <p:cNvPr id="8" name="Afbeelding 7"/>
+          <p:cNvPicPr>
+            <a:picLocks noChangeAspect="1"/>
+          </p:cNvPicPr>
+          <p:nvPr/>
+        </p:nvPicPr>
+        <p:blipFill>
+          <a:blip r:embed="rId2"/>
+          <a:stretch>
+            <a:fillRect/>
+          </a:stretch>
+        </p:blipFill>
+        <p:spPr>
+          <a:xfrm>
+            <a:off x="488324" y="3429000"/>
+            <a:ext cx="11367752" cy="2249393"/>
+          </a:xfrm>
+          <a:prstGeom prst="rect">
+            <a:avLst/>
+          </a:prstGeom>
+        </p:spPr>
+      </p:pic>
     </p:spTree>
     <p:extLst>
       <p:ext uri="{BB962C8B-B14F-4D97-AF65-F5344CB8AC3E}">
-        <p14:creationId xmlns:p14="http://schemas.microsoft.com/office/powerpoint/2010/main" val="4250612199"/>
+        <p14:creationId xmlns:p14="http://schemas.microsoft.com/office/powerpoint/2010/main" val="63618746"/>
       </p:ext>
     </p:extLst>
   </p:cSld>
@@ -5521,13 +5016,7 @@
       </p:grpSpPr>
       <p:sp>
         <p:nvSpPr>
-          <p:cNvPr id="2" name="Titel 1">
-            <a:extLst>
-              <a:ext uri="{FF2B5EF4-FFF2-40B4-BE49-F238E27FC236}">
-                <a16:creationId xmlns="" xmlns:a16="http://schemas.microsoft.com/office/drawing/2014/main" id="{B8FEBF4A-E504-429A-9363-CF78BC5C184F}"/>
-              </a:ext>
-            </a:extLst>
-          </p:cNvPr>
+          <p:cNvPr id="2" name="Titel 1"/>
           <p:cNvSpPr>
             <a:spLocks noGrp="1"/>
           </p:cNvSpPr>
@@ -5541,22 +5030,15 @@
           <a:lstStyle/>
           <a:p>
             <a:r>
-              <a:rPr lang="nl-NL" dirty="0" err="1"/>
-              <a:t>Mutations</a:t>
-            </a:r>
-            <a:endParaRPr lang="nl-NL" dirty="0"/>
-          </a:p>
-        </p:txBody>
-      </p:sp>
-      <p:sp>
-        <p:nvSpPr>
-          <p:cNvPr id="3" name="Tijdelijke aanduiding voor inhoud 2">
-            <a:extLst>
-              <a:ext uri="{FF2B5EF4-FFF2-40B4-BE49-F238E27FC236}">
-                <a16:creationId xmlns="" xmlns:a16="http://schemas.microsoft.com/office/drawing/2014/main" id="{EF681013-444B-4FE7-BEBB-69DE5DADA6AC}"/>
-              </a:ext>
-            </a:extLst>
-          </p:cNvPr>
+              <a:rPr lang="nl-NL" dirty="0"/>
+              <a:t>Hill Climber Algorithm</a:t>
+            </a:r>
+          </a:p>
+        </p:txBody>
+      </p:sp>
+      <p:sp>
+        <p:nvSpPr>
+          <p:cNvPr id="3" name="Tijdelijke aanduiding voor inhoud 2"/>
           <p:cNvSpPr>
             <a:spLocks noGrp="1"/>
           </p:cNvSpPr>
@@ -5566,77 +5048,69 @@
         </p:nvSpPr>
         <p:spPr/>
         <p:txBody>
-          <a:bodyPr/>
-          <a:lstStyle/>
-          <a:p>
-            <a:r>
-              <a:rPr lang="nl-NL" sz="2800" dirty="0" err="1" smtClean="0"/>
-              <a:t>Remove</a:t>
-            </a:r>
-            <a:r>
-              <a:rPr lang="nl-NL" sz="2800" dirty="0" smtClean="0"/>
-              <a:t>/</a:t>
-            </a:r>
-            <a:r>
-              <a:rPr lang="nl-NL" sz="2800" dirty="0" err="1" smtClean="0"/>
-              <a:t>add</a:t>
-            </a:r>
-            <a:r>
-              <a:rPr lang="nl-NL" sz="2800" dirty="0" smtClean="0"/>
-              <a:t> </a:t>
-            </a:r>
-            <a:r>
-              <a:rPr lang="nl-NL" sz="2800" dirty="0" err="1"/>
-              <a:t>city</a:t>
-            </a:r>
-            <a:endParaRPr lang="nl-NL" sz="2800" dirty="0"/>
-          </a:p>
-          <a:p>
-            <a:r>
-              <a:rPr lang="nl-NL" sz="2800" dirty="0" err="1" smtClean="0"/>
-              <a:t>Add</a:t>
-            </a:r>
-            <a:r>
-              <a:rPr lang="nl-NL" sz="2800" dirty="0" smtClean="0"/>
-              <a:t> </a:t>
-            </a:r>
-            <a:r>
-              <a:rPr lang="nl-NL" sz="2800" dirty="0" err="1"/>
-              <a:t>passengers</a:t>
-            </a:r>
-            <a:endParaRPr lang="nl-NL" sz="2800" dirty="0"/>
-          </a:p>
-          <a:p>
-            <a:r>
-              <a:rPr lang="nl-NL" sz="2800" dirty="0"/>
-              <a:t>Swap </a:t>
-            </a:r>
-            <a:r>
-              <a:rPr lang="nl-NL" sz="2800" dirty="0" err="1"/>
-              <a:t>cities</a:t>
-            </a:r>
-            <a:endParaRPr lang="nl-NL" sz="2800" dirty="0"/>
-          </a:p>
-          <a:p>
-            <a:r>
-              <a:rPr lang="nl-NL" sz="2800" dirty="0"/>
-              <a:t>Swap </a:t>
-            </a:r>
-            <a:r>
-              <a:rPr lang="nl-NL" sz="2800" dirty="0" err="1"/>
-              <a:t>detour</a:t>
-            </a:r>
-            <a:endParaRPr lang="nl-NL" sz="2800" dirty="0"/>
-          </a:p>
-          <a:p>
-            <a:endParaRPr lang="nl-NL" dirty="0"/>
+          <a:bodyPr>
+            <a:normAutofit/>
+          </a:bodyPr>
+          <a:lstStyle/>
+          <a:p>
+            <a:r>
+              <a:rPr lang="en-GB" sz="2800" dirty="0"/>
+              <a:t>Hill Climber</a:t>
+            </a:r>
+          </a:p>
+          <a:p>
+            <a:pPr lvl="1"/>
+            <a:r>
+              <a:rPr lang="en-GB" sz="2400" i="0" dirty="0"/>
+              <a:t>Start with resulting schedule random algorithm</a:t>
+            </a:r>
+          </a:p>
+          <a:p>
+            <a:pPr lvl="1"/>
+            <a:r>
+              <a:rPr lang="en-GB" sz="2400" i="0" dirty="0"/>
+              <a:t>Apply random mutations</a:t>
+            </a:r>
+          </a:p>
+          <a:p>
+            <a:pPr lvl="1"/>
+            <a:r>
+              <a:rPr lang="en-GB" sz="2400" i="0" dirty="0"/>
+              <a:t>Stop if no improvement for 1000 iterations</a:t>
+            </a:r>
+          </a:p>
+          <a:p>
+            <a:pPr marL="0" indent="0">
+              <a:buNone/>
+            </a:pPr>
+            <a:endParaRPr lang="en-GB" sz="2800" dirty="0"/>
+          </a:p>
+          <a:p>
+            <a:r>
+              <a:rPr lang="en-GB" sz="2800" dirty="0"/>
+              <a:t>Hill Climber Restart</a:t>
+            </a:r>
+          </a:p>
+          <a:p>
+            <a:pPr lvl="1"/>
+            <a:r>
+              <a:rPr lang="en-GB" sz="2400" i="0" dirty="0"/>
+              <a:t>Local optimum </a:t>
+            </a:r>
+            <a:r>
+              <a:rPr lang="en-GB" sz="2400" i="0" dirty="0">
+                <a:sym typeface="Wingdings" panose="05000000000000000000" pitchFamily="2" charset="2"/>
+              </a:rPr>
+              <a:t> Restart with new random route</a:t>
+            </a:r>
+            <a:endParaRPr lang="en-GB" sz="2400" i="0" dirty="0"/>
           </a:p>
         </p:txBody>
       </p:sp>
     </p:spTree>
     <p:extLst>
       <p:ext uri="{BB962C8B-B14F-4D97-AF65-F5344CB8AC3E}">
-        <p14:creationId xmlns:p14="http://schemas.microsoft.com/office/powerpoint/2010/main" val="2567444771"/>
+        <p14:creationId xmlns:p14="http://schemas.microsoft.com/office/powerpoint/2010/main" val="4250612199"/>
       </p:ext>
     </p:extLst>
   </p:cSld>
@@ -5668,7 +5142,7 @@
           <p:cNvPr id="2" name="Titel 1">
             <a:extLst>
               <a:ext uri="{FF2B5EF4-FFF2-40B4-BE49-F238E27FC236}">
-                <a16:creationId xmlns="" xmlns:a16="http://schemas.microsoft.com/office/drawing/2014/main" id="{A1BB8794-87D5-46D6-8A62-EC30FC501072}"/>
+                <a16:creationId xmlns:a16="http://schemas.microsoft.com/office/drawing/2014/main" id="{B8FEBF4A-E504-429A-9363-CF78BC5C184F}"/>
               </a:ext>
             </a:extLst>
           </p:cNvPr>
@@ -5684,318 +5158,270 @@
           <a:bodyPr/>
           <a:lstStyle/>
           <a:p>
+            <a:r>
+              <a:rPr lang="nl-NL" dirty="0" err="1"/>
+              <a:t>Mutations</a:t>
+            </a:r>
+            <a:endParaRPr lang="nl-NL" dirty="0"/>
+          </a:p>
+        </p:txBody>
+      </p:sp>
+      <p:sp>
+        <p:nvSpPr>
+          <p:cNvPr id="3" name="Tijdelijke aanduiding voor inhoud 2">
+            <a:extLst>
+              <a:ext uri="{FF2B5EF4-FFF2-40B4-BE49-F238E27FC236}">
+                <a16:creationId xmlns:a16="http://schemas.microsoft.com/office/drawing/2014/main" id="{EF681013-444B-4FE7-BEBB-69DE5DADA6AC}"/>
+              </a:ext>
+            </a:extLst>
+          </p:cNvPr>
+          <p:cNvSpPr>
+            <a:spLocks noGrp="1"/>
+          </p:cNvSpPr>
+          <p:nvPr>
+            <p:ph idx="1"/>
+          </p:nvPr>
+        </p:nvSpPr>
+        <p:spPr/>
+        <p:txBody>
+          <a:bodyPr>
+            <a:normAutofit/>
+          </a:bodyPr>
+          <a:lstStyle/>
+          <a:p>
+            <a:r>
+              <a:rPr lang="nl-NL" sz="2800" dirty="0"/>
+              <a:t>How </a:t>
+            </a:r>
+            <a:r>
+              <a:rPr lang="nl-NL" sz="2800" dirty="0" err="1"/>
+              <a:t>to</a:t>
+            </a:r>
+            <a:r>
+              <a:rPr lang="nl-NL" sz="2800" dirty="0"/>
+              <a:t> move </a:t>
+            </a:r>
+            <a:r>
+              <a:rPr lang="nl-NL" sz="2800" dirty="0" err="1"/>
+              <a:t>from</a:t>
+            </a:r>
+            <a:r>
+              <a:rPr lang="nl-NL" sz="2800" dirty="0"/>
+              <a:t> </a:t>
+            </a:r>
+            <a:r>
+              <a:rPr lang="nl-NL" sz="2800" dirty="0" err="1"/>
+              <a:t>one</a:t>
+            </a:r>
+            <a:r>
+              <a:rPr lang="nl-NL" sz="2800" dirty="0"/>
+              <a:t> state </a:t>
+            </a:r>
+            <a:r>
+              <a:rPr lang="nl-NL" sz="2800" dirty="0" err="1"/>
+              <a:t>to</a:t>
+            </a:r>
+            <a:r>
+              <a:rPr lang="nl-NL" sz="2800" dirty="0"/>
+              <a:t> </a:t>
+            </a:r>
+            <a:r>
+              <a:rPr lang="nl-NL" sz="2800" dirty="0" err="1"/>
+              <a:t>another</a:t>
+            </a:r>
+            <a:r>
+              <a:rPr lang="nl-NL" sz="2800" dirty="0"/>
+              <a:t>?</a:t>
+            </a:r>
+          </a:p>
+          <a:p>
+            <a:pPr lvl="1"/>
+            <a:r>
+              <a:rPr lang="nl-NL" dirty="0" err="1"/>
+              <a:t>Add</a:t>
+            </a:r>
+            <a:r>
+              <a:rPr lang="nl-NL" dirty="0"/>
+              <a:t>/</a:t>
+            </a:r>
+            <a:r>
+              <a:rPr lang="nl-NL" dirty="0" err="1"/>
+              <a:t>Remove</a:t>
+            </a:r>
+            <a:r>
+              <a:rPr lang="nl-NL" dirty="0"/>
+              <a:t> </a:t>
+            </a:r>
+            <a:r>
+              <a:rPr lang="nl-NL" dirty="0" err="1"/>
+              <a:t>city</a:t>
+            </a:r>
+            <a:endParaRPr lang="nl-NL" dirty="0"/>
+          </a:p>
+          <a:p>
+            <a:pPr lvl="1"/>
+            <a:r>
+              <a:rPr lang="nl-NL" dirty="0" err="1"/>
+              <a:t>Add</a:t>
+            </a:r>
+            <a:r>
+              <a:rPr lang="nl-NL" dirty="0"/>
+              <a:t>/</a:t>
+            </a:r>
+            <a:r>
+              <a:rPr lang="nl-NL" dirty="0" err="1"/>
+              <a:t>Remove</a:t>
+            </a:r>
+            <a:r>
+              <a:rPr lang="nl-NL" dirty="0"/>
+              <a:t> </a:t>
+            </a:r>
+            <a:r>
+              <a:rPr lang="nl-NL" dirty="0" err="1"/>
+              <a:t>Passengers</a:t>
+            </a:r>
+            <a:r>
+              <a:rPr lang="nl-NL" dirty="0"/>
+              <a:t> on flight leg</a:t>
+            </a:r>
+          </a:p>
+          <a:p>
+            <a:pPr lvl="1"/>
             <a:r>
               <a:rPr lang="nl-NL" dirty="0"/>
               <a:t>Swap </a:t>
             </a:r>
             <a:r>
               <a:rPr lang="nl-NL" dirty="0" err="1"/>
+              <a:t>cities</a:t>
+            </a:r>
+            <a:endParaRPr lang="nl-NL" dirty="0"/>
+          </a:p>
+          <a:p>
+            <a:pPr lvl="1"/>
+            <a:r>
+              <a:rPr lang="nl-NL" dirty="0"/>
+              <a:t>Swap </a:t>
+            </a:r>
+            <a:r>
+              <a:rPr lang="nl-NL" dirty="0" err="1"/>
               <a:t>detour</a:t>
             </a:r>
             <a:r>
               <a:rPr lang="nl-NL" dirty="0"/>
-              <a:t/>
-            </a:r>
-            <a:br>
+              <a:t> </a:t>
+            </a:r>
+          </a:p>
+          <a:p>
+            <a:pPr lvl="1"/>
+            <a:endParaRPr lang="nl-NL" dirty="0"/>
+          </a:p>
+        </p:txBody>
+      </p:sp>
+    </p:spTree>
+    <p:extLst>
+      <p:ext uri="{BB962C8B-B14F-4D97-AF65-F5344CB8AC3E}">
+        <p14:creationId xmlns:p14="http://schemas.microsoft.com/office/powerpoint/2010/main" val="2567444771"/>
+      </p:ext>
+    </p:extLst>
+  </p:cSld>
+  <p:clrMapOvr>
+    <a:masterClrMapping/>
+  </p:clrMapOvr>
+</p:sld>
+</file>
+
+<file path=ppt/slides/slide8.xml><?xml version="1.0" encoding="utf-8"?>
+<p:sld xmlns:a="http://schemas.openxmlformats.org/drawingml/2006/main" xmlns:r="http://schemas.openxmlformats.org/officeDocument/2006/relationships" xmlns:p="http://schemas.openxmlformats.org/presentationml/2006/main">
+  <p:cSld>
+    <p:spTree>
+      <p:nvGrpSpPr>
+        <p:cNvPr id="1" name=""/>
+        <p:cNvGrpSpPr/>
+        <p:nvPr/>
+      </p:nvGrpSpPr>
+      <p:grpSpPr>
+        <a:xfrm>
+          <a:off x="0" y="0"/>
+          <a:ext cx="0" cy="0"/>
+          <a:chOff x="0" y="0"/>
+          <a:chExt cx="0" cy="0"/>
+        </a:xfrm>
+      </p:grpSpPr>
+      <p:sp>
+        <p:nvSpPr>
+          <p:cNvPr id="2" name="Titel 1"/>
+          <p:cNvSpPr>
+            <a:spLocks noGrp="1"/>
+          </p:cNvSpPr>
+          <p:nvPr>
+            <p:ph type="title"/>
+          </p:nvPr>
+        </p:nvSpPr>
+        <p:spPr/>
+        <p:txBody>
+          <a:bodyPr/>
+          <a:lstStyle/>
+          <a:p>
+            <a:r>
               <a:rPr lang="nl-NL" dirty="0"/>
-            </a:br>
+              <a:t>Hill </a:t>
+            </a:r>
+            <a:r>
+              <a:rPr lang="nl-NL" dirty="0" err="1"/>
+              <a:t>Climber</a:t>
+            </a:r>
+            <a:r>
+              <a:rPr lang="nl-NL" dirty="0"/>
+              <a:t> </a:t>
+            </a:r>
+            <a:r>
+              <a:rPr lang="nl-NL" dirty="0" err="1"/>
+              <a:t>Results</a:t>
+            </a:r>
             <a:endParaRPr lang="nl-NL" dirty="0"/>
           </a:p>
         </p:txBody>
       </p:sp>
       <p:sp>
         <p:nvSpPr>
-          <p:cNvPr id="13" name="Tijdelijke aanduiding voor tekst 12">
-            <a:extLst>
-              <a:ext uri="{FF2B5EF4-FFF2-40B4-BE49-F238E27FC236}">
-                <a16:creationId xmlns="" xmlns:a16="http://schemas.microsoft.com/office/drawing/2014/main" id="{050EB52E-3964-4D33-B0F0-6FF283B52959}"/>
-              </a:ext>
-            </a:extLst>
-          </p:cNvPr>
-          <p:cNvSpPr>
-            <a:spLocks noGrp="1"/>
-          </p:cNvSpPr>
-          <p:nvPr>
-            <p:ph type="body" idx="1"/>
-          </p:nvPr>
-        </p:nvSpPr>
-        <p:spPr>
-          <a:xfrm>
-            <a:off x="1183258" y="780781"/>
-            <a:ext cx="10757607" cy="5658654"/>
-          </a:xfrm>
-        </p:spPr>
-        <p:txBody>
-          <a:bodyPr/>
-          <a:lstStyle/>
-          <a:p>
-            <a:r>
-              <a:rPr lang="nl-NL" dirty="0" smtClean="0"/>
-              <a:t>Old</a:t>
-            </a:r>
-            <a:r>
-              <a:rPr lang="nl-NL" dirty="0"/>
-              <a:t>:</a:t>
-            </a:r>
-          </a:p>
-          <a:p>
-            <a:r>
-              <a:rPr lang="nl-NL" sz="2200" dirty="0"/>
-              <a:t>MAD </a:t>
-            </a:r>
-            <a:r>
-              <a:rPr lang="nl-NL" sz="2200" dirty="0">
-                <a:sym typeface="Wingdings" panose="05000000000000000000" pitchFamily="2" charset="2"/>
-              </a:rPr>
-              <a:t></a:t>
-            </a:r>
-            <a:r>
-              <a:rPr lang="nl-NL" sz="2200" dirty="0"/>
-              <a:t> ATH  150</a:t>
-            </a:r>
-          </a:p>
-          <a:p>
-            <a:r>
-              <a:rPr lang="nl-NL" sz="2200" dirty="0"/>
-              <a:t>MAD </a:t>
-            </a:r>
-            <a:r>
-              <a:rPr lang="nl-NL" sz="2200" dirty="0">
-                <a:sym typeface="Wingdings" panose="05000000000000000000" pitchFamily="2" charset="2"/>
-              </a:rPr>
-              <a:t> AMS </a:t>
-            </a:r>
-            <a:r>
-              <a:rPr lang="nl-NL" sz="2200" dirty="0" smtClean="0">
-                <a:sym typeface="Wingdings" panose="05000000000000000000" pitchFamily="2" charset="2"/>
-              </a:rPr>
-              <a:t>49</a:t>
-            </a:r>
-            <a:endParaRPr lang="nl-NL" sz="2200" dirty="0">
-              <a:sym typeface="Wingdings" panose="05000000000000000000" pitchFamily="2" charset="2"/>
-            </a:endParaRPr>
-          </a:p>
-          <a:p>
-            <a:r>
-              <a:rPr lang="nl-NL" sz="2200" dirty="0">
-                <a:sym typeface="Wingdings" panose="05000000000000000000" pitchFamily="2" charset="2"/>
-              </a:rPr>
-              <a:t>AMS  ATH </a:t>
-            </a:r>
-            <a:r>
-              <a:rPr lang="nl-NL" sz="2200" dirty="0" smtClean="0">
-                <a:sym typeface="Wingdings" panose="05000000000000000000" pitchFamily="2" charset="2"/>
-              </a:rPr>
-              <a:t>49</a:t>
-            </a:r>
-            <a:endParaRPr lang="nl-NL" sz="2200" dirty="0">
-              <a:sym typeface="Wingdings" panose="05000000000000000000" pitchFamily="2" charset="2"/>
-            </a:endParaRPr>
-          </a:p>
-          <a:p>
-            <a:endParaRPr lang="nl-NL" dirty="0">
-              <a:sym typeface="Wingdings" panose="05000000000000000000" pitchFamily="2" charset="2"/>
-            </a:endParaRPr>
-          </a:p>
-          <a:p>
-            <a:r>
-              <a:rPr lang="nl-NL" dirty="0">
-                <a:sym typeface="Wingdings" panose="05000000000000000000" pitchFamily="2" charset="2"/>
-              </a:rPr>
-              <a:t>New:</a:t>
-            </a:r>
-          </a:p>
-          <a:p>
-            <a:r>
-              <a:rPr lang="nl-NL" sz="2200" dirty="0">
-                <a:sym typeface="Wingdings" panose="05000000000000000000" pitchFamily="2" charset="2"/>
-              </a:rPr>
-              <a:t>MAD  ATH </a:t>
-            </a:r>
-            <a:r>
-              <a:rPr lang="nl-NL" sz="2200" dirty="0" smtClean="0">
-                <a:sym typeface="Wingdings" panose="05000000000000000000" pitchFamily="2" charset="2"/>
-              </a:rPr>
-              <a:t>49</a:t>
-            </a:r>
-            <a:endParaRPr lang="nl-NL" sz="2200" dirty="0">
-              <a:sym typeface="Wingdings" panose="05000000000000000000" pitchFamily="2" charset="2"/>
-            </a:endParaRPr>
-          </a:p>
-          <a:p>
-            <a:r>
-              <a:rPr lang="nl-NL" sz="2200" dirty="0">
-                <a:sym typeface="Wingdings" panose="05000000000000000000" pitchFamily="2" charset="2"/>
-              </a:rPr>
-              <a:t>MAD  AMS 150</a:t>
-            </a:r>
-          </a:p>
-          <a:p>
-            <a:r>
-              <a:rPr lang="nl-NL" sz="2200" dirty="0">
-                <a:sym typeface="Wingdings" panose="05000000000000000000" pitchFamily="2" charset="2"/>
-              </a:rPr>
-              <a:t>AMS  ATH 150</a:t>
-            </a:r>
-          </a:p>
-          <a:p>
-            <a:endParaRPr lang="nl-NL" dirty="0" smtClean="0"/>
-          </a:p>
-          <a:p>
-            <a:r>
-              <a:rPr lang="nl-NL" sz="2400" dirty="0" smtClean="0"/>
-              <a:t>Both cases have maximum </a:t>
-            </a:r>
-            <a:r>
-              <a:rPr lang="nl-NL" sz="2400" dirty="0" err="1" smtClean="0"/>
-              <a:t>number</a:t>
-            </a:r>
-            <a:r>
-              <a:rPr lang="nl-NL" sz="2400" dirty="0" smtClean="0"/>
-              <a:t> of </a:t>
-            </a:r>
-            <a:r>
-              <a:rPr lang="nl-NL" sz="2400" dirty="0" err="1" smtClean="0"/>
-              <a:t>passengers</a:t>
-            </a:r>
-            <a:r>
-              <a:rPr lang="nl-NL" sz="2400" dirty="0" smtClean="0"/>
-              <a:t> on </a:t>
-            </a:r>
-            <a:r>
-              <a:rPr lang="nl-NL" sz="2400" dirty="0" err="1" smtClean="0"/>
-              <a:t>the</a:t>
-            </a:r>
-            <a:r>
-              <a:rPr lang="nl-NL" sz="2400" dirty="0" smtClean="0"/>
-              <a:t> </a:t>
-            </a:r>
-            <a:r>
-              <a:rPr lang="nl-NL" sz="2400" dirty="0" err="1" smtClean="0"/>
-              <a:t>flights</a:t>
-            </a:r>
-            <a:endParaRPr lang="nl-NL" sz="2400" dirty="0" smtClean="0"/>
-          </a:p>
-          <a:p>
-            <a:endParaRPr lang="nl-NL" sz="2400" dirty="0" smtClean="0"/>
-          </a:p>
-          <a:p>
-            <a:r>
-              <a:rPr lang="nl-NL" sz="2400" dirty="0" smtClean="0"/>
-              <a:t>In </a:t>
-            </a:r>
-            <a:r>
-              <a:rPr lang="nl-NL" sz="2400" dirty="0" err="1" smtClean="0"/>
-              <a:t>the</a:t>
-            </a:r>
-            <a:r>
-              <a:rPr lang="nl-NL" sz="2400" dirty="0" smtClean="0"/>
-              <a:t> new case </a:t>
-            </a:r>
-            <a:r>
-              <a:rPr lang="nl-NL" sz="2400" dirty="0" err="1" smtClean="0"/>
-              <a:t>passengers</a:t>
-            </a:r>
-            <a:r>
-              <a:rPr lang="nl-NL" sz="2400" dirty="0" smtClean="0"/>
-              <a:t> </a:t>
-            </a:r>
-            <a:r>
-              <a:rPr lang="nl-NL" sz="2400" dirty="0" err="1" smtClean="0"/>
-              <a:t>pay</a:t>
-            </a:r>
-            <a:r>
-              <a:rPr lang="nl-NL" sz="2400" dirty="0" smtClean="0"/>
-              <a:t> </a:t>
-            </a:r>
-            <a:r>
-              <a:rPr lang="nl-NL" sz="2400" dirty="0" err="1" smtClean="0"/>
-              <a:t>for</a:t>
-            </a:r>
-            <a:r>
-              <a:rPr lang="nl-NL" sz="2400" dirty="0" smtClean="0"/>
-              <a:t> more </a:t>
-            </a:r>
-            <a:r>
-              <a:rPr lang="nl-NL" sz="2400" dirty="0" err="1" smtClean="0"/>
-              <a:t>kilometres</a:t>
-            </a:r>
-            <a:r>
-              <a:rPr lang="nl-NL" sz="2400" dirty="0" smtClean="0"/>
-              <a:t> </a:t>
-            </a:r>
-            <a:r>
-              <a:rPr lang="nl-NL" sz="2400" dirty="0" smtClean="0">
-                <a:sym typeface="Wingdings" panose="05000000000000000000" pitchFamily="2" charset="2"/>
-              </a:rPr>
-              <a:t> </a:t>
-            </a:r>
-            <a:r>
-              <a:rPr lang="nl-NL" sz="2400" dirty="0" err="1" smtClean="0">
-                <a:sym typeface="Wingdings" panose="05000000000000000000" pitchFamily="2" charset="2"/>
-              </a:rPr>
-              <a:t>higher</a:t>
-            </a:r>
-            <a:r>
-              <a:rPr lang="nl-NL" sz="2400" dirty="0" smtClean="0">
-                <a:sym typeface="Wingdings" panose="05000000000000000000" pitchFamily="2" charset="2"/>
-              </a:rPr>
-              <a:t> </a:t>
-            </a:r>
-            <a:r>
-              <a:rPr lang="nl-NL" sz="2400" dirty="0" err="1" smtClean="0">
-                <a:sym typeface="Wingdings" panose="05000000000000000000" pitchFamily="2" charset="2"/>
-              </a:rPr>
-              <a:t>profit</a:t>
-            </a:r>
-            <a:endParaRPr lang="nl-NL" sz="2400" dirty="0"/>
-          </a:p>
-          <a:p>
-            <a:endParaRPr lang="nl-NL" dirty="0"/>
-          </a:p>
-        </p:txBody>
-      </p:sp>
-      <p:pic>
-        <p:nvPicPr>
-          <p:cNvPr id="5" name="Tijdelijke aanduiding voor inhoud 4">
-            <a:extLst>
-              <a:ext uri="{FF2B5EF4-FFF2-40B4-BE49-F238E27FC236}">
-                <a16:creationId xmlns="" xmlns:a16="http://schemas.microsoft.com/office/drawing/2014/main" id="{25CB3DED-B47B-4BE5-83A6-56DF8559F1BB}"/>
-              </a:ext>
-            </a:extLst>
-          </p:cNvPr>
-          <p:cNvPicPr>
-            <a:picLocks noGrp="1" noChangeAspect="1"/>
-          </p:cNvPicPr>
-          <p:nvPr>
-            <p:ph sz="half" idx="2"/>
-          </p:nvPr>
-        </p:nvPicPr>
-        <p:blipFill>
-          <a:blip r:embed="rId2">
-            <a:extLst>
-              <a:ext uri="{28A0092B-C50C-407E-A947-70E740481C1C}">
-                <a14:useLocalDpi xmlns:a14="http://schemas.microsoft.com/office/drawing/2010/main" val="0"/>
-              </a:ext>
-            </a:extLst>
-          </a:blip>
-          <a:stretch>
-            <a:fillRect/>
-          </a:stretch>
-        </p:blipFill>
-        <p:spPr>
-          <a:xfrm>
-            <a:off x="7496881" y="1012602"/>
-            <a:ext cx="4443984" cy="3797356"/>
-          </a:xfrm>
-        </p:spPr>
-      </p:pic>
+          <p:cNvPr id="3" name="Tijdelijke aanduiding voor inhoud 2"/>
+          <p:cNvSpPr>
+            <a:spLocks noGrp="1"/>
+          </p:cNvSpPr>
+          <p:nvPr>
+            <p:ph idx="1"/>
+          </p:nvPr>
+        </p:nvSpPr>
+        <p:spPr/>
+        <p:txBody>
+          <a:bodyPr>
+            <a:normAutofit/>
+          </a:bodyPr>
+          <a:lstStyle/>
+          <a:p>
+            <a:r>
+              <a:rPr lang="nl-NL" sz="2800" dirty="0"/>
+              <a:t>Profit: </a:t>
+            </a:r>
+          </a:p>
+          <a:p>
+            <a:pPr marL="0" indent="0">
+              <a:buNone/>
+            </a:pPr>
+            <a:r>
+              <a:rPr lang="nl-NL" sz="2800" dirty="0"/>
+              <a:t>    €11,381,637.00</a:t>
+            </a:r>
+          </a:p>
+        </p:txBody>
+      </p:sp>
       <p:cxnSp>
         <p:nvCxnSpPr>
-          <p:cNvPr id="9" name="Rechte verbindingslijn met pijl 8">
-            <a:extLst>
-              <a:ext uri="{FF2B5EF4-FFF2-40B4-BE49-F238E27FC236}">
-                <a16:creationId xmlns="" xmlns:a16="http://schemas.microsoft.com/office/drawing/2014/main" id="{1044903C-90BE-48BF-B4A5-30C0A8054CDE}"/>
+          <p:cNvPr id="7" name="Rechte verbindingslijn met pijl 6">
+            <a:extLst>
+              <a:ext uri="{FF2B5EF4-FFF2-40B4-BE49-F238E27FC236}">
+                <a16:creationId xmlns:a16="http://schemas.microsoft.com/office/drawing/2014/main" id="{36209837-E837-48DB-B8BC-8DD9828EC418}"/>
               </a:ext>
             </a:extLst>
           </p:cNvPr>
@@ -6005,53 +5431,9 @@
           <p:nvPr/>
         </p:nvCxnSpPr>
         <p:spPr>
-          <a:xfrm flipV="1">
-            <a:off x="8052096" y="3034822"/>
-            <a:ext cx="715618" cy="1150572"/>
-          </a:xfrm>
-          <a:prstGeom prst="straightConnector1">
-            <a:avLst/>
-          </a:prstGeom>
-          <a:ln>
-            <a:solidFill>
-              <a:srgbClr val="FF0000"/>
-            </a:solidFill>
-            <a:tailEnd type="triangle"/>
-          </a:ln>
-        </p:spPr>
-        <p:style>
-          <a:lnRef idx="2">
-            <a:schemeClr val="accent6"/>
-          </a:lnRef>
-          <a:fillRef idx="0">
-            <a:schemeClr val="accent6"/>
-          </a:fillRef>
-          <a:effectRef idx="1">
-            <a:schemeClr val="accent6"/>
-          </a:effectRef>
-          <a:fontRef idx="minor">
-            <a:schemeClr val="tx1"/>
-          </a:fontRef>
-        </p:style>
-      </p:cxnSp>
-      <p:cxnSp>
-        <p:nvCxnSpPr>
-          <p:cNvPr id="11" name="Rechte verbindingslijn met pijl 10">
-            <a:extLst>
-              <a:ext uri="{FF2B5EF4-FFF2-40B4-BE49-F238E27FC236}">
-                <a16:creationId xmlns="" xmlns:a16="http://schemas.microsoft.com/office/drawing/2014/main" id="{36209837-E837-48DB-B8BC-8DD9828EC418}"/>
-              </a:ext>
-            </a:extLst>
-          </p:cNvPr>
-          <p:cNvCxnSpPr>
-            <a:cxnSpLocks/>
-          </p:cNvCxnSpPr>
-          <p:nvPr/>
-        </p:nvCxnSpPr>
-        <p:spPr>
-          <a:xfrm>
-            <a:off x="8767714" y="3074779"/>
-            <a:ext cx="1445378" cy="1364974"/>
+          <a:xfrm flipH="1" flipV="1">
+            <a:off x="7070500" y="3192402"/>
+            <a:ext cx="734096" cy="1558"/>
           </a:xfrm>
           <a:prstGeom prst="straightConnector1">
             <a:avLst/>
@@ -6078,107 +5460,15 @@
           </a:fontRef>
         </p:style>
       </p:cxnSp>
-    </p:spTree>
-    <p:extLst>
-      <p:ext uri="{BB962C8B-B14F-4D97-AF65-F5344CB8AC3E}">
-        <p14:creationId xmlns:p14="http://schemas.microsoft.com/office/powerpoint/2010/main" val="4021325677"/>
-      </p:ext>
-    </p:extLst>
-  </p:cSld>
-  <p:clrMapOvr>
-    <a:masterClrMapping/>
-  </p:clrMapOvr>
-</p:sld>
-</file>
-
-<file path=ppt/slides/slide8.xml><?xml version="1.0" encoding="utf-8"?>
-<p:sld xmlns:a="http://schemas.openxmlformats.org/drawingml/2006/main" xmlns:r="http://schemas.openxmlformats.org/officeDocument/2006/relationships" xmlns:p="http://schemas.openxmlformats.org/presentationml/2006/main">
-  <p:cSld>
-    <p:spTree>
-      <p:nvGrpSpPr>
-        <p:cNvPr id="1" name=""/>
-        <p:cNvGrpSpPr/>
-        <p:nvPr/>
-      </p:nvGrpSpPr>
-      <p:grpSpPr>
-        <a:xfrm>
-          <a:off x="0" y="0"/>
-          <a:ext cx="0" cy="0"/>
-          <a:chOff x="0" y="0"/>
-          <a:chExt cx="0" cy="0"/>
-        </a:xfrm>
-      </p:grpSpPr>
-      <p:sp>
-        <p:nvSpPr>
-          <p:cNvPr id="2" name="Titel 1"/>
-          <p:cNvSpPr>
-            <a:spLocks noGrp="1"/>
-          </p:cNvSpPr>
-          <p:nvPr>
-            <p:ph type="title"/>
-          </p:nvPr>
-        </p:nvSpPr>
-        <p:spPr/>
-        <p:txBody>
-          <a:bodyPr/>
-          <a:lstStyle/>
-          <a:p>
-            <a:r>
-              <a:rPr lang="nl-NL" dirty="0" smtClean="0"/>
-              <a:t>Hill </a:t>
-            </a:r>
-            <a:r>
-              <a:rPr lang="nl-NL" dirty="0" err="1" smtClean="0"/>
-              <a:t>Climber</a:t>
-            </a:r>
-            <a:r>
-              <a:rPr lang="nl-NL" dirty="0" smtClean="0"/>
-              <a:t> </a:t>
-            </a:r>
-            <a:r>
-              <a:rPr lang="nl-NL" dirty="0" err="1" smtClean="0"/>
-              <a:t>Results</a:t>
-            </a:r>
-            <a:endParaRPr lang="nl-NL" dirty="0"/>
-          </a:p>
-        </p:txBody>
-      </p:sp>
-      <p:sp>
-        <p:nvSpPr>
-          <p:cNvPr id="3" name="Tijdelijke aanduiding voor tekst 2"/>
-          <p:cNvSpPr>
-            <a:spLocks noGrp="1"/>
-          </p:cNvSpPr>
-          <p:nvPr>
-            <p:ph type="body" idx="1"/>
-          </p:nvPr>
-        </p:nvSpPr>
-        <p:spPr/>
-        <p:txBody>
-          <a:bodyPr/>
-          <a:lstStyle/>
-          <a:p>
-            <a:pPr marL="457200" indent="-457200">
-              <a:buFont typeface="Wingdings" panose="05000000000000000000" pitchFamily="2" charset="2"/>
-              <a:buChar char="§"/>
-            </a:pPr>
-            <a:r>
-              <a:rPr lang="nl-NL" dirty="0" smtClean="0"/>
-              <a:t>Profit: </a:t>
-            </a:r>
-          </a:p>
-          <a:p>
-            <a:r>
-              <a:rPr lang="nl-NL" dirty="0" smtClean="0"/>
-              <a:t>     €11,381,637.00</a:t>
-            </a:r>
-            <a:endParaRPr lang="nl-NL" dirty="0"/>
-          </a:p>
-        </p:txBody>
-      </p:sp>
       <p:pic>
         <p:nvPicPr>
-          <p:cNvPr id="15" name="Afbeelding 14"/>
+          <p:cNvPr id="8" name="Afbeelding 7">
+            <a:extLst>
+              <a:ext uri="{FF2B5EF4-FFF2-40B4-BE49-F238E27FC236}">
+                <a16:creationId xmlns:a16="http://schemas.microsoft.com/office/drawing/2014/main" id="{9CCE6B1B-FEF5-47E8-B467-F2D0CC683CEA}"/>
+              </a:ext>
+            </a:extLst>
+          </p:cNvPr>
           <p:cNvPicPr>
             <a:picLocks noChangeAspect="1"/>
           </p:cNvPicPr>
@@ -6209,7 +5499,7 @@
     </p:spTree>
     <p:extLst>
       <p:ext uri="{BB962C8B-B14F-4D97-AF65-F5344CB8AC3E}">
-        <p14:creationId xmlns:p14="http://schemas.microsoft.com/office/powerpoint/2010/main" val="750110924"/>
+        <p14:creationId xmlns:p14="http://schemas.microsoft.com/office/powerpoint/2010/main" val="3446589215"/>
       </p:ext>
     </p:extLst>
   </p:cSld>
@@ -6252,27 +5542,27 @@
           <a:lstStyle/>
           <a:p>
             <a:r>
-              <a:rPr lang="nl-NL" dirty="0" smtClean="0"/>
+              <a:rPr lang="nl-NL" dirty="0"/>
               <a:t>Hill </a:t>
             </a:r>
             <a:r>
-              <a:rPr lang="nl-NL" dirty="0" err="1" smtClean="0"/>
+              <a:rPr lang="nl-NL" dirty="0" err="1"/>
               <a:t>Climber</a:t>
             </a:r>
             <a:r>
-              <a:rPr lang="nl-NL" dirty="0" smtClean="0"/>
+              <a:rPr lang="nl-NL" dirty="0"/>
               <a:t> </a:t>
             </a:r>
             <a:r>
-              <a:rPr lang="nl-NL" dirty="0" err="1" smtClean="0"/>
+              <a:rPr lang="nl-NL" dirty="0" err="1"/>
               <a:t>Restart</a:t>
             </a:r>
             <a:r>
-              <a:rPr lang="nl-NL" dirty="0" smtClean="0"/>
+              <a:rPr lang="nl-NL" dirty="0"/>
               <a:t> </a:t>
             </a:r>
             <a:r>
-              <a:rPr lang="nl-NL" dirty="0" err="1" smtClean="0"/>
+              <a:rPr lang="nl-NL" dirty="0" err="1"/>
               <a:t>Results</a:t>
             </a:r>
             <a:endParaRPr lang="nl-NL" dirty="0"/>
@@ -6300,7 +5590,6 @@
               <a:rPr lang="nl-NL" sz="2800" dirty="0"/>
               <a:t>Profit: </a:t>
             </a:r>
-            <a:endParaRPr lang="nl-NL" sz="2800" dirty="0" smtClean="0"/>
           </a:p>
           <a:p>
             <a:pPr marL="0" indent="0">
@@ -6308,13 +5597,8 @@
             </a:pPr>
             <a:r>
               <a:rPr lang="nl-NL" sz="2800" dirty="0"/>
-              <a:t>    €</a:t>
-            </a:r>
-            <a:r>
-              <a:rPr lang="nl-NL" sz="2800" dirty="0" smtClean="0"/>
-              <a:t>11,662,645.00</a:t>
-            </a:r>
-            <a:endParaRPr lang="nl-NL" sz="2800" dirty="0"/>
+              <a:t>    €11,662,645.00</a:t>
+            </a:r>
           </a:p>
         </p:txBody>
       </p:sp>
@@ -6353,7 +5637,7 @@
           <p:cNvPr id="7" name="Rechte verbindingslijn met pijl 6">
             <a:extLst>
               <a:ext uri="{FF2B5EF4-FFF2-40B4-BE49-F238E27FC236}">
-                <a16:creationId xmlns="" xmlns:a16="http://schemas.microsoft.com/office/drawing/2014/main" id="{36209837-E837-48DB-B8BC-8DD9828EC418}"/>
+                <a16:creationId xmlns:a16="http://schemas.microsoft.com/office/drawing/2014/main" id="{36209837-E837-48DB-B8BC-8DD9828EC418}"/>
               </a:ext>
             </a:extLst>
           </p:cNvPr>
@@ -6395,7 +5679,7 @@
     </p:spTree>
     <p:extLst>
       <p:ext uri="{BB962C8B-B14F-4D97-AF65-F5344CB8AC3E}">
-        <p14:creationId xmlns:p14="http://schemas.microsoft.com/office/powerpoint/2010/main" val="3446589215"/>
+        <p14:creationId xmlns:p14="http://schemas.microsoft.com/office/powerpoint/2010/main" val="2774249034"/>
       </p:ext>
     </p:extLst>
   </p:cSld>
@@ -6406,9 +5690,9 @@
 </file>
 
 <file path=ppt/theme/theme1.xml><?xml version="1.0" encoding="utf-8"?>
-<a:theme xmlns:a="http://schemas.openxmlformats.org/drawingml/2006/main" name="Crop">
+<a:theme xmlns:a="http://schemas.openxmlformats.org/drawingml/2006/main" name="Kantoorthema">
   <a:themeElements>
-    <a:clrScheme name="Crop">
+    <a:clrScheme name="Office">
       <a:dk1>
         <a:sysClr val="windowText" lastClr="000000"/>
       </a:dk1>
@@ -6416,48 +5700,100 @@
         <a:sysClr val="window" lastClr="FFFFFF"/>
       </a:lt1>
       <a:dk2>
-        <a:srgbClr val="191B0E"/>
+        <a:srgbClr val="44546A"/>
       </a:dk2>
       <a:lt2>
-        <a:srgbClr val="EFEDE3"/>
+        <a:srgbClr val="E7E6E6"/>
       </a:lt2>
       <a:accent1>
-        <a:srgbClr val="8C8D86"/>
+        <a:srgbClr val="4472C4"/>
       </a:accent1>
       <a:accent2>
-        <a:srgbClr val="E6C069"/>
+        <a:srgbClr val="ED7D31"/>
       </a:accent2>
       <a:accent3>
-        <a:srgbClr val="897B61"/>
+        <a:srgbClr val="A5A5A5"/>
       </a:accent3>
       <a:accent4>
-        <a:srgbClr val="8DAB8E"/>
+        <a:srgbClr val="FFC000"/>
       </a:accent4>
       <a:accent5>
-        <a:srgbClr val="77A2BB"/>
+        <a:srgbClr val="5B9BD5"/>
       </a:accent5>
       <a:accent6>
-        <a:srgbClr val="E28394"/>
+        <a:srgbClr val="70AD47"/>
       </a:accent6>
       <a:hlink>
-        <a:srgbClr val="77A2BB"/>
+        <a:srgbClr val="0563C1"/>
       </a:hlink>
       <a:folHlink>
-        <a:srgbClr val="957A99"/>
+        <a:srgbClr val="954F72"/>
       </a:folHlink>
     </a:clrScheme>
-    <a:fontScheme name="Crop">
+    <a:fontScheme name="Office">
       <a:majorFont>
-        <a:latin typeface="Franklin Gothic Book" panose="020B0503020102020204"/>
+        <a:latin typeface="Calibri Light" panose="020F0302020204030204"/>
         <a:ea typeface=""/>
         <a:cs typeface=""/>
-        <a:font script="Jpan" typeface="メイリオ"/>
-        <a:font script="Hang" typeface="돋움"/>
-        <a:font script="Hans" typeface="华文楷体"/>
-        <a:font script="Hant" typeface="微軟正黑體"/>
-        <a:font script="Arab" typeface="Tahoma"/>
-        <a:font script="Hebr" typeface="Aharoni"/>
-        <a:font script="Thai" typeface="LilyUPC"/>
+        <a:font script="Jpan" typeface="游ゴシック Light"/>
+        <a:font script="Hang" typeface="맑은 고딕"/>
+        <a:font script="Hans" typeface="等线 Light"/>
+        <a:font script="Hant" typeface="新細明體"/>
+        <a:font script="Arab" typeface="Times New Roman"/>
+        <a:font script="Hebr" typeface="Times New Roman"/>
+        <a:font script="Thai" typeface="Angsana New"/>
+        <a:font script="Ethi" typeface="Nyala"/>
+        <a:font script="Beng" typeface="Vrinda"/>
+        <a:font script="Gujr" typeface="Shruti"/>
+        <a:font script="Khmr" typeface="MoolBoran"/>
+        <a:font script="Knda" typeface="Tunga"/>
+        <a:font script="Guru" typeface="Raavi"/>
+        <a:font script="Cans" typeface="Euphemia"/>
+        <a:font script="Cher" typeface="Plantagenet Cherokee"/>
+        <a:font script="Yiii" typeface="Microsoft Yi Baiti"/>
+        <a:font script="Tibt" typeface="Microsoft Himalaya"/>
+        <a:font script="Thaa" typeface="MV Boli"/>
+        <a:font script="Deva" typeface="Mangal"/>
+        <a:font script="Telu" typeface="Gautami"/>
+        <a:font script="Taml" typeface="Latha"/>
+        <a:font script="Syrc" typeface="Estrangelo Edessa"/>
+        <a:font script="Orya" typeface="Kalinga"/>
+        <a:font script="Mlym" typeface="Kartika"/>
+        <a:font script="Laoo" typeface="DokChampa"/>
+        <a:font script="Sinh" typeface="Iskoola Pota"/>
+        <a:font script="Mong" typeface="Mongolian Baiti"/>
+        <a:font script="Viet" typeface="Times New Roman"/>
+        <a:font script="Uigh" typeface="Microsoft Uighur"/>
+        <a:font script="Geor" typeface="Sylfaen"/>
+        <a:font script="Armn" typeface="Arial"/>
+        <a:font script="Bugi" typeface="Leelawadee UI"/>
+        <a:font script="Bopo" typeface="Microsoft JhengHei"/>
+        <a:font script="Java" typeface="Javanese Text"/>
+        <a:font script="Lisu" typeface="Segoe UI"/>
+        <a:font script="Mymr" typeface="Myanmar Text"/>
+        <a:font script="Nkoo" typeface="Ebrima"/>
+        <a:font script="Olck" typeface="Nirmala UI"/>
+        <a:font script="Osma" typeface="Ebrima"/>
+        <a:font script="Phag" typeface="Phagspa"/>
+        <a:font script="Syrn" typeface="Estrangelo Edessa"/>
+        <a:font script="Syrj" typeface="Estrangelo Edessa"/>
+        <a:font script="Syre" typeface="Estrangelo Edessa"/>
+        <a:font script="Sora" typeface="Nirmala UI"/>
+        <a:font script="Tale" typeface="Microsoft Tai Le"/>
+        <a:font script="Talu" typeface="Microsoft New Tai Lue"/>
+        <a:font script="Tfng" typeface="Ebrima"/>
+      </a:majorFont>
+      <a:minorFont>
+        <a:latin typeface="Calibri" panose="020F0502020204030204"/>
+        <a:ea typeface=""/>
+        <a:cs typeface=""/>
+        <a:font script="Jpan" typeface="游ゴシック"/>
+        <a:font script="Hang" typeface="맑은 고딕"/>
+        <a:font script="Hans" typeface="等线"/>
+        <a:font script="Hant" typeface="新細明體"/>
+        <a:font script="Arab" typeface="Arial"/>
+        <a:font script="Hebr" typeface="Arial"/>
+        <a:font script="Thai" typeface="Cordia New"/>
         <a:font script="Ethi" typeface="Nyala"/>
         <a:font script="Beng" typeface="Vrinda"/>
         <a:font script="Gujr" typeface="Shruti"/>
@@ -6478,47 +5814,29 @@
         <a:font script="Laoo" typeface="DokChampa"/>
         <a:font script="Sinh" typeface="Iskoola Pota"/>
         <a:font script="Mong" typeface="Mongolian Baiti"/>
-        <a:font script="Viet" typeface="Tahoma"/>
+        <a:font script="Viet" typeface="Arial"/>
         <a:font script="Uigh" typeface="Microsoft Uighur"/>
         <a:font script="Geor" typeface="Sylfaen"/>
-      </a:majorFont>
-      <a:minorFont>
-        <a:latin typeface="Franklin Gothic Book" panose="020B0503020102020204"/>
-        <a:ea typeface=""/>
-        <a:cs typeface=""/>
-        <a:font script="Jpan" typeface="メイリオ"/>
-        <a:font script="Hang" typeface="돋움"/>
-        <a:font script="Hans" typeface="华文楷体"/>
-        <a:font script="Hant" typeface="微軟正黑體"/>
-        <a:font script="Arab" typeface="Tahoma"/>
-        <a:font script="Hebr" typeface="Aharoni"/>
-        <a:font script="Thai" typeface="LilyUPC"/>
-        <a:font script="Ethi" typeface="Nyala"/>
-        <a:font script="Beng" typeface="Vrinda"/>
-        <a:font script="Gujr" typeface="Shruti"/>
-        <a:font script="Khmr" typeface="DaunPenh"/>
-        <a:font script="Knda" typeface="Tunga"/>
-        <a:font script="Guru" typeface="Raavi"/>
-        <a:font script="Cans" typeface="Euphemia"/>
-        <a:font script="Cher" typeface="Plantagenet Cherokee"/>
-        <a:font script="Yiii" typeface="Microsoft Yi Baiti"/>
-        <a:font script="Tibt" typeface="Microsoft Himalaya"/>
-        <a:font script="Thaa" typeface="MV Boli"/>
-        <a:font script="Deva" typeface="Mangal"/>
-        <a:font script="Telu" typeface="Gautami"/>
-        <a:font script="Taml" typeface="Latha"/>
-        <a:font script="Syrc" typeface="Estrangelo Edessa"/>
-        <a:font script="Orya" typeface="Kalinga"/>
-        <a:font script="Mlym" typeface="Kartika"/>
-        <a:font script="Laoo" typeface="DokChampa"/>
-        <a:font script="Sinh" typeface="Iskoola Pota"/>
-        <a:font script="Mong" typeface="Mongolian Baiti"/>
-        <a:font script="Viet" typeface="Tahoma"/>
-        <a:font script="Uigh" typeface="Microsoft Uighur"/>
-        <a:font script="Geor" typeface="Sylfaen"/>
+        <a:font script="Armn" typeface="Arial"/>
+        <a:font script="Bugi" typeface="Leelawadee UI"/>
+        <a:font script="Bopo" typeface="Microsoft JhengHei"/>
+        <a:font script="Java" typeface="Javanese Text"/>
+        <a:font script="Lisu" typeface="Segoe UI"/>
+        <a:font script="Mymr" typeface="Myanmar Text"/>
+        <a:font script="Nkoo" typeface="Ebrima"/>
+        <a:font script="Olck" typeface="Nirmala UI"/>
+        <a:font script="Osma" typeface="Ebrima"/>
+        <a:font script="Phag" typeface="Phagspa"/>
+        <a:font script="Syrn" typeface="Estrangelo Edessa"/>
+        <a:font script="Syrj" typeface="Estrangelo Edessa"/>
+        <a:font script="Syre" typeface="Estrangelo Edessa"/>
+        <a:font script="Sora" typeface="Nirmala UI"/>
+        <a:font script="Tale" typeface="Microsoft Tai Le"/>
+        <a:font script="Talu" typeface="Microsoft New Tai Lue"/>
+        <a:font script="Tfng" typeface="Ebrima"/>
       </a:minorFont>
     </a:fontScheme>
-    <a:fmtScheme name="Crop">
+    <a:fmtScheme name="Office">
       <a:fillStyleLst>
         <a:solidFill>
           <a:schemeClr val="phClr"/>
@@ -6527,23 +5845,23 @@
           <a:gsLst>
             <a:gs pos="0">
               <a:schemeClr val="phClr">
+                <a:lumMod val="110000"/>
+                <a:satMod val="105000"/>
                 <a:tint val="67000"/>
-                <a:satMod val="105000"/>
-                <a:lumMod val="110000"/>
               </a:schemeClr>
             </a:gs>
             <a:gs pos="50000">
               <a:schemeClr val="phClr">
+                <a:lumMod val="105000"/>
+                <a:satMod val="103000"/>
                 <a:tint val="73000"/>
-                <a:satMod val="103000"/>
-                <a:lumMod val="105000"/>
               </a:schemeClr>
             </a:gs>
             <a:gs pos="100000">
               <a:schemeClr val="phClr">
+                <a:lumMod val="105000"/>
+                <a:satMod val="109000"/>
                 <a:tint val="81000"/>
-                <a:satMod val="109000"/>
-                <a:lumMod val="105000"/>
               </a:schemeClr>
             </a:gs>
           </a:gsLst>
@@ -6553,23 +5871,23 @@
           <a:gsLst>
             <a:gs pos="0">
               <a:schemeClr val="phClr">
-                <a:tint val="94000"/>
                 <a:satMod val="103000"/>
                 <a:lumMod val="102000"/>
+                <a:tint val="94000"/>
               </a:schemeClr>
             </a:gs>
             <a:gs pos="50000">
               <a:schemeClr val="phClr">
-                <a:shade val="100000"/>
                 <a:satMod val="110000"/>
                 <a:lumMod val="100000"/>
+                <a:shade val="100000"/>
               </a:schemeClr>
             </a:gs>
             <a:gs pos="100000">
               <a:schemeClr val="phClr">
+                <a:lumMod val="99000"/>
+                <a:satMod val="120000"/>
                 <a:shade val="78000"/>
-                <a:satMod val="120000"/>
-                <a:lumMod val="99000"/>
               </a:schemeClr>
             </a:gs>
           </a:gsLst>
@@ -6577,23 +5895,26 @@
         </a:gradFill>
       </a:fillStyleLst>
       <a:lnStyleLst>
-        <a:ln w="6350" cap="flat" cmpd="sng" algn="in">
+        <a:ln w="6350" cap="flat" cmpd="sng" algn="ctr">
           <a:solidFill>
             <a:schemeClr val="phClr"/>
           </a:solidFill>
           <a:prstDash val="solid"/>
+          <a:miter lim="800000"/>
         </a:ln>
-        <a:ln w="34925" cap="flat" cmpd="sng" algn="in">
+        <a:ln w="12700" cap="flat" cmpd="sng" algn="ctr">
           <a:solidFill>
             <a:schemeClr val="phClr"/>
           </a:solidFill>
           <a:prstDash val="solid"/>
+          <a:miter lim="800000"/>
         </a:ln>
-        <a:ln w="19050" cap="flat" cmpd="sng" algn="in">
+        <a:ln w="19050" cap="flat" cmpd="sng" algn="ctr">
           <a:solidFill>
             <a:schemeClr val="phClr"/>
           </a:solidFill>
           <a:prstDash val="solid"/>
+          <a:miter lim="800000"/>
         </a:ln>
       </a:lnStyleLst>
       <a:effectStyleLst>
@@ -6607,7 +5928,7 @@
           <a:effectLst>
             <a:outerShdw blurRad="57150" dist="19050" dir="5400000" algn="ctr" rotWithShape="0">
               <a:srgbClr val="000000">
-                <a:alpha val="35000"/>
+                <a:alpha val="63000"/>
               </a:srgbClr>
             </a:outerShdw>
           </a:effectLst>
@@ -6628,16 +5949,16 @@
             <a:gs pos="0">
               <a:schemeClr val="phClr">
                 <a:tint val="93000"/>
+                <a:satMod val="150000"/>
                 <a:shade val="98000"/>
-                <a:satMod val="150000"/>
                 <a:lumMod val="102000"/>
               </a:schemeClr>
             </a:gs>
             <a:gs pos="50000">
               <a:schemeClr val="phClr">
                 <a:tint val="98000"/>
+                <a:satMod val="130000"/>
                 <a:shade val="90000"/>
-                <a:satMod val="130000"/>
                 <a:lumMod val="103000"/>
               </a:schemeClr>
             </a:gs>
@@ -6657,7 +5978,7 @@
   <a:extraClrSchemeLst/>
   <a:extLst>
     <a:ext uri="{05A4C25C-085E-4340-85A3-A5531E510DB2}">
-      <thm15:themeFamily xmlns:thm15="http://schemas.microsoft.com/office/thememl/2012/main" name="Crop" id="{EC9488ED-E761-4D60-9AC4-764D1FE2C171}" vid="{CE19780C-D67D-4C13-9DE9-A52BC3BA51B4}"/>
+      <thm15:themeFamily xmlns:thm15="http://schemas.microsoft.com/office/thememl/2012/main" name="Office Theme" id="{62F939B6-93AF-4DB8-9C6B-D6C7DFDC589F}" vid="{4A3C46E8-61CC-4603-A589-7422A47A8E4A}"/>
     </a:ext>
   </a:extLst>
 </a:theme>

--- a/doc/Mokum Airways.pptx
+++ b/doc/Mokum Airways.pptx
@@ -4560,13 +4560,6 @@
           <a:p>
             <a:r>
               <a:rPr lang="nl-NL" dirty="0" err="1"/>
-              <a:t>Results</a:t>
-            </a:r>
-            <a:endParaRPr lang="nl-NL" dirty="0"/>
-          </a:p>
-          <a:p>
-            <a:r>
-              <a:rPr lang="nl-NL" dirty="0" err="1"/>
               <a:t>To</a:t>
             </a:r>
             <a:r>
